--- a/doc/Figures.pptx
+++ b/doc/Figures.pptx
@@ -4,9 +4,15 @@
   <p:sldMasterIdLst>
     <p:sldMasterId id="2147483648" r:id="rId1"/>
   </p:sldMasterIdLst>
+  <p:notesMasterIdLst>
+    <p:notesMasterId r:id="rId7"/>
+  </p:notesMasterIdLst>
   <p:sldIdLst>
     <p:sldId id="256" r:id="rId2"/>
     <p:sldId id="257" r:id="rId3"/>
+    <p:sldId id="258" r:id="rId4"/>
+    <p:sldId id="259" r:id="rId5"/>
+    <p:sldId id="260" r:id="rId6"/>
   </p:sldIdLst>
   <p:sldSz cx="12192000" cy="6858000"/>
   <p:notesSz cx="6858000" cy="9144000"/>
@@ -270,6 +276,703 @@
 </pc:chgInfo>
 </file>
 
+<file path=ppt/notesMasters/notesMaster1.xml><?xml version="1.0" encoding="utf-8"?>
+<p:notesMaster xmlns:a="http://schemas.openxmlformats.org/drawingml/2006/main" xmlns:r="http://schemas.openxmlformats.org/officeDocument/2006/relationships" xmlns:p="http://schemas.openxmlformats.org/presentationml/2006/main">
+  <p:cSld>
+    <p:bg>
+      <p:bgRef idx="1001">
+        <a:schemeClr val="bg1"/>
+      </p:bgRef>
+    </p:bg>
+    <p:spTree>
+      <p:nvGrpSpPr>
+        <p:cNvPr id="1" name=""/>
+        <p:cNvGrpSpPr/>
+        <p:nvPr/>
+      </p:nvGrpSpPr>
+      <p:grpSpPr>
+        <a:xfrm>
+          <a:off x="0" y="0"/>
+          <a:ext cx="0" cy="0"/>
+          <a:chOff x="0" y="0"/>
+          <a:chExt cx="0" cy="0"/>
+        </a:xfrm>
+      </p:grpSpPr>
+      <p:sp>
+        <p:nvSpPr>
+          <p:cNvPr id="2" name="Header Placeholder 1"/>
+          <p:cNvSpPr>
+            <a:spLocks noGrp="1"/>
+          </p:cNvSpPr>
+          <p:nvPr>
+            <p:ph type="hdr" sz="quarter"/>
+          </p:nvPr>
+        </p:nvSpPr>
+        <p:spPr>
+          <a:xfrm>
+            <a:off x="0" y="0"/>
+            <a:ext cx="2971800" cy="458788"/>
+          </a:xfrm>
+          <a:prstGeom prst="rect">
+            <a:avLst/>
+          </a:prstGeom>
+        </p:spPr>
+        <p:txBody>
+          <a:bodyPr vert="horz" lIns="91440" tIns="45720" rIns="91440" bIns="45720" rtlCol="0"/>
+          <a:lstStyle>
+            <a:lvl1pPr algn="l">
+              <a:defRPr sz="1200"/>
+            </a:lvl1pPr>
+          </a:lstStyle>
+          <a:p>
+            <a:endParaRPr lang="en-US"/>
+          </a:p>
+        </p:txBody>
+      </p:sp>
+      <p:sp>
+        <p:nvSpPr>
+          <p:cNvPr id="3" name="Date Placeholder 2"/>
+          <p:cNvSpPr>
+            <a:spLocks noGrp="1"/>
+          </p:cNvSpPr>
+          <p:nvPr>
+            <p:ph type="dt" idx="1"/>
+          </p:nvPr>
+        </p:nvSpPr>
+        <p:spPr>
+          <a:xfrm>
+            <a:off x="3884613" y="0"/>
+            <a:ext cx="2971800" cy="458788"/>
+          </a:xfrm>
+          <a:prstGeom prst="rect">
+            <a:avLst/>
+          </a:prstGeom>
+        </p:spPr>
+        <p:txBody>
+          <a:bodyPr vert="horz" lIns="91440" tIns="45720" rIns="91440" bIns="45720" rtlCol="0"/>
+          <a:lstStyle>
+            <a:lvl1pPr algn="r">
+              <a:defRPr sz="1200"/>
+            </a:lvl1pPr>
+          </a:lstStyle>
+          <a:p>
+            <a:fld id="{1233D10B-F3FE-4E0C-9B7A-9069C71B15EC}" type="datetimeFigureOut">
+              <a:rPr lang="en-US" smtClean="0"/>
+              <a:t>2021-04-05</a:t>
+            </a:fld>
+            <a:endParaRPr lang="en-US"/>
+          </a:p>
+        </p:txBody>
+      </p:sp>
+      <p:sp>
+        <p:nvSpPr>
+          <p:cNvPr id="4" name="Slide Image Placeholder 3"/>
+          <p:cNvSpPr>
+            <a:spLocks noGrp="1" noRot="1" noChangeAspect="1"/>
+          </p:cNvSpPr>
+          <p:nvPr>
+            <p:ph type="sldImg" idx="2"/>
+          </p:nvPr>
+        </p:nvSpPr>
+        <p:spPr>
+          <a:xfrm>
+            <a:off x="685800" y="1143000"/>
+            <a:ext cx="5486400" cy="3086100"/>
+          </a:xfrm>
+          <a:prstGeom prst="rect">
+            <a:avLst/>
+          </a:prstGeom>
+          <a:noFill/>
+          <a:ln w="12700">
+            <a:solidFill>
+              <a:prstClr val="black"/>
+            </a:solidFill>
+          </a:ln>
+        </p:spPr>
+        <p:txBody>
+          <a:bodyPr vert="horz" lIns="91440" tIns="45720" rIns="91440" bIns="45720" rtlCol="0" anchor="ctr"/>
+          <a:lstStyle/>
+          <a:p>
+            <a:endParaRPr lang="en-US"/>
+          </a:p>
+        </p:txBody>
+      </p:sp>
+      <p:sp>
+        <p:nvSpPr>
+          <p:cNvPr id="5" name="Notes Placeholder 4"/>
+          <p:cNvSpPr>
+            <a:spLocks noGrp="1"/>
+          </p:cNvSpPr>
+          <p:nvPr>
+            <p:ph type="body" sz="quarter" idx="3"/>
+          </p:nvPr>
+        </p:nvSpPr>
+        <p:spPr>
+          <a:xfrm>
+            <a:off x="685800" y="4400550"/>
+            <a:ext cx="5486400" cy="3600450"/>
+          </a:xfrm>
+          <a:prstGeom prst="rect">
+            <a:avLst/>
+          </a:prstGeom>
+        </p:spPr>
+        <p:txBody>
+          <a:bodyPr vert="horz" lIns="91440" tIns="45720" rIns="91440" bIns="45720" rtlCol="0"/>
+          <a:lstStyle/>
+          <a:p>
+            <a:pPr lvl="0"/>
+            <a:r>
+              <a:rPr lang="en-US"/>
+              <a:t>Click to edit Master text styles</a:t>
+            </a:r>
+          </a:p>
+          <a:p>
+            <a:pPr lvl="1"/>
+            <a:r>
+              <a:rPr lang="en-US"/>
+              <a:t>Second level</a:t>
+            </a:r>
+          </a:p>
+          <a:p>
+            <a:pPr lvl="2"/>
+            <a:r>
+              <a:rPr lang="en-US"/>
+              <a:t>Third level</a:t>
+            </a:r>
+          </a:p>
+          <a:p>
+            <a:pPr lvl="3"/>
+            <a:r>
+              <a:rPr lang="en-US"/>
+              <a:t>Fourth level</a:t>
+            </a:r>
+          </a:p>
+          <a:p>
+            <a:pPr lvl="4"/>
+            <a:r>
+              <a:rPr lang="en-US"/>
+              <a:t>Fifth level</a:t>
+            </a:r>
+          </a:p>
+        </p:txBody>
+      </p:sp>
+      <p:sp>
+        <p:nvSpPr>
+          <p:cNvPr id="6" name="Footer Placeholder 5"/>
+          <p:cNvSpPr>
+            <a:spLocks noGrp="1"/>
+          </p:cNvSpPr>
+          <p:nvPr>
+            <p:ph type="ftr" sz="quarter" idx="4"/>
+          </p:nvPr>
+        </p:nvSpPr>
+        <p:spPr>
+          <a:xfrm>
+            <a:off x="0" y="8685213"/>
+            <a:ext cx="2971800" cy="458787"/>
+          </a:xfrm>
+          <a:prstGeom prst="rect">
+            <a:avLst/>
+          </a:prstGeom>
+        </p:spPr>
+        <p:txBody>
+          <a:bodyPr vert="horz" lIns="91440" tIns="45720" rIns="91440" bIns="45720" rtlCol="0" anchor="b"/>
+          <a:lstStyle>
+            <a:lvl1pPr algn="l">
+              <a:defRPr sz="1200"/>
+            </a:lvl1pPr>
+          </a:lstStyle>
+          <a:p>
+            <a:endParaRPr lang="en-US"/>
+          </a:p>
+        </p:txBody>
+      </p:sp>
+      <p:sp>
+        <p:nvSpPr>
+          <p:cNvPr id="7" name="Slide Number Placeholder 6"/>
+          <p:cNvSpPr>
+            <a:spLocks noGrp="1"/>
+          </p:cNvSpPr>
+          <p:nvPr>
+            <p:ph type="sldNum" sz="quarter" idx="5"/>
+          </p:nvPr>
+        </p:nvSpPr>
+        <p:spPr>
+          <a:xfrm>
+            <a:off x="3884613" y="8685213"/>
+            <a:ext cx="2971800" cy="458787"/>
+          </a:xfrm>
+          <a:prstGeom prst="rect">
+            <a:avLst/>
+          </a:prstGeom>
+        </p:spPr>
+        <p:txBody>
+          <a:bodyPr vert="horz" lIns="91440" tIns="45720" rIns="91440" bIns="45720" rtlCol="0" anchor="b"/>
+          <a:lstStyle>
+            <a:lvl1pPr algn="r">
+              <a:defRPr sz="1200"/>
+            </a:lvl1pPr>
+          </a:lstStyle>
+          <a:p>
+            <a:fld id="{F11E8762-59C3-4912-91B1-B3577CF1EDFD}" type="slidenum">
+              <a:rPr lang="en-US" smtClean="0"/>
+              <a:t>‹#›</a:t>
+            </a:fld>
+            <a:endParaRPr lang="en-US"/>
+          </a:p>
+        </p:txBody>
+      </p:sp>
+    </p:spTree>
+    <p:extLst>
+      <p:ext uri="{BB962C8B-B14F-4D97-AF65-F5344CB8AC3E}">
+        <p14:creationId xmlns:p14="http://schemas.microsoft.com/office/powerpoint/2010/main" val="3000003426"/>
+      </p:ext>
+    </p:extLst>
+  </p:cSld>
+  <p:clrMap bg1="lt1" tx1="dk1" bg2="lt2" tx2="dk2" accent1="accent1" accent2="accent2" accent3="accent3" accent4="accent4" accent5="accent5" accent6="accent6" hlink="hlink" folHlink="folHlink"/>
+  <p:notesStyle>
+    <a:lvl1pPr marL="0" algn="l" defTabSz="914400" rtl="0" eaLnBrk="1" latinLnBrk="0" hangingPunct="1">
+      <a:defRPr sz="1200" kern="1200">
+        <a:solidFill>
+          <a:schemeClr val="tx1"/>
+        </a:solidFill>
+        <a:latin typeface="+mn-lt"/>
+        <a:ea typeface="+mn-ea"/>
+        <a:cs typeface="+mn-cs"/>
+      </a:defRPr>
+    </a:lvl1pPr>
+    <a:lvl2pPr marL="457200" algn="l" defTabSz="914400" rtl="0" eaLnBrk="1" latinLnBrk="0" hangingPunct="1">
+      <a:defRPr sz="1200" kern="1200">
+        <a:solidFill>
+          <a:schemeClr val="tx1"/>
+        </a:solidFill>
+        <a:latin typeface="+mn-lt"/>
+        <a:ea typeface="+mn-ea"/>
+        <a:cs typeface="+mn-cs"/>
+      </a:defRPr>
+    </a:lvl2pPr>
+    <a:lvl3pPr marL="914400" algn="l" defTabSz="914400" rtl="0" eaLnBrk="1" latinLnBrk="0" hangingPunct="1">
+      <a:defRPr sz="1200" kern="1200">
+        <a:solidFill>
+          <a:schemeClr val="tx1"/>
+        </a:solidFill>
+        <a:latin typeface="+mn-lt"/>
+        <a:ea typeface="+mn-ea"/>
+        <a:cs typeface="+mn-cs"/>
+      </a:defRPr>
+    </a:lvl3pPr>
+    <a:lvl4pPr marL="1371600" algn="l" defTabSz="914400" rtl="0" eaLnBrk="1" latinLnBrk="0" hangingPunct="1">
+      <a:defRPr sz="1200" kern="1200">
+        <a:solidFill>
+          <a:schemeClr val="tx1"/>
+        </a:solidFill>
+        <a:latin typeface="+mn-lt"/>
+        <a:ea typeface="+mn-ea"/>
+        <a:cs typeface="+mn-cs"/>
+      </a:defRPr>
+    </a:lvl4pPr>
+    <a:lvl5pPr marL="1828800" algn="l" defTabSz="914400" rtl="0" eaLnBrk="1" latinLnBrk="0" hangingPunct="1">
+      <a:defRPr sz="1200" kern="1200">
+        <a:solidFill>
+          <a:schemeClr val="tx1"/>
+        </a:solidFill>
+        <a:latin typeface="+mn-lt"/>
+        <a:ea typeface="+mn-ea"/>
+        <a:cs typeface="+mn-cs"/>
+      </a:defRPr>
+    </a:lvl5pPr>
+    <a:lvl6pPr marL="2286000" algn="l" defTabSz="914400" rtl="0" eaLnBrk="1" latinLnBrk="0" hangingPunct="1">
+      <a:defRPr sz="1200" kern="1200">
+        <a:solidFill>
+          <a:schemeClr val="tx1"/>
+        </a:solidFill>
+        <a:latin typeface="+mn-lt"/>
+        <a:ea typeface="+mn-ea"/>
+        <a:cs typeface="+mn-cs"/>
+      </a:defRPr>
+    </a:lvl6pPr>
+    <a:lvl7pPr marL="2743200" algn="l" defTabSz="914400" rtl="0" eaLnBrk="1" latinLnBrk="0" hangingPunct="1">
+      <a:defRPr sz="1200" kern="1200">
+        <a:solidFill>
+          <a:schemeClr val="tx1"/>
+        </a:solidFill>
+        <a:latin typeface="+mn-lt"/>
+        <a:ea typeface="+mn-ea"/>
+        <a:cs typeface="+mn-cs"/>
+      </a:defRPr>
+    </a:lvl7pPr>
+    <a:lvl8pPr marL="3200400" algn="l" defTabSz="914400" rtl="0" eaLnBrk="1" latinLnBrk="0" hangingPunct="1">
+      <a:defRPr sz="1200" kern="1200">
+        <a:solidFill>
+          <a:schemeClr val="tx1"/>
+        </a:solidFill>
+        <a:latin typeface="+mn-lt"/>
+        <a:ea typeface="+mn-ea"/>
+        <a:cs typeface="+mn-cs"/>
+      </a:defRPr>
+    </a:lvl8pPr>
+    <a:lvl9pPr marL="3657600" algn="l" defTabSz="914400" rtl="0" eaLnBrk="1" latinLnBrk="0" hangingPunct="1">
+      <a:defRPr sz="1200" kern="1200">
+        <a:solidFill>
+          <a:schemeClr val="tx1"/>
+        </a:solidFill>
+        <a:latin typeface="+mn-lt"/>
+        <a:ea typeface="+mn-ea"/>
+        <a:cs typeface="+mn-cs"/>
+      </a:defRPr>
+    </a:lvl9pPr>
+  </p:notesStyle>
+</p:notesMaster>
+</file>
+
+<file path=ppt/notesSlides/notesSlide1.xml><?xml version="1.0" encoding="utf-8"?>
+<p:notes xmlns:a="http://schemas.openxmlformats.org/drawingml/2006/main" xmlns:r="http://schemas.openxmlformats.org/officeDocument/2006/relationships" xmlns:p="http://schemas.openxmlformats.org/presentationml/2006/main">
+  <p:cSld>
+    <p:spTree>
+      <p:nvGrpSpPr>
+        <p:cNvPr id="1" name=""/>
+        <p:cNvGrpSpPr/>
+        <p:nvPr/>
+      </p:nvGrpSpPr>
+      <p:grpSpPr>
+        <a:xfrm>
+          <a:off x="0" y="0"/>
+          <a:ext cx="0" cy="0"/>
+          <a:chOff x="0" y="0"/>
+          <a:chExt cx="0" cy="0"/>
+        </a:xfrm>
+      </p:grpSpPr>
+      <p:sp>
+        <p:nvSpPr>
+          <p:cNvPr id="2" name="Slide Image Placeholder 1"/>
+          <p:cNvSpPr>
+            <a:spLocks noGrp="1" noRot="1" noChangeAspect="1"/>
+          </p:cNvSpPr>
+          <p:nvPr>
+            <p:ph type="sldImg"/>
+          </p:nvPr>
+        </p:nvSpPr>
+        <p:spPr/>
+      </p:sp>
+      <p:sp>
+        <p:nvSpPr>
+          <p:cNvPr id="3" name="Notes Placeholder 2"/>
+          <p:cNvSpPr>
+            <a:spLocks noGrp="1"/>
+          </p:cNvSpPr>
+          <p:nvPr>
+            <p:ph type="body" idx="1"/>
+          </p:nvPr>
+        </p:nvSpPr>
+        <p:spPr/>
+        <p:txBody>
+          <a:bodyPr/>
+          <a:lstStyle/>
+          <a:p>
+            <a:r>
+              <a:rPr lang="en-US" dirty="0"/>
+              <a:t>DataCase1</a:t>
+            </a:r>
+          </a:p>
+        </p:txBody>
+      </p:sp>
+      <p:sp>
+        <p:nvSpPr>
+          <p:cNvPr id="4" name="Slide Number Placeholder 3"/>
+          <p:cNvSpPr>
+            <a:spLocks noGrp="1"/>
+          </p:cNvSpPr>
+          <p:nvPr>
+            <p:ph type="sldNum" sz="quarter" idx="5"/>
+          </p:nvPr>
+        </p:nvSpPr>
+        <p:spPr/>
+        <p:txBody>
+          <a:bodyPr/>
+          <a:lstStyle/>
+          <a:p>
+            <a:fld id="{F11E8762-59C3-4912-91B1-B3577CF1EDFD}" type="slidenum">
+              <a:rPr lang="en-US" smtClean="0"/>
+              <a:t>1</a:t>
+            </a:fld>
+            <a:endParaRPr lang="en-US"/>
+          </a:p>
+        </p:txBody>
+      </p:sp>
+    </p:spTree>
+    <p:extLst>
+      <p:ext uri="{BB962C8B-B14F-4D97-AF65-F5344CB8AC3E}">
+        <p14:creationId xmlns:p14="http://schemas.microsoft.com/office/powerpoint/2010/main" val="3540654146"/>
+      </p:ext>
+    </p:extLst>
+  </p:cSld>
+  <p:clrMapOvr>
+    <a:masterClrMapping/>
+  </p:clrMapOvr>
+</p:notes>
+</file>
+
+<file path=ppt/notesSlides/notesSlide2.xml><?xml version="1.0" encoding="utf-8"?>
+<p:notes xmlns:a="http://schemas.openxmlformats.org/drawingml/2006/main" xmlns:r="http://schemas.openxmlformats.org/officeDocument/2006/relationships" xmlns:p="http://schemas.openxmlformats.org/presentationml/2006/main">
+  <p:cSld>
+    <p:spTree>
+      <p:nvGrpSpPr>
+        <p:cNvPr id="1" name=""/>
+        <p:cNvGrpSpPr/>
+        <p:nvPr/>
+      </p:nvGrpSpPr>
+      <p:grpSpPr>
+        <a:xfrm>
+          <a:off x="0" y="0"/>
+          <a:ext cx="0" cy="0"/>
+          <a:chOff x="0" y="0"/>
+          <a:chExt cx="0" cy="0"/>
+        </a:xfrm>
+      </p:grpSpPr>
+      <p:sp>
+        <p:nvSpPr>
+          <p:cNvPr id="2" name="Slide Image Placeholder 1"/>
+          <p:cNvSpPr>
+            <a:spLocks noGrp="1" noRot="1" noChangeAspect="1"/>
+          </p:cNvSpPr>
+          <p:nvPr>
+            <p:ph type="sldImg"/>
+          </p:nvPr>
+        </p:nvSpPr>
+        <p:spPr/>
+      </p:sp>
+      <p:sp>
+        <p:nvSpPr>
+          <p:cNvPr id="3" name="Notes Placeholder 2"/>
+          <p:cNvSpPr>
+            <a:spLocks noGrp="1"/>
+          </p:cNvSpPr>
+          <p:nvPr>
+            <p:ph type="body" idx="1"/>
+          </p:nvPr>
+        </p:nvSpPr>
+        <p:spPr/>
+        <p:txBody>
+          <a:bodyPr/>
+          <a:lstStyle/>
+          <a:p>
+            <a:r>
+              <a:rPr lang="en-US" dirty="0"/>
+              <a:t>DataCase2</a:t>
+            </a:r>
+          </a:p>
+        </p:txBody>
+      </p:sp>
+      <p:sp>
+        <p:nvSpPr>
+          <p:cNvPr id="4" name="Slide Number Placeholder 3"/>
+          <p:cNvSpPr>
+            <a:spLocks noGrp="1"/>
+          </p:cNvSpPr>
+          <p:nvPr>
+            <p:ph type="sldNum" sz="quarter" idx="5"/>
+          </p:nvPr>
+        </p:nvSpPr>
+        <p:spPr/>
+        <p:txBody>
+          <a:bodyPr/>
+          <a:lstStyle/>
+          <a:p>
+            <a:fld id="{F11E8762-59C3-4912-91B1-B3577CF1EDFD}" type="slidenum">
+              <a:rPr lang="en-US" smtClean="0"/>
+              <a:t>2</a:t>
+            </a:fld>
+            <a:endParaRPr lang="en-US"/>
+          </a:p>
+        </p:txBody>
+      </p:sp>
+    </p:spTree>
+    <p:extLst>
+      <p:ext uri="{BB962C8B-B14F-4D97-AF65-F5344CB8AC3E}">
+        <p14:creationId xmlns:p14="http://schemas.microsoft.com/office/powerpoint/2010/main" val="2940580105"/>
+      </p:ext>
+    </p:extLst>
+  </p:cSld>
+  <p:clrMapOvr>
+    <a:masterClrMapping/>
+  </p:clrMapOvr>
+</p:notes>
+</file>
+
+<file path=ppt/notesSlides/notesSlide3.xml><?xml version="1.0" encoding="utf-8"?>
+<p:notes xmlns:a="http://schemas.openxmlformats.org/drawingml/2006/main" xmlns:r="http://schemas.openxmlformats.org/officeDocument/2006/relationships" xmlns:p="http://schemas.openxmlformats.org/presentationml/2006/main">
+  <p:cSld>
+    <p:spTree>
+      <p:nvGrpSpPr>
+        <p:cNvPr id="1" name=""/>
+        <p:cNvGrpSpPr/>
+        <p:nvPr/>
+      </p:nvGrpSpPr>
+      <p:grpSpPr>
+        <a:xfrm>
+          <a:off x="0" y="0"/>
+          <a:ext cx="0" cy="0"/>
+          <a:chOff x="0" y="0"/>
+          <a:chExt cx="0" cy="0"/>
+        </a:xfrm>
+      </p:grpSpPr>
+      <p:sp>
+        <p:nvSpPr>
+          <p:cNvPr id="2" name="Slide Image Placeholder 1"/>
+          <p:cNvSpPr>
+            <a:spLocks noGrp="1" noRot="1" noChangeAspect="1"/>
+          </p:cNvSpPr>
+          <p:nvPr>
+            <p:ph type="sldImg"/>
+          </p:nvPr>
+        </p:nvSpPr>
+        <p:spPr/>
+      </p:sp>
+      <p:sp>
+        <p:nvSpPr>
+          <p:cNvPr id="3" name="Notes Placeholder 2"/>
+          <p:cNvSpPr>
+            <a:spLocks noGrp="1"/>
+          </p:cNvSpPr>
+          <p:nvPr>
+            <p:ph type="body" idx="1"/>
+          </p:nvPr>
+        </p:nvSpPr>
+        <p:spPr/>
+        <p:txBody>
+          <a:bodyPr/>
+          <a:lstStyle/>
+          <a:p>
+            <a:r>
+              <a:rPr lang="en-US" dirty="0"/>
+              <a:t>DataCase3 With Loop Elimination</a:t>
+            </a:r>
+          </a:p>
+        </p:txBody>
+      </p:sp>
+      <p:sp>
+        <p:nvSpPr>
+          <p:cNvPr id="4" name="Slide Number Placeholder 3"/>
+          <p:cNvSpPr>
+            <a:spLocks noGrp="1"/>
+          </p:cNvSpPr>
+          <p:nvPr>
+            <p:ph type="sldNum" sz="quarter" idx="5"/>
+          </p:nvPr>
+        </p:nvSpPr>
+        <p:spPr/>
+        <p:txBody>
+          <a:bodyPr/>
+          <a:lstStyle/>
+          <a:p>
+            <a:fld id="{F11E8762-59C3-4912-91B1-B3577CF1EDFD}" type="slidenum">
+              <a:rPr lang="en-US" smtClean="0"/>
+              <a:t>3</a:t>
+            </a:fld>
+            <a:endParaRPr lang="en-US"/>
+          </a:p>
+        </p:txBody>
+      </p:sp>
+    </p:spTree>
+    <p:extLst>
+      <p:ext uri="{BB962C8B-B14F-4D97-AF65-F5344CB8AC3E}">
+        <p14:creationId xmlns:p14="http://schemas.microsoft.com/office/powerpoint/2010/main" val="3434837568"/>
+      </p:ext>
+    </p:extLst>
+  </p:cSld>
+  <p:clrMapOvr>
+    <a:masterClrMapping/>
+  </p:clrMapOvr>
+</p:notes>
+</file>
+
+<file path=ppt/notesSlides/notesSlide4.xml><?xml version="1.0" encoding="utf-8"?>
+<p:notes xmlns:a="http://schemas.openxmlformats.org/drawingml/2006/main" xmlns:r="http://schemas.openxmlformats.org/officeDocument/2006/relationships" xmlns:p="http://schemas.openxmlformats.org/presentationml/2006/main">
+  <p:cSld>
+    <p:spTree>
+      <p:nvGrpSpPr>
+        <p:cNvPr id="1" name=""/>
+        <p:cNvGrpSpPr/>
+        <p:nvPr/>
+      </p:nvGrpSpPr>
+      <p:grpSpPr>
+        <a:xfrm>
+          <a:off x="0" y="0"/>
+          <a:ext cx="0" cy="0"/>
+          <a:chOff x="0" y="0"/>
+          <a:chExt cx="0" cy="0"/>
+        </a:xfrm>
+      </p:grpSpPr>
+      <p:sp>
+        <p:nvSpPr>
+          <p:cNvPr id="2" name="Slide Image Placeholder 1"/>
+          <p:cNvSpPr>
+            <a:spLocks noGrp="1" noRot="1" noChangeAspect="1"/>
+          </p:cNvSpPr>
+          <p:nvPr>
+            <p:ph type="sldImg"/>
+          </p:nvPr>
+        </p:nvSpPr>
+        <p:spPr/>
+      </p:sp>
+      <p:sp>
+        <p:nvSpPr>
+          <p:cNvPr id="3" name="Notes Placeholder 2"/>
+          <p:cNvSpPr>
+            <a:spLocks noGrp="1"/>
+          </p:cNvSpPr>
+          <p:nvPr>
+            <p:ph type="body" idx="1"/>
+          </p:nvPr>
+        </p:nvSpPr>
+        <p:spPr/>
+        <p:txBody>
+          <a:bodyPr/>
+          <a:lstStyle/>
+          <a:p>
+            <a:r>
+              <a:rPr lang="en-US" dirty="0"/>
+              <a:t>DataCase3 Without Loop Elimination</a:t>
+            </a:r>
+          </a:p>
+        </p:txBody>
+      </p:sp>
+      <p:sp>
+        <p:nvSpPr>
+          <p:cNvPr id="4" name="Slide Number Placeholder 3"/>
+          <p:cNvSpPr>
+            <a:spLocks noGrp="1"/>
+          </p:cNvSpPr>
+          <p:nvPr>
+            <p:ph type="sldNum" sz="quarter" idx="5"/>
+          </p:nvPr>
+        </p:nvSpPr>
+        <p:spPr/>
+        <p:txBody>
+          <a:bodyPr/>
+          <a:lstStyle/>
+          <a:p>
+            <a:fld id="{F11E8762-59C3-4912-91B1-B3577CF1EDFD}" type="slidenum">
+              <a:rPr lang="en-US" smtClean="0"/>
+              <a:t>4</a:t>
+            </a:fld>
+            <a:endParaRPr lang="en-US"/>
+          </a:p>
+        </p:txBody>
+      </p:sp>
+    </p:spTree>
+    <p:extLst>
+      <p:ext uri="{BB962C8B-B14F-4D97-AF65-F5344CB8AC3E}">
+        <p14:creationId xmlns:p14="http://schemas.microsoft.com/office/powerpoint/2010/main" val="279230134"/>
+      </p:ext>
+    </p:extLst>
+  </p:cSld>
+  <p:clrMapOvr>
+    <a:masterClrMapping/>
+  </p:clrMapOvr>
+</p:notes>
+</file>
+
 <file path=ppt/slideLayouts/slideLayout1.xml><?xml version="1.0" encoding="utf-8"?>
 <p:sldLayout xmlns:a="http://schemas.openxmlformats.org/drawingml/2006/main" xmlns:r="http://schemas.openxmlformats.org/officeDocument/2006/relationships" xmlns:p="http://schemas.openxmlformats.org/presentationml/2006/main" type="title" preserve="1">
   <p:cSld name="Title Slide">
@@ -417,7 +1120,7 @@
           <a:p>
             <a:fld id="{8CCD8CF1-7F43-463B-BBD7-E4019C14AE36}" type="datetimeFigureOut">
               <a:rPr lang="en-US" smtClean="0"/>
-              <a:t>2021-04-02</a:t>
+              <a:t>2021-04-05</a:t>
             </a:fld>
             <a:endParaRPr lang="en-US"/>
           </a:p>
@@ -615,7 +1318,7 @@
           <a:p>
             <a:fld id="{8CCD8CF1-7F43-463B-BBD7-E4019C14AE36}" type="datetimeFigureOut">
               <a:rPr lang="en-US" smtClean="0"/>
-              <a:t>2021-04-02</a:t>
+              <a:t>2021-04-05</a:t>
             </a:fld>
             <a:endParaRPr lang="en-US"/>
           </a:p>
@@ -823,7 +1526,7 @@
           <a:p>
             <a:fld id="{8CCD8CF1-7F43-463B-BBD7-E4019C14AE36}" type="datetimeFigureOut">
               <a:rPr lang="en-US" smtClean="0"/>
-              <a:t>2021-04-02</a:t>
+              <a:t>2021-04-05</a:t>
             </a:fld>
             <a:endParaRPr lang="en-US"/>
           </a:p>
@@ -1021,7 +1724,7 @@
           <a:p>
             <a:fld id="{8CCD8CF1-7F43-463B-BBD7-E4019C14AE36}" type="datetimeFigureOut">
               <a:rPr lang="en-US" smtClean="0"/>
-              <a:t>2021-04-02</a:t>
+              <a:t>2021-04-05</a:t>
             </a:fld>
             <a:endParaRPr lang="en-US"/>
           </a:p>
@@ -1296,7 +1999,7 @@
           <a:p>
             <a:fld id="{8CCD8CF1-7F43-463B-BBD7-E4019C14AE36}" type="datetimeFigureOut">
               <a:rPr lang="en-US" smtClean="0"/>
-              <a:t>2021-04-02</a:t>
+              <a:t>2021-04-05</a:t>
             </a:fld>
             <a:endParaRPr lang="en-US"/>
           </a:p>
@@ -1561,7 +2264,7 @@
           <a:p>
             <a:fld id="{8CCD8CF1-7F43-463B-BBD7-E4019C14AE36}" type="datetimeFigureOut">
               <a:rPr lang="en-US" smtClean="0"/>
-              <a:t>2021-04-02</a:t>
+              <a:t>2021-04-05</a:t>
             </a:fld>
             <a:endParaRPr lang="en-US"/>
           </a:p>
@@ -1973,7 +2676,7 @@
           <a:p>
             <a:fld id="{8CCD8CF1-7F43-463B-BBD7-E4019C14AE36}" type="datetimeFigureOut">
               <a:rPr lang="en-US" smtClean="0"/>
-              <a:t>2021-04-02</a:t>
+              <a:t>2021-04-05</a:t>
             </a:fld>
             <a:endParaRPr lang="en-US"/>
           </a:p>
@@ -2114,7 +2817,7 @@
           <a:p>
             <a:fld id="{8CCD8CF1-7F43-463B-BBD7-E4019C14AE36}" type="datetimeFigureOut">
               <a:rPr lang="en-US" smtClean="0"/>
-              <a:t>2021-04-02</a:t>
+              <a:t>2021-04-05</a:t>
             </a:fld>
             <a:endParaRPr lang="en-US"/>
           </a:p>
@@ -2227,7 +2930,7 @@
           <a:p>
             <a:fld id="{8CCD8CF1-7F43-463B-BBD7-E4019C14AE36}" type="datetimeFigureOut">
               <a:rPr lang="en-US" smtClean="0"/>
-              <a:t>2021-04-02</a:t>
+              <a:t>2021-04-05</a:t>
             </a:fld>
             <a:endParaRPr lang="en-US"/>
           </a:p>
@@ -2538,7 +3241,7 @@
           <a:p>
             <a:fld id="{8CCD8CF1-7F43-463B-BBD7-E4019C14AE36}" type="datetimeFigureOut">
               <a:rPr lang="en-US" smtClean="0"/>
-              <a:t>2021-04-02</a:t>
+              <a:t>2021-04-05</a:t>
             </a:fld>
             <a:endParaRPr lang="en-US"/>
           </a:p>
@@ -2826,7 +3529,7 @@
           <a:p>
             <a:fld id="{8CCD8CF1-7F43-463B-BBD7-E4019C14AE36}" type="datetimeFigureOut">
               <a:rPr lang="en-US" smtClean="0"/>
-              <a:t>2021-04-02</a:t>
+              <a:t>2021-04-05</a:t>
             </a:fld>
             <a:endParaRPr lang="en-US"/>
           </a:p>
@@ -3067,7 +3770,7 @@
           <a:p>
             <a:fld id="{8CCD8CF1-7F43-463B-BBD7-E4019C14AE36}" type="datetimeFigureOut">
               <a:rPr lang="en-US" smtClean="0"/>
-              <a:t>2021-04-02</a:t>
+              <a:t>2021-04-05</a:t>
             </a:fld>
             <a:endParaRPr lang="en-US"/>
           </a:p>
@@ -3484,8 +4187,8 @@
           <a:chExt cx="0" cy="0"/>
         </a:xfrm>
       </p:grpSpPr>
-      <mc:AlternateContent xmlns:mc="http://schemas.openxmlformats.org/markup-compatibility/2006">
-        <mc:Choice xmlns:a14="http://schemas.microsoft.com/office/drawing/2010/main" Requires="a14">
+      <mc:AlternateContent xmlns:mc="http://schemas.openxmlformats.org/markup-compatibility/2006" xmlns:a14="http://schemas.microsoft.com/office/drawing/2010/main">
+        <mc:Choice Requires="a14">
           <p:sp>
             <p:nvSpPr>
               <p:cNvPr id="12" name="TextBox 11">
@@ -3554,7 +4257,7 @@
             </p:txBody>
           </p:sp>
         </mc:Choice>
-        <mc:Fallback>
+        <mc:Fallback xmlns="">
           <p:sp>
             <p:nvSpPr>
               <p:cNvPr id="12" name="TextBox 11">
@@ -3578,7 +4281,7 @@
                 <a:avLst/>
               </a:prstGeom>
               <a:blipFill>
-                <a:blip r:embed="rId2"/>
+                <a:blip r:embed="rId3"/>
                 <a:stretch>
                   <a:fillRect/>
                 </a:stretch>
@@ -3599,8 +4302,8 @@
           </p:sp>
         </mc:Fallback>
       </mc:AlternateContent>
-      <mc:AlternateContent xmlns:mc="http://schemas.openxmlformats.org/markup-compatibility/2006">
-        <mc:Choice xmlns:a14="http://schemas.microsoft.com/office/drawing/2010/main" Requires="a14">
+      <mc:AlternateContent xmlns:mc="http://schemas.openxmlformats.org/markup-compatibility/2006" xmlns:a14="http://schemas.microsoft.com/office/drawing/2010/main">
+        <mc:Choice Requires="a14">
           <p:sp>
             <p:nvSpPr>
               <p:cNvPr id="13" name="TextBox 12">
@@ -3669,7 +4372,7 @@
             </p:txBody>
           </p:sp>
         </mc:Choice>
-        <mc:Fallback>
+        <mc:Fallback xmlns="">
           <p:sp>
             <p:nvSpPr>
               <p:cNvPr id="13" name="TextBox 12">
@@ -3693,7 +4396,7 @@
                 <a:avLst/>
               </a:prstGeom>
               <a:blipFill>
-                <a:blip r:embed="rId3"/>
+                <a:blip r:embed="rId4"/>
                 <a:stretch>
                   <a:fillRect/>
                 </a:stretch>
@@ -3714,8 +4417,8 @@
           </p:sp>
         </mc:Fallback>
       </mc:AlternateContent>
-      <mc:AlternateContent xmlns:mc="http://schemas.openxmlformats.org/markup-compatibility/2006">
-        <mc:Choice xmlns:a14="http://schemas.microsoft.com/office/drawing/2010/main" Requires="a14">
+      <mc:AlternateContent xmlns:mc="http://schemas.openxmlformats.org/markup-compatibility/2006" xmlns:a14="http://schemas.microsoft.com/office/drawing/2010/main">
+        <mc:Choice Requires="a14">
           <p:sp>
             <p:nvSpPr>
               <p:cNvPr id="10" name="Rectangle 9">
@@ -3763,6 +4466,7 @@
               <a:bodyPr rtlCol="0" anchor="ctr"/>
               <a:lstStyle/>
               <a:p>
+                <a:pPr/>
                 <a14:m>
                   <m:oMathPara xmlns:m="http://schemas.openxmlformats.org/officeDocument/2006/math">
                     <m:oMathParaPr>
@@ -3815,6 +4519,7 @@
                 </a:endParaRPr>
               </a:p>
               <a:p>
+                <a:pPr/>
                 <a14:m>
                   <m:oMathPara xmlns:m="http://schemas.openxmlformats.org/officeDocument/2006/math">
                     <m:oMathParaPr>
@@ -3869,7 +4574,7 @@
             </p:txBody>
           </p:sp>
         </mc:Choice>
-        <mc:Fallback>
+        <mc:Fallback xmlns="">
           <p:sp>
             <p:nvSpPr>
               <p:cNvPr id="10" name="Rectangle 9">
@@ -3893,7 +4598,7 @@
                 <a:avLst/>
               </a:prstGeom>
               <a:blipFill>
-                <a:blip r:embed="rId4"/>
+                <a:blip r:embed="rId5"/>
                 <a:stretch>
                   <a:fillRect/>
                 </a:stretch>
@@ -4158,8 +4863,8 @@
             </a:fontRef>
           </p:style>
         </p:cxnSp>
-        <mc:AlternateContent xmlns:mc="http://schemas.openxmlformats.org/markup-compatibility/2006">
-          <mc:Choice xmlns:a14="http://schemas.microsoft.com/office/drawing/2010/main" Requires="a14">
+        <mc:AlternateContent xmlns:mc="http://schemas.openxmlformats.org/markup-compatibility/2006" xmlns:a14="http://schemas.microsoft.com/office/drawing/2010/main">
+          <mc:Choice Requires="a14">
             <p:sp>
               <p:nvSpPr>
                 <p:cNvPr id="14" name="TextBox 13">
@@ -4228,7 +4933,7 @@
               </p:txBody>
             </p:sp>
           </mc:Choice>
-          <mc:Fallback>
+          <mc:Fallback xmlns="">
             <p:sp>
               <p:nvSpPr>
                 <p:cNvPr id="14" name="TextBox 13">
@@ -4252,7 +4957,7 @@
                   <a:avLst/>
                 </a:prstGeom>
                 <a:blipFill>
-                  <a:blip r:embed="rId5"/>
+                  <a:blip r:embed="rId6"/>
                   <a:stretch>
                     <a:fillRect/>
                   </a:stretch>
@@ -4273,8 +4978,8 @@
             </p:sp>
           </mc:Fallback>
         </mc:AlternateContent>
-        <mc:AlternateContent xmlns:mc="http://schemas.openxmlformats.org/markup-compatibility/2006">
-          <mc:Choice xmlns:a14="http://schemas.microsoft.com/office/drawing/2010/main" Requires="a14">
+        <mc:AlternateContent xmlns:mc="http://schemas.openxmlformats.org/markup-compatibility/2006" xmlns:a14="http://schemas.microsoft.com/office/drawing/2010/main">
+          <mc:Choice Requires="a14">
             <p:sp>
               <p:nvSpPr>
                 <p:cNvPr id="15" name="TextBox 14">
@@ -4343,7 +5048,7 @@
               </p:txBody>
             </p:sp>
           </mc:Choice>
-          <mc:Fallback>
+          <mc:Fallback xmlns="">
             <p:sp>
               <p:nvSpPr>
                 <p:cNvPr id="15" name="TextBox 14">
@@ -4367,7 +5072,7 @@
                   <a:avLst/>
                 </a:prstGeom>
                 <a:blipFill>
-                  <a:blip r:embed="rId6"/>
+                  <a:blip r:embed="rId7"/>
                   <a:stretch>
                     <a:fillRect/>
                   </a:stretch>
@@ -4388,8 +5093,8 @@
             </p:sp>
           </mc:Fallback>
         </mc:AlternateContent>
-        <mc:AlternateContent xmlns:mc="http://schemas.openxmlformats.org/markup-compatibility/2006">
-          <mc:Choice xmlns:a14="http://schemas.microsoft.com/office/drawing/2010/main" Requires="a14">
+        <mc:AlternateContent xmlns:mc="http://schemas.openxmlformats.org/markup-compatibility/2006" xmlns:a14="http://schemas.microsoft.com/office/drawing/2010/main">
+          <mc:Choice Requires="a14">
             <p:sp>
               <p:nvSpPr>
                 <p:cNvPr id="16" name="TextBox 15">
@@ -4451,7 +5156,7 @@
               </p:txBody>
             </p:sp>
           </mc:Choice>
-          <mc:Fallback>
+          <mc:Fallback xmlns="">
             <p:sp>
               <p:nvSpPr>
                 <p:cNvPr id="16" name="TextBox 15">
@@ -4475,7 +5180,7 @@
                   <a:avLst/>
                 </a:prstGeom>
                 <a:blipFill>
-                  <a:blip r:embed="rId7"/>
+                  <a:blip r:embed="rId8"/>
                   <a:stretch>
                     <a:fillRect/>
                   </a:stretch>
@@ -4496,8 +5201,8 @@
             </p:sp>
           </mc:Fallback>
         </mc:AlternateContent>
-        <mc:AlternateContent xmlns:mc="http://schemas.openxmlformats.org/markup-compatibility/2006">
-          <mc:Choice xmlns:a14="http://schemas.microsoft.com/office/drawing/2010/main" Requires="a14">
+        <mc:AlternateContent xmlns:mc="http://schemas.openxmlformats.org/markup-compatibility/2006" xmlns:a14="http://schemas.microsoft.com/office/drawing/2010/main">
+          <mc:Choice Requires="a14">
             <p:sp>
               <p:nvSpPr>
                 <p:cNvPr id="17" name="TextBox 16">
@@ -4559,7 +5264,7 @@
               </p:txBody>
             </p:sp>
           </mc:Choice>
-          <mc:Fallback>
+          <mc:Fallback xmlns="">
             <p:sp>
               <p:nvSpPr>
                 <p:cNvPr id="17" name="TextBox 16">
@@ -4583,7 +5288,7 @@
                   <a:avLst/>
                 </a:prstGeom>
                 <a:blipFill>
-                  <a:blip r:embed="rId8"/>
+                  <a:blip r:embed="rId9"/>
                   <a:stretch>
                     <a:fillRect b="-6557"/>
                   </a:stretch>
@@ -4605,8 +5310,8 @@
           </mc:Fallback>
         </mc:AlternateContent>
       </p:grpSp>
-      <mc:AlternateContent xmlns:mc="http://schemas.openxmlformats.org/markup-compatibility/2006">
-        <mc:Choice xmlns:a14="http://schemas.microsoft.com/office/drawing/2010/main" Requires="a14">
+      <mc:AlternateContent xmlns:mc="http://schemas.openxmlformats.org/markup-compatibility/2006" xmlns:a14="http://schemas.microsoft.com/office/drawing/2010/main">
+        <mc:Choice Requires="a14">
           <p:sp>
             <p:nvSpPr>
               <p:cNvPr id="18" name="Rectangle 17">
@@ -4654,6 +5359,7 @@
               <a:bodyPr rtlCol="0" anchor="ctr"/>
               <a:lstStyle/>
               <a:p>
+                <a:pPr/>
                 <a14:m>
                   <m:oMathPara xmlns:m="http://schemas.openxmlformats.org/officeDocument/2006/math">
                     <m:oMathParaPr>
@@ -4706,6 +5412,7 @@
                 </a:endParaRPr>
               </a:p>
               <a:p>
+                <a:pPr/>
                 <a14:m>
                   <m:oMathPara xmlns:m="http://schemas.openxmlformats.org/officeDocument/2006/math">
                     <m:oMathParaPr>
@@ -4760,7 +5467,7 @@
             </p:txBody>
           </p:sp>
         </mc:Choice>
-        <mc:Fallback>
+        <mc:Fallback xmlns="">
           <p:sp>
             <p:nvSpPr>
               <p:cNvPr id="18" name="Rectangle 17">
@@ -4784,7 +5491,7 @@
                 <a:avLst/>
               </a:prstGeom>
               <a:blipFill>
-                <a:blip r:embed="rId9"/>
+                <a:blip r:embed="rId10"/>
                 <a:stretch>
                   <a:fillRect/>
                 </a:stretch>
@@ -4840,8 +5547,8 @@
           <a:chExt cx="0" cy="0"/>
         </a:xfrm>
       </p:grpSpPr>
-      <mc:AlternateContent xmlns:mc="http://schemas.openxmlformats.org/markup-compatibility/2006">
-        <mc:Choice xmlns:a14="http://schemas.microsoft.com/office/drawing/2010/main" Requires="a14">
+      <mc:AlternateContent xmlns:mc="http://schemas.openxmlformats.org/markup-compatibility/2006" xmlns:a14="http://schemas.microsoft.com/office/drawing/2010/main">
+        <mc:Choice Requires="a14">
           <p:sp>
             <p:nvSpPr>
               <p:cNvPr id="12" name="TextBox 11">
@@ -4910,7 +5617,7 @@
             </p:txBody>
           </p:sp>
         </mc:Choice>
-        <mc:Fallback>
+        <mc:Fallback xmlns="">
           <p:sp>
             <p:nvSpPr>
               <p:cNvPr id="12" name="TextBox 11">
@@ -4934,7 +5641,7 @@
                 <a:avLst/>
               </a:prstGeom>
               <a:blipFill>
-                <a:blip r:embed="rId2"/>
+                <a:blip r:embed="rId3"/>
                 <a:stretch>
                   <a:fillRect/>
                 </a:stretch>
@@ -4955,8 +5662,8 @@
           </p:sp>
         </mc:Fallback>
       </mc:AlternateContent>
-      <mc:AlternateContent xmlns:mc="http://schemas.openxmlformats.org/markup-compatibility/2006">
-        <mc:Choice xmlns:a14="http://schemas.microsoft.com/office/drawing/2010/main" Requires="a14">
+      <mc:AlternateContent xmlns:mc="http://schemas.openxmlformats.org/markup-compatibility/2006" xmlns:a14="http://schemas.microsoft.com/office/drawing/2010/main">
+        <mc:Choice Requires="a14">
           <p:sp>
             <p:nvSpPr>
               <p:cNvPr id="13" name="TextBox 12">
@@ -5025,7 +5732,7 @@
             </p:txBody>
           </p:sp>
         </mc:Choice>
-        <mc:Fallback>
+        <mc:Fallback xmlns="">
           <p:sp>
             <p:nvSpPr>
               <p:cNvPr id="13" name="TextBox 12">
@@ -5049,7 +5756,7 @@
                 <a:avLst/>
               </a:prstGeom>
               <a:blipFill>
-                <a:blip r:embed="rId3"/>
+                <a:blip r:embed="rId4"/>
                 <a:stretch>
                   <a:fillRect/>
                 </a:stretch>
@@ -5070,8 +5777,8 @@
           </p:sp>
         </mc:Fallback>
       </mc:AlternateContent>
-      <mc:AlternateContent xmlns:mc="http://schemas.openxmlformats.org/markup-compatibility/2006">
-        <mc:Choice xmlns:a14="http://schemas.microsoft.com/office/drawing/2010/main" Requires="a14">
+      <mc:AlternateContent xmlns:mc="http://schemas.openxmlformats.org/markup-compatibility/2006" xmlns:a14="http://schemas.microsoft.com/office/drawing/2010/main">
+        <mc:Choice Requires="a14">
           <p:sp>
             <p:nvSpPr>
               <p:cNvPr id="10" name="Rectangle 9">
@@ -5119,6 +5826,7 @@
               <a:bodyPr rtlCol="0" anchor="ctr"/>
               <a:lstStyle/>
               <a:p>
+                <a:pPr/>
                 <a14:m>
                   <m:oMathPara xmlns:m="http://schemas.openxmlformats.org/officeDocument/2006/math">
                     <m:oMathParaPr>
@@ -5171,6 +5879,7 @@
                 </a:endParaRPr>
               </a:p>
               <a:p>
+                <a:pPr/>
                 <a14:m>
                   <m:oMathPara xmlns:m="http://schemas.openxmlformats.org/officeDocument/2006/math">
                     <m:oMathParaPr>
@@ -5223,6 +5932,7 @@
                 </a:endParaRPr>
               </a:p>
               <a:p>
+                <a:pPr/>
                 <a14:m>
                   <m:oMathPara xmlns:m="http://schemas.openxmlformats.org/officeDocument/2006/math">
                     <m:oMathParaPr>
@@ -5282,7 +5992,7 @@
             </p:txBody>
           </p:sp>
         </mc:Choice>
-        <mc:Fallback>
+        <mc:Fallback xmlns="">
           <p:sp>
             <p:nvSpPr>
               <p:cNvPr id="10" name="Rectangle 9">
@@ -5306,7 +6016,7 @@
                 <a:avLst/>
               </a:prstGeom>
               <a:blipFill>
-                <a:blip r:embed="rId4"/>
+                <a:blip r:embed="rId5"/>
                 <a:stretch>
                   <a:fillRect/>
                 </a:stretch>
@@ -5553,8 +6263,8 @@
           </a:fontRef>
         </p:style>
       </p:cxnSp>
-      <mc:AlternateContent xmlns:mc="http://schemas.openxmlformats.org/markup-compatibility/2006">
-        <mc:Choice xmlns:a14="http://schemas.microsoft.com/office/drawing/2010/main" Requires="a14">
+      <mc:AlternateContent xmlns:mc="http://schemas.openxmlformats.org/markup-compatibility/2006" xmlns:a14="http://schemas.microsoft.com/office/drawing/2010/main">
+        <mc:Choice Requires="a14">
           <p:sp>
             <p:nvSpPr>
               <p:cNvPr id="14" name="TextBox 13">
@@ -5635,7 +6345,7 @@
             </p:txBody>
           </p:sp>
         </mc:Choice>
-        <mc:Fallback>
+        <mc:Fallback xmlns="">
           <p:sp>
             <p:nvSpPr>
               <p:cNvPr id="14" name="TextBox 13">
@@ -5659,7 +6369,7 @@
                 <a:avLst/>
               </a:prstGeom>
               <a:blipFill>
-                <a:blip r:embed="rId5"/>
+                <a:blip r:embed="rId6"/>
                 <a:stretch>
                   <a:fillRect/>
                 </a:stretch>
@@ -5680,8 +6390,8 @@
           </p:sp>
         </mc:Fallback>
       </mc:AlternateContent>
-      <mc:AlternateContent xmlns:mc="http://schemas.openxmlformats.org/markup-compatibility/2006">
-        <mc:Choice xmlns:a14="http://schemas.microsoft.com/office/drawing/2010/main" Requires="a14">
+      <mc:AlternateContent xmlns:mc="http://schemas.openxmlformats.org/markup-compatibility/2006" xmlns:a14="http://schemas.microsoft.com/office/drawing/2010/main">
+        <mc:Choice Requires="a14">
           <p:sp>
             <p:nvSpPr>
               <p:cNvPr id="15" name="TextBox 14">
@@ -5762,7 +6472,7 @@
             </p:txBody>
           </p:sp>
         </mc:Choice>
-        <mc:Fallback>
+        <mc:Fallback xmlns="">
           <p:sp>
             <p:nvSpPr>
               <p:cNvPr id="15" name="TextBox 14">
@@ -5786,7 +6496,7 @@
                 <a:avLst/>
               </a:prstGeom>
               <a:blipFill>
-                <a:blip r:embed="rId6"/>
+                <a:blip r:embed="rId7"/>
                 <a:stretch>
                   <a:fillRect r="-33750" b="-6557"/>
                 </a:stretch>
@@ -5807,8 +6517,8 @@
           </p:sp>
         </mc:Fallback>
       </mc:AlternateContent>
-      <mc:AlternateContent xmlns:mc="http://schemas.openxmlformats.org/markup-compatibility/2006">
-        <mc:Choice xmlns:a14="http://schemas.microsoft.com/office/drawing/2010/main" Requires="a14">
+      <mc:AlternateContent xmlns:mc="http://schemas.openxmlformats.org/markup-compatibility/2006" xmlns:a14="http://schemas.microsoft.com/office/drawing/2010/main">
+        <mc:Choice Requires="a14">
           <p:sp>
             <p:nvSpPr>
               <p:cNvPr id="16" name="TextBox 15">
@@ -5889,7 +6599,7 @@
             </p:txBody>
           </p:sp>
         </mc:Choice>
-        <mc:Fallback>
+        <mc:Fallback xmlns="">
           <p:sp>
             <p:nvSpPr>
               <p:cNvPr id="16" name="TextBox 15">
@@ -5913,7 +6623,7 @@
                 <a:avLst/>
               </a:prstGeom>
               <a:blipFill>
-                <a:blip r:embed="rId7"/>
+                <a:blip r:embed="rId8"/>
                 <a:stretch>
                   <a:fillRect/>
                 </a:stretch>
@@ -5934,8 +6644,8 @@
           </p:sp>
         </mc:Fallback>
       </mc:AlternateContent>
-      <mc:AlternateContent xmlns:mc="http://schemas.openxmlformats.org/markup-compatibility/2006">
-        <mc:Choice xmlns:a14="http://schemas.microsoft.com/office/drawing/2010/main" Requires="a14">
+      <mc:AlternateContent xmlns:mc="http://schemas.openxmlformats.org/markup-compatibility/2006" xmlns:a14="http://schemas.microsoft.com/office/drawing/2010/main">
+        <mc:Choice Requires="a14">
           <p:sp>
             <p:nvSpPr>
               <p:cNvPr id="17" name="TextBox 16">
@@ -6016,7 +6726,7 @@
             </p:txBody>
           </p:sp>
         </mc:Choice>
-        <mc:Fallback>
+        <mc:Fallback xmlns="">
           <p:sp>
             <p:nvSpPr>
               <p:cNvPr id="17" name="TextBox 16">
@@ -6040,7 +6750,7 @@
                 <a:avLst/>
               </a:prstGeom>
               <a:blipFill>
-                <a:blip r:embed="rId8"/>
+                <a:blip r:embed="rId9"/>
                 <a:stretch>
                   <a:fillRect/>
                 </a:stretch>
@@ -6061,8 +6771,8 @@
           </p:sp>
         </mc:Fallback>
       </mc:AlternateContent>
-      <mc:AlternateContent xmlns:mc="http://schemas.openxmlformats.org/markup-compatibility/2006">
-        <mc:Choice xmlns:a14="http://schemas.microsoft.com/office/drawing/2010/main" Requires="a14">
+      <mc:AlternateContent xmlns:mc="http://schemas.openxmlformats.org/markup-compatibility/2006" xmlns:a14="http://schemas.microsoft.com/office/drawing/2010/main">
+        <mc:Choice Requires="a14">
           <p:sp>
             <p:nvSpPr>
               <p:cNvPr id="18" name="Rectangle 17">
@@ -6110,6 +6820,7 @@
               <a:bodyPr rtlCol="0" anchor="ctr"/>
               <a:lstStyle/>
               <a:p>
+                <a:pPr/>
                 <a14:m>
                   <m:oMathPara xmlns:m="http://schemas.openxmlformats.org/officeDocument/2006/math">
                     <m:oMathParaPr>
@@ -6162,6 +6873,7 @@
                 </a:endParaRPr>
               </a:p>
               <a:p>
+                <a:pPr/>
                 <a14:m>
                   <m:oMathPara xmlns:m="http://schemas.openxmlformats.org/officeDocument/2006/math">
                     <m:oMathParaPr>
@@ -6214,6 +6926,7 @@
                 </a:endParaRPr>
               </a:p>
               <a:p>
+                <a:pPr/>
                 <a14:m>
                   <m:oMathPara xmlns:m="http://schemas.openxmlformats.org/officeDocument/2006/math">
                     <m:oMathParaPr>
@@ -6259,16 +6972,7 @@
                           </a:solidFill>
                           <a:latin typeface="Cambria Math" panose="02040503050406030204" pitchFamily="18" charset="0"/>
                         </a:rPr>
-                        <m:t>=</m:t>
-                      </m:r>
-                      <m:r>
-                        <a:rPr lang="en-US" b="0" i="1" smtClean="0">
-                          <a:solidFill>
-                            <a:schemeClr val="tx1"/>
-                          </a:solidFill>
-                          <a:latin typeface="Cambria Math" panose="02040503050406030204" pitchFamily="18" charset="0"/>
-                        </a:rPr>
-                        <m:t>5</m:t>
+                        <m:t>=5</m:t>
                       </m:r>
                     </m:oMath>
                   </m:oMathPara>
@@ -6282,7 +6986,7 @@
             </p:txBody>
           </p:sp>
         </mc:Choice>
-        <mc:Fallback>
+        <mc:Fallback xmlns="">
           <p:sp>
             <p:nvSpPr>
               <p:cNvPr id="18" name="Rectangle 17">
@@ -6306,7 +7010,7 @@
                 <a:avLst/>
               </a:prstGeom>
               <a:blipFill>
-                <a:blip r:embed="rId9"/>
+                <a:blip r:embed="rId10"/>
                 <a:stretch>
                   <a:fillRect/>
                 </a:stretch>
@@ -6575,8 +7279,8 @@
           </a:fontRef>
         </p:style>
       </p:cxnSp>
-      <mc:AlternateContent xmlns:mc="http://schemas.openxmlformats.org/markup-compatibility/2006">
-        <mc:Choice xmlns:a14="http://schemas.microsoft.com/office/drawing/2010/main" Requires="a14">
+      <mc:AlternateContent xmlns:mc="http://schemas.openxmlformats.org/markup-compatibility/2006" xmlns:a14="http://schemas.microsoft.com/office/drawing/2010/main">
+        <mc:Choice Requires="a14">
           <p:sp>
             <p:nvSpPr>
               <p:cNvPr id="51" name="TextBox 50">
@@ -6645,7 +7349,7 @@
             </p:txBody>
           </p:sp>
         </mc:Choice>
-        <mc:Fallback>
+        <mc:Fallback xmlns="">
           <p:sp>
             <p:nvSpPr>
               <p:cNvPr id="51" name="TextBox 50">
@@ -6669,7 +7373,7 @@
                 <a:avLst/>
               </a:prstGeom>
               <a:blipFill>
-                <a:blip r:embed="rId10"/>
+                <a:blip r:embed="rId11"/>
                 <a:stretch>
                   <a:fillRect/>
                 </a:stretch>
@@ -6690,8 +7394,8 @@
           </p:sp>
         </mc:Fallback>
       </mc:AlternateContent>
-      <mc:AlternateContent xmlns:mc="http://schemas.openxmlformats.org/markup-compatibility/2006">
-        <mc:Choice xmlns:a14="http://schemas.microsoft.com/office/drawing/2010/main" Requires="a14">
+      <mc:AlternateContent xmlns:mc="http://schemas.openxmlformats.org/markup-compatibility/2006" xmlns:a14="http://schemas.microsoft.com/office/drawing/2010/main">
+        <mc:Choice Requires="a14">
           <p:sp>
             <p:nvSpPr>
               <p:cNvPr id="52" name="TextBox 51">
@@ -6760,7 +7464,7 @@
             </p:txBody>
           </p:sp>
         </mc:Choice>
-        <mc:Fallback>
+        <mc:Fallback xmlns="">
           <p:sp>
             <p:nvSpPr>
               <p:cNvPr id="52" name="TextBox 51">
@@ -6779,6 +7483,2200 @@
               <a:xfrm>
                 <a:off x="8257544" y="4215855"/>
                 <a:ext cx="483016" cy="369332"/>
+              </a:xfrm>
+              <a:prstGeom prst="rect">
+                <a:avLst/>
+              </a:prstGeom>
+              <a:blipFill>
+                <a:blip r:embed="rId12"/>
+                <a:stretch>
+                  <a:fillRect/>
+                </a:stretch>
+              </a:blipFill>
+            </p:spPr>
+            <p:txBody>
+              <a:bodyPr/>
+              <a:lstStyle/>
+              <a:p>
+                <a:r>
+                  <a:rPr lang="en-US">
+                    <a:noFill/>
+                  </a:rPr>
+                  <a:t> </a:t>
+                </a:r>
+              </a:p>
+            </p:txBody>
+          </p:sp>
+        </mc:Fallback>
+      </mc:AlternateContent>
+    </p:spTree>
+    <p:extLst>
+      <p:ext uri="{BB962C8B-B14F-4D97-AF65-F5344CB8AC3E}">
+        <p14:creationId xmlns:p14="http://schemas.microsoft.com/office/powerpoint/2010/main" val="2878865232"/>
+      </p:ext>
+    </p:extLst>
+  </p:cSld>
+  <p:clrMapOvr>
+    <a:masterClrMapping/>
+  </p:clrMapOvr>
+</p:sld>
+</file>
+
+<file path=ppt/slides/slide3.xml><?xml version="1.0" encoding="utf-8"?>
+<p:sld xmlns:a="http://schemas.openxmlformats.org/drawingml/2006/main" xmlns:r="http://schemas.openxmlformats.org/officeDocument/2006/relationships" xmlns:p="http://schemas.openxmlformats.org/presentationml/2006/main">
+  <p:cSld>
+    <p:spTree>
+      <p:nvGrpSpPr>
+        <p:cNvPr id="1" name=""/>
+        <p:cNvGrpSpPr/>
+        <p:nvPr/>
+      </p:nvGrpSpPr>
+      <p:grpSpPr>
+        <a:xfrm>
+          <a:off x="0" y="0"/>
+          <a:ext cx="0" cy="0"/>
+          <a:chOff x="0" y="0"/>
+          <a:chExt cx="0" cy="0"/>
+        </a:xfrm>
+      </p:grpSpPr>
+      <mc:AlternateContent xmlns:mc="http://schemas.openxmlformats.org/markup-compatibility/2006">
+        <mc:Choice xmlns:a14="http://schemas.microsoft.com/office/drawing/2010/main" Requires="a14">
+          <p:sp>
+            <p:nvSpPr>
+              <p:cNvPr id="12" name="TextBox 11">
+                <a:extLst>
+                  <a:ext uri="{FF2B5EF4-FFF2-40B4-BE49-F238E27FC236}">
+                    <a16:creationId xmlns:a16="http://schemas.microsoft.com/office/drawing/2014/main" id="{A7791F1B-B7E1-4232-AAE9-02204F3A79BC}"/>
+                  </a:ext>
+                </a:extLst>
+              </p:cNvPr>
+              <p:cNvSpPr txBox="1"/>
+              <p:nvPr/>
+            </p:nvSpPr>
+            <p:spPr>
+              <a:xfrm>
+                <a:off x="1546743" y="1601122"/>
+                <a:ext cx="483016" cy="369332"/>
+              </a:xfrm>
+              <a:prstGeom prst="rect">
+                <a:avLst/>
+              </a:prstGeom>
+              <a:noFill/>
+            </p:spPr>
+            <p:txBody>
+              <a:bodyPr wrap="none" rtlCol="0">
+                <a:spAutoFit/>
+              </a:bodyPr>
+              <a:lstStyle/>
+              <a:p>
+                <a:pPr/>
+                <a14:m>
+                  <m:oMathPara xmlns:m="http://schemas.openxmlformats.org/officeDocument/2006/math">
+                    <m:oMathParaPr>
+                      <m:jc m:val="centerGroup"/>
+                    </m:oMathParaPr>
+                    <m:oMath xmlns:m="http://schemas.openxmlformats.org/officeDocument/2006/math">
+                      <m:sSub>
+                        <m:sSubPr>
+                          <m:ctrlPr>
+                            <a:rPr lang="en-US" b="0" i="1" smtClean="0">
+                              <a:latin typeface="Cambria Math" panose="02040503050406030204" pitchFamily="18" charset="0"/>
+                            </a:rPr>
+                          </m:ctrlPr>
+                        </m:sSubPr>
+                        <m:e>
+                          <m:r>
+                            <a:rPr lang="en-US" b="0" i="1" smtClean="0">
+                              <a:latin typeface="Cambria Math" panose="02040503050406030204" pitchFamily="18" charset="0"/>
+                            </a:rPr>
+                            <m:t>𝐾</m:t>
+                          </m:r>
+                        </m:e>
+                        <m:sub>
+                          <m:r>
+                            <a:rPr lang="en-US" b="0" i="1" smtClean="0">
+                              <a:latin typeface="Cambria Math" panose="02040503050406030204" pitchFamily="18" charset="0"/>
+                            </a:rPr>
+                            <m:t>1</m:t>
+                          </m:r>
+                        </m:sub>
+                      </m:sSub>
+                    </m:oMath>
+                  </m:oMathPara>
+                </a14:m>
+                <a:endParaRPr lang="en-US" dirty="0"/>
+              </a:p>
+            </p:txBody>
+          </p:sp>
+        </mc:Choice>
+        <mc:Fallback>
+          <p:sp>
+            <p:nvSpPr>
+              <p:cNvPr id="12" name="TextBox 11">
+                <a:extLst>
+                  <a:ext uri="{FF2B5EF4-FFF2-40B4-BE49-F238E27FC236}">
+                    <a16:creationId xmlns:a16="http://schemas.microsoft.com/office/drawing/2014/main" id="{A7791F1B-B7E1-4232-AAE9-02204F3A79BC}"/>
+                  </a:ext>
+                </a:extLst>
+              </p:cNvPr>
+              <p:cNvSpPr txBox="1">
+                <a:spLocks noRot="1" noChangeAspect="1" noMove="1" noResize="1" noEditPoints="1" noAdjustHandles="1" noChangeArrowheads="1" noChangeShapeType="1" noTextEdit="1"/>
+              </p:cNvSpPr>
+              <p:nvPr/>
+            </p:nvSpPr>
+            <p:spPr>
+              <a:xfrm>
+                <a:off x="1546743" y="1601122"/>
+                <a:ext cx="483016" cy="369332"/>
+              </a:xfrm>
+              <a:prstGeom prst="rect">
+                <a:avLst/>
+              </a:prstGeom>
+              <a:blipFill>
+                <a:blip r:embed="rId3"/>
+                <a:stretch>
+                  <a:fillRect/>
+                </a:stretch>
+              </a:blipFill>
+            </p:spPr>
+            <p:txBody>
+              <a:bodyPr/>
+              <a:lstStyle/>
+              <a:p>
+                <a:r>
+                  <a:rPr lang="en-US">
+                    <a:noFill/>
+                  </a:rPr>
+                  <a:t> </a:t>
+                </a:r>
+              </a:p>
+            </p:txBody>
+          </p:sp>
+        </mc:Fallback>
+      </mc:AlternateContent>
+      <mc:AlternateContent xmlns:mc="http://schemas.openxmlformats.org/markup-compatibility/2006">
+        <mc:Choice xmlns:a14="http://schemas.microsoft.com/office/drawing/2010/main" Requires="a14">
+          <p:sp>
+            <p:nvSpPr>
+              <p:cNvPr id="10" name="Rectangle 9">
+                <a:extLst>
+                  <a:ext uri="{FF2B5EF4-FFF2-40B4-BE49-F238E27FC236}">
+                    <a16:creationId xmlns:a16="http://schemas.microsoft.com/office/drawing/2014/main" id="{3C00A4A8-1391-4D95-BA94-E282132932A7}"/>
+                  </a:ext>
+                </a:extLst>
+              </p:cNvPr>
+              <p:cNvSpPr/>
+              <p:nvPr/>
+            </p:nvSpPr>
+            <p:spPr>
+              <a:xfrm>
+                <a:off x="429845" y="1970454"/>
+                <a:ext cx="2716813" cy="1090246"/>
+              </a:xfrm>
+              <a:prstGeom prst="rect">
+                <a:avLst/>
+              </a:prstGeom>
+              <a:noFill/>
+              <a:ln>
+                <a:solidFill>
+                  <a:schemeClr val="tx1"/>
+                </a:solidFill>
+              </a:ln>
+            </p:spPr>
+            <p:style>
+              <a:lnRef idx="2">
+                <a:schemeClr val="accent1">
+                  <a:shade val="50000"/>
+                </a:schemeClr>
+              </a:lnRef>
+              <a:fillRef idx="1">
+                <a:schemeClr val="accent1"/>
+              </a:fillRef>
+              <a:effectRef idx="0">
+                <a:schemeClr val="accent1"/>
+              </a:effectRef>
+              <a:fontRef idx="minor">
+                <a:schemeClr val="lt1"/>
+              </a:fontRef>
+            </p:style>
+            <p:txBody>
+              <a:bodyPr rtlCol="0" anchor="ctr"/>
+              <a:lstStyle/>
+              <a:p>
+                <a:pPr/>
+                <a14:m>
+                  <m:oMathPara xmlns:m="http://schemas.openxmlformats.org/officeDocument/2006/math">
+                    <m:oMathParaPr>
+                      <m:jc m:val="centerGroup"/>
+                    </m:oMathParaPr>
+                    <m:oMath xmlns:m="http://schemas.openxmlformats.org/officeDocument/2006/math">
+                      <m:r>
+                        <a:rPr lang="en-US" i="1" dirty="0" smtClean="0">
+                          <a:solidFill>
+                            <a:schemeClr val="tx1"/>
+                          </a:solidFill>
+                          <a:latin typeface="Cambria Math" panose="02040503050406030204" pitchFamily="18" charset="0"/>
+                        </a:rPr>
+                        <m:t>𝑆𝑡𝑜𝑐𝑘</m:t>
+                      </m:r>
+                      <m:d>
+                        <m:dPr>
+                          <m:ctrlPr>
+                            <a:rPr lang="en-US" i="1" dirty="0" smtClean="0">
+                              <a:solidFill>
+                                <a:schemeClr val="tx1"/>
+                              </a:solidFill>
+                              <a:latin typeface="Cambria Math" panose="02040503050406030204" pitchFamily="18" charset="0"/>
+                            </a:rPr>
+                          </m:ctrlPr>
+                        </m:dPr>
+                        <m:e>
+                          <m:r>
+                            <a:rPr lang="en-US" i="1" dirty="0" smtClean="0">
+                              <a:solidFill>
+                                <a:schemeClr val="tx1"/>
+                              </a:solidFill>
+                              <a:latin typeface="Cambria Math" panose="02040503050406030204" pitchFamily="18" charset="0"/>
+                            </a:rPr>
+                            <m:t>𝑜</m:t>
+                          </m:r>
+                        </m:e>
+                      </m:d>
+                      <m:r>
+                        <m:rPr>
+                          <m:aln/>
+                        </m:rPr>
+                        <a:rPr lang="en-US" i="1" dirty="0" smtClean="0">
+                          <a:solidFill>
+                            <a:schemeClr val="tx1"/>
+                          </a:solidFill>
+                          <a:latin typeface="Cambria Math" panose="02040503050406030204" pitchFamily="18" charset="0"/>
+                        </a:rPr>
+                        <m:t>=</m:t>
+                      </m:r>
+                      <m:r>
+                        <a:rPr lang="en-US" i="1" dirty="0">
+                          <a:solidFill>
+                            <a:schemeClr val="tx1"/>
+                          </a:solidFill>
+                          <a:latin typeface="Cambria Math" panose="02040503050406030204" pitchFamily="18" charset="0"/>
+                        </a:rPr>
+                        <m:t>9.1917</m:t>
+                      </m:r>
+                    </m:oMath>
+                    <m:oMath xmlns:m="http://schemas.openxmlformats.org/officeDocument/2006/math">
+                      <m:r>
+                        <a:rPr lang="en-US" i="1" dirty="0" smtClean="0">
+                          <a:solidFill>
+                            <a:schemeClr val="tx1"/>
+                          </a:solidFill>
+                          <a:latin typeface="Cambria Math" panose="02040503050406030204" pitchFamily="18" charset="0"/>
+                        </a:rPr>
+                        <m:t>𝑆𝑡𝑜𝑐𝑘</m:t>
+                      </m:r>
+                      <m:d>
+                        <m:dPr>
+                          <m:ctrlPr>
+                            <a:rPr lang="en-US" i="1" dirty="0" smtClean="0">
+                              <a:solidFill>
+                                <a:schemeClr val="tx1"/>
+                              </a:solidFill>
+                              <a:latin typeface="Cambria Math" panose="02040503050406030204" pitchFamily="18" charset="0"/>
+                            </a:rPr>
+                          </m:ctrlPr>
+                        </m:dPr>
+                        <m:e>
+                          <m:r>
+                            <a:rPr lang="en-US" i="1" dirty="0" smtClean="0">
+                              <a:solidFill>
+                                <a:schemeClr val="tx1"/>
+                              </a:solidFill>
+                              <a:latin typeface="Cambria Math" panose="02040503050406030204" pitchFamily="18" charset="0"/>
+                            </a:rPr>
+                            <m:t>𝑑</m:t>
+                          </m:r>
+                        </m:e>
+                      </m:d>
+                      <m:r>
+                        <m:rPr>
+                          <m:aln/>
+                        </m:rPr>
+                        <a:rPr lang="en-US" i="1" dirty="0" smtClean="0">
+                          <a:solidFill>
+                            <a:schemeClr val="tx1"/>
+                          </a:solidFill>
+                          <a:latin typeface="Cambria Math" panose="02040503050406030204" pitchFamily="18" charset="0"/>
+                        </a:rPr>
+                        <m:t>=</m:t>
+                      </m:r>
+                      <m:r>
+                        <a:rPr lang="en-US" i="1" dirty="0">
+                          <a:solidFill>
+                            <a:schemeClr val="tx1"/>
+                          </a:solidFill>
+                          <a:latin typeface="Cambria Math" panose="02040503050406030204" pitchFamily="18" charset="0"/>
+                        </a:rPr>
+                        <m:t>8.144</m:t>
+                      </m:r>
+                      <m:r>
+                        <a:rPr lang="en-US" b="0" i="1" dirty="0" smtClean="0">
+                          <a:solidFill>
+                            <a:schemeClr val="tx1"/>
+                          </a:solidFill>
+                          <a:latin typeface="Cambria Math" panose="02040503050406030204" pitchFamily="18" charset="0"/>
+                        </a:rPr>
+                        <m:t>1</m:t>
+                      </m:r>
+                    </m:oMath>
+                    <m:oMath xmlns:m="http://schemas.openxmlformats.org/officeDocument/2006/math">
+                      <m:r>
+                        <a:rPr lang="en-US" b="0" i="1" smtClean="0">
+                          <a:solidFill>
+                            <a:schemeClr val="tx1"/>
+                          </a:solidFill>
+                          <a:latin typeface="Cambria Math" panose="02040503050406030204" pitchFamily="18" charset="0"/>
+                        </a:rPr>
+                        <m:t>𝑆𝑡𝑜𝑐𝑘</m:t>
+                      </m:r>
+                      <m:d>
+                        <m:dPr>
+                          <m:ctrlPr>
+                            <a:rPr lang="en-US" b="0" i="1" smtClean="0">
+                              <a:solidFill>
+                                <a:schemeClr val="tx1"/>
+                              </a:solidFill>
+                              <a:latin typeface="Cambria Math" panose="02040503050406030204" pitchFamily="18" charset="0"/>
+                            </a:rPr>
+                          </m:ctrlPr>
+                        </m:dPr>
+                        <m:e>
+                          <m:r>
+                            <a:rPr lang="en-US" b="0" i="1" smtClean="0">
+                              <a:solidFill>
+                                <a:schemeClr val="tx1"/>
+                              </a:solidFill>
+                              <a:latin typeface="Cambria Math" panose="02040503050406030204" pitchFamily="18" charset="0"/>
+                            </a:rPr>
+                            <m:t>𝑚</m:t>
+                          </m:r>
+                          <m:r>
+                            <a:rPr lang="en-US" altLang="zh-CN" i="1">
+                              <a:solidFill>
+                                <a:schemeClr val="tx1"/>
+                              </a:solidFill>
+                              <a:latin typeface="Cambria Math" panose="02040503050406030204" pitchFamily="18" charset="0"/>
+                            </a:rPr>
+                            <m:t>1</m:t>
+                          </m:r>
+                        </m:e>
+                      </m:d>
+                      <m:r>
+                        <m:rPr>
+                          <m:aln/>
+                        </m:rPr>
+                        <a:rPr lang="en-US" b="0" i="1" smtClean="0">
+                          <a:solidFill>
+                            <a:schemeClr val="tx1"/>
+                          </a:solidFill>
+                          <a:latin typeface="Cambria Math" panose="02040503050406030204" pitchFamily="18" charset="0"/>
+                        </a:rPr>
+                        <m:t>=</m:t>
+                      </m:r>
+                      <m:r>
+                        <a:rPr lang="en-US" i="1">
+                          <a:solidFill>
+                            <a:schemeClr val="tx1"/>
+                          </a:solidFill>
+                          <a:latin typeface="Cambria Math" panose="02040503050406030204" pitchFamily="18" charset="0"/>
+                        </a:rPr>
+                        <m:t>9.2230</m:t>
+                      </m:r>
+                    </m:oMath>
+                    <m:oMath xmlns:m="http://schemas.openxmlformats.org/officeDocument/2006/math">
+                      <m:r>
+                        <a:rPr lang="en-US" b="0" i="1" smtClean="0">
+                          <a:solidFill>
+                            <a:schemeClr val="tx1"/>
+                          </a:solidFill>
+                          <a:latin typeface="Cambria Math" panose="02040503050406030204" pitchFamily="18" charset="0"/>
+                        </a:rPr>
+                        <m:t>𝑠𝑡𝑜𝑐𝑘</m:t>
+                      </m:r>
+                      <m:d>
+                        <m:dPr>
+                          <m:ctrlPr>
+                            <a:rPr lang="en-US" b="0" i="1" smtClean="0">
+                              <a:solidFill>
+                                <a:schemeClr val="tx1"/>
+                              </a:solidFill>
+                              <a:latin typeface="Cambria Math" panose="02040503050406030204" pitchFamily="18" charset="0"/>
+                            </a:rPr>
+                          </m:ctrlPr>
+                        </m:dPr>
+                        <m:e>
+                          <m:r>
+                            <a:rPr lang="en-US" b="0" i="1" smtClean="0">
+                              <a:solidFill>
+                                <a:schemeClr val="tx1"/>
+                              </a:solidFill>
+                              <a:latin typeface="Cambria Math" panose="02040503050406030204" pitchFamily="18" charset="0"/>
+                            </a:rPr>
+                            <m:t>𝑚</m:t>
+                          </m:r>
+                          <m:r>
+                            <a:rPr lang="en-US" b="0" i="1" smtClean="0">
+                              <a:solidFill>
+                                <a:schemeClr val="tx1"/>
+                              </a:solidFill>
+                              <a:latin typeface="Cambria Math" panose="02040503050406030204" pitchFamily="18" charset="0"/>
+                            </a:rPr>
+                            <m:t>2</m:t>
+                          </m:r>
+                        </m:e>
+                      </m:d>
+                      <m:r>
+                        <m:rPr>
+                          <m:aln/>
+                        </m:rPr>
+                        <a:rPr lang="en-US" b="0" i="1" smtClean="0">
+                          <a:solidFill>
+                            <a:schemeClr val="tx1"/>
+                          </a:solidFill>
+                          <a:latin typeface="Cambria Math" panose="02040503050406030204" pitchFamily="18" charset="0"/>
+                        </a:rPr>
+                        <m:t>=</m:t>
+                      </m:r>
+                      <m:r>
+                        <a:rPr lang="en-US" i="1">
+                          <a:solidFill>
+                            <a:schemeClr val="tx1"/>
+                          </a:solidFill>
+                          <a:latin typeface="Cambria Math" panose="02040503050406030204" pitchFamily="18" charset="0"/>
+                        </a:rPr>
+                        <m:t>9.05</m:t>
+                      </m:r>
+                      <m:r>
+                        <a:rPr lang="en-US" altLang="zh-CN" i="1" smtClean="0">
+                          <a:solidFill>
+                            <a:schemeClr val="tx1"/>
+                          </a:solidFill>
+                          <a:latin typeface="Cambria Math" panose="02040503050406030204" pitchFamily="18" charset="0"/>
+                        </a:rPr>
+                        <m:t>1</m:t>
+                      </m:r>
+                      <m:r>
+                        <a:rPr lang="en-US" altLang="zh-CN" b="0" i="1" smtClean="0">
+                          <a:solidFill>
+                            <a:schemeClr val="tx1"/>
+                          </a:solidFill>
+                          <a:latin typeface="Cambria Math" panose="02040503050406030204" pitchFamily="18" charset="0"/>
+                        </a:rPr>
+                        <m:t>0</m:t>
+                      </m:r>
+                    </m:oMath>
+                  </m:oMathPara>
+                </a14:m>
+                <a:endParaRPr lang="en-US" b="0" dirty="0">
+                  <a:solidFill>
+                    <a:schemeClr val="tx1"/>
+                  </a:solidFill>
+                </a:endParaRPr>
+              </a:p>
+            </p:txBody>
+          </p:sp>
+        </mc:Choice>
+        <mc:Fallback>
+          <p:sp>
+            <p:nvSpPr>
+              <p:cNvPr id="10" name="Rectangle 9">
+                <a:extLst>
+                  <a:ext uri="{FF2B5EF4-FFF2-40B4-BE49-F238E27FC236}">
+                    <a16:creationId xmlns:a16="http://schemas.microsoft.com/office/drawing/2014/main" id="{3C00A4A8-1391-4D95-BA94-E282132932A7}"/>
+                  </a:ext>
+                </a:extLst>
+              </p:cNvPr>
+              <p:cNvSpPr>
+                <a:spLocks noRot="1" noChangeAspect="1" noMove="1" noResize="1" noEditPoints="1" noAdjustHandles="1" noChangeArrowheads="1" noChangeShapeType="1" noTextEdit="1"/>
+              </p:cNvSpPr>
+              <p:nvPr/>
+            </p:nvSpPr>
+            <p:spPr>
+              <a:xfrm>
+                <a:off x="429845" y="1970454"/>
+                <a:ext cx="2716813" cy="1090246"/>
+              </a:xfrm>
+              <a:prstGeom prst="rect">
+                <a:avLst/>
+              </a:prstGeom>
+              <a:blipFill>
+                <a:blip r:embed="rId4"/>
+                <a:stretch>
+                  <a:fillRect b="-2210"/>
+                </a:stretch>
+              </a:blipFill>
+              <a:ln>
+                <a:solidFill>
+                  <a:schemeClr val="tx1"/>
+                </a:solidFill>
+              </a:ln>
+            </p:spPr>
+            <p:txBody>
+              <a:bodyPr/>
+              <a:lstStyle/>
+              <a:p>
+                <a:r>
+                  <a:rPr lang="en-US">
+                    <a:noFill/>
+                  </a:rPr>
+                  <a:t> </a:t>
+                </a:r>
+              </a:p>
+            </p:txBody>
+          </p:sp>
+        </mc:Fallback>
+      </mc:AlternateContent>
+      <p:sp>
+        <p:nvSpPr>
+          <p:cNvPr id="4" name="Oval 3">
+            <a:extLst>
+              <a:ext uri="{FF2B5EF4-FFF2-40B4-BE49-F238E27FC236}">
+                <a16:creationId xmlns:a16="http://schemas.microsoft.com/office/drawing/2014/main" id="{AD079CE0-B866-4600-B406-CF86C420358C}"/>
+              </a:ext>
+            </a:extLst>
+          </p:cNvPr>
+          <p:cNvSpPr/>
+          <p:nvPr/>
+        </p:nvSpPr>
+        <p:spPr>
+          <a:xfrm>
+            <a:off x="3923395" y="3237526"/>
+            <a:ext cx="1062892" cy="1062892"/>
+          </a:xfrm>
+          <a:prstGeom prst="ellipse">
+            <a:avLst/>
+          </a:prstGeom>
+          <a:solidFill>
+            <a:schemeClr val="accent4">
+              <a:lumMod val="40000"/>
+              <a:lumOff val="60000"/>
+            </a:schemeClr>
+          </a:solidFill>
+          <a:ln>
+            <a:solidFill>
+              <a:schemeClr val="accent4">
+                <a:lumMod val="75000"/>
+              </a:schemeClr>
+            </a:solidFill>
+          </a:ln>
+        </p:spPr>
+        <p:style>
+          <a:lnRef idx="2">
+            <a:schemeClr val="accent1">
+              <a:shade val="50000"/>
+            </a:schemeClr>
+          </a:lnRef>
+          <a:fillRef idx="1">
+            <a:schemeClr val="accent1"/>
+          </a:fillRef>
+          <a:effectRef idx="0">
+            <a:schemeClr val="accent1"/>
+          </a:effectRef>
+          <a:fontRef idx="minor">
+            <a:schemeClr val="lt1"/>
+          </a:fontRef>
+        </p:style>
+        <p:txBody>
+          <a:bodyPr rtlCol="0" anchor="ctr"/>
+          <a:lstStyle/>
+          <a:p>
+            <a:pPr algn="ctr"/>
+            <a:r>
+              <a:rPr lang="en-US" sz="2400" dirty="0">
+                <a:solidFill>
+                  <a:schemeClr val="tx1"/>
+                </a:solidFill>
+                <a:latin typeface="Cambria Math" panose="02040503050406030204" pitchFamily="18" charset="0"/>
+                <a:ea typeface="Cambria Math" panose="02040503050406030204" pitchFamily="18" charset="0"/>
+              </a:rPr>
+              <a:t>o</a:t>
+            </a:r>
+          </a:p>
+        </p:txBody>
+      </p:sp>
+      <p:sp>
+        <p:nvSpPr>
+          <p:cNvPr id="5" name="Oval 4">
+            <a:extLst>
+              <a:ext uri="{FF2B5EF4-FFF2-40B4-BE49-F238E27FC236}">
+                <a16:creationId xmlns:a16="http://schemas.microsoft.com/office/drawing/2014/main" id="{BBC99BD8-9DAE-43D2-AFDB-9DBBFB813BF9}"/>
+              </a:ext>
+            </a:extLst>
+          </p:cNvPr>
+          <p:cNvSpPr/>
+          <p:nvPr/>
+        </p:nvSpPr>
+        <p:spPr>
+          <a:xfrm>
+            <a:off x="9510767" y="3237526"/>
+            <a:ext cx="1062892" cy="1062892"/>
+          </a:xfrm>
+          <a:prstGeom prst="ellipse">
+            <a:avLst/>
+          </a:prstGeom>
+          <a:solidFill>
+            <a:srgbClr val="92D050"/>
+          </a:solidFill>
+          <a:ln>
+            <a:solidFill>
+              <a:srgbClr val="00B050"/>
+            </a:solidFill>
+          </a:ln>
+        </p:spPr>
+        <p:style>
+          <a:lnRef idx="2">
+            <a:schemeClr val="accent1">
+              <a:shade val="50000"/>
+            </a:schemeClr>
+          </a:lnRef>
+          <a:fillRef idx="1">
+            <a:schemeClr val="accent1"/>
+          </a:fillRef>
+          <a:effectRef idx="0">
+            <a:schemeClr val="accent1"/>
+          </a:effectRef>
+          <a:fontRef idx="minor">
+            <a:schemeClr val="lt1"/>
+          </a:fontRef>
+        </p:style>
+        <p:txBody>
+          <a:bodyPr rtlCol="0" anchor="ctr"/>
+          <a:lstStyle/>
+          <a:p>
+            <a:pPr algn="ctr"/>
+            <a:r>
+              <a:rPr lang="en-US" sz="2400" dirty="0">
+                <a:solidFill>
+                  <a:schemeClr val="tx1"/>
+                </a:solidFill>
+                <a:latin typeface="Cambria Math" panose="02040503050406030204" pitchFamily="18" charset="0"/>
+                <a:ea typeface="Cambria Math" panose="02040503050406030204" pitchFamily="18" charset="0"/>
+              </a:rPr>
+              <a:t>d</a:t>
+            </a:r>
+          </a:p>
+        </p:txBody>
+      </p:sp>
+      <p:sp>
+        <p:nvSpPr>
+          <p:cNvPr id="25" name="Oval 24">
+            <a:extLst>
+              <a:ext uri="{FF2B5EF4-FFF2-40B4-BE49-F238E27FC236}">
+                <a16:creationId xmlns:a16="http://schemas.microsoft.com/office/drawing/2014/main" id="{C6E76074-B2BA-4ADD-A489-920478A7AC8F}"/>
+              </a:ext>
+            </a:extLst>
+          </p:cNvPr>
+          <p:cNvSpPr/>
+          <p:nvPr/>
+        </p:nvSpPr>
+        <p:spPr>
+          <a:xfrm>
+            <a:off x="6717081" y="1559143"/>
+            <a:ext cx="1062892" cy="1062892"/>
+          </a:xfrm>
+          <a:prstGeom prst="ellipse">
+            <a:avLst/>
+          </a:prstGeom>
+          <a:solidFill>
+            <a:schemeClr val="accent2"/>
+          </a:solidFill>
+          <a:ln>
+            <a:solidFill>
+              <a:schemeClr val="accent2">
+                <a:lumMod val="75000"/>
+              </a:schemeClr>
+            </a:solidFill>
+          </a:ln>
+        </p:spPr>
+        <p:style>
+          <a:lnRef idx="2">
+            <a:schemeClr val="accent1">
+              <a:shade val="50000"/>
+            </a:schemeClr>
+          </a:lnRef>
+          <a:fillRef idx="1">
+            <a:schemeClr val="accent1"/>
+          </a:fillRef>
+          <a:effectRef idx="0">
+            <a:schemeClr val="accent1"/>
+          </a:effectRef>
+          <a:fontRef idx="minor">
+            <a:schemeClr val="lt1"/>
+          </a:fontRef>
+        </p:style>
+        <p:txBody>
+          <a:bodyPr rtlCol="0" anchor="ctr"/>
+          <a:lstStyle/>
+          <a:p>
+            <a:pPr algn="ctr"/>
+            <a:r>
+              <a:rPr lang="en-US" sz="2400" dirty="0">
+                <a:solidFill>
+                  <a:schemeClr val="tx1"/>
+                </a:solidFill>
+                <a:latin typeface="Cambria Math" panose="02040503050406030204" pitchFamily="18" charset="0"/>
+                <a:ea typeface="Cambria Math" panose="02040503050406030204" pitchFamily="18" charset="0"/>
+              </a:rPr>
+              <a:t>m1</a:t>
+            </a:r>
+          </a:p>
+        </p:txBody>
+      </p:sp>
+      <p:sp>
+        <p:nvSpPr>
+          <p:cNvPr id="26" name="Oval 25">
+            <a:extLst>
+              <a:ext uri="{FF2B5EF4-FFF2-40B4-BE49-F238E27FC236}">
+                <a16:creationId xmlns:a16="http://schemas.microsoft.com/office/drawing/2014/main" id="{09D0F33B-4429-4CEA-950D-0EFFFA163EBB}"/>
+              </a:ext>
+            </a:extLst>
+          </p:cNvPr>
+          <p:cNvSpPr/>
+          <p:nvPr/>
+        </p:nvSpPr>
+        <p:spPr>
+          <a:xfrm>
+            <a:off x="6717081" y="4845567"/>
+            <a:ext cx="1062892" cy="1062892"/>
+          </a:xfrm>
+          <a:prstGeom prst="ellipse">
+            <a:avLst/>
+          </a:prstGeom>
+          <a:solidFill>
+            <a:schemeClr val="accent5">
+              <a:lumMod val="75000"/>
+            </a:schemeClr>
+          </a:solidFill>
+          <a:ln>
+            <a:solidFill>
+              <a:schemeClr val="accent5">
+                <a:lumMod val="50000"/>
+              </a:schemeClr>
+            </a:solidFill>
+          </a:ln>
+        </p:spPr>
+        <p:style>
+          <a:lnRef idx="2">
+            <a:schemeClr val="accent1">
+              <a:shade val="50000"/>
+            </a:schemeClr>
+          </a:lnRef>
+          <a:fillRef idx="1">
+            <a:schemeClr val="accent1"/>
+          </a:fillRef>
+          <a:effectRef idx="0">
+            <a:schemeClr val="accent1"/>
+          </a:effectRef>
+          <a:fontRef idx="minor">
+            <a:schemeClr val="lt1"/>
+          </a:fontRef>
+        </p:style>
+        <p:txBody>
+          <a:bodyPr rtlCol="0" anchor="ctr"/>
+          <a:lstStyle/>
+          <a:p>
+            <a:pPr algn="ctr"/>
+            <a:r>
+              <a:rPr lang="en-US" sz="2400" dirty="0">
+                <a:solidFill>
+                  <a:schemeClr val="tx1"/>
+                </a:solidFill>
+                <a:latin typeface="Cambria Math" panose="02040503050406030204" pitchFamily="18" charset="0"/>
+                <a:ea typeface="Cambria Math" panose="02040503050406030204" pitchFamily="18" charset="0"/>
+              </a:rPr>
+              <a:t>m2</a:t>
+            </a:r>
+          </a:p>
+        </p:txBody>
+      </p:sp>
+      <p:cxnSp>
+        <p:nvCxnSpPr>
+          <p:cNvPr id="20" name="Connector: Curved 19">
+            <a:extLst>
+              <a:ext uri="{FF2B5EF4-FFF2-40B4-BE49-F238E27FC236}">
+                <a16:creationId xmlns:a16="http://schemas.microsoft.com/office/drawing/2014/main" id="{2C875E72-4ACE-444A-B9F9-1E288BDD6037}"/>
+              </a:ext>
+            </a:extLst>
+          </p:cNvPr>
+          <p:cNvCxnSpPr>
+            <a:stCxn id="4" idx="0"/>
+            <a:endCxn id="25" idx="2"/>
+          </p:cNvCxnSpPr>
+          <p:nvPr/>
+        </p:nvCxnSpPr>
+        <p:spPr>
+          <a:xfrm rot="5400000" flipH="1" flipV="1">
+            <a:off x="5012493" y="1532938"/>
+            <a:ext cx="1146937" cy="2262240"/>
+          </a:xfrm>
+          <a:prstGeom prst="curvedConnector2">
+            <a:avLst/>
+          </a:prstGeom>
+          <a:ln>
+            <a:tailEnd type="triangle"/>
+          </a:ln>
+        </p:spPr>
+        <p:style>
+          <a:lnRef idx="1">
+            <a:schemeClr val="dk1"/>
+          </a:lnRef>
+          <a:fillRef idx="0">
+            <a:schemeClr val="dk1"/>
+          </a:fillRef>
+          <a:effectRef idx="0">
+            <a:schemeClr val="dk1"/>
+          </a:effectRef>
+          <a:fontRef idx="minor">
+            <a:schemeClr val="tx1"/>
+          </a:fontRef>
+        </p:style>
+      </p:cxnSp>
+      <p:cxnSp>
+        <p:nvCxnSpPr>
+          <p:cNvPr id="30" name="Connector: Curved 29">
+            <a:extLst>
+              <a:ext uri="{FF2B5EF4-FFF2-40B4-BE49-F238E27FC236}">
+                <a16:creationId xmlns:a16="http://schemas.microsoft.com/office/drawing/2014/main" id="{54E7F305-AF26-47E5-92DC-9DAB23295A12}"/>
+              </a:ext>
+            </a:extLst>
+          </p:cNvPr>
+          <p:cNvCxnSpPr>
+            <a:cxnSpLocks/>
+            <a:stCxn id="4" idx="4"/>
+            <a:endCxn id="26" idx="2"/>
+          </p:cNvCxnSpPr>
+          <p:nvPr/>
+        </p:nvCxnSpPr>
+        <p:spPr>
+          <a:xfrm rot="16200000" flipH="1">
+            <a:off x="5047664" y="3707595"/>
+            <a:ext cx="1076595" cy="2262240"/>
+          </a:xfrm>
+          <a:prstGeom prst="curvedConnector2">
+            <a:avLst/>
+          </a:prstGeom>
+          <a:ln>
+            <a:tailEnd type="triangle"/>
+          </a:ln>
+        </p:spPr>
+        <p:style>
+          <a:lnRef idx="1">
+            <a:schemeClr val="dk1"/>
+          </a:lnRef>
+          <a:fillRef idx="0">
+            <a:schemeClr val="dk1"/>
+          </a:fillRef>
+          <a:effectRef idx="0">
+            <a:schemeClr val="dk1"/>
+          </a:effectRef>
+          <a:fontRef idx="minor">
+            <a:schemeClr val="tx1"/>
+          </a:fontRef>
+        </p:style>
+      </p:cxnSp>
+      <p:cxnSp>
+        <p:nvCxnSpPr>
+          <p:cNvPr id="48" name="Straight Arrow Connector 47">
+            <a:extLst>
+              <a:ext uri="{FF2B5EF4-FFF2-40B4-BE49-F238E27FC236}">
+                <a16:creationId xmlns:a16="http://schemas.microsoft.com/office/drawing/2014/main" id="{9F516669-A7B3-4425-A9E8-124BE3AF2D71}"/>
+              </a:ext>
+            </a:extLst>
+          </p:cNvPr>
+          <p:cNvCxnSpPr>
+            <a:stCxn id="25" idx="5"/>
+            <a:endCxn id="26" idx="7"/>
+          </p:cNvCxnSpPr>
+          <p:nvPr/>
+        </p:nvCxnSpPr>
+        <p:spPr>
+          <a:xfrm>
+            <a:off x="7624316" y="2466378"/>
+            <a:ext cx="0" cy="2534846"/>
+          </a:xfrm>
+          <a:prstGeom prst="straightConnector1">
+            <a:avLst/>
+          </a:prstGeom>
+          <a:ln>
+            <a:tailEnd type="triangle"/>
+          </a:ln>
+        </p:spPr>
+        <p:style>
+          <a:lnRef idx="1">
+            <a:schemeClr val="dk1"/>
+          </a:lnRef>
+          <a:fillRef idx="0">
+            <a:schemeClr val="dk1"/>
+          </a:fillRef>
+          <a:effectRef idx="0">
+            <a:schemeClr val="dk1"/>
+          </a:effectRef>
+          <a:fontRef idx="minor">
+            <a:schemeClr val="tx1"/>
+          </a:fontRef>
+        </p:style>
+      </p:cxnSp>
+      <p:cxnSp>
+        <p:nvCxnSpPr>
+          <p:cNvPr id="54" name="Straight Arrow Connector 53">
+            <a:extLst>
+              <a:ext uri="{FF2B5EF4-FFF2-40B4-BE49-F238E27FC236}">
+                <a16:creationId xmlns:a16="http://schemas.microsoft.com/office/drawing/2014/main" id="{FAAF73A9-7716-4686-900D-B7357BE6AB64}"/>
+              </a:ext>
+            </a:extLst>
+          </p:cNvPr>
+          <p:cNvCxnSpPr>
+            <a:cxnSpLocks/>
+            <a:stCxn id="4" idx="6"/>
+            <a:endCxn id="5" idx="2"/>
+          </p:cNvCxnSpPr>
+          <p:nvPr/>
+        </p:nvCxnSpPr>
+        <p:spPr>
+          <a:xfrm>
+            <a:off x="4986287" y="3768972"/>
+            <a:ext cx="4524480" cy="0"/>
+          </a:xfrm>
+          <a:prstGeom prst="straightConnector1">
+            <a:avLst/>
+          </a:prstGeom>
+          <a:ln>
+            <a:tailEnd type="triangle"/>
+          </a:ln>
+        </p:spPr>
+        <p:style>
+          <a:lnRef idx="1">
+            <a:schemeClr val="dk1"/>
+          </a:lnRef>
+          <a:fillRef idx="0">
+            <a:schemeClr val="dk1"/>
+          </a:fillRef>
+          <a:effectRef idx="0">
+            <a:schemeClr val="dk1"/>
+          </a:effectRef>
+          <a:fontRef idx="minor">
+            <a:schemeClr val="tx1"/>
+          </a:fontRef>
+        </p:style>
+      </p:cxnSp>
+      <p:cxnSp>
+        <p:nvCxnSpPr>
+          <p:cNvPr id="58" name="Connector: Curved 57">
+            <a:extLst>
+              <a:ext uri="{FF2B5EF4-FFF2-40B4-BE49-F238E27FC236}">
+                <a16:creationId xmlns:a16="http://schemas.microsoft.com/office/drawing/2014/main" id="{F78254A4-2C0D-4BDD-8577-2AC364E42CED}"/>
+              </a:ext>
+            </a:extLst>
+          </p:cNvPr>
+          <p:cNvCxnSpPr>
+            <a:cxnSpLocks/>
+            <a:stCxn id="25" idx="6"/>
+            <a:endCxn id="5" idx="0"/>
+          </p:cNvCxnSpPr>
+          <p:nvPr/>
+        </p:nvCxnSpPr>
+        <p:spPr>
+          <a:xfrm>
+            <a:off x="7779973" y="2090589"/>
+            <a:ext cx="2262240" cy="1146937"/>
+          </a:xfrm>
+          <a:prstGeom prst="curvedConnector2">
+            <a:avLst/>
+          </a:prstGeom>
+          <a:ln>
+            <a:tailEnd type="triangle"/>
+          </a:ln>
+        </p:spPr>
+        <p:style>
+          <a:lnRef idx="1">
+            <a:schemeClr val="dk1"/>
+          </a:lnRef>
+          <a:fillRef idx="0">
+            <a:schemeClr val="dk1"/>
+          </a:fillRef>
+          <a:effectRef idx="0">
+            <a:schemeClr val="dk1"/>
+          </a:effectRef>
+          <a:fontRef idx="minor">
+            <a:schemeClr val="tx1"/>
+          </a:fontRef>
+        </p:style>
+      </p:cxnSp>
+      <p:cxnSp>
+        <p:nvCxnSpPr>
+          <p:cNvPr id="59" name="Connector: Curved 58">
+            <a:extLst>
+              <a:ext uri="{FF2B5EF4-FFF2-40B4-BE49-F238E27FC236}">
+                <a16:creationId xmlns:a16="http://schemas.microsoft.com/office/drawing/2014/main" id="{074F4F48-8B84-4B6D-8DBC-82E87A215C8A}"/>
+              </a:ext>
+            </a:extLst>
+          </p:cNvPr>
+          <p:cNvCxnSpPr>
+            <a:cxnSpLocks/>
+            <a:stCxn id="26" idx="6"/>
+            <a:endCxn id="5" idx="4"/>
+          </p:cNvCxnSpPr>
+          <p:nvPr/>
+        </p:nvCxnSpPr>
+        <p:spPr>
+          <a:xfrm flipV="1">
+            <a:off x="7779973" y="4300418"/>
+            <a:ext cx="2262240" cy="1076595"/>
+          </a:xfrm>
+          <a:prstGeom prst="curvedConnector2">
+            <a:avLst/>
+          </a:prstGeom>
+          <a:ln>
+            <a:tailEnd type="triangle"/>
+          </a:ln>
+        </p:spPr>
+        <p:style>
+          <a:lnRef idx="1">
+            <a:schemeClr val="dk1"/>
+          </a:lnRef>
+          <a:fillRef idx="0">
+            <a:schemeClr val="dk1"/>
+          </a:fillRef>
+          <a:effectRef idx="0">
+            <a:schemeClr val="dk1"/>
+          </a:effectRef>
+          <a:fontRef idx="minor">
+            <a:schemeClr val="tx1"/>
+          </a:fontRef>
+        </p:style>
+      </p:cxnSp>
+      <mc:AlternateContent xmlns:mc="http://schemas.openxmlformats.org/markup-compatibility/2006">
+        <mc:Choice xmlns:a14="http://schemas.microsoft.com/office/drawing/2010/main" Requires="a14">
+          <p:sp>
+            <p:nvSpPr>
+              <p:cNvPr id="64" name="TextBox 63">
+                <a:extLst>
+                  <a:ext uri="{FF2B5EF4-FFF2-40B4-BE49-F238E27FC236}">
+                    <a16:creationId xmlns:a16="http://schemas.microsoft.com/office/drawing/2014/main" id="{59E8D610-C3F4-424F-916E-C412F2CAAEBB}"/>
+                  </a:ext>
+                </a:extLst>
+              </p:cNvPr>
+              <p:cNvSpPr txBox="1"/>
+              <p:nvPr/>
+            </p:nvSpPr>
+            <p:spPr>
+              <a:xfrm>
+                <a:off x="1541420" y="4071272"/>
+                <a:ext cx="488339" cy="369332"/>
+              </a:xfrm>
+              <a:prstGeom prst="rect">
+                <a:avLst/>
+              </a:prstGeom>
+              <a:noFill/>
+            </p:spPr>
+            <p:txBody>
+              <a:bodyPr wrap="none" rtlCol="0">
+                <a:spAutoFit/>
+              </a:bodyPr>
+              <a:lstStyle/>
+              <a:p>
+                <a:pPr/>
+                <a14:m>
+                  <m:oMathPara xmlns:m="http://schemas.openxmlformats.org/officeDocument/2006/math">
+                    <m:oMathParaPr>
+                      <m:jc m:val="centerGroup"/>
+                    </m:oMathParaPr>
+                    <m:oMath xmlns:m="http://schemas.openxmlformats.org/officeDocument/2006/math">
+                      <m:sSub>
+                        <m:sSubPr>
+                          <m:ctrlPr>
+                            <a:rPr lang="en-US" b="0" i="1" smtClean="0">
+                              <a:latin typeface="Cambria Math" panose="02040503050406030204" pitchFamily="18" charset="0"/>
+                            </a:rPr>
+                          </m:ctrlPr>
+                        </m:sSubPr>
+                        <m:e>
+                          <m:r>
+                            <a:rPr lang="en-US" b="0" i="1" smtClean="0">
+                              <a:latin typeface="Cambria Math" panose="02040503050406030204" pitchFamily="18" charset="0"/>
+                            </a:rPr>
+                            <m:t>𝐾</m:t>
+                          </m:r>
+                        </m:e>
+                        <m:sub>
+                          <m:r>
+                            <a:rPr lang="en-US" b="0" i="1" smtClean="0">
+                              <a:latin typeface="Cambria Math" panose="02040503050406030204" pitchFamily="18" charset="0"/>
+                            </a:rPr>
+                            <m:t>2</m:t>
+                          </m:r>
+                        </m:sub>
+                      </m:sSub>
+                    </m:oMath>
+                  </m:oMathPara>
+                </a14:m>
+                <a:endParaRPr lang="en-US" dirty="0"/>
+              </a:p>
+            </p:txBody>
+          </p:sp>
+        </mc:Choice>
+        <mc:Fallback>
+          <p:sp>
+            <p:nvSpPr>
+              <p:cNvPr id="64" name="TextBox 63">
+                <a:extLst>
+                  <a:ext uri="{FF2B5EF4-FFF2-40B4-BE49-F238E27FC236}">
+                    <a16:creationId xmlns:a16="http://schemas.microsoft.com/office/drawing/2014/main" id="{59E8D610-C3F4-424F-916E-C412F2CAAEBB}"/>
+                  </a:ext>
+                </a:extLst>
+              </p:cNvPr>
+              <p:cNvSpPr txBox="1">
+                <a:spLocks noRot="1" noChangeAspect="1" noMove="1" noResize="1" noEditPoints="1" noAdjustHandles="1" noChangeArrowheads="1" noChangeShapeType="1" noTextEdit="1"/>
+              </p:cNvSpPr>
+              <p:nvPr/>
+            </p:nvSpPr>
+            <p:spPr>
+              <a:xfrm>
+                <a:off x="1541420" y="4071272"/>
+                <a:ext cx="488339" cy="369332"/>
+              </a:xfrm>
+              <a:prstGeom prst="rect">
+                <a:avLst/>
+              </a:prstGeom>
+              <a:blipFill>
+                <a:blip r:embed="rId5"/>
+                <a:stretch>
+                  <a:fillRect/>
+                </a:stretch>
+              </a:blipFill>
+            </p:spPr>
+            <p:txBody>
+              <a:bodyPr/>
+              <a:lstStyle/>
+              <a:p>
+                <a:r>
+                  <a:rPr lang="en-US">
+                    <a:noFill/>
+                  </a:rPr>
+                  <a:t> </a:t>
+                </a:r>
+              </a:p>
+            </p:txBody>
+          </p:sp>
+        </mc:Fallback>
+      </mc:AlternateContent>
+      <mc:AlternateContent xmlns:mc="http://schemas.openxmlformats.org/markup-compatibility/2006">
+        <mc:Choice xmlns:a14="http://schemas.microsoft.com/office/drawing/2010/main" Requires="a14">
+          <p:sp>
+            <p:nvSpPr>
+              <p:cNvPr id="65" name="Rectangle 64">
+                <a:extLst>
+                  <a:ext uri="{FF2B5EF4-FFF2-40B4-BE49-F238E27FC236}">
+                    <a16:creationId xmlns:a16="http://schemas.microsoft.com/office/drawing/2014/main" id="{4F690B5E-D300-4D4C-B988-E56B94568A7E}"/>
+                  </a:ext>
+                </a:extLst>
+              </p:cNvPr>
+              <p:cNvSpPr/>
+              <p:nvPr/>
+            </p:nvSpPr>
+            <p:spPr>
+              <a:xfrm>
+                <a:off x="429846" y="4440604"/>
+                <a:ext cx="2716812" cy="1090246"/>
+              </a:xfrm>
+              <a:prstGeom prst="rect">
+                <a:avLst/>
+              </a:prstGeom>
+              <a:noFill/>
+              <a:ln>
+                <a:solidFill>
+                  <a:schemeClr val="tx1"/>
+                </a:solidFill>
+              </a:ln>
+            </p:spPr>
+            <p:style>
+              <a:lnRef idx="2">
+                <a:schemeClr val="accent1">
+                  <a:shade val="50000"/>
+                </a:schemeClr>
+              </a:lnRef>
+              <a:fillRef idx="1">
+                <a:schemeClr val="accent1"/>
+              </a:fillRef>
+              <a:effectRef idx="0">
+                <a:schemeClr val="accent1"/>
+              </a:effectRef>
+              <a:fontRef idx="minor">
+                <a:schemeClr val="lt1"/>
+              </a:fontRef>
+            </p:style>
+            <p:txBody>
+              <a:bodyPr rtlCol="0" anchor="ctr"/>
+              <a:lstStyle/>
+              <a:p>
+                <a:pPr/>
+                <a14:m>
+                  <m:oMathPara xmlns:m="http://schemas.openxmlformats.org/officeDocument/2006/math">
+                    <m:oMathParaPr>
+                      <m:jc m:val="centerGroup"/>
+                    </m:oMathParaPr>
+                    <m:oMath xmlns:m="http://schemas.openxmlformats.org/officeDocument/2006/math">
+                      <m:r>
+                        <a:rPr lang="en-US" i="1" dirty="0" smtClean="0">
+                          <a:solidFill>
+                            <a:schemeClr val="tx1"/>
+                          </a:solidFill>
+                          <a:latin typeface="Cambria Math" panose="02040503050406030204" pitchFamily="18" charset="0"/>
+                        </a:rPr>
+                        <m:t>𝑆𝑡𝑜𝑐𝑘</m:t>
+                      </m:r>
+                      <m:d>
+                        <m:dPr>
+                          <m:ctrlPr>
+                            <a:rPr lang="en-US" i="1" dirty="0" smtClean="0">
+                              <a:solidFill>
+                                <a:schemeClr val="tx1"/>
+                              </a:solidFill>
+                              <a:latin typeface="Cambria Math" panose="02040503050406030204" pitchFamily="18" charset="0"/>
+                            </a:rPr>
+                          </m:ctrlPr>
+                        </m:dPr>
+                        <m:e>
+                          <m:r>
+                            <a:rPr lang="en-US" i="1" dirty="0" smtClean="0">
+                              <a:solidFill>
+                                <a:schemeClr val="tx1"/>
+                              </a:solidFill>
+                              <a:latin typeface="Cambria Math" panose="02040503050406030204" pitchFamily="18" charset="0"/>
+                            </a:rPr>
+                            <m:t>𝑜</m:t>
+                          </m:r>
+                        </m:e>
+                      </m:d>
+                      <m:r>
+                        <m:rPr>
+                          <m:aln/>
+                        </m:rPr>
+                        <a:rPr lang="en-US" i="1" dirty="0" smtClean="0">
+                          <a:solidFill>
+                            <a:schemeClr val="tx1"/>
+                          </a:solidFill>
+                          <a:latin typeface="Cambria Math" panose="02040503050406030204" pitchFamily="18" charset="0"/>
+                        </a:rPr>
+                        <m:t>=</m:t>
+                      </m:r>
+                      <m:r>
+                        <a:rPr lang="en-US" i="1" dirty="0">
+                          <a:solidFill>
+                            <a:schemeClr val="tx1"/>
+                          </a:solidFill>
+                          <a:latin typeface="Cambria Math" panose="02040503050406030204" pitchFamily="18" charset="0"/>
+                        </a:rPr>
+                        <m:t>4.0140</m:t>
+                      </m:r>
+                    </m:oMath>
+                    <m:oMath xmlns:m="http://schemas.openxmlformats.org/officeDocument/2006/math">
+                      <m:r>
+                        <a:rPr lang="en-US" i="1" dirty="0" smtClean="0">
+                          <a:solidFill>
+                            <a:schemeClr val="tx1"/>
+                          </a:solidFill>
+                          <a:latin typeface="Cambria Math" panose="02040503050406030204" pitchFamily="18" charset="0"/>
+                        </a:rPr>
+                        <m:t>𝑆𝑡𝑜𝑐𝑘</m:t>
+                      </m:r>
+                      <m:d>
+                        <m:dPr>
+                          <m:ctrlPr>
+                            <a:rPr lang="en-US" i="1" dirty="0" smtClean="0">
+                              <a:solidFill>
+                                <a:schemeClr val="tx1"/>
+                              </a:solidFill>
+                              <a:latin typeface="Cambria Math" panose="02040503050406030204" pitchFamily="18" charset="0"/>
+                            </a:rPr>
+                          </m:ctrlPr>
+                        </m:dPr>
+                        <m:e>
+                          <m:r>
+                            <a:rPr lang="en-US" i="1" dirty="0" smtClean="0">
+                              <a:solidFill>
+                                <a:schemeClr val="tx1"/>
+                              </a:solidFill>
+                              <a:latin typeface="Cambria Math" panose="02040503050406030204" pitchFamily="18" charset="0"/>
+                            </a:rPr>
+                            <m:t>𝑑</m:t>
+                          </m:r>
+                        </m:e>
+                      </m:d>
+                      <m:r>
+                        <m:rPr>
+                          <m:aln/>
+                        </m:rPr>
+                        <a:rPr lang="en-US" i="1" dirty="0" smtClean="0">
+                          <a:solidFill>
+                            <a:schemeClr val="tx1"/>
+                          </a:solidFill>
+                          <a:latin typeface="Cambria Math" panose="02040503050406030204" pitchFamily="18" charset="0"/>
+                        </a:rPr>
+                        <m:t>=</m:t>
+                      </m:r>
+                      <m:r>
+                        <a:rPr lang="en-US" i="1" dirty="0">
+                          <a:solidFill>
+                            <a:schemeClr val="tx1"/>
+                          </a:solidFill>
+                          <a:latin typeface="Cambria Math" panose="02040503050406030204" pitchFamily="18" charset="0"/>
+                        </a:rPr>
+                        <m:t>6.901</m:t>
+                      </m:r>
+                      <m:r>
+                        <a:rPr lang="en-US" b="0" i="1" dirty="0" smtClean="0">
+                          <a:solidFill>
+                            <a:schemeClr val="tx1"/>
+                          </a:solidFill>
+                          <a:latin typeface="Cambria Math" panose="02040503050406030204" pitchFamily="18" charset="0"/>
+                        </a:rPr>
+                        <m:t>7</m:t>
+                      </m:r>
+                    </m:oMath>
+                    <m:oMath xmlns:m="http://schemas.openxmlformats.org/officeDocument/2006/math">
+                      <m:r>
+                        <a:rPr lang="en-US" b="0" i="1" smtClean="0">
+                          <a:solidFill>
+                            <a:schemeClr val="tx1"/>
+                          </a:solidFill>
+                          <a:latin typeface="Cambria Math" panose="02040503050406030204" pitchFamily="18" charset="0"/>
+                        </a:rPr>
+                        <m:t>𝑆𝑡𝑜𝑐𝑘</m:t>
+                      </m:r>
+                      <m:d>
+                        <m:dPr>
+                          <m:ctrlPr>
+                            <a:rPr lang="en-US" b="0" i="1" smtClean="0">
+                              <a:solidFill>
+                                <a:schemeClr val="tx1"/>
+                              </a:solidFill>
+                              <a:latin typeface="Cambria Math" panose="02040503050406030204" pitchFamily="18" charset="0"/>
+                            </a:rPr>
+                          </m:ctrlPr>
+                        </m:dPr>
+                        <m:e>
+                          <m:r>
+                            <a:rPr lang="en-US" b="0" i="1" smtClean="0">
+                              <a:solidFill>
+                                <a:schemeClr val="tx1"/>
+                              </a:solidFill>
+                              <a:latin typeface="Cambria Math" panose="02040503050406030204" pitchFamily="18" charset="0"/>
+                            </a:rPr>
+                            <m:t>𝑚</m:t>
+                          </m:r>
+                          <m:r>
+                            <a:rPr lang="en-US" altLang="zh-CN" i="1">
+                              <a:solidFill>
+                                <a:schemeClr val="tx1"/>
+                              </a:solidFill>
+                              <a:latin typeface="Cambria Math" panose="02040503050406030204" pitchFamily="18" charset="0"/>
+                            </a:rPr>
+                            <m:t>1</m:t>
+                          </m:r>
+                        </m:e>
+                      </m:d>
+                      <m:r>
+                        <m:rPr>
+                          <m:aln/>
+                        </m:rPr>
+                        <a:rPr lang="en-US" b="0" i="1" smtClean="0">
+                          <a:solidFill>
+                            <a:schemeClr val="tx1"/>
+                          </a:solidFill>
+                          <a:latin typeface="Cambria Math" panose="02040503050406030204" pitchFamily="18" charset="0"/>
+                        </a:rPr>
+                        <m:t>=</m:t>
+                      </m:r>
+                      <m:r>
+                        <a:rPr lang="en-US" i="1">
+                          <a:solidFill>
+                            <a:schemeClr val="tx1"/>
+                          </a:solidFill>
+                          <a:latin typeface="Cambria Math" panose="02040503050406030204" pitchFamily="18" charset="0"/>
+                        </a:rPr>
+                        <m:t>7.684</m:t>
+                      </m:r>
+                      <m:r>
+                        <a:rPr lang="en-US" b="0" i="1" smtClean="0">
+                          <a:solidFill>
+                            <a:schemeClr val="tx1"/>
+                          </a:solidFill>
+                          <a:latin typeface="Cambria Math" panose="02040503050406030204" pitchFamily="18" charset="0"/>
+                        </a:rPr>
+                        <m:t>9</m:t>
+                      </m:r>
+                    </m:oMath>
+                    <m:oMath xmlns:m="http://schemas.openxmlformats.org/officeDocument/2006/math">
+                      <m:r>
+                        <a:rPr lang="en-US" b="0" i="1" smtClean="0">
+                          <a:solidFill>
+                            <a:schemeClr val="tx1"/>
+                          </a:solidFill>
+                          <a:latin typeface="Cambria Math" panose="02040503050406030204" pitchFamily="18" charset="0"/>
+                        </a:rPr>
+                        <m:t>𝑠𝑡𝑜𝑐𝑘</m:t>
+                      </m:r>
+                      <m:d>
+                        <m:dPr>
+                          <m:ctrlPr>
+                            <a:rPr lang="en-US" b="0" i="1" smtClean="0">
+                              <a:solidFill>
+                                <a:schemeClr val="tx1"/>
+                              </a:solidFill>
+                              <a:latin typeface="Cambria Math" panose="02040503050406030204" pitchFamily="18" charset="0"/>
+                            </a:rPr>
+                          </m:ctrlPr>
+                        </m:dPr>
+                        <m:e>
+                          <m:r>
+                            <a:rPr lang="en-US" b="0" i="1" smtClean="0">
+                              <a:solidFill>
+                                <a:schemeClr val="tx1"/>
+                              </a:solidFill>
+                              <a:latin typeface="Cambria Math" panose="02040503050406030204" pitchFamily="18" charset="0"/>
+                            </a:rPr>
+                            <m:t>𝑚</m:t>
+                          </m:r>
+                          <m:r>
+                            <a:rPr lang="en-US" b="0" i="1" smtClean="0">
+                              <a:solidFill>
+                                <a:schemeClr val="tx1"/>
+                              </a:solidFill>
+                              <a:latin typeface="Cambria Math" panose="02040503050406030204" pitchFamily="18" charset="0"/>
+                            </a:rPr>
+                            <m:t>2</m:t>
+                          </m:r>
+                        </m:e>
+                      </m:d>
+                      <m:r>
+                        <m:rPr>
+                          <m:aln/>
+                        </m:rPr>
+                        <a:rPr lang="en-US" b="0" i="1" smtClean="0">
+                          <a:solidFill>
+                            <a:schemeClr val="tx1"/>
+                          </a:solidFill>
+                          <a:latin typeface="Cambria Math" panose="02040503050406030204" pitchFamily="18" charset="0"/>
+                        </a:rPr>
+                        <m:t>=</m:t>
+                      </m:r>
+                      <m:r>
+                        <a:rPr lang="en-US" i="1">
+                          <a:solidFill>
+                            <a:schemeClr val="tx1"/>
+                          </a:solidFill>
+                          <a:latin typeface="Cambria Math" panose="02040503050406030204" pitchFamily="18" charset="0"/>
+                        </a:rPr>
+                        <m:t>5.393</m:t>
+                      </m:r>
+                      <m:r>
+                        <a:rPr lang="en-US" b="0" i="1" smtClean="0">
+                          <a:solidFill>
+                            <a:schemeClr val="tx1"/>
+                          </a:solidFill>
+                          <a:latin typeface="Cambria Math" panose="02040503050406030204" pitchFamily="18" charset="0"/>
+                        </a:rPr>
+                        <m:t>5</m:t>
+                      </m:r>
+                    </m:oMath>
+                  </m:oMathPara>
+                </a14:m>
+                <a:endParaRPr lang="en-US" b="0" dirty="0">
+                  <a:solidFill>
+                    <a:schemeClr val="tx1"/>
+                  </a:solidFill>
+                </a:endParaRPr>
+              </a:p>
+            </p:txBody>
+          </p:sp>
+        </mc:Choice>
+        <mc:Fallback>
+          <p:sp>
+            <p:nvSpPr>
+              <p:cNvPr id="65" name="Rectangle 64">
+                <a:extLst>
+                  <a:ext uri="{FF2B5EF4-FFF2-40B4-BE49-F238E27FC236}">
+                    <a16:creationId xmlns:a16="http://schemas.microsoft.com/office/drawing/2014/main" id="{4F690B5E-D300-4D4C-B988-E56B94568A7E}"/>
+                  </a:ext>
+                </a:extLst>
+              </p:cNvPr>
+              <p:cNvSpPr>
+                <a:spLocks noRot="1" noChangeAspect="1" noMove="1" noResize="1" noEditPoints="1" noAdjustHandles="1" noChangeArrowheads="1" noChangeShapeType="1" noTextEdit="1"/>
+              </p:cNvSpPr>
+              <p:nvPr/>
+            </p:nvSpPr>
+            <p:spPr>
+              <a:xfrm>
+                <a:off x="429846" y="4440604"/>
+                <a:ext cx="2716812" cy="1090246"/>
+              </a:xfrm>
+              <a:prstGeom prst="rect">
+                <a:avLst/>
+              </a:prstGeom>
+              <a:blipFill>
+                <a:blip r:embed="rId6"/>
+                <a:stretch>
+                  <a:fillRect b="-2210"/>
+                </a:stretch>
+              </a:blipFill>
+              <a:ln>
+                <a:solidFill>
+                  <a:schemeClr val="tx1"/>
+                </a:solidFill>
+              </a:ln>
+            </p:spPr>
+            <p:txBody>
+              <a:bodyPr/>
+              <a:lstStyle/>
+              <a:p>
+                <a:r>
+                  <a:rPr lang="en-US">
+                    <a:noFill/>
+                  </a:rPr>
+                  <a:t> </a:t>
+                </a:r>
+              </a:p>
+            </p:txBody>
+          </p:sp>
+        </mc:Fallback>
+      </mc:AlternateContent>
+      <mc:AlternateContent xmlns:mc="http://schemas.openxmlformats.org/markup-compatibility/2006">
+        <mc:Choice xmlns:a14="http://schemas.microsoft.com/office/drawing/2010/main" Requires="a14">
+          <p:sp>
+            <p:nvSpPr>
+              <p:cNvPr id="17" name="TextBox 16">
+                <a:extLst>
+                  <a:ext uri="{FF2B5EF4-FFF2-40B4-BE49-F238E27FC236}">
+                    <a16:creationId xmlns:a16="http://schemas.microsoft.com/office/drawing/2014/main" id="{33B10E81-E2D6-42B6-852D-ED0752A06116}"/>
+                  </a:ext>
+                </a:extLst>
+              </p:cNvPr>
+              <p:cNvSpPr txBox="1"/>
+              <p:nvPr/>
+            </p:nvSpPr>
+            <p:spPr>
+              <a:xfrm rot="20144516">
+                <a:off x="4822334" y="2079587"/>
+                <a:ext cx="940899" cy="253916"/>
+              </a:xfrm>
+              <a:prstGeom prst="rect">
+                <a:avLst/>
+              </a:prstGeom>
+              <a:noFill/>
+            </p:spPr>
+            <p:txBody>
+              <a:bodyPr wrap="none" rtlCol="0">
+                <a:spAutoFit/>
+              </a:bodyPr>
+              <a:lstStyle/>
+              <a:p>
+                <a:pPr/>
+                <a14:m>
+                  <m:oMathPara xmlns:m="http://schemas.openxmlformats.org/officeDocument/2006/math">
+                    <m:oMathParaPr>
+                      <m:jc m:val="centerGroup"/>
+                    </m:oMathParaPr>
+                    <m:oMath xmlns:m="http://schemas.openxmlformats.org/officeDocument/2006/math">
+                      <m:r>
+                        <a:rPr lang="en-US" sz="1050" b="0" i="1" smtClean="0">
+                          <a:latin typeface="Cambria Math" panose="02040503050406030204" pitchFamily="18" charset="0"/>
+                        </a:rPr>
+                        <m:t>0.4551 @ </m:t>
+                      </m:r>
+                      <m:sSub>
+                        <m:sSubPr>
+                          <m:ctrlPr>
+                            <a:rPr lang="en-US" sz="1050" b="0" i="1" smtClean="0">
+                              <a:latin typeface="Cambria Math" panose="02040503050406030204" pitchFamily="18" charset="0"/>
+                            </a:rPr>
+                          </m:ctrlPr>
+                        </m:sSubPr>
+                        <m:e>
+                          <m:r>
+                            <a:rPr lang="en-US" sz="1050" b="0" i="1" smtClean="0">
+                              <a:latin typeface="Cambria Math" panose="02040503050406030204" pitchFamily="18" charset="0"/>
+                            </a:rPr>
+                            <m:t>𝐾</m:t>
+                          </m:r>
+                        </m:e>
+                        <m:sub>
+                          <m:r>
+                            <a:rPr lang="en-US" sz="1050" b="0" i="1" smtClean="0">
+                              <a:latin typeface="Cambria Math" panose="02040503050406030204" pitchFamily="18" charset="0"/>
+                            </a:rPr>
+                            <m:t>2</m:t>
+                          </m:r>
+                        </m:sub>
+                      </m:sSub>
+                    </m:oMath>
+                  </m:oMathPara>
+                </a14:m>
+                <a:endParaRPr lang="en-US" sz="1050" dirty="0"/>
+              </a:p>
+            </p:txBody>
+          </p:sp>
+        </mc:Choice>
+        <mc:Fallback>
+          <p:sp>
+            <p:nvSpPr>
+              <p:cNvPr id="17" name="TextBox 16">
+                <a:extLst>
+                  <a:ext uri="{FF2B5EF4-FFF2-40B4-BE49-F238E27FC236}">
+                    <a16:creationId xmlns:a16="http://schemas.microsoft.com/office/drawing/2014/main" id="{33B10E81-E2D6-42B6-852D-ED0752A06116}"/>
+                  </a:ext>
+                </a:extLst>
+              </p:cNvPr>
+              <p:cNvSpPr txBox="1">
+                <a:spLocks noRot="1" noChangeAspect="1" noMove="1" noResize="1" noEditPoints="1" noAdjustHandles="1" noChangeArrowheads="1" noChangeShapeType="1" noTextEdit="1"/>
+              </p:cNvSpPr>
+              <p:nvPr/>
+            </p:nvSpPr>
+            <p:spPr>
+              <a:xfrm rot="20144516">
+                <a:off x="4822334" y="2079587"/>
+                <a:ext cx="940899" cy="253916"/>
+              </a:xfrm>
+              <a:prstGeom prst="rect">
+                <a:avLst/>
+              </a:prstGeom>
+              <a:blipFill>
+                <a:blip r:embed="rId7"/>
+                <a:stretch>
+                  <a:fillRect/>
+                </a:stretch>
+              </a:blipFill>
+            </p:spPr>
+            <p:txBody>
+              <a:bodyPr/>
+              <a:lstStyle/>
+              <a:p>
+                <a:r>
+                  <a:rPr lang="en-US">
+                    <a:noFill/>
+                  </a:rPr>
+                  <a:t> </a:t>
+                </a:r>
+              </a:p>
+            </p:txBody>
+          </p:sp>
+        </mc:Fallback>
+      </mc:AlternateContent>
+      <mc:AlternateContent xmlns:mc="http://schemas.openxmlformats.org/markup-compatibility/2006">
+        <mc:Choice xmlns:a14="http://schemas.microsoft.com/office/drawing/2010/main" Requires="a14">
+          <p:sp>
+            <p:nvSpPr>
+              <p:cNvPr id="18" name="TextBox 17">
+                <a:extLst>
+                  <a:ext uri="{FF2B5EF4-FFF2-40B4-BE49-F238E27FC236}">
+                    <a16:creationId xmlns:a16="http://schemas.microsoft.com/office/drawing/2014/main" id="{AB749D7E-AE58-40AA-8468-C34B80E777CF}"/>
+                  </a:ext>
+                </a:extLst>
+              </p:cNvPr>
+              <p:cNvSpPr txBox="1"/>
+              <p:nvPr/>
+            </p:nvSpPr>
+            <p:spPr>
+              <a:xfrm rot="1360292">
+                <a:off x="4799173" y="5201611"/>
+                <a:ext cx="1171090" cy="253980"/>
+              </a:xfrm>
+              <a:prstGeom prst="rect">
+                <a:avLst/>
+              </a:prstGeom>
+              <a:noFill/>
+            </p:spPr>
+            <p:txBody>
+              <a:bodyPr wrap="none" rtlCol="0">
+                <a:spAutoFit/>
+              </a:bodyPr>
+              <a:lstStyle/>
+              <a:p>
+                <a:pPr/>
+                <a14:m>
+                  <m:oMathPara xmlns:m="http://schemas.openxmlformats.org/officeDocument/2006/math">
+                    <m:oMathParaPr>
+                      <m:jc m:val="centerGroup"/>
+                    </m:oMathParaPr>
+                    <m:oMath xmlns:m="http://schemas.openxmlformats.org/officeDocument/2006/math">
+                      <m:r>
+                        <a:rPr lang="en-US" sz="1050" b="0" i="1" smtClean="0">
+                          <a:latin typeface="Cambria Math" panose="02040503050406030204" pitchFamily="18" charset="0"/>
+                        </a:rPr>
+                        <m:t>0.0315 @ </m:t>
+                      </m:r>
+                      <m:sSub>
+                        <m:sSubPr>
+                          <m:ctrlPr>
+                            <a:rPr lang="en-US" sz="1050" b="0" i="1" smtClean="0">
+                              <a:latin typeface="Cambria Math" panose="02040503050406030204" pitchFamily="18" charset="0"/>
+                            </a:rPr>
+                          </m:ctrlPr>
+                        </m:sSubPr>
+                        <m:e>
+                          <m:r>
+                            <a:rPr lang="en-US" sz="1050" b="0" i="1" smtClean="0">
+                              <a:latin typeface="Cambria Math" panose="02040503050406030204" pitchFamily="18" charset="0"/>
+                            </a:rPr>
+                            <m:t>𝐾</m:t>
+                          </m:r>
+                        </m:e>
+                        <m:sub>
+                          <m:r>
+                            <a:rPr lang="en-US" sz="1050" b="0" i="1" smtClean="0">
+                              <a:latin typeface="Cambria Math" panose="02040503050406030204" pitchFamily="18" charset="0"/>
+                            </a:rPr>
+                            <m:t>2</m:t>
+                          </m:r>
+                        </m:sub>
+                      </m:sSub>
+                    </m:oMath>
+                  </m:oMathPara>
+                </a14:m>
+                <a:br>
+                  <a:rPr lang="en-US" sz="1050" b="0" dirty="0"/>
+                </a:br>
+                <a:endParaRPr lang="en-US" sz="1050" dirty="0"/>
+              </a:p>
+            </p:txBody>
+          </p:sp>
+        </mc:Choice>
+        <mc:Fallback>
+          <p:sp>
+            <p:nvSpPr>
+              <p:cNvPr id="18" name="TextBox 17">
+                <a:extLst>
+                  <a:ext uri="{FF2B5EF4-FFF2-40B4-BE49-F238E27FC236}">
+                    <a16:creationId xmlns:a16="http://schemas.microsoft.com/office/drawing/2014/main" id="{AB749D7E-AE58-40AA-8468-C34B80E777CF}"/>
+                  </a:ext>
+                </a:extLst>
+              </p:cNvPr>
+              <p:cNvSpPr txBox="1">
+                <a:spLocks noRot="1" noChangeAspect="1" noMove="1" noResize="1" noEditPoints="1" noAdjustHandles="1" noChangeArrowheads="1" noChangeShapeType="1" noTextEdit="1"/>
+              </p:cNvSpPr>
+              <p:nvPr/>
+            </p:nvSpPr>
+            <p:spPr>
+              <a:xfrm rot="1360292">
+                <a:off x="4799173" y="5201611"/>
+                <a:ext cx="1171090" cy="253980"/>
+              </a:xfrm>
+              <a:prstGeom prst="rect">
+                <a:avLst/>
+              </a:prstGeom>
+              <a:blipFill>
+                <a:blip r:embed="rId8"/>
+                <a:stretch>
+                  <a:fillRect/>
+                </a:stretch>
+              </a:blipFill>
+            </p:spPr>
+            <p:txBody>
+              <a:bodyPr/>
+              <a:lstStyle/>
+              <a:p>
+                <a:r>
+                  <a:rPr lang="en-US">
+                    <a:noFill/>
+                  </a:rPr>
+                  <a:t> </a:t>
+                </a:r>
+              </a:p>
+            </p:txBody>
+          </p:sp>
+        </mc:Fallback>
+      </mc:AlternateContent>
+      <mc:AlternateContent xmlns:mc="http://schemas.openxmlformats.org/markup-compatibility/2006">
+        <mc:Choice xmlns:a14="http://schemas.microsoft.com/office/drawing/2010/main" Requires="a14">
+          <p:sp>
+            <p:nvSpPr>
+              <p:cNvPr id="19" name="TextBox 18">
+                <a:extLst>
+                  <a:ext uri="{FF2B5EF4-FFF2-40B4-BE49-F238E27FC236}">
+                    <a16:creationId xmlns:a16="http://schemas.microsoft.com/office/drawing/2014/main" id="{7D8E8084-624B-4E54-9B9C-3A37F587374F}"/>
+                  </a:ext>
+                </a:extLst>
+              </p:cNvPr>
+              <p:cNvSpPr txBox="1"/>
+              <p:nvPr/>
+            </p:nvSpPr>
+            <p:spPr>
+              <a:xfrm>
+                <a:off x="5347571" y="3516243"/>
+                <a:ext cx="940899" cy="253980"/>
+              </a:xfrm>
+              <a:prstGeom prst="rect">
+                <a:avLst/>
+              </a:prstGeom>
+              <a:noFill/>
+            </p:spPr>
+            <p:txBody>
+              <a:bodyPr wrap="none" rtlCol="0">
+                <a:spAutoFit/>
+              </a:bodyPr>
+              <a:lstStyle/>
+              <a:p>
+                <a:pPr/>
+                <a14:m>
+                  <m:oMathPara xmlns:m="http://schemas.openxmlformats.org/officeDocument/2006/math">
+                    <m:oMathParaPr>
+                      <m:jc m:val="centerGroup"/>
+                    </m:oMathParaPr>
+                    <m:oMath xmlns:m="http://schemas.openxmlformats.org/officeDocument/2006/math">
+                      <m:r>
+                        <a:rPr lang="en-US" sz="1050" i="1" smtClean="0">
+                          <a:latin typeface="Cambria Math" panose="02040503050406030204" pitchFamily="18" charset="0"/>
+                        </a:rPr>
+                        <m:t>0</m:t>
+                      </m:r>
+                      <m:r>
+                        <a:rPr lang="en-US" sz="1050" b="0" i="1" smtClean="0">
+                          <a:latin typeface="Cambria Math" panose="02040503050406030204" pitchFamily="18" charset="0"/>
+                        </a:rPr>
+                        <m:t>.5134</m:t>
+                      </m:r>
+                      <m:r>
+                        <a:rPr lang="en-US" sz="1050" b="0" i="1" smtClean="0">
+                          <a:latin typeface="Cambria Math" panose="02040503050406030204" pitchFamily="18" charset="0"/>
+                        </a:rPr>
+                        <m:t> @ </m:t>
+                      </m:r>
+                      <m:sSub>
+                        <m:sSubPr>
+                          <m:ctrlPr>
+                            <a:rPr lang="en-US" sz="1050" b="0" i="1" smtClean="0">
+                              <a:latin typeface="Cambria Math" panose="02040503050406030204" pitchFamily="18" charset="0"/>
+                            </a:rPr>
+                          </m:ctrlPr>
+                        </m:sSubPr>
+                        <m:e>
+                          <m:r>
+                            <a:rPr lang="en-US" sz="1050" b="0" i="1" smtClean="0">
+                              <a:latin typeface="Cambria Math" panose="02040503050406030204" pitchFamily="18" charset="0"/>
+                            </a:rPr>
+                            <m:t>𝐾</m:t>
+                          </m:r>
+                        </m:e>
+                        <m:sub>
+                          <m:r>
+                            <a:rPr lang="en-US" sz="1050" b="0" i="1" smtClean="0">
+                              <a:latin typeface="Cambria Math" panose="02040503050406030204" pitchFamily="18" charset="0"/>
+                            </a:rPr>
+                            <m:t>2</m:t>
+                          </m:r>
+                        </m:sub>
+                      </m:sSub>
+                    </m:oMath>
+                  </m:oMathPara>
+                </a14:m>
+                <a:br>
+                  <a:rPr lang="en-US" sz="1050" b="0" dirty="0"/>
+                </a:br>
+                <a:endParaRPr lang="en-US" sz="1050" dirty="0"/>
+              </a:p>
+            </p:txBody>
+          </p:sp>
+        </mc:Choice>
+        <mc:Fallback>
+          <p:sp>
+            <p:nvSpPr>
+              <p:cNvPr id="19" name="TextBox 18">
+                <a:extLst>
+                  <a:ext uri="{FF2B5EF4-FFF2-40B4-BE49-F238E27FC236}">
+                    <a16:creationId xmlns:a16="http://schemas.microsoft.com/office/drawing/2014/main" id="{7D8E8084-624B-4E54-9B9C-3A37F587374F}"/>
+                  </a:ext>
+                </a:extLst>
+              </p:cNvPr>
+              <p:cNvSpPr txBox="1">
+                <a:spLocks noRot="1" noChangeAspect="1" noMove="1" noResize="1" noEditPoints="1" noAdjustHandles="1" noChangeArrowheads="1" noChangeShapeType="1" noTextEdit="1"/>
+              </p:cNvSpPr>
+              <p:nvPr/>
+            </p:nvSpPr>
+            <p:spPr>
+              <a:xfrm>
+                <a:off x="5347571" y="3516243"/>
+                <a:ext cx="940899" cy="253980"/>
+              </a:xfrm>
+              <a:prstGeom prst="rect">
+                <a:avLst/>
+              </a:prstGeom>
+              <a:blipFill>
+                <a:blip r:embed="rId9"/>
+                <a:stretch>
+                  <a:fillRect/>
+                </a:stretch>
+              </a:blipFill>
+            </p:spPr>
+            <p:txBody>
+              <a:bodyPr/>
+              <a:lstStyle/>
+              <a:p>
+                <a:r>
+                  <a:rPr lang="en-US">
+                    <a:noFill/>
+                  </a:rPr>
+                  <a:t> </a:t>
+                </a:r>
+              </a:p>
+            </p:txBody>
+          </p:sp>
+        </mc:Fallback>
+      </mc:AlternateContent>
+      <mc:AlternateContent xmlns:mc="http://schemas.openxmlformats.org/markup-compatibility/2006">
+        <mc:Choice xmlns:a14="http://schemas.microsoft.com/office/drawing/2010/main" Requires="a14">
+          <p:sp>
+            <p:nvSpPr>
+              <p:cNvPr id="21" name="TextBox 20">
+                <a:extLst>
+                  <a:ext uri="{FF2B5EF4-FFF2-40B4-BE49-F238E27FC236}">
+                    <a16:creationId xmlns:a16="http://schemas.microsoft.com/office/drawing/2014/main" id="{5AC86E5C-303C-408D-A7A9-251A7EE30B9F}"/>
+                  </a:ext>
+                </a:extLst>
+              </p:cNvPr>
+              <p:cNvSpPr txBox="1"/>
+              <p:nvPr/>
+            </p:nvSpPr>
+            <p:spPr>
+              <a:xfrm rot="1292289">
+                <a:off x="8736969" y="2079554"/>
+                <a:ext cx="940899" cy="253980"/>
+              </a:xfrm>
+              <a:prstGeom prst="rect">
+                <a:avLst/>
+              </a:prstGeom>
+              <a:noFill/>
+            </p:spPr>
+            <p:txBody>
+              <a:bodyPr wrap="none" rtlCol="0">
+                <a:spAutoFit/>
+              </a:bodyPr>
+              <a:lstStyle/>
+              <a:p>
+                <a:pPr/>
+                <a14:m>
+                  <m:oMathPara xmlns:m="http://schemas.openxmlformats.org/officeDocument/2006/math">
+                    <m:oMathParaPr>
+                      <m:jc m:val="centerGroup"/>
+                    </m:oMathParaPr>
+                    <m:oMath xmlns:m="http://schemas.openxmlformats.org/officeDocument/2006/math">
+                      <m:r>
+                        <a:rPr lang="en-US" sz="1050" i="1" smtClean="0">
+                          <a:latin typeface="Cambria Math" panose="02040503050406030204" pitchFamily="18" charset="0"/>
+                        </a:rPr>
+                        <m:t>0</m:t>
+                      </m:r>
+                      <m:r>
+                        <a:rPr lang="en-US" sz="1050" b="0" i="1" smtClean="0">
+                          <a:latin typeface="Cambria Math" panose="02040503050406030204" pitchFamily="18" charset="0"/>
+                        </a:rPr>
+                        <m:t>.0950</m:t>
+                      </m:r>
+                      <m:r>
+                        <a:rPr lang="en-US" sz="1050" b="0" i="1" smtClean="0">
+                          <a:latin typeface="Cambria Math" panose="02040503050406030204" pitchFamily="18" charset="0"/>
+                        </a:rPr>
+                        <m:t> @ </m:t>
+                      </m:r>
+                      <m:sSub>
+                        <m:sSubPr>
+                          <m:ctrlPr>
+                            <a:rPr lang="en-US" sz="1050" b="0" i="1" smtClean="0">
+                              <a:latin typeface="Cambria Math" panose="02040503050406030204" pitchFamily="18" charset="0"/>
+                            </a:rPr>
+                          </m:ctrlPr>
+                        </m:sSubPr>
+                        <m:e>
+                          <m:r>
+                            <a:rPr lang="en-US" sz="1050" b="0" i="1" smtClean="0">
+                              <a:latin typeface="Cambria Math" panose="02040503050406030204" pitchFamily="18" charset="0"/>
+                            </a:rPr>
+                            <m:t>𝐾</m:t>
+                          </m:r>
+                        </m:e>
+                        <m:sub>
+                          <m:r>
+                            <a:rPr lang="en-US" sz="1050" b="0" i="1" smtClean="0">
+                              <a:latin typeface="Cambria Math" panose="02040503050406030204" pitchFamily="18" charset="0"/>
+                            </a:rPr>
+                            <m:t>2</m:t>
+                          </m:r>
+                        </m:sub>
+                      </m:sSub>
+                    </m:oMath>
+                  </m:oMathPara>
+                </a14:m>
+                <a:br>
+                  <a:rPr lang="en-US" sz="1050" b="0" dirty="0"/>
+                </a:br>
+                <a:endParaRPr lang="en-US" sz="1050" dirty="0"/>
+              </a:p>
+            </p:txBody>
+          </p:sp>
+        </mc:Choice>
+        <mc:Fallback>
+          <p:sp>
+            <p:nvSpPr>
+              <p:cNvPr id="21" name="TextBox 20">
+                <a:extLst>
+                  <a:ext uri="{FF2B5EF4-FFF2-40B4-BE49-F238E27FC236}">
+                    <a16:creationId xmlns:a16="http://schemas.microsoft.com/office/drawing/2014/main" id="{5AC86E5C-303C-408D-A7A9-251A7EE30B9F}"/>
+                  </a:ext>
+                </a:extLst>
+              </p:cNvPr>
+              <p:cNvSpPr txBox="1">
+                <a:spLocks noRot="1" noChangeAspect="1" noMove="1" noResize="1" noEditPoints="1" noAdjustHandles="1" noChangeArrowheads="1" noChangeShapeType="1" noTextEdit="1"/>
+              </p:cNvSpPr>
+              <p:nvPr/>
+            </p:nvSpPr>
+            <p:spPr>
+              <a:xfrm rot="1292289">
+                <a:off x="8736969" y="2079554"/>
+                <a:ext cx="940899" cy="253980"/>
+              </a:xfrm>
+              <a:prstGeom prst="rect">
+                <a:avLst/>
+              </a:prstGeom>
+              <a:blipFill>
+                <a:blip r:embed="rId10"/>
+                <a:stretch>
+                  <a:fillRect/>
+                </a:stretch>
+              </a:blipFill>
+            </p:spPr>
+            <p:txBody>
+              <a:bodyPr/>
+              <a:lstStyle/>
+              <a:p>
+                <a:r>
+                  <a:rPr lang="en-US">
+                    <a:noFill/>
+                  </a:rPr>
+                  <a:t> </a:t>
+                </a:r>
+              </a:p>
+            </p:txBody>
+          </p:sp>
+        </mc:Fallback>
+      </mc:AlternateContent>
+      <mc:AlternateContent xmlns:mc="http://schemas.openxmlformats.org/markup-compatibility/2006">
+        <mc:Choice xmlns:a14="http://schemas.microsoft.com/office/drawing/2010/main" Requires="a14">
+          <p:sp>
+            <p:nvSpPr>
+              <p:cNvPr id="22" name="TextBox 21">
+                <a:extLst>
+                  <a:ext uri="{FF2B5EF4-FFF2-40B4-BE49-F238E27FC236}">
+                    <a16:creationId xmlns:a16="http://schemas.microsoft.com/office/drawing/2014/main" id="{5E7B7F9E-27FA-4E9B-A9D4-1DAEB475CDD6}"/>
+                  </a:ext>
+                </a:extLst>
+              </p:cNvPr>
+              <p:cNvSpPr txBox="1"/>
+              <p:nvPr/>
+            </p:nvSpPr>
+            <p:spPr>
+              <a:xfrm rot="5400000">
+                <a:off x="7289218" y="2863056"/>
+                <a:ext cx="985334" cy="253980"/>
+              </a:xfrm>
+              <a:prstGeom prst="rect">
+                <a:avLst/>
+              </a:prstGeom>
+              <a:noFill/>
+            </p:spPr>
+            <p:txBody>
+              <a:bodyPr wrap="none" rtlCol="0">
+                <a:spAutoFit/>
+              </a:bodyPr>
+              <a:lstStyle/>
+              <a:p>
+                <a:pPr/>
+                <a14:m>
+                  <m:oMathPara xmlns:m="http://schemas.openxmlformats.org/officeDocument/2006/math">
+                    <m:oMathParaPr>
+                      <m:jc m:val="centerGroup"/>
+                    </m:oMathParaPr>
+                    <m:oMath xmlns:m="http://schemas.openxmlformats.org/officeDocument/2006/math">
+                      <m:r>
+                        <a:rPr lang="en-US" sz="1050" i="1" smtClean="0">
+                          <a:latin typeface="Cambria Math" panose="02040503050406030204" pitchFamily="18" charset="0"/>
+                        </a:rPr>
+                        <m:t>0</m:t>
+                      </m:r>
+                      <m:r>
+                        <a:rPr lang="en-US" sz="1050" b="0" i="1" smtClean="0">
+                          <a:latin typeface="Cambria Math" panose="02040503050406030204" pitchFamily="18" charset="0"/>
+                        </a:rPr>
+                        <m:t>.6497</m:t>
+                      </m:r>
+                      <m:r>
+                        <a:rPr lang="en-US" sz="1050" b="0" i="1" smtClean="0">
+                          <a:latin typeface="Cambria Math" panose="02040503050406030204" pitchFamily="18" charset="0"/>
+                        </a:rPr>
+                        <m:t> @ </m:t>
+                      </m:r>
+                      <m:sSub>
+                        <m:sSubPr>
+                          <m:ctrlPr>
+                            <a:rPr lang="en-US" sz="1050" b="0" i="1" smtClean="0">
+                              <a:latin typeface="Cambria Math" panose="02040503050406030204" pitchFamily="18" charset="0"/>
+                            </a:rPr>
+                          </m:ctrlPr>
+                        </m:sSubPr>
+                        <m:e>
+                          <m:r>
+                            <a:rPr lang="en-US" sz="1050" b="0" i="1" smtClean="0">
+                              <a:latin typeface="Cambria Math" panose="02040503050406030204" pitchFamily="18" charset="0"/>
+                            </a:rPr>
+                            <m:t>𝐾</m:t>
+                          </m:r>
+                        </m:e>
+                        <m:sub>
+                          <m:r>
+                            <a:rPr lang="en-US" sz="1050" b="0" i="1" smtClean="0">
+                              <a:latin typeface="Cambria Math" panose="02040503050406030204" pitchFamily="18" charset="0"/>
+                            </a:rPr>
+                            <m:t>1</m:t>
+                          </m:r>
+                        </m:sub>
+                      </m:sSub>
+                    </m:oMath>
+                  </m:oMathPara>
+                </a14:m>
+                <a:br>
+                  <a:rPr lang="en-US" sz="1050" b="0" dirty="0"/>
+                </a:br>
+                <a:endParaRPr lang="en-US" sz="1050" dirty="0"/>
+              </a:p>
+            </p:txBody>
+          </p:sp>
+        </mc:Choice>
+        <mc:Fallback>
+          <p:sp>
+            <p:nvSpPr>
+              <p:cNvPr id="22" name="TextBox 21">
+                <a:extLst>
+                  <a:ext uri="{FF2B5EF4-FFF2-40B4-BE49-F238E27FC236}">
+                    <a16:creationId xmlns:a16="http://schemas.microsoft.com/office/drawing/2014/main" id="{5E7B7F9E-27FA-4E9B-A9D4-1DAEB475CDD6}"/>
+                  </a:ext>
+                </a:extLst>
+              </p:cNvPr>
+              <p:cNvSpPr txBox="1">
+                <a:spLocks noRot="1" noChangeAspect="1" noMove="1" noResize="1" noEditPoints="1" noAdjustHandles="1" noChangeArrowheads="1" noChangeShapeType="1" noTextEdit="1"/>
+              </p:cNvSpPr>
+              <p:nvPr/>
+            </p:nvSpPr>
+            <p:spPr>
+              <a:xfrm rot="5400000">
+                <a:off x="7289218" y="2863056"/>
+                <a:ext cx="985334" cy="253980"/>
               </a:xfrm>
               <a:prstGeom prst="rect">
                 <a:avLst/>
@@ -6805,10 +9703,2756 @@
           </p:sp>
         </mc:Fallback>
       </mc:AlternateContent>
+      <mc:AlternateContent xmlns:mc="http://schemas.openxmlformats.org/markup-compatibility/2006">
+        <mc:Choice xmlns:a14="http://schemas.microsoft.com/office/drawing/2010/main" Requires="a14">
+          <p:sp>
+            <p:nvSpPr>
+              <p:cNvPr id="23" name="TextBox 22">
+                <a:extLst>
+                  <a:ext uri="{FF2B5EF4-FFF2-40B4-BE49-F238E27FC236}">
+                    <a16:creationId xmlns:a16="http://schemas.microsoft.com/office/drawing/2014/main" id="{1D46641E-63F8-4936-95EE-8680F09023DC}"/>
+                  </a:ext>
+                </a:extLst>
+              </p:cNvPr>
+              <p:cNvSpPr txBox="1"/>
+              <p:nvPr/>
+            </p:nvSpPr>
+            <p:spPr>
+              <a:xfrm rot="20149400">
+                <a:off x="8769935" y="5182759"/>
+                <a:ext cx="940899" cy="253980"/>
+              </a:xfrm>
+              <a:prstGeom prst="rect">
+                <a:avLst/>
+              </a:prstGeom>
+              <a:noFill/>
+            </p:spPr>
+            <p:txBody>
+              <a:bodyPr wrap="none" rtlCol="0">
+                <a:spAutoFit/>
+              </a:bodyPr>
+              <a:lstStyle/>
+              <a:p>
+                <a:pPr/>
+                <a14:m>
+                  <m:oMathPara xmlns:m="http://schemas.openxmlformats.org/officeDocument/2006/math">
+                    <m:oMathParaPr>
+                      <m:jc m:val="centerGroup"/>
+                    </m:oMathParaPr>
+                    <m:oMath xmlns:m="http://schemas.openxmlformats.org/officeDocument/2006/math">
+                      <m:r>
+                        <a:rPr lang="en-US" sz="1050" i="1" smtClean="0">
+                          <a:latin typeface="Cambria Math" panose="02040503050406030204" pitchFamily="18" charset="0"/>
+                        </a:rPr>
+                        <m:t>0</m:t>
+                      </m:r>
+                      <m:r>
+                        <a:rPr lang="en-US" sz="1050" b="0" i="1" smtClean="0">
+                          <a:latin typeface="Cambria Math" panose="02040503050406030204" pitchFamily="18" charset="0"/>
+                        </a:rPr>
+                        <m:t>.6377</m:t>
+                      </m:r>
+                      <m:r>
+                        <a:rPr lang="en-US" sz="1050" b="0" i="1" smtClean="0">
+                          <a:latin typeface="Cambria Math" panose="02040503050406030204" pitchFamily="18" charset="0"/>
+                        </a:rPr>
+                        <m:t> @ </m:t>
+                      </m:r>
+                      <m:sSub>
+                        <m:sSubPr>
+                          <m:ctrlPr>
+                            <a:rPr lang="en-US" sz="1050" b="0" i="1" smtClean="0">
+                              <a:latin typeface="Cambria Math" panose="02040503050406030204" pitchFamily="18" charset="0"/>
+                            </a:rPr>
+                          </m:ctrlPr>
+                        </m:sSubPr>
+                        <m:e>
+                          <m:r>
+                            <a:rPr lang="en-US" sz="1050" b="0" i="1" smtClean="0">
+                              <a:latin typeface="Cambria Math" panose="02040503050406030204" pitchFamily="18" charset="0"/>
+                            </a:rPr>
+                            <m:t>𝐾</m:t>
+                          </m:r>
+                        </m:e>
+                        <m:sub>
+                          <m:r>
+                            <a:rPr lang="en-US" sz="1050" b="0" i="1" smtClean="0">
+                              <a:latin typeface="Cambria Math" panose="02040503050406030204" pitchFamily="18" charset="0"/>
+                            </a:rPr>
+                            <m:t>2</m:t>
+                          </m:r>
+                        </m:sub>
+                      </m:sSub>
+                    </m:oMath>
+                  </m:oMathPara>
+                </a14:m>
+                <a:br>
+                  <a:rPr lang="en-US" sz="1050" b="0" dirty="0"/>
+                </a:br>
+                <a:endParaRPr lang="en-US" sz="1050" dirty="0"/>
+              </a:p>
+            </p:txBody>
+          </p:sp>
+        </mc:Choice>
+        <mc:Fallback>
+          <p:sp>
+            <p:nvSpPr>
+              <p:cNvPr id="23" name="TextBox 22">
+                <a:extLst>
+                  <a:ext uri="{FF2B5EF4-FFF2-40B4-BE49-F238E27FC236}">
+                    <a16:creationId xmlns:a16="http://schemas.microsoft.com/office/drawing/2014/main" id="{1D46641E-63F8-4936-95EE-8680F09023DC}"/>
+                  </a:ext>
+                </a:extLst>
+              </p:cNvPr>
+              <p:cNvSpPr txBox="1">
+                <a:spLocks noRot="1" noChangeAspect="1" noMove="1" noResize="1" noEditPoints="1" noAdjustHandles="1" noChangeArrowheads="1" noChangeShapeType="1" noTextEdit="1"/>
+              </p:cNvSpPr>
+              <p:nvPr/>
+            </p:nvSpPr>
+            <p:spPr>
+              <a:xfrm rot="20149400">
+                <a:off x="8769935" y="5182759"/>
+                <a:ext cx="940899" cy="253980"/>
+              </a:xfrm>
+              <a:prstGeom prst="rect">
+                <a:avLst/>
+              </a:prstGeom>
+              <a:blipFill>
+                <a:blip r:embed="rId12"/>
+                <a:stretch>
+                  <a:fillRect/>
+                </a:stretch>
+              </a:blipFill>
+            </p:spPr>
+            <p:txBody>
+              <a:bodyPr/>
+              <a:lstStyle/>
+              <a:p>
+                <a:r>
+                  <a:rPr lang="en-US">
+                    <a:noFill/>
+                  </a:rPr>
+                  <a:t> </a:t>
+                </a:r>
+              </a:p>
+            </p:txBody>
+          </p:sp>
+        </mc:Fallback>
+      </mc:AlternateContent>
     </p:spTree>
     <p:extLst>
       <p:ext uri="{BB962C8B-B14F-4D97-AF65-F5344CB8AC3E}">
-        <p14:creationId xmlns:p14="http://schemas.microsoft.com/office/powerpoint/2010/main" val="2878865232"/>
+        <p14:creationId xmlns:p14="http://schemas.microsoft.com/office/powerpoint/2010/main" val="4072131651"/>
+      </p:ext>
+    </p:extLst>
+  </p:cSld>
+  <p:clrMapOvr>
+    <a:masterClrMapping/>
+  </p:clrMapOvr>
+</p:sld>
+</file>
+
+<file path=ppt/slides/slide4.xml><?xml version="1.0" encoding="utf-8"?>
+<p:sld xmlns:a="http://schemas.openxmlformats.org/drawingml/2006/main" xmlns:r="http://schemas.openxmlformats.org/officeDocument/2006/relationships" xmlns:p="http://schemas.openxmlformats.org/presentationml/2006/main">
+  <p:cSld>
+    <p:spTree>
+      <p:nvGrpSpPr>
+        <p:cNvPr id="1" name=""/>
+        <p:cNvGrpSpPr/>
+        <p:nvPr/>
+      </p:nvGrpSpPr>
+      <p:grpSpPr>
+        <a:xfrm>
+          <a:off x="0" y="0"/>
+          <a:ext cx="0" cy="0"/>
+          <a:chOff x="0" y="0"/>
+          <a:chExt cx="0" cy="0"/>
+        </a:xfrm>
+      </p:grpSpPr>
+      <mc:AlternateContent xmlns:mc="http://schemas.openxmlformats.org/markup-compatibility/2006">
+        <mc:Choice xmlns:a14="http://schemas.microsoft.com/office/drawing/2010/main" Requires="a14">
+          <p:sp>
+            <p:nvSpPr>
+              <p:cNvPr id="12" name="TextBox 11">
+                <a:extLst>
+                  <a:ext uri="{FF2B5EF4-FFF2-40B4-BE49-F238E27FC236}">
+                    <a16:creationId xmlns:a16="http://schemas.microsoft.com/office/drawing/2014/main" id="{A7791F1B-B7E1-4232-AAE9-02204F3A79BC}"/>
+                  </a:ext>
+                </a:extLst>
+              </p:cNvPr>
+              <p:cNvSpPr txBox="1"/>
+              <p:nvPr/>
+            </p:nvSpPr>
+            <p:spPr>
+              <a:xfrm>
+                <a:off x="1546743" y="1601122"/>
+                <a:ext cx="483016" cy="369332"/>
+              </a:xfrm>
+              <a:prstGeom prst="rect">
+                <a:avLst/>
+              </a:prstGeom>
+              <a:noFill/>
+            </p:spPr>
+            <p:txBody>
+              <a:bodyPr wrap="none" rtlCol="0">
+                <a:spAutoFit/>
+              </a:bodyPr>
+              <a:lstStyle/>
+              <a:p>
+                <a:pPr/>
+                <a14:m>
+                  <m:oMathPara xmlns:m="http://schemas.openxmlformats.org/officeDocument/2006/math">
+                    <m:oMathParaPr>
+                      <m:jc m:val="centerGroup"/>
+                    </m:oMathParaPr>
+                    <m:oMath xmlns:m="http://schemas.openxmlformats.org/officeDocument/2006/math">
+                      <m:sSub>
+                        <m:sSubPr>
+                          <m:ctrlPr>
+                            <a:rPr lang="en-US" b="0" i="1" smtClean="0">
+                              <a:latin typeface="Cambria Math" panose="02040503050406030204" pitchFamily="18" charset="0"/>
+                            </a:rPr>
+                          </m:ctrlPr>
+                        </m:sSubPr>
+                        <m:e>
+                          <m:r>
+                            <a:rPr lang="en-US" b="0" i="1" smtClean="0">
+                              <a:latin typeface="Cambria Math" panose="02040503050406030204" pitchFamily="18" charset="0"/>
+                            </a:rPr>
+                            <m:t>𝐾</m:t>
+                          </m:r>
+                        </m:e>
+                        <m:sub>
+                          <m:r>
+                            <a:rPr lang="en-US" b="0" i="1" smtClean="0">
+                              <a:latin typeface="Cambria Math" panose="02040503050406030204" pitchFamily="18" charset="0"/>
+                            </a:rPr>
+                            <m:t>1</m:t>
+                          </m:r>
+                        </m:sub>
+                      </m:sSub>
+                    </m:oMath>
+                  </m:oMathPara>
+                </a14:m>
+                <a:endParaRPr lang="en-US" dirty="0"/>
+              </a:p>
+            </p:txBody>
+          </p:sp>
+        </mc:Choice>
+        <mc:Fallback>
+          <p:sp>
+            <p:nvSpPr>
+              <p:cNvPr id="12" name="TextBox 11">
+                <a:extLst>
+                  <a:ext uri="{FF2B5EF4-FFF2-40B4-BE49-F238E27FC236}">
+                    <a16:creationId xmlns:a16="http://schemas.microsoft.com/office/drawing/2014/main" id="{A7791F1B-B7E1-4232-AAE9-02204F3A79BC}"/>
+                  </a:ext>
+                </a:extLst>
+              </p:cNvPr>
+              <p:cNvSpPr txBox="1">
+                <a:spLocks noRot="1" noChangeAspect="1" noMove="1" noResize="1" noEditPoints="1" noAdjustHandles="1" noChangeArrowheads="1" noChangeShapeType="1" noTextEdit="1"/>
+              </p:cNvSpPr>
+              <p:nvPr/>
+            </p:nvSpPr>
+            <p:spPr>
+              <a:xfrm>
+                <a:off x="1546743" y="1601122"/>
+                <a:ext cx="483016" cy="369332"/>
+              </a:xfrm>
+              <a:prstGeom prst="rect">
+                <a:avLst/>
+              </a:prstGeom>
+              <a:blipFill>
+                <a:blip r:embed="rId3"/>
+                <a:stretch>
+                  <a:fillRect/>
+                </a:stretch>
+              </a:blipFill>
+            </p:spPr>
+            <p:txBody>
+              <a:bodyPr/>
+              <a:lstStyle/>
+              <a:p>
+                <a:r>
+                  <a:rPr lang="en-US">
+                    <a:noFill/>
+                  </a:rPr>
+                  <a:t> </a:t>
+                </a:r>
+              </a:p>
+            </p:txBody>
+          </p:sp>
+        </mc:Fallback>
+      </mc:AlternateContent>
+      <mc:AlternateContent xmlns:mc="http://schemas.openxmlformats.org/markup-compatibility/2006">
+        <mc:Choice xmlns:a14="http://schemas.microsoft.com/office/drawing/2010/main" Requires="a14">
+          <p:sp>
+            <p:nvSpPr>
+              <p:cNvPr id="10" name="Rectangle 9">
+                <a:extLst>
+                  <a:ext uri="{FF2B5EF4-FFF2-40B4-BE49-F238E27FC236}">
+                    <a16:creationId xmlns:a16="http://schemas.microsoft.com/office/drawing/2014/main" id="{3C00A4A8-1391-4D95-BA94-E282132932A7}"/>
+                  </a:ext>
+                </a:extLst>
+              </p:cNvPr>
+              <p:cNvSpPr/>
+              <p:nvPr/>
+            </p:nvSpPr>
+            <p:spPr>
+              <a:xfrm>
+                <a:off x="429845" y="1970454"/>
+                <a:ext cx="2716813" cy="1090246"/>
+              </a:xfrm>
+              <a:prstGeom prst="rect">
+                <a:avLst/>
+              </a:prstGeom>
+              <a:noFill/>
+              <a:ln>
+                <a:solidFill>
+                  <a:schemeClr val="tx1"/>
+                </a:solidFill>
+              </a:ln>
+            </p:spPr>
+            <p:style>
+              <a:lnRef idx="2">
+                <a:schemeClr val="accent1">
+                  <a:shade val="50000"/>
+                </a:schemeClr>
+              </a:lnRef>
+              <a:fillRef idx="1">
+                <a:schemeClr val="accent1"/>
+              </a:fillRef>
+              <a:effectRef idx="0">
+                <a:schemeClr val="accent1"/>
+              </a:effectRef>
+              <a:fontRef idx="minor">
+                <a:schemeClr val="lt1"/>
+              </a:fontRef>
+            </p:style>
+            <p:txBody>
+              <a:bodyPr rtlCol="0" anchor="ctr"/>
+              <a:lstStyle/>
+              <a:p>
+                <a:pPr/>
+                <a14:m>
+                  <m:oMathPara xmlns:m="http://schemas.openxmlformats.org/officeDocument/2006/math">
+                    <m:oMathParaPr>
+                      <m:jc m:val="centerGroup"/>
+                    </m:oMathParaPr>
+                    <m:oMath xmlns:m="http://schemas.openxmlformats.org/officeDocument/2006/math">
+                      <m:r>
+                        <a:rPr lang="en-US" i="1" dirty="0" smtClean="0">
+                          <a:solidFill>
+                            <a:schemeClr val="tx1"/>
+                          </a:solidFill>
+                          <a:latin typeface="Cambria Math" panose="02040503050406030204" pitchFamily="18" charset="0"/>
+                        </a:rPr>
+                        <m:t>𝑆𝑡𝑜𝑐𝑘</m:t>
+                      </m:r>
+                      <m:d>
+                        <m:dPr>
+                          <m:ctrlPr>
+                            <a:rPr lang="en-US" i="1" dirty="0" smtClean="0">
+                              <a:solidFill>
+                                <a:schemeClr val="tx1"/>
+                              </a:solidFill>
+                              <a:latin typeface="Cambria Math" panose="02040503050406030204" pitchFamily="18" charset="0"/>
+                            </a:rPr>
+                          </m:ctrlPr>
+                        </m:dPr>
+                        <m:e>
+                          <m:r>
+                            <a:rPr lang="en-US" i="1" dirty="0" smtClean="0">
+                              <a:solidFill>
+                                <a:schemeClr val="tx1"/>
+                              </a:solidFill>
+                              <a:latin typeface="Cambria Math" panose="02040503050406030204" pitchFamily="18" charset="0"/>
+                            </a:rPr>
+                            <m:t>𝑜</m:t>
+                          </m:r>
+                        </m:e>
+                      </m:d>
+                      <m:r>
+                        <m:rPr>
+                          <m:aln/>
+                        </m:rPr>
+                        <a:rPr lang="en-US" i="1" dirty="0" smtClean="0">
+                          <a:solidFill>
+                            <a:schemeClr val="tx1"/>
+                          </a:solidFill>
+                          <a:latin typeface="Cambria Math" panose="02040503050406030204" pitchFamily="18" charset="0"/>
+                        </a:rPr>
+                        <m:t>=</m:t>
+                      </m:r>
+                      <m:r>
+                        <a:rPr lang="en-US" i="1" dirty="0">
+                          <a:solidFill>
+                            <a:schemeClr val="tx1"/>
+                          </a:solidFill>
+                          <a:latin typeface="Cambria Math" panose="02040503050406030204" pitchFamily="18" charset="0"/>
+                        </a:rPr>
+                        <m:t>9.1917</m:t>
+                      </m:r>
+                    </m:oMath>
+                    <m:oMath xmlns:m="http://schemas.openxmlformats.org/officeDocument/2006/math">
+                      <m:r>
+                        <a:rPr lang="en-US" i="1" dirty="0" smtClean="0">
+                          <a:solidFill>
+                            <a:schemeClr val="tx1"/>
+                          </a:solidFill>
+                          <a:latin typeface="Cambria Math" panose="02040503050406030204" pitchFamily="18" charset="0"/>
+                        </a:rPr>
+                        <m:t>𝑆𝑡𝑜𝑐𝑘</m:t>
+                      </m:r>
+                      <m:d>
+                        <m:dPr>
+                          <m:ctrlPr>
+                            <a:rPr lang="en-US" i="1" dirty="0" smtClean="0">
+                              <a:solidFill>
+                                <a:schemeClr val="tx1"/>
+                              </a:solidFill>
+                              <a:latin typeface="Cambria Math" panose="02040503050406030204" pitchFamily="18" charset="0"/>
+                            </a:rPr>
+                          </m:ctrlPr>
+                        </m:dPr>
+                        <m:e>
+                          <m:r>
+                            <a:rPr lang="en-US" i="1" dirty="0" smtClean="0">
+                              <a:solidFill>
+                                <a:schemeClr val="tx1"/>
+                              </a:solidFill>
+                              <a:latin typeface="Cambria Math" panose="02040503050406030204" pitchFamily="18" charset="0"/>
+                            </a:rPr>
+                            <m:t>𝑑</m:t>
+                          </m:r>
+                        </m:e>
+                      </m:d>
+                      <m:r>
+                        <m:rPr>
+                          <m:aln/>
+                        </m:rPr>
+                        <a:rPr lang="en-US" i="1" dirty="0" smtClean="0">
+                          <a:solidFill>
+                            <a:schemeClr val="tx1"/>
+                          </a:solidFill>
+                          <a:latin typeface="Cambria Math" panose="02040503050406030204" pitchFamily="18" charset="0"/>
+                        </a:rPr>
+                        <m:t>=</m:t>
+                      </m:r>
+                      <m:r>
+                        <a:rPr lang="en-US" i="1" dirty="0">
+                          <a:solidFill>
+                            <a:schemeClr val="tx1"/>
+                          </a:solidFill>
+                          <a:latin typeface="Cambria Math" panose="02040503050406030204" pitchFamily="18" charset="0"/>
+                        </a:rPr>
+                        <m:t>8.144</m:t>
+                      </m:r>
+                      <m:r>
+                        <a:rPr lang="en-US" b="0" i="1" dirty="0" smtClean="0">
+                          <a:solidFill>
+                            <a:schemeClr val="tx1"/>
+                          </a:solidFill>
+                          <a:latin typeface="Cambria Math" panose="02040503050406030204" pitchFamily="18" charset="0"/>
+                        </a:rPr>
+                        <m:t>1</m:t>
+                      </m:r>
+                    </m:oMath>
+                    <m:oMath xmlns:m="http://schemas.openxmlformats.org/officeDocument/2006/math">
+                      <m:r>
+                        <a:rPr lang="en-US" b="0" i="1" smtClean="0">
+                          <a:solidFill>
+                            <a:schemeClr val="tx1"/>
+                          </a:solidFill>
+                          <a:latin typeface="Cambria Math" panose="02040503050406030204" pitchFamily="18" charset="0"/>
+                        </a:rPr>
+                        <m:t>𝑆𝑡𝑜𝑐𝑘</m:t>
+                      </m:r>
+                      <m:d>
+                        <m:dPr>
+                          <m:ctrlPr>
+                            <a:rPr lang="en-US" b="0" i="1" smtClean="0">
+                              <a:solidFill>
+                                <a:schemeClr val="tx1"/>
+                              </a:solidFill>
+                              <a:latin typeface="Cambria Math" panose="02040503050406030204" pitchFamily="18" charset="0"/>
+                            </a:rPr>
+                          </m:ctrlPr>
+                        </m:dPr>
+                        <m:e>
+                          <m:r>
+                            <a:rPr lang="en-US" b="0" i="1" smtClean="0">
+                              <a:solidFill>
+                                <a:schemeClr val="tx1"/>
+                              </a:solidFill>
+                              <a:latin typeface="Cambria Math" panose="02040503050406030204" pitchFamily="18" charset="0"/>
+                            </a:rPr>
+                            <m:t>𝑚</m:t>
+                          </m:r>
+                          <m:r>
+                            <a:rPr lang="en-US" altLang="zh-CN" i="1">
+                              <a:solidFill>
+                                <a:schemeClr val="tx1"/>
+                              </a:solidFill>
+                              <a:latin typeface="Cambria Math" panose="02040503050406030204" pitchFamily="18" charset="0"/>
+                            </a:rPr>
+                            <m:t>1</m:t>
+                          </m:r>
+                        </m:e>
+                      </m:d>
+                      <m:r>
+                        <m:rPr>
+                          <m:aln/>
+                        </m:rPr>
+                        <a:rPr lang="en-US" b="0" i="1" smtClean="0">
+                          <a:solidFill>
+                            <a:schemeClr val="tx1"/>
+                          </a:solidFill>
+                          <a:latin typeface="Cambria Math" panose="02040503050406030204" pitchFamily="18" charset="0"/>
+                        </a:rPr>
+                        <m:t>=</m:t>
+                      </m:r>
+                      <m:r>
+                        <a:rPr lang="en-US" i="1">
+                          <a:solidFill>
+                            <a:schemeClr val="tx1"/>
+                          </a:solidFill>
+                          <a:latin typeface="Cambria Math" panose="02040503050406030204" pitchFamily="18" charset="0"/>
+                        </a:rPr>
+                        <m:t>9.2230</m:t>
+                      </m:r>
+                    </m:oMath>
+                    <m:oMath xmlns:m="http://schemas.openxmlformats.org/officeDocument/2006/math">
+                      <m:r>
+                        <a:rPr lang="en-US" b="0" i="1" smtClean="0">
+                          <a:solidFill>
+                            <a:schemeClr val="tx1"/>
+                          </a:solidFill>
+                          <a:latin typeface="Cambria Math" panose="02040503050406030204" pitchFamily="18" charset="0"/>
+                        </a:rPr>
+                        <m:t>𝑠𝑡𝑜𝑐𝑘</m:t>
+                      </m:r>
+                      <m:d>
+                        <m:dPr>
+                          <m:ctrlPr>
+                            <a:rPr lang="en-US" b="0" i="1" smtClean="0">
+                              <a:solidFill>
+                                <a:schemeClr val="tx1"/>
+                              </a:solidFill>
+                              <a:latin typeface="Cambria Math" panose="02040503050406030204" pitchFamily="18" charset="0"/>
+                            </a:rPr>
+                          </m:ctrlPr>
+                        </m:dPr>
+                        <m:e>
+                          <m:r>
+                            <a:rPr lang="en-US" b="0" i="1" smtClean="0">
+                              <a:solidFill>
+                                <a:schemeClr val="tx1"/>
+                              </a:solidFill>
+                              <a:latin typeface="Cambria Math" panose="02040503050406030204" pitchFamily="18" charset="0"/>
+                            </a:rPr>
+                            <m:t>𝑚</m:t>
+                          </m:r>
+                          <m:r>
+                            <a:rPr lang="en-US" b="0" i="1" smtClean="0">
+                              <a:solidFill>
+                                <a:schemeClr val="tx1"/>
+                              </a:solidFill>
+                              <a:latin typeface="Cambria Math" panose="02040503050406030204" pitchFamily="18" charset="0"/>
+                            </a:rPr>
+                            <m:t>2</m:t>
+                          </m:r>
+                        </m:e>
+                      </m:d>
+                      <m:r>
+                        <m:rPr>
+                          <m:aln/>
+                        </m:rPr>
+                        <a:rPr lang="en-US" b="0" i="1" smtClean="0">
+                          <a:solidFill>
+                            <a:schemeClr val="tx1"/>
+                          </a:solidFill>
+                          <a:latin typeface="Cambria Math" panose="02040503050406030204" pitchFamily="18" charset="0"/>
+                        </a:rPr>
+                        <m:t>=</m:t>
+                      </m:r>
+                      <m:r>
+                        <a:rPr lang="en-US" i="1">
+                          <a:solidFill>
+                            <a:schemeClr val="tx1"/>
+                          </a:solidFill>
+                          <a:latin typeface="Cambria Math" panose="02040503050406030204" pitchFamily="18" charset="0"/>
+                        </a:rPr>
+                        <m:t>9.05</m:t>
+                      </m:r>
+                      <m:r>
+                        <a:rPr lang="en-US" altLang="zh-CN" i="1" smtClean="0">
+                          <a:solidFill>
+                            <a:schemeClr val="tx1"/>
+                          </a:solidFill>
+                          <a:latin typeface="Cambria Math" panose="02040503050406030204" pitchFamily="18" charset="0"/>
+                        </a:rPr>
+                        <m:t>1</m:t>
+                      </m:r>
+                      <m:r>
+                        <a:rPr lang="en-US" altLang="zh-CN" b="0" i="1" smtClean="0">
+                          <a:solidFill>
+                            <a:schemeClr val="tx1"/>
+                          </a:solidFill>
+                          <a:latin typeface="Cambria Math" panose="02040503050406030204" pitchFamily="18" charset="0"/>
+                        </a:rPr>
+                        <m:t>0</m:t>
+                      </m:r>
+                    </m:oMath>
+                  </m:oMathPara>
+                </a14:m>
+                <a:endParaRPr lang="en-US" b="0" dirty="0">
+                  <a:solidFill>
+                    <a:schemeClr val="tx1"/>
+                  </a:solidFill>
+                </a:endParaRPr>
+              </a:p>
+            </p:txBody>
+          </p:sp>
+        </mc:Choice>
+        <mc:Fallback>
+          <p:sp>
+            <p:nvSpPr>
+              <p:cNvPr id="10" name="Rectangle 9">
+                <a:extLst>
+                  <a:ext uri="{FF2B5EF4-FFF2-40B4-BE49-F238E27FC236}">
+                    <a16:creationId xmlns:a16="http://schemas.microsoft.com/office/drawing/2014/main" id="{3C00A4A8-1391-4D95-BA94-E282132932A7}"/>
+                  </a:ext>
+                </a:extLst>
+              </p:cNvPr>
+              <p:cNvSpPr>
+                <a:spLocks noRot="1" noChangeAspect="1" noMove="1" noResize="1" noEditPoints="1" noAdjustHandles="1" noChangeArrowheads="1" noChangeShapeType="1" noTextEdit="1"/>
+              </p:cNvSpPr>
+              <p:nvPr/>
+            </p:nvSpPr>
+            <p:spPr>
+              <a:xfrm>
+                <a:off x="429845" y="1970454"/>
+                <a:ext cx="2716813" cy="1090246"/>
+              </a:xfrm>
+              <a:prstGeom prst="rect">
+                <a:avLst/>
+              </a:prstGeom>
+              <a:blipFill>
+                <a:blip r:embed="rId4"/>
+                <a:stretch>
+                  <a:fillRect b="-2210"/>
+                </a:stretch>
+              </a:blipFill>
+              <a:ln>
+                <a:solidFill>
+                  <a:schemeClr val="tx1"/>
+                </a:solidFill>
+              </a:ln>
+            </p:spPr>
+            <p:txBody>
+              <a:bodyPr/>
+              <a:lstStyle/>
+              <a:p>
+                <a:r>
+                  <a:rPr lang="en-US">
+                    <a:noFill/>
+                  </a:rPr>
+                  <a:t> </a:t>
+                </a:r>
+              </a:p>
+            </p:txBody>
+          </p:sp>
+        </mc:Fallback>
+      </mc:AlternateContent>
+      <p:sp>
+        <p:nvSpPr>
+          <p:cNvPr id="4" name="Oval 3">
+            <a:extLst>
+              <a:ext uri="{FF2B5EF4-FFF2-40B4-BE49-F238E27FC236}">
+                <a16:creationId xmlns:a16="http://schemas.microsoft.com/office/drawing/2014/main" id="{AD079CE0-B866-4600-B406-CF86C420358C}"/>
+              </a:ext>
+            </a:extLst>
+          </p:cNvPr>
+          <p:cNvSpPr/>
+          <p:nvPr/>
+        </p:nvSpPr>
+        <p:spPr>
+          <a:xfrm>
+            <a:off x="3923395" y="3237526"/>
+            <a:ext cx="1062892" cy="1062892"/>
+          </a:xfrm>
+          <a:prstGeom prst="ellipse">
+            <a:avLst/>
+          </a:prstGeom>
+          <a:solidFill>
+            <a:schemeClr val="accent4">
+              <a:lumMod val="40000"/>
+              <a:lumOff val="60000"/>
+            </a:schemeClr>
+          </a:solidFill>
+          <a:ln>
+            <a:solidFill>
+              <a:schemeClr val="accent4">
+                <a:lumMod val="75000"/>
+              </a:schemeClr>
+            </a:solidFill>
+          </a:ln>
+        </p:spPr>
+        <p:style>
+          <a:lnRef idx="2">
+            <a:schemeClr val="accent1">
+              <a:shade val="50000"/>
+            </a:schemeClr>
+          </a:lnRef>
+          <a:fillRef idx="1">
+            <a:schemeClr val="accent1"/>
+          </a:fillRef>
+          <a:effectRef idx="0">
+            <a:schemeClr val="accent1"/>
+          </a:effectRef>
+          <a:fontRef idx="minor">
+            <a:schemeClr val="lt1"/>
+          </a:fontRef>
+        </p:style>
+        <p:txBody>
+          <a:bodyPr rtlCol="0" anchor="ctr"/>
+          <a:lstStyle/>
+          <a:p>
+            <a:pPr algn="ctr"/>
+            <a:r>
+              <a:rPr lang="en-US" sz="2400" dirty="0">
+                <a:solidFill>
+                  <a:schemeClr val="tx1"/>
+                </a:solidFill>
+                <a:latin typeface="Cambria Math" panose="02040503050406030204" pitchFamily="18" charset="0"/>
+                <a:ea typeface="Cambria Math" panose="02040503050406030204" pitchFamily="18" charset="0"/>
+              </a:rPr>
+              <a:t>o</a:t>
+            </a:r>
+          </a:p>
+        </p:txBody>
+      </p:sp>
+      <p:sp>
+        <p:nvSpPr>
+          <p:cNvPr id="5" name="Oval 4">
+            <a:extLst>
+              <a:ext uri="{FF2B5EF4-FFF2-40B4-BE49-F238E27FC236}">
+                <a16:creationId xmlns:a16="http://schemas.microsoft.com/office/drawing/2014/main" id="{BBC99BD8-9DAE-43D2-AFDB-9DBBFB813BF9}"/>
+              </a:ext>
+            </a:extLst>
+          </p:cNvPr>
+          <p:cNvSpPr/>
+          <p:nvPr/>
+        </p:nvSpPr>
+        <p:spPr>
+          <a:xfrm>
+            <a:off x="9510767" y="3237526"/>
+            <a:ext cx="1062892" cy="1062892"/>
+          </a:xfrm>
+          <a:prstGeom prst="ellipse">
+            <a:avLst/>
+          </a:prstGeom>
+          <a:solidFill>
+            <a:srgbClr val="92D050"/>
+          </a:solidFill>
+          <a:ln>
+            <a:solidFill>
+              <a:srgbClr val="00B050"/>
+            </a:solidFill>
+          </a:ln>
+        </p:spPr>
+        <p:style>
+          <a:lnRef idx="2">
+            <a:schemeClr val="accent1">
+              <a:shade val="50000"/>
+            </a:schemeClr>
+          </a:lnRef>
+          <a:fillRef idx="1">
+            <a:schemeClr val="accent1"/>
+          </a:fillRef>
+          <a:effectRef idx="0">
+            <a:schemeClr val="accent1"/>
+          </a:effectRef>
+          <a:fontRef idx="minor">
+            <a:schemeClr val="lt1"/>
+          </a:fontRef>
+        </p:style>
+        <p:txBody>
+          <a:bodyPr rtlCol="0" anchor="ctr"/>
+          <a:lstStyle/>
+          <a:p>
+            <a:pPr algn="ctr"/>
+            <a:r>
+              <a:rPr lang="en-US" sz="2400" dirty="0">
+                <a:solidFill>
+                  <a:schemeClr val="tx1"/>
+                </a:solidFill>
+                <a:latin typeface="Cambria Math" panose="02040503050406030204" pitchFamily="18" charset="0"/>
+                <a:ea typeface="Cambria Math" panose="02040503050406030204" pitchFamily="18" charset="0"/>
+              </a:rPr>
+              <a:t>d</a:t>
+            </a:r>
+          </a:p>
+        </p:txBody>
+      </p:sp>
+      <p:sp>
+        <p:nvSpPr>
+          <p:cNvPr id="25" name="Oval 24">
+            <a:extLst>
+              <a:ext uri="{FF2B5EF4-FFF2-40B4-BE49-F238E27FC236}">
+                <a16:creationId xmlns:a16="http://schemas.microsoft.com/office/drawing/2014/main" id="{C6E76074-B2BA-4ADD-A489-920478A7AC8F}"/>
+              </a:ext>
+            </a:extLst>
+          </p:cNvPr>
+          <p:cNvSpPr/>
+          <p:nvPr/>
+        </p:nvSpPr>
+        <p:spPr>
+          <a:xfrm>
+            <a:off x="6717081" y="1559143"/>
+            <a:ext cx="1062892" cy="1062892"/>
+          </a:xfrm>
+          <a:prstGeom prst="ellipse">
+            <a:avLst/>
+          </a:prstGeom>
+          <a:solidFill>
+            <a:schemeClr val="accent2"/>
+          </a:solidFill>
+          <a:ln>
+            <a:solidFill>
+              <a:schemeClr val="accent2">
+                <a:lumMod val="75000"/>
+              </a:schemeClr>
+            </a:solidFill>
+          </a:ln>
+        </p:spPr>
+        <p:style>
+          <a:lnRef idx="2">
+            <a:schemeClr val="accent1">
+              <a:shade val="50000"/>
+            </a:schemeClr>
+          </a:lnRef>
+          <a:fillRef idx="1">
+            <a:schemeClr val="accent1"/>
+          </a:fillRef>
+          <a:effectRef idx="0">
+            <a:schemeClr val="accent1"/>
+          </a:effectRef>
+          <a:fontRef idx="minor">
+            <a:schemeClr val="lt1"/>
+          </a:fontRef>
+        </p:style>
+        <p:txBody>
+          <a:bodyPr rtlCol="0" anchor="ctr"/>
+          <a:lstStyle/>
+          <a:p>
+            <a:pPr algn="ctr"/>
+            <a:r>
+              <a:rPr lang="en-US" sz="2400" dirty="0">
+                <a:solidFill>
+                  <a:schemeClr val="tx1"/>
+                </a:solidFill>
+                <a:latin typeface="Cambria Math" panose="02040503050406030204" pitchFamily="18" charset="0"/>
+                <a:ea typeface="Cambria Math" panose="02040503050406030204" pitchFamily="18" charset="0"/>
+              </a:rPr>
+              <a:t>m1</a:t>
+            </a:r>
+          </a:p>
+        </p:txBody>
+      </p:sp>
+      <p:sp>
+        <p:nvSpPr>
+          <p:cNvPr id="26" name="Oval 25">
+            <a:extLst>
+              <a:ext uri="{FF2B5EF4-FFF2-40B4-BE49-F238E27FC236}">
+                <a16:creationId xmlns:a16="http://schemas.microsoft.com/office/drawing/2014/main" id="{09D0F33B-4429-4CEA-950D-0EFFFA163EBB}"/>
+              </a:ext>
+            </a:extLst>
+          </p:cNvPr>
+          <p:cNvSpPr/>
+          <p:nvPr/>
+        </p:nvSpPr>
+        <p:spPr>
+          <a:xfrm>
+            <a:off x="6717081" y="4845567"/>
+            <a:ext cx="1062892" cy="1062892"/>
+          </a:xfrm>
+          <a:prstGeom prst="ellipse">
+            <a:avLst/>
+          </a:prstGeom>
+          <a:solidFill>
+            <a:schemeClr val="accent5">
+              <a:lumMod val="75000"/>
+            </a:schemeClr>
+          </a:solidFill>
+          <a:ln>
+            <a:solidFill>
+              <a:schemeClr val="accent5">
+                <a:lumMod val="50000"/>
+              </a:schemeClr>
+            </a:solidFill>
+          </a:ln>
+        </p:spPr>
+        <p:style>
+          <a:lnRef idx="2">
+            <a:schemeClr val="accent1">
+              <a:shade val="50000"/>
+            </a:schemeClr>
+          </a:lnRef>
+          <a:fillRef idx="1">
+            <a:schemeClr val="accent1"/>
+          </a:fillRef>
+          <a:effectRef idx="0">
+            <a:schemeClr val="accent1"/>
+          </a:effectRef>
+          <a:fontRef idx="minor">
+            <a:schemeClr val="lt1"/>
+          </a:fontRef>
+        </p:style>
+        <p:txBody>
+          <a:bodyPr rtlCol="0" anchor="ctr"/>
+          <a:lstStyle/>
+          <a:p>
+            <a:pPr algn="ctr"/>
+            <a:r>
+              <a:rPr lang="en-US" sz="2400" dirty="0">
+                <a:solidFill>
+                  <a:schemeClr val="tx1"/>
+                </a:solidFill>
+                <a:latin typeface="Cambria Math" panose="02040503050406030204" pitchFamily="18" charset="0"/>
+                <a:ea typeface="Cambria Math" panose="02040503050406030204" pitchFamily="18" charset="0"/>
+              </a:rPr>
+              <a:t>m2</a:t>
+            </a:r>
+          </a:p>
+        </p:txBody>
+      </p:sp>
+      <p:cxnSp>
+        <p:nvCxnSpPr>
+          <p:cNvPr id="20" name="Connector: Curved 19">
+            <a:extLst>
+              <a:ext uri="{FF2B5EF4-FFF2-40B4-BE49-F238E27FC236}">
+                <a16:creationId xmlns:a16="http://schemas.microsoft.com/office/drawing/2014/main" id="{2C875E72-4ACE-444A-B9F9-1E288BDD6037}"/>
+              </a:ext>
+            </a:extLst>
+          </p:cNvPr>
+          <p:cNvCxnSpPr>
+            <a:stCxn id="4" idx="0"/>
+            <a:endCxn id="25" idx="2"/>
+          </p:cNvCxnSpPr>
+          <p:nvPr/>
+        </p:nvCxnSpPr>
+        <p:spPr>
+          <a:xfrm rot="5400000" flipH="1" flipV="1">
+            <a:off x="5012493" y="1532938"/>
+            <a:ext cx="1146937" cy="2262240"/>
+          </a:xfrm>
+          <a:prstGeom prst="curvedConnector2">
+            <a:avLst/>
+          </a:prstGeom>
+          <a:ln>
+            <a:tailEnd type="triangle"/>
+          </a:ln>
+        </p:spPr>
+        <p:style>
+          <a:lnRef idx="1">
+            <a:schemeClr val="dk1"/>
+          </a:lnRef>
+          <a:fillRef idx="0">
+            <a:schemeClr val="dk1"/>
+          </a:fillRef>
+          <a:effectRef idx="0">
+            <a:schemeClr val="dk1"/>
+          </a:effectRef>
+          <a:fontRef idx="minor">
+            <a:schemeClr val="tx1"/>
+          </a:fontRef>
+        </p:style>
+      </p:cxnSp>
+      <p:cxnSp>
+        <p:nvCxnSpPr>
+          <p:cNvPr id="30" name="Connector: Curved 29">
+            <a:extLst>
+              <a:ext uri="{FF2B5EF4-FFF2-40B4-BE49-F238E27FC236}">
+                <a16:creationId xmlns:a16="http://schemas.microsoft.com/office/drawing/2014/main" id="{54E7F305-AF26-47E5-92DC-9DAB23295A12}"/>
+              </a:ext>
+            </a:extLst>
+          </p:cNvPr>
+          <p:cNvCxnSpPr>
+            <a:cxnSpLocks/>
+            <a:stCxn id="4" idx="4"/>
+            <a:endCxn id="26" idx="2"/>
+          </p:cNvCxnSpPr>
+          <p:nvPr/>
+        </p:nvCxnSpPr>
+        <p:spPr>
+          <a:xfrm rot="16200000" flipH="1">
+            <a:off x="5047664" y="3707595"/>
+            <a:ext cx="1076595" cy="2262240"/>
+          </a:xfrm>
+          <a:prstGeom prst="curvedConnector2">
+            <a:avLst/>
+          </a:prstGeom>
+          <a:ln>
+            <a:tailEnd type="triangle"/>
+          </a:ln>
+        </p:spPr>
+        <p:style>
+          <a:lnRef idx="1">
+            <a:schemeClr val="dk1"/>
+          </a:lnRef>
+          <a:fillRef idx="0">
+            <a:schemeClr val="dk1"/>
+          </a:fillRef>
+          <a:effectRef idx="0">
+            <a:schemeClr val="dk1"/>
+          </a:effectRef>
+          <a:fontRef idx="minor">
+            <a:schemeClr val="tx1"/>
+          </a:fontRef>
+        </p:style>
+      </p:cxnSp>
+      <p:cxnSp>
+        <p:nvCxnSpPr>
+          <p:cNvPr id="48" name="Straight Arrow Connector 47">
+            <a:extLst>
+              <a:ext uri="{FF2B5EF4-FFF2-40B4-BE49-F238E27FC236}">
+                <a16:creationId xmlns:a16="http://schemas.microsoft.com/office/drawing/2014/main" id="{9F516669-A7B3-4425-A9E8-124BE3AF2D71}"/>
+              </a:ext>
+            </a:extLst>
+          </p:cNvPr>
+          <p:cNvCxnSpPr>
+            <a:stCxn id="25" idx="5"/>
+            <a:endCxn id="26" idx="7"/>
+          </p:cNvCxnSpPr>
+          <p:nvPr/>
+        </p:nvCxnSpPr>
+        <p:spPr>
+          <a:xfrm>
+            <a:off x="7624316" y="2466378"/>
+            <a:ext cx="0" cy="2534846"/>
+          </a:xfrm>
+          <a:prstGeom prst="straightConnector1">
+            <a:avLst/>
+          </a:prstGeom>
+          <a:ln>
+            <a:tailEnd type="triangle"/>
+          </a:ln>
+        </p:spPr>
+        <p:style>
+          <a:lnRef idx="1">
+            <a:schemeClr val="dk1"/>
+          </a:lnRef>
+          <a:fillRef idx="0">
+            <a:schemeClr val="dk1"/>
+          </a:fillRef>
+          <a:effectRef idx="0">
+            <a:schemeClr val="dk1"/>
+          </a:effectRef>
+          <a:fontRef idx="minor">
+            <a:schemeClr val="tx1"/>
+          </a:fontRef>
+        </p:style>
+      </p:cxnSp>
+      <p:cxnSp>
+        <p:nvCxnSpPr>
+          <p:cNvPr id="53" name="Straight Arrow Connector 52">
+            <a:extLst>
+              <a:ext uri="{FF2B5EF4-FFF2-40B4-BE49-F238E27FC236}">
+                <a16:creationId xmlns:a16="http://schemas.microsoft.com/office/drawing/2014/main" id="{8BAADD0B-F09F-4A39-B5EE-D483804FD6D1}"/>
+              </a:ext>
+            </a:extLst>
+          </p:cNvPr>
+          <p:cNvCxnSpPr>
+            <a:cxnSpLocks/>
+            <a:stCxn id="26" idx="1"/>
+            <a:endCxn id="25" idx="3"/>
+          </p:cNvCxnSpPr>
+          <p:nvPr/>
+        </p:nvCxnSpPr>
+        <p:spPr>
+          <a:xfrm flipV="1">
+            <a:off x="6872738" y="2466378"/>
+            <a:ext cx="0" cy="2534846"/>
+          </a:xfrm>
+          <a:prstGeom prst="straightConnector1">
+            <a:avLst/>
+          </a:prstGeom>
+          <a:ln>
+            <a:tailEnd type="triangle"/>
+          </a:ln>
+        </p:spPr>
+        <p:style>
+          <a:lnRef idx="1">
+            <a:schemeClr val="dk1"/>
+          </a:lnRef>
+          <a:fillRef idx="0">
+            <a:schemeClr val="dk1"/>
+          </a:fillRef>
+          <a:effectRef idx="0">
+            <a:schemeClr val="dk1"/>
+          </a:effectRef>
+          <a:fontRef idx="minor">
+            <a:schemeClr val="tx1"/>
+          </a:fontRef>
+        </p:style>
+      </p:cxnSp>
+      <p:cxnSp>
+        <p:nvCxnSpPr>
+          <p:cNvPr id="54" name="Straight Arrow Connector 53">
+            <a:extLst>
+              <a:ext uri="{FF2B5EF4-FFF2-40B4-BE49-F238E27FC236}">
+                <a16:creationId xmlns:a16="http://schemas.microsoft.com/office/drawing/2014/main" id="{FAAF73A9-7716-4686-900D-B7357BE6AB64}"/>
+              </a:ext>
+            </a:extLst>
+          </p:cNvPr>
+          <p:cNvCxnSpPr>
+            <a:cxnSpLocks/>
+            <a:stCxn id="4" idx="6"/>
+            <a:endCxn id="5" idx="2"/>
+          </p:cNvCxnSpPr>
+          <p:nvPr/>
+        </p:nvCxnSpPr>
+        <p:spPr>
+          <a:xfrm>
+            <a:off x="4986287" y="3768972"/>
+            <a:ext cx="4524480" cy="0"/>
+          </a:xfrm>
+          <a:prstGeom prst="straightConnector1">
+            <a:avLst/>
+          </a:prstGeom>
+          <a:ln>
+            <a:tailEnd type="triangle"/>
+          </a:ln>
+        </p:spPr>
+        <p:style>
+          <a:lnRef idx="1">
+            <a:schemeClr val="dk1"/>
+          </a:lnRef>
+          <a:fillRef idx="0">
+            <a:schemeClr val="dk1"/>
+          </a:fillRef>
+          <a:effectRef idx="0">
+            <a:schemeClr val="dk1"/>
+          </a:effectRef>
+          <a:fontRef idx="minor">
+            <a:schemeClr val="tx1"/>
+          </a:fontRef>
+        </p:style>
+      </p:cxnSp>
+      <p:cxnSp>
+        <p:nvCxnSpPr>
+          <p:cNvPr id="58" name="Connector: Curved 57">
+            <a:extLst>
+              <a:ext uri="{FF2B5EF4-FFF2-40B4-BE49-F238E27FC236}">
+                <a16:creationId xmlns:a16="http://schemas.microsoft.com/office/drawing/2014/main" id="{F78254A4-2C0D-4BDD-8577-2AC364E42CED}"/>
+              </a:ext>
+            </a:extLst>
+          </p:cNvPr>
+          <p:cNvCxnSpPr>
+            <a:cxnSpLocks/>
+            <a:stCxn id="25" idx="6"/>
+            <a:endCxn id="5" idx="0"/>
+          </p:cNvCxnSpPr>
+          <p:nvPr/>
+        </p:nvCxnSpPr>
+        <p:spPr>
+          <a:xfrm>
+            <a:off x="7779973" y="2090589"/>
+            <a:ext cx="2262240" cy="1146937"/>
+          </a:xfrm>
+          <a:prstGeom prst="curvedConnector2">
+            <a:avLst/>
+          </a:prstGeom>
+          <a:ln>
+            <a:tailEnd type="triangle"/>
+          </a:ln>
+        </p:spPr>
+        <p:style>
+          <a:lnRef idx="1">
+            <a:schemeClr val="dk1"/>
+          </a:lnRef>
+          <a:fillRef idx="0">
+            <a:schemeClr val="dk1"/>
+          </a:fillRef>
+          <a:effectRef idx="0">
+            <a:schemeClr val="dk1"/>
+          </a:effectRef>
+          <a:fontRef idx="minor">
+            <a:schemeClr val="tx1"/>
+          </a:fontRef>
+        </p:style>
+      </p:cxnSp>
+      <p:cxnSp>
+        <p:nvCxnSpPr>
+          <p:cNvPr id="59" name="Connector: Curved 58">
+            <a:extLst>
+              <a:ext uri="{FF2B5EF4-FFF2-40B4-BE49-F238E27FC236}">
+                <a16:creationId xmlns:a16="http://schemas.microsoft.com/office/drawing/2014/main" id="{074F4F48-8B84-4B6D-8DBC-82E87A215C8A}"/>
+              </a:ext>
+            </a:extLst>
+          </p:cNvPr>
+          <p:cNvCxnSpPr>
+            <a:cxnSpLocks/>
+            <a:stCxn id="26" idx="6"/>
+            <a:endCxn id="5" idx="4"/>
+          </p:cNvCxnSpPr>
+          <p:nvPr/>
+        </p:nvCxnSpPr>
+        <p:spPr>
+          <a:xfrm flipV="1">
+            <a:off x="7779973" y="4300418"/>
+            <a:ext cx="2262240" cy="1076595"/>
+          </a:xfrm>
+          <a:prstGeom prst="curvedConnector2">
+            <a:avLst/>
+          </a:prstGeom>
+          <a:ln>
+            <a:tailEnd type="triangle"/>
+          </a:ln>
+        </p:spPr>
+        <p:style>
+          <a:lnRef idx="1">
+            <a:schemeClr val="dk1"/>
+          </a:lnRef>
+          <a:fillRef idx="0">
+            <a:schemeClr val="dk1"/>
+          </a:fillRef>
+          <a:effectRef idx="0">
+            <a:schemeClr val="dk1"/>
+          </a:effectRef>
+          <a:fontRef idx="minor">
+            <a:schemeClr val="tx1"/>
+          </a:fontRef>
+        </p:style>
+      </p:cxnSp>
+      <mc:AlternateContent xmlns:mc="http://schemas.openxmlformats.org/markup-compatibility/2006">
+        <mc:Choice xmlns:a14="http://schemas.microsoft.com/office/drawing/2010/main" Requires="a14">
+          <p:sp>
+            <p:nvSpPr>
+              <p:cNvPr id="64" name="TextBox 63">
+                <a:extLst>
+                  <a:ext uri="{FF2B5EF4-FFF2-40B4-BE49-F238E27FC236}">
+                    <a16:creationId xmlns:a16="http://schemas.microsoft.com/office/drawing/2014/main" id="{59E8D610-C3F4-424F-916E-C412F2CAAEBB}"/>
+                  </a:ext>
+                </a:extLst>
+              </p:cNvPr>
+              <p:cNvSpPr txBox="1"/>
+              <p:nvPr/>
+            </p:nvSpPr>
+            <p:spPr>
+              <a:xfrm>
+                <a:off x="1541420" y="4071272"/>
+                <a:ext cx="488339" cy="369332"/>
+              </a:xfrm>
+              <a:prstGeom prst="rect">
+                <a:avLst/>
+              </a:prstGeom>
+              <a:noFill/>
+            </p:spPr>
+            <p:txBody>
+              <a:bodyPr wrap="none" rtlCol="0">
+                <a:spAutoFit/>
+              </a:bodyPr>
+              <a:lstStyle/>
+              <a:p>
+                <a:pPr/>
+                <a14:m>
+                  <m:oMathPara xmlns:m="http://schemas.openxmlformats.org/officeDocument/2006/math">
+                    <m:oMathParaPr>
+                      <m:jc m:val="centerGroup"/>
+                    </m:oMathParaPr>
+                    <m:oMath xmlns:m="http://schemas.openxmlformats.org/officeDocument/2006/math">
+                      <m:sSub>
+                        <m:sSubPr>
+                          <m:ctrlPr>
+                            <a:rPr lang="en-US" b="0" i="1" smtClean="0">
+                              <a:latin typeface="Cambria Math" panose="02040503050406030204" pitchFamily="18" charset="0"/>
+                            </a:rPr>
+                          </m:ctrlPr>
+                        </m:sSubPr>
+                        <m:e>
+                          <m:r>
+                            <a:rPr lang="en-US" b="0" i="1" smtClean="0">
+                              <a:latin typeface="Cambria Math" panose="02040503050406030204" pitchFamily="18" charset="0"/>
+                            </a:rPr>
+                            <m:t>𝐾</m:t>
+                          </m:r>
+                        </m:e>
+                        <m:sub>
+                          <m:r>
+                            <a:rPr lang="en-US" b="0" i="1" smtClean="0">
+                              <a:latin typeface="Cambria Math" panose="02040503050406030204" pitchFamily="18" charset="0"/>
+                            </a:rPr>
+                            <m:t>2</m:t>
+                          </m:r>
+                        </m:sub>
+                      </m:sSub>
+                    </m:oMath>
+                  </m:oMathPara>
+                </a14:m>
+                <a:endParaRPr lang="en-US" dirty="0"/>
+              </a:p>
+            </p:txBody>
+          </p:sp>
+        </mc:Choice>
+        <mc:Fallback>
+          <p:sp>
+            <p:nvSpPr>
+              <p:cNvPr id="64" name="TextBox 63">
+                <a:extLst>
+                  <a:ext uri="{FF2B5EF4-FFF2-40B4-BE49-F238E27FC236}">
+                    <a16:creationId xmlns:a16="http://schemas.microsoft.com/office/drawing/2014/main" id="{59E8D610-C3F4-424F-916E-C412F2CAAEBB}"/>
+                  </a:ext>
+                </a:extLst>
+              </p:cNvPr>
+              <p:cNvSpPr txBox="1">
+                <a:spLocks noRot="1" noChangeAspect="1" noMove="1" noResize="1" noEditPoints="1" noAdjustHandles="1" noChangeArrowheads="1" noChangeShapeType="1" noTextEdit="1"/>
+              </p:cNvSpPr>
+              <p:nvPr/>
+            </p:nvSpPr>
+            <p:spPr>
+              <a:xfrm>
+                <a:off x="1541420" y="4071272"/>
+                <a:ext cx="488339" cy="369332"/>
+              </a:xfrm>
+              <a:prstGeom prst="rect">
+                <a:avLst/>
+              </a:prstGeom>
+              <a:blipFill>
+                <a:blip r:embed="rId5"/>
+                <a:stretch>
+                  <a:fillRect/>
+                </a:stretch>
+              </a:blipFill>
+            </p:spPr>
+            <p:txBody>
+              <a:bodyPr/>
+              <a:lstStyle/>
+              <a:p>
+                <a:r>
+                  <a:rPr lang="en-US">
+                    <a:noFill/>
+                  </a:rPr>
+                  <a:t> </a:t>
+                </a:r>
+              </a:p>
+            </p:txBody>
+          </p:sp>
+        </mc:Fallback>
+      </mc:AlternateContent>
+      <mc:AlternateContent xmlns:mc="http://schemas.openxmlformats.org/markup-compatibility/2006">
+        <mc:Choice xmlns:a14="http://schemas.microsoft.com/office/drawing/2010/main" Requires="a14">
+          <p:sp>
+            <p:nvSpPr>
+              <p:cNvPr id="65" name="Rectangle 64">
+                <a:extLst>
+                  <a:ext uri="{FF2B5EF4-FFF2-40B4-BE49-F238E27FC236}">
+                    <a16:creationId xmlns:a16="http://schemas.microsoft.com/office/drawing/2014/main" id="{4F690B5E-D300-4D4C-B988-E56B94568A7E}"/>
+                  </a:ext>
+                </a:extLst>
+              </p:cNvPr>
+              <p:cNvSpPr/>
+              <p:nvPr/>
+            </p:nvSpPr>
+            <p:spPr>
+              <a:xfrm>
+                <a:off x="429846" y="4440604"/>
+                <a:ext cx="2716812" cy="1090246"/>
+              </a:xfrm>
+              <a:prstGeom prst="rect">
+                <a:avLst/>
+              </a:prstGeom>
+              <a:noFill/>
+              <a:ln>
+                <a:solidFill>
+                  <a:schemeClr val="tx1"/>
+                </a:solidFill>
+              </a:ln>
+            </p:spPr>
+            <p:style>
+              <a:lnRef idx="2">
+                <a:schemeClr val="accent1">
+                  <a:shade val="50000"/>
+                </a:schemeClr>
+              </a:lnRef>
+              <a:fillRef idx="1">
+                <a:schemeClr val="accent1"/>
+              </a:fillRef>
+              <a:effectRef idx="0">
+                <a:schemeClr val="accent1"/>
+              </a:effectRef>
+              <a:fontRef idx="minor">
+                <a:schemeClr val="lt1"/>
+              </a:fontRef>
+            </p:style>
+            <p:txBody>
+              <a:bodyPr rtlCol="0" anchor="ctr"/>
+              <a:lstStyle/>
+              <a:p>
+                <a:pPr/>
+                <a14:m>
+                  <m:oMathPara xmlns:m="http://schemas.openxmlformats.org/officeDocument/2006/math">
+                    <m:oMathParaPr>
+                      <m:jc m:val="centerGroup"/>
+                    </m:oMathParaPr>
+                    <m:oMath xmlns:m="http://schemas.openxmlformats.org/officeDocument/2006/math">
+                      <m:r>
+                        <a:rPr lang="en-US" i="1" dirty="0" smtClean="0">
+                          <a:solidFill>
+                            <a:schemeClr val="tx1"/>
+                          </a:solidFill>
+                          <a:latin typeface="Cambria Math" panose="02040503050406030204" pitchFamily="18" charset="0"/>
+                        </a:rPr>
+                        <m:t>𝑆𝑡𝑜𝑐𝑘</m:t>
+                      </m:r>
+                      <m:d>
+                        <m:dPr>
+                          <m:ctrlPr>
+                            <a:rPr lang="en-US" i="1" dirty="0" smtClean="0">
+                              <a:solidFill>
+                                <a:schemeClr val="tx1"/>
+                              </a:solidFill>
+                              <a:latin typeface="Cambria Math" panose="02040503050406030204" pitchFamily="18" charset="0"/>
+                            </a:rPr>
+                          </m:ctrlPr>
+                        </m:dPr>
+                        <m:e>
+                          <m:r>
+                            <a:rPr lang="en-US" i="1" dirty="0" smtClean="0">
+                              <a:solidFill>
+                                <a:schemeClr val="tx1"/>
+                              </a:solidFill>
+                              <a:latin typeface="Cambria Math" panose="02040503050406030204" pitchFamily="18" charset="0"/>
+                            </a:rPr>
+                            <m:t>𝑜</m:t>
+                          </m:r>
+                        </m:e>
+                      </m:d>
+                      <m:r>
+                        <m:rPr>
+                          <m:aln/>
+                        </m:rPr>
+                        <a:rPr lang="en-US" i="1" dirty="0" smtClean="0">
+                          <a:solidFill>
+                            <a:schemeClr val="tx1"/>
+                          </a:solidFill>
+                          <a:latin typeface="Cambria Math" panose="02040503050406030204" pitchFamily="18" charset="0"/>
+                        </a:rPr>
+                        <m:t>=</m:t>
+                      </m:r>
+                      <m:r>
+                        <a:rPr lang="en-US" i="1" dirty="0">
+                          <a:solidFill>
+                            <a:schemeClr val="tx1"/>
+                          </a:solidFill>
+                          <a:latin typeface="Cambria Math" panose="02040503050406030204" pitchFamily="18" charset="0"/>
+                        </a:rPr>
+                        <m:t>4.0140</m:t>
+                      </m:r>
+                    </m:oMath>
+                    <m:oMath xmlns:m="http://schemas.openxmlformats.org/officeDocument/2006/math">
+                      <m:r>
+                        <a:rPr lang="en-US" i="1" dirty="0" smtClean="0">
+                          <a:solidFill>
+                            <a:schemeClr val="tx1"/>
+                          </a:solidFill>
+                          <a:latin typeface="Cambria Math" panose="02040503050406030204" pitchFamily="18" charset="0"/>
+                        </a:rPr>
+                        <m:t>𝑆𝑡𝑜𝑐𝑘</m:t>
+                      </m:r>
+                      <m:d>
+                        <m:dPr>
+                          <m:ctrlPr>
+                            <a:rPr lang="en-US" i="1" dirty="0" smtClean="0">
+                              <a:solidFill>
+                                <a:schemeClr val="tx1"/>
+                              </a:solidFill>
+                              <a:latin typeface="Cambria Math" panose="02040503050406030204" pitchFamily="18" charset="0"/>
+                            </a:rPr>
+                          </m:ctrlPr>
+                        </m:dPr>
+                        <m:e>
+                          <m:r>
+                            <a:rPr lang="en-US" i="1" dirty="0" smtClean="0">
+                              <a:solidFill>
+                                <a:schemeClr val="tx1"/>
+                              </a:solidFill>
+                              <a:latin typeface="Cambria Math" panose="02040503050406030204" pitchFamily="18" charset="0"/>
+                            </a:rPr>
+                            <m:t>𝑑</m:t>
+                          </m:r>
+                        </m:e>
+                      </m:d>
+                      <m:r>
+                        <m:rPr>
+                          <m:aln/>
+                        </m:rPr>
+                        <a:rPr lang="en-US" i="1" dirty="0" smtClean="0">
+                          <a:solidFill>
+                            <a:schemeClr val="tx1"/>
+                          </a:solidFill>
+                          <a:latin typeface="Cambria Math" panose="02040503050406030204" pitchFamily="18" charset="0"/>
+                        </a:rPr>
+                        <m:t>=</m:t>
+                      </m:r>
+                      <m:r>
+                        <a:rPr lang="en-US" i="1" dirty="0">
+                          <a:solidFill>
+                            <a:schemeClr val="tx1"/>
+                          </a:solidFill>
+                          <a:latin typeface="Cambria Math" panose="02040503050406030204" pitchFamily="18" charset="0"/>
+                        </a:rPr>
+                        <m:t>6.901</m:t>
+                      </m:r>
+                      <m:r>
+                        <a:rPr lang="en-US" b="0" i="1" dirty="0" smtClean="0">
+                          <a:solidFill>
+                            <a:schemeClr val="tx1"/>
+                          </a:solidFill>
+                          <a:latin typeface="Cambria Math" panose="02040503050406030204" pitchFamily="18" charset="0"/>
+                        </a:rPr>
+                        <m:t>7</m:t>
+                      </m:r>
+                    </m:oMath>
+                    <m:oMath xmlns:m="http://schemas.openxmlformats.org/officeDocument/2006/math">
+                      <m:r>
+                        <a:rPr lang="en-US" b="0" i="1" smtClean="0">
+                          <a:solidFill>
+                            <a:schemeClr val="tx1"/>
+                          </a:solidFill>
+                          <a:latin typeface="Cambria Math" panose="02040503050406030204" pitchFamily="18" charset="0"/>
+                        </a:rPr>
+                        <m:t>𝑆𝑡𝑜𝑐𝑘</m:t>
+                      </m:r>
+                      <m:d>
+                        <m:dPr>
+                          <m:ctrlPr>
+                            <a:rPr lang="en-US" b="0" i="1" smtClean="0">
+                              <a:solidFill>
+                                <a:schemeClr val="tx1"/>
+                              </a:solidFill>
+                              <a:latin typeface="Cambria Math" panose="02040503050406030204" pitchFamily="18" charset="0"/>
+                            </a:rPr>
+                          </m:ctrlPr>
+                        </m:dPr>
+                        <m:e>
+                          <m:r>
+                            <a:rPr lang="en-US" b="0" i="1" smtClean="0">
+                              <a:solidFill>
+                                <a:schemeClr val="tx1"/>
+                              </a:solidFill>
+                              <a:latin typeface="Cambria Math" panose="02040503050406030204" pitchFamily="18" charset="0"/>
+                            </a:rPr>
+                            <m:t>𝑚</m:t>
+                          </m:r>
+                          <m:r>
+                            <a:rPr lang="en-US" altLang="zh-CN" i="1">
+                              <a:solidFill>
+                                <a:schemeClr val="tx1"/>
+                              </a:solidFill>
+                              <a:latin typeface="Cambria Math" panose="02040503050406030204" pitchFamily="18" charset="0"/>
+                            </a:rPr>
+                            <m:t>1</m:t>
+                          </m:r>
+                        </m:e>
+                      </m:d>
+                      <m:r>
+                        <m:rPr>
+                          <m:aln/>
+                        </m:rPr>
+                        <a:rPr lang="en-US" b="0" i="1" smtClean="0">
+                          <a:solidFill>
+                            <a:schemeClr val="tx1"/>
+                          </a:solidFill>
+                          <a:latin typeface="Cambria Math" panose="02040503050406030204" pitchFamily="18" charset="0"/>
+                        </a:rPr>
+                        <m:t>=</m:t>
+                      </m:r>
+                      <m:r>
+                        <a:rPr lang="en-US" i="1">
+                          <a:solidFill>
+                            <a:schemeClr val="tx1"/>
+                          </a:solidFill>
+                          <a:latin typeface="Cambria Math" panose="02040503050406030204" pitchFamily="18" charset="0"/>
+                        </a:rPr>
+                        <m:t>7.684</m:t>
+                      </m:r>
+                      <m:r>
+                        <a:rPr lang="en-US" b="0" i="1" smtClean="0">
+                          <a:solidFill>
+                            <a:schemeClr val="tx1"/>
+                          </a:solidFill>
+                          <a:latin typeface="Cambria Math" panose="02040503050406030204" pitchFamily="18" charset="0"/>
+                        </a:rPr>
+                        <m:t>9</m:t>
+                      </m:r>
+                    </m:oMath>
+                    <m:oMath xmlns:m="http://schemas.openxmlformats.org/officeDocument/2006/math">
+                      <m:r>
+                        <a:rPr lang="en-US" b="0" i="1" smtClean="0">
+                          <a:solidFill>
+                            <a:schemeClr val="tx1"/>
+                          </a:solidFill>
+                          <a:latin typeface="Cambria Math" panose="02040503050406030204" pitchFamily="18" charset="0"/>
+                        </a:rPr>
+                        <m:t>𝑠𝑡𝑜𝑐𝑘</m:t>
+                      </m:r>
+                      <m:d>
+                        <m:dPr>
+                          <m:ctrlPr>
+                            <a:rPr lang="en-US" b="0" i="1" smtClean="0">
+                              <a:solidFill>
+                                <a:schemeClr val="tx1"/>
+                              </a:solidFill>
+                              <a:latin typeface="Cambria Math" panose="02040503050406030204" pitchFamily="18" charset="0"/>
+                            </a:rPr>
+                          </m:ctrlPr>
+                        </m:dPr>
+                        <m:e>
+                          <m:r>
+                            <a:rPr lang="en-US" b="0" i="1" smtClean="0">
+                              <a:solidFill>
+                                <a:schemeClr val="tx1"/>
+                              </a:solidFill>
+                              <a:latin typeface="Cambria Math" panose="02040503050406030204" pitchFamily="18" charset="0"/>
+                            </a:rPr>
+                            <m:t>𝑚</m:t>
+                          </m:r>
+                          <m:r>
+                            <a:rPr lang="en-US" b="0" i="1" smtClean="0">
+                              <a:solidFill>
+                                <a:schemeClr val="tx1"/>
+                              </a:solidFill>
+                              <a:latin typeface="Cambria Math" panose="02040503050406030204" pitchFamily="18" charset="0"/>
+                            </a:rPr>
+                            <m:t>2</m:t>
+                          </m:r>
+                        </m:e>
+                      </m:d>
+                      <m:r>
+                        <m:rPr>
+                          <m:aln/>
+                        </m:rPr>
+                        <a:rPr lang="en-US" b="0" i="1" smtClean="0">
+                          <a:solidFill>
+                            <a:schemeClr val="tx1"/>
+                          </a:solidFill>
+                          <a:latin typeface="Cambria Math" panose="02040503050406030204" pitchFamily="18" charset="0"/>
+                        </a:rPr>
+                        <m:t>=</m:t>
+                      </m:r>
+                      <m:r>
+                        <a:rPr lang="en-US" i="1">
+                          <a:solidFill>
+                            <a:schemeClr val="tx1"/>
+                          </a:solidFill>
+                          <a:latin typeface="Cambria Math" panose="02040503050406030204" pitchFamily="18" charset="0"/>
+                        </a:rPr>
+                        <m:t>5.393</m:t>
+                      </m:r>
+                      <m:r>
+                        <a:rPr lang="en-US" b="0" i="1" smtClean="0">
+                          <a:solidFill>
+                            <a:schemeClr val="tx1"/>
+                          </a:solidFill>
+                          <a:latin typeface="Cambria Math" panose="02040503050406030204" pitchFamily="18" charset="0"/>
+                        </a:rPr>
+                        <m:t>5</m:t>
+                      </m:r>
+                    </m:oMath>
+                  </m:oMathPara>
+                </a14:m>
+                <a:endParaRPr lang="en-US" b="0" dirty="0">
+                  <a:solidFill>
+                    <a:schemeClr val="tx1"/>
+                  </a:solidFill>
+                </a:endParaRPr>
+              </a:p>
+            </p:txBody>
+          </p:sp>
+        </mc:Choice>
+        <mc:Fallback>
+          <p:sp>
+            <p:nvSpPr>
+              <p:cNvPr id="65" name="Rectangle 64">
+                <a:extLst>
+                  <a:ext uri="{FF2B5EF4-FFF2-40B4-BE49-F238E27FC236}">
+                    <a16:creationId xmlns:a16="http://schemas.microsoft.com/office/drawing/2014/main" id="{4F690B5E-D300-4D4C-B988-E56B94568A7E}"/>
+                  </a:ext>
+                </a:extLst>
+              </p:cNvPr>
+              <p:cNvSpPr>
+                <a:spLocks noRot="1" noChangeAspect="1" noMove="1" noResize="1" noEditPoints="1" noAdjustHandles="1" noChangeArrowheads="1" noChangeShapeType="1" noTextEdit="1"/>
+              </p:cNvSpPr>
+              <p:nvPr/>
+            </p:nvSpPr>
+            <p:spPr>
+              <a:xfrm>
+                <a:off x="429846" y="4440604"/>
+                <a:ext cx="2716812" cy="1090246"/>
+              </a:xfrm>
+              <a:prstGeom prst="rect">
+                <a:avLst/>
+              </a:prstGeom>
+              <a:blipFill>
+                <a:blip r:embed="rId6"/>
+                <a:stretch>
+                  <a:fillRect b="-2210"/>
+                </a:stretch>
+              </a:blipFill>
+              <a:ln>
+                <a:solidFill>
+                  <a:schemeClr val="tx1"/>
+                </a:solidFill>
+              </a:ln>
+            </p:spPr>
+            <p:txBody>
+              <a:bodyPr/>
+              <a:lstStyle/>
+              <a:p>
+                <a:r>
+                  <a:rPr lang="en-US">
+                    <a:noFill/>
+                  </a:rPr>
+                  <a:t> </a:t>
+                </a:r>
+              </a:p>
+            </p:txBody>
+          </p:sp>
+        </mc:Fallback>
+      </mc:AlternateContent>
+      <mc:AlternateContent xmlns:mc="http://schemas.openxmlformats.org/markup-compatibility/2006">
+        <mc:Choice xmlns:a14="http://schemas.microsoft.com/office/drawing/2010/main" Requires="a14">
+          <p:sp>
+            <p:nvSpPr>
+              <p:cNvPr id="17" name="TextBox 16">
+                <a:extLst>
+                  <a:ext uri="{FF2B5EF4-FFF2-40B4-BE49-F238E27FC236}">
+                    <a16:creationId xmlns:a16="http://schemas.microsoft.com/office/drawing/2014/main" id="{400BD366-F3C8-4FD0-8C0E-D934C71C6BD0}"/>
+                  </a:ext>
+                </a:extLst>
+              </p:cNvPr>
+              <p:cNvSpPr txBox="1"/>
+              <p:nvPr/>
+            </p:nvSpPr>
+            <p:spPr>
+              <a:xfrm rot="20144516">
+                <a:off x="4822334" y="2079587"/>
+                <a:ext cx="940899" cy="253916"/>
+              </a:xfrm>
+              <a:prstGeom prst="rect">
+                <a:avLst/>
+              </a:prstGeom>
+              <a:noFill/>
+            </p:spPr>
+            <p:txBody>
+              <a:bodyPr wrap="none" rtlCol="0">
+                <a:spAutoFit/>
+              </a:bodyPr>
+              <a:lstStyle/>
+              <a:p>
+                <a:pPr/>
+                <a14:m>
+                  <m:oMathPara xmlns:m="http://schemas.openxmlformats.org/officeDocument/2006/math">
+                    <m:oMathParaPr>
+                      <m:jc m:val="centerGroup"/>
+                    </m:oMathParaPr>
+                    <m:oMath xmlns:m="http://schemas.openxmlformats.org/officeDocument/2006/math">
+                      <m:r>
+                        <a:rPr lang="en-US" sz="1050" b="0" i="1" smtClean="0">
+                          <a:latin typeface="Cambria Math" panose="02040503050406030204" pitchFamily="18" charset="0"/>
+                        </a:rPr>
+                        <m:t>0.4025 @ </m:t>
+                      </m:r>
+                      <m:sSub>
+                        <m:sSubPr>
+                          <m:ctrlPr>
+                            <a:rPr lang="en-US" sz="1050" b="0" i="1" smtClean="0">
+                              <a:latin typeface="Cambria Math" panose="02040503050406030204" pitchFamily="18" charset="0"/>
+                            </a:rPr>
+                          </m:ctrlPr>
+                        </m:sSubPr>
+                        <m:e>
+                          <m:r>
+                            <a:rPr lang="en-US" sz="1050" b="0" i="1" smtClean="0">
+                              <a:latin typeface="Cambria Math" panose="02040503050406030204" pitchFamily="18" charset="0"/>
+                            </a:rPr>
+                            <m:t>𝐾</m:t>
+                          </m:r>
+                        </m:e>
+                        <m:sub>
+                          <m:r>
+                            <a:rPr lang="en-US" sz="1050" b="0" i="1" smtClean="0">
+                              <a:latin typeface="Cambria Math" panose="02040503050406030204" pitchFamily="18" charset="0"/>
+                            </a:rPr>
+                            <m:t>2</m:t>
+                          </m:r>
+                        </m:sub>
+                      </m:sSub>
+                    </m:oMath>
+                  </m:oMathPara>
+                </a14:m>
+                <a:endParaRPr lang="en-US" sz="1050" dirty="0"/>
+              </a:p>
+            </p:txBody>
+          </p:sp>
+        </mc:Choice>
+        <mc:Fallback>
+          <p:sp>
+            <p:nvSpPr>
+              <p:cNvPr id="17" name="TextBox 16">
+                <a:extLst>
+                  <a:ext uri="{FF2B5EF4-FFF2-40B4-BE49-F238E27FC236}">
+                    <a16:creationId xmlns:a16="http://schemas.microsoft.com/office/drawing/2014/main" id="{400BD366-F3C8-4FD0-8C0E-D934C71C6BD0}"/>
+                  </a:ext>
+                </a:extLst>
+              </p:cNvPr>
+              <p:cNvSpPr txBox="1">
+                <a:spLocks noRot="1" noChangeAspect="1" noMove="1" noResize="1" noEditPoints="1" noAdjustHandles="1" noChangeArrowheads="1" noChangeShapeType="1" noTextEdit="1"/>
+              </p:cNvSpPr>
+              <p:nvPr/>
+            </p:nvSpPr>
+            <p:spPr>
+              <a:xfrm rot="20144516">
+                <a:off x="4822334" y="2079587"/>
+                <a:ext cx="940899" cy="253916"/>
+              </a:xfrm>
+              <a:prstGeom prst="rect">
+                <a:avLst/>
+              </a:prstGeom>
+              <a:blipFill>
+                <a:blip r:embed="rId7"/>
+                <a:stretch>
+                  <a:fillRect/>
+                </a:stretch>
+              </a:blipFill>
+            </p:spPr>
+            <p:txBody>
+              <a:bodyPr/>
+              <a:lstStyle/>
+              <a:p>
+                <a:r>
+                  <a:rPr lang="en-US">
+                    <a:noFill/>
+                  </a:rPr>
+                  <a:t> </a:t>
+                </a:r>
+              </a:p>
+            </p:txBody>
+          </p:sp>
+        </mc:Fallback>
+      </mc:AlternateContent>
+      <mc:AlternateContent xmlns:mc="http://schemas.openxmlformats.org/markup-compatibility/2006">
+        <mc:Choice xmlns:a14="http://schemas.microsoft.com/office/drawing/2010/main" Requires="a14">
+          <p:sp>
+            <p:nvSpPr>
+              <p:cNvPr id="18" name="TextBox 17">
+                <a:extLst>
+                  <a:ext uri="{FF2B5EF4-FFF2-40B4-BE49-F238E27FC236}">
+                    <a16:creationId xmlns:a16="http://schemas.microsoft.com/office/drawing/2014/main" id="{311FD4AB-6D0A-4478-AA36-3F090BD204D4}"/>
+                  </a:ext>
+                </a:extLst>
+              </p:cNvPr>
+              <p:cNvSpPr txBox="1"/>
+              <p:nvPr/>
+            </p:nvSpPr>
+            <p:spPr>
+              <a:xfrm rot="1360292">
+                <a:off x="4914269" y="5201611"/>
+                <a:ext cx="940899" cy="253980"/>
+              </a:xfrm>
+              <a:prstGeom prst="rect">
+                <a:avLst/>
+              </a:prstGeom>
+              <a:noFill/>
+            </p:spPr>
+            <p:txBody>
+              <a:bodyPr wrap="none" rtlCol="0">
+                <a:spAutoFit/>
+              </a:bodyPr>
+              <a:lstStyle/>
+              <a:p>
+                <a:pPr/>
+                <a14:m>
+                  <m:oMathPara xmlns:m="http://schemas.openxmlformats.org/officeDocument/2006/math">
+                    <m:oMathParaPr>
+                      <m:jc m:val="centerGroup"/>
+                    </m:oMathParaPr>
+                    <m:oMath xmlns:m="http://schemas.openxmlformats.org/officeDocument/2006/math">
+                      <m:r>
+                        <a:rPr lang="en-US" sz="1050" b="0" i="1" smtClean="0">
+                          <a:latin typeface="Cambria Math" panose="02040503050406030204" pitchFamily="18" charset="0"/>
+                        </a:rPr>
+                        <m:t>0.0933 @ </m:t>
+                      </m:r>
+                      <m:sSub>
+                        <m:sSubPr>
+                          <m:ctrlPr>
+                            <a:rPr lang="en-US" sz="1050" b="0" i="1" smtClean="0">
+                              <a:latin typeface="Cambria Math" panose="02040503050406030204" pitchFamily="18" charset="0"/>
+                            </a:rPr>
+                          </m:ctrlPr>
+                        </m:sSubPr>
+                        <m:e>
+                          <m:r>
+                            <a:rPr lang="en-US" sz="1050" b="0" i="1" smtClean="0">
+                              <a:latin typeface="Cambria Math" panose="02040503050406030204" pitchFamily="18" charset="0"/>
+                            </a:rPr>
+                            <m:t>𝐾</m:t>
+                          </m:r>
+                        </m:e>
+                        <m:sub>
+                          <m:r>
+                            <a:rPr lang="en-US" sz="1050" b="0" i="1" smtClean="0">
+                              <a:latin typeface="Cambria Math" panose="02040503050406030204" pitchFamily="18" charset="0"/>
+                            </a:rPr>
+                            <m:t>2</m:t>
+                          </m:r>
+                        </m:sub>
+                      </m:sSub>
+                    </m:oMath>
+                  </m:oMathPara>
+                </a14:m>
+                <a:br>
+                  <a:rPr lang="en-US" sz="1050" b="0" dirty="0"/>
+                </a:br>
+                <a:endParaRPr lang="en-US" sz="1050" dirty="0"/>
+              </a:p>
+            </p:txBody>
+          </p:sp>
+        </mc:Choice>
+        <mc:Fallback>
+          <p:sp>
+            <p:nvSpPr>
+              <p:cNvPr id="18" name="TextBox 17">
+                <a:extLst>
+                  <a:ext uri="{FF2B5EF4-FFF2-40B4-BE49-F238E27FC236}">
+                    <a16:creationId xmlns:a16="http://schemas.microsoft.com/office/drawing/2014/main" id="{311FD4AB-6D0A-4478-AA36-3F090BD204D4}"/>
+                  </a:ext>
+                </a:extLst>
+              </p:cNvPr>
+              <p:cNvSpPr txBox="1">
+                <a:spLocks noRot="1" noChangeAspect="1" noMove="1" noResize="1" noEditPoints="1" noAdjustHandles="1" noChangeArrowheads="1" noChangeShapeType="1" noTextEdit="1"/>
+              </p:cNvSpPr>
+              <p:nvPr/>
+            </p:nvSpPr>
+            <p:spPr>
+              <a:xfrm rot="1360292">
+                <a:off x="4914269" y="5201611"/>
+                <a:ext cx="940899" cy="253980"/>
+              </a:xfrm>
+              <a:prstGeom prst="rect">
+                <a:avLst/>
+              </a:prstGeom>
+              <a:blipFill>
+                <a:blip r:embed="rId8"/>
+                <a:stretch>
+                  <a:fillRect/>
+                </a:stretch>
+              </a:blipFill>
+            </p:spPr>
+            <p:txBody>
+              <a:bodyPr/>
+              <a:lstStyle/>
+              <a:p>
+                <a:r>
+                  <a:rPr lang="en-US">
+                    <a:noFill/>
+                  </a:rPr>
+                  <a:t> </a:t>
+                </a:r>
+              </a:p>
+            </p:txBody>
+          </p:sp>
+        </mc:Fallback>
+      </mc:AlternateContent>
+      <mc:AlternateContent xmlns:mc="http://schemas.openxmlformats.org/markup-compatibility/2006">
+        <mc:Choice xmlns:a14="http://schemas.microsoft.com/office/drawing/2010/main" Requires="a14">
+          <p:sp>
+            <p:nvSpPr>
+              <p:cNvPr id="19" name="TextBox 18">
+                <a:extLst>
+                  <a:ext uri="{FF2B5EF4-FFF2-40B4-BE49-F238E27FC236}">
+                    <a16:creationId xmlns:a16="http://schemas.microsoft.com/office/drawing/2014/main" id="{D97814A0-2A2B-41F9-B6F6-4504F92B1D11}"/>
+                  </a:ext>
+                </a:extLst>
+              </p:cNvPr>
+              <p:cNvSpPr txBox="1"/>
+              <p:nvPr/>
+            </p:nvSpPr>
+            <p:spPr>
+              <a:xfrm>
+                <a:off x="5347571" y="3516243"/>
+                <a:ext cx="940899" cy="253980"/>
+              </a:xfrm>
+              <a:prstGeom prst="rect">
+                <a:avLst/>
+              </a:prstGeom>
+              <a:noFill/>
+            </p:spPr>
+            <p:txBody>
+              <a:bodyPr wrap="none" rtlCol="0">
+                <a:spAutoFit/>
+              </a:bodyPr>
+              <a:lstStyle/>
+              <a:p>
+                <a:pPr/>
+                <a14:m>
+                  <m:oMathPara xmlns:m="http://schemas.openxmlformats.org/officeDocument/2006/math">
+                    <m:oMathParaPr>
+                      <m:jc m:val="centerGroup"/>
+                    </m:oMathParaPr>
+                    <m:oMath xmlns:m="http://schemas.openxmlformats.org/officeDocument/2006/math">
+                      <m:r>
+                        <a:rPr lang="en-US" sz="1050" i="1" smtClean="0">
+                          <a:latin typeface="Cambria Math" panose="02040503050406030204" pitchFamily="18" charset="0"/>
+                        </a:rPr>
+                        <m:t>0</m:t>
+                      </m:r>
+                      <m:r>
+                        <a:rPr lang="en-US" sz="1050" b="0" i="1" smtClean="0">
+                          <a:latin typeface="Cambria Math" panose="02040503050406030204" pitchFamily="18" charset="0"/>
+                        </a:rPr>
+                        <m:t>.5042</m:t>
+                      </m:r>
+                      <m:r>
+                        <a:rPr lang="en-US" sz="1050" b="0" i="1" smtClean="0">
+                          <a:latin typeface="Cambria Math" panose="02040503050406030204" pitchFamily="18" charset="0"/>
+                        </a:rPr>
+                        <m:t> @ </m:t>
+                      </m:r>
+                      <m:sSub>
+                        <m:sSubPr>
+                          <m:ctrlPr>
+                            <a:rPr lang="en-US" sz="1050" b="0" i="1" smtClean="0">
+                              <a:latin typeface="Cambria Math" panose="02040503050406030204" pitchFamily="18" charset="0"/>
+                            </a:rPr>
+                          </m:ctrlPr>
+                        </m:sSubPr>
+                        <m:e>
+                          <m:r>
+                            <a:rPr lang="en-US" sz="1050" b="0" i="1" smtClean="0">
+                              <a:latin typeface="Cambria Math" panose="02040503050406030204" pitchFamily="18" charset="0"/>
+                            </a:rPr>
+                            <m:t>𝐾</m:t>
+                          </m:r>
+                        </m:e>
+                        <m:sub>
+                          <m:r>
+                            <a:rPr lang="en-US" sz="1050" b="0" i="1" smtClean="0">
+                              <a:latin typeface="Cambria Math" panose="02040503050406030204" pitchFamily="18" charset="0"/>
+                            </a:rPr>
+                            <m:t>2</m:t>
+                          </m:r>
+                        </m:sub>
+                      </m:sSub>
+                    </m:oMath>
+                  </m:oMathPara>
+                </a14:m>
+                <a:br>
+                  <a:rPr lang="en-US" sz="1050" b="0" dirty="0"/>
+                </a:br>
+                <a:endParaRPr lang="en-US" sz="1050" dirty="0"/>
+              </a:p>
+            </p:txBody>
+          </p:sp>
+        </mc:Choice>
+        <mc:Fallback>
+          <p:sp>
+            <p:nvSpPr>
+              <p:cNvPr id="19" name="TextBox 18">
+                <a:extLst>
+                  <a:ext uri="{FF2B5EF4-FFF2-40B4-BE49-F238E27FC236}">
+                    <a16:creationId xmlns:a16="http://schemas.microsoft.com/office/drawing/2014/main" id="{D97814A0-2A2B-41F9-B6F6-4504F92B1D11}"/>
+                  </a:ext>
+                </a:extLst>
+              </p:cNvPr>
+              <p:cNvSpPr txBox="1">
+                <a:spLocks noRot="1" noChangeAspect="1" noMove="1" noResize="1" noEditPoints="1" noAdjustHandles="1" noChangeArrowheads="1" noChangeShapeType="1" noTextEdit="1"/>
+              </p:cNvSpPr>
+              <p:nvPr/>
+            </p:nvSpPr>
+            <p:spPr>
+              <a:xfrm>
+                <a:off x="5347571" y="3516243"/>
+                <a:ext cx="940899" cy="253980"/>
+              </a:xfrm>
+              <a:prstGeom prst="rect">
+                <a:avLst/>
+              </a:prstGeom>
+              <a:blipFill>
+                <a:blip r:embed="rId9"/>
+                <a:stretch>
+                  <a:fillRect/>
+                </a:stretch>
+              </a:blipFill>
+            </p:spPr>
+            <p:txBody>
+              <a:bodyPr/>
+              <a:lstStyle/>
+              <a:p>
+                <a:r>
+                  <a:rPr lang="en-US">
+                    <a:noFill/>
+                  </a:rPr>
+                  <a:t> </a:t>
+                </a:r>
+              </a:p>
+            </p:txBody>
+          </p:sp>
+        </mc:Fallback>
+      </mc:AlternateContent>
+      <mc:AlternateContent xmlns:mc="http://schemas.openxmlformats.org/markup-compatibility/2006">
+        <mc:Choice xmlns:a14="http://schemas.microsoft.com/office/drawing/2010/main" Requires="a14">
+          <p:sp>
+            <p:nvSpPr>
+              <p:cNvPr id="21" name="TextBox 20">
+                <a:extLst>
+                  <a:ext uri="{FF2B5EF4-FFF2-40B4-BE49-F238E27FC236}">
+                    <a16:creationId xmlns:a16="http://schemas.microsoft.com/office/drawing/2014/main" id="{F72FF903-DFBB-4688-9D76-544F4C7F2DF1}"/>
+                  </a:ext>
+                </a:extLst>
+              </p:cNvPr>
+              <p:cNvSpPr txBox="1"/>
+              <p:nvPr/>
+            </p:nvSpPr>
+            <p:spPr>
+              <a:xfrm rot="1292289">
+                <a:off x="8763075" y="1994671"/>
+                <a:ext cx="1042721" cy="415563"/>
+              </a:xfrm>
+              <a:prstGeom prst="rect">
+                <a:avLst/>
+              </a:prstGeom>
+              <a:noFill/>
+            </p:spPr>
+            <p:txBody>
+              <a:bodyPr wrap="none" rtlCol="0">
+                <a:spAutoFit/>
+              </a:bodyPr>
+              <a:lstStyle/>
+              <a:p>
+                <a:pPr/>
+                <a14:m>
+                  <m:oMathPara xmlns:m="http://schemas.openxmlformats.org/officeDocument/2006/math">
+                    <m:oMathParaPr>
+                      <m:jc m:val="centerGroup"/>
+                    </m:oMathParaPr>
+                    <m:oMath xmlns:m="http://schemas.openxmlformats.org/officeDocument/2006/math">
+                      <m:r>
+                        <a:rPr lang="en-US" sz="1050" i="1" smtClean="0">
+                          <a:latin typeface="Cambria Math" panose="02040503050406030204" pitchFamily="18" charset="0"/>
+                        </a:rPr>
+                        <m:t>0</m:t>
+                      </m:r>
+                      <m:r>
+                        <a:rPr lang="en-US" sz="1050" b="0" i="1" smtClean="0">
+                          <a:latin typeface="Cambria Math" panose="02040503050406030204" pitchFamily="18" charset="0"/>
+                        </a:rPr>
+                        <m:t>.1360</m:t>
+                      </m:r>
+                      <m:r>
+                        <a:rPr lang="en-US" sz="1050" b="0" i="1" smtClean="0">
+                          <a:latin typeface="Cambria Math" panose="02040503050406030204" pitchFamily="18" charset="0"/>
+                        </a:rPr>
+                        <m:t> @ </m:t>
+                      </m:r>
+                      <m:sSub>
+                        <m:sSubPr>
+                          <m:ctrlPr>
+                            <a:rPr lang="en-US" sz="1050" b="0" i="1" smtClean="0">
+                              <a:latin typeface="Cambria Math" panose="02040503050406030204" pitchFamily="18" charset="0"/>
+                            </a:rPr>
+                          </m:ctrlPr>
+                        </m:sSubPr>
+                        <m:e>
+                          <m:r>
+                            <a:rPr lang="en-US" sz="1050" b="0" i="1" smtClean="0">
+                              <a:latin typeface="Cambria Math" panose="02040503050406030204" pitchFamily="18" charset="0"/>
+                            </a:rPr>
+                            <m:t>𝐾</m:t>
+                          </m:r>
+                        </m:e>
+                        <m:sub>
+                          <m:r>
+                            <a:rPr lang="en-US" sz="1050" b="0" i="1" smtClean="0">
+                              <a:latin typeface="Cambria Math" panose="02040503050406030204" pitchFamily="18" charset="0"/>
+                            </a:rPr>
+                            <m:t>1</m:t>
+                          </m:r>
+                        </m:sub>
+                      </m:sSub>
+                    </m:oMath>
+                    <m:oMath xmlns:m="http://schemas.openxmlformats.org/officeDocument/2006/math">
+                      <m:r>
+                        <a:rPr lang="en-US" sz="1050" b="0" i="1" smtClean="0">
+                          <a:latin typeface="Cambria Math" panose="02040503050406030204" pitchFamily="18" charset="0"/>
+                        </a:rPr>
+                        <m:t>0.1774 @ </m:t>
+                      </m:r>
+                      <m:sSub>
+                        <m:sSubPr>
+                          <m:ctrlPr>
+                            <a:rPr lang="en-US" sz="1050" b="0" i="1" smtClean="0">
+                              <a:latin typeface="Cambria Math" panose="02040503050406030204" pitchFamily="18" charset="0"/>
+                            </a:rPr>
+                          </m:ctrlPr>
+                        </m:sSubPr>
+                        <m:e>
+                          <m:r>
+                            <a:rPr lang="en-US" sz="1050" b="0" i="1" smtClean="0">
+                              <a:latin typeface="Cambria Math" panose="02040503050406030204" pitchFamily="18" charset="0"/>
+                            </a:rPr>
+                            <m:t>𝐾</m:t>
+                          </m:r>
+                        </m:e>
+                        <m:sub>
+                          <m:r>
+                            <a:rPr lang="en-US" sz="1050" b="0" i="1" smtClean="0">
+                              <a:latin typeface="Cambria Math" panose="02040503050406030204" pitchFamily="18" charset="0"/>
+                            </a:rPr>
+                            <m:t>2</m:t>
+                          </m:r>
+                        </m:sub>
+                      </m:sSub>
+                    </m:oMath>
+                  </m:oMathPara>
+                </a14:m>
+                <a:br>
+                  <a:rPr lang="en-US" sz="1050" b="0" dirty="0"/>
+                </a:br>
+                <a:endParaRPr lang="en-US" sz="1050" dirty="0"/>
+              </a:p>
+            </p:txBody>
+          </p:sp>
+        </mc:Choice>
+        <mc:Fallback>
+          <p:sp>
+            <p:nvSpPr>
+              <p:cNvPr id="21" name="TextBox 20">
+                <a:extLst>
+                  <a:ext uri="{FF2B5EF4-FFF2-40B4-BE49-F238E27FC236}">
+                    <a16:creationId xmlns:a16="http://schemas.microsoft.com/office/drawing/2014/main" id="{F72FF903-DFBB-4688-9D76-544F4C7F2DF1}"/>
+                  </a:ext>
+                </a:extLst>
+              </p:cNvPr>
+              <p:cNvSpPr txBox="1">
+                <a:spLocks noRot="1" noChangeAspect="1" noMove="1" noResize="1" noEditPoints="1" noAdjustHandles="1" noChangeArrowheads="1" noChangeShapeType="1" noTextEdit="1"/>
+              </p:cNvSpPr>
+              <p:nvPr/>
+            </p:nvSpPr>
+            <p:spPr>
+              <a:xfrm rot="1292289">
+                <a:off x="8763075" y="1994671"/>
+                <a:ext cx="1042721" cy="415563"/>
+              </a:xfrm>
+              <a:prstGeom prst="rect">
+                <a:avLst/>
+              </a:prstGeom>
+              <a:blipFill>
+                <a:blip r:embed="rId10"/>
+                <a:stretch>
+                  <a:fillRect/>
+                </a:stretch>
+              </a:blipFill>
+            </p:spPr>
+            <p:txBody>
+              <a:bodyPr/>
+              <a:lstStyle/>
+              <a:p>
+                <a:r>
+                  <a:rPr lang="en-US">
+                    <a:noFill/>
+                  </a:rPr>
+                  <a:t> </a:t>
+                </a:r>
+              </a:p>
+            </p:txBody>
+          </p:sp>
+        </mc:Fallback>
+      </mc:AlternateContent>
+      <mc:AlternateContent xmlns:mc="http://schemas.openxmlformats.org/markup-compatibility/2006">
+        <mc:Choice xmlns:a14="http://schemas.microsoft.com/office/drawing/2010/main" Requires="a14">
+          <p:sp>
+            <p:nvSpPr>
+              <p:cNvPr id="22" name="TextBox 21">
+                <a:extLst>
+                  <a:ext uri="{FF2B5EF4-FFF2-40B4-BE49-F238E27FC236}">
+                    <a16:creationId xmlns:a16="http://schemas.microsoft.com/office/drawing/2014/main" id="{7E176ABD-F134-4F53-B192-1A78A1133107}"/>
+                  </a:ext>
+                </a:extLst>
+              </p:cNvPr>
+              <p:cNvSpPr txBox="1"/>
+              <p:nvPr/>
+            </p:nvSpPr>
+            <p:spPr>
+              <a:xfrm rot="5400000">
+                <a:off x="7261711" y="2863056"/>
+                <a:ext cx="1040349" cy="253980"/>
+              </a:xfrm>
+              <a:prstGeom prst="rect">
+                <a:avLst/>
+              </a:prstGeom>
+              <a:noFill/>
+            </p:spPr>
+            <p:txBody>
+              <a:bodyPr wrap="none" rtlCol="0">
+                <a:spAutoFit/>
+              </a:bodyPr>
+              <a:lstStyle/>
+              <a:p>
+                <a:pPr/>
+                <a14:m>
+                  <m:oMathPara xmlns:m="http://schemas.openxmlformats.org/officeDocument/2006/math">
+                    <m:oMathParaPr>
+                      <m:jc m:val="centerGroup"/>
+                    </m:oMathParaPr>
+                    <m:oMath xmlns:m="http://schemas.openxmlformats.org/officeDocument/2006/math">
+                      <m:r>
+                        <a:rPr lang="en-US" sz="1050" b="0" i="1" smtClean="0">
+                          <a:latin typeface="Cambria Math" panose="02040503050406030204" pitchFamily="18" charset="0"/>
+                        </a:rPr>
+                        <m:t>0.9263</m:t>
+                      </m:r>
+                      <m:r>
+                        <a:rPr lang="en-US" sz="1050" b="0" i="1" smtClean="0">
+                          <a:latin typeface="Cambria Math" panose="02040503050406030204" pitchFamily="18" charset="0"/>
+                        </a:rPr>
+                        <m:t> @ </m:t>
+                      </m:r>
+                      <m:sSub>
+                        <m:sSubPr>
+                          <m:ctrlPr>
+                            <a:rPr lang="en-US" sz="1050" b="0" i="1" smtClean="0">
+                              <a:latin typeface="Cambria Math" panose="02040503050406030204" pitchFamily="18" charset="0"/>
+                            </a:rPr>
+                          </m:ctrlPr>
+                        </m:sSubPr>
+                        <m:e>
+                          <m:r>
+                            <a:rPr lang="en-US" sz="1050" b="0" i="1" smtClean="0">
+                              <a:latin typeface="Cambria Math" panose="02040503050406030204" pitchFamily="18" charset="0"/>
+                            </a:rPr>
+                            <m:t>𝐾</m:t>
+                          </m:r>
+                        </m:e>
+                        <m:sub>
+                          <m:r>
+                            <a:rPr lang="en-US" sz="1050" b="0" i="1" smtClean="0">
+                              <a:latin typeface="Cambria Math" panose="02040503050406030204" pitchFamily="18" charset="0"/>
+                            </a:rPr>
+                            <m:t>1</m:t>
+                          </m:r>
+                        </m:sub>
+                      </m:sSub>
+                    </m:oMath>
+                  </m:oMathPara>
+                </a14:m>
+                <a:br>
+                  <a:rPr lang="en-US" sz="1050" b="0" dirty="0"/>
+                </a:br>
+                <a:endParaRPr lang="en-US" sz="1050" dirty="0"/>
+              </a:p>
+            </p:txBody>
+          </p:sp>
+        </mc:Choice>
+        <mc:Fallback>
+          <p:sp>
+            <p:nvSpPr>
+              <p:cNvPr id="22" name="TextBox 21">
+                <a:extLst>
+                  <a:ext uri="{FF2B5EF4-FFF2-40B4-BE49-F238E27FC236}">
+                    <a16:creationId xmlns:a16="http://schemas.microsoft.com/office/drawing/2014/main" id="{7E176ABD-F134-4F53-B192-1A78A1133107}"/>
+                  </a:ext>
+                </a:extLst>
+              </p:cNvPr>
+              <p:cNvSpPr txBox="1">
+                <a:spLocks noRot="1" noChangeAspect="1" noMove="1" noResize="1" noEditPoints="1" noAdjustHandles="1" noChangeArrowheads="1" noChangeShapeType="1" noTextEdit="1"/>
+              </p:cNvSpPr>
+              <p:nvPr/>
+            </p:nvSpPr>
+            <p:spPr>
+              <a:xfrm rot="5400000">
+                <a:off x="7261711" y="2863056"/>
+                <a:ext cx="1040349" cy="253980"/>
+              </a:xfrm>
+              <a:prstGeom prst="rect">
+                <a:avLst/>
+              </a:prstGeom>
+              <a:blipFill>
+                <a:blip r:embed="rId11"/>
+                <a:stretch>
+                  <a:fillRect/>
+                </a:stretch>
+              </a:blipFill>
+            </p:spPr>
+            <p:txBody>
+              <a:bodyPr/>
+              <a:lstStyle/>
+              <a:p>
+                <a:r>
+                  <a:rPr lang="en-US">
+                    <a:noFill/>
+                  </a:rPr>
+                  <a:t> </a:t>
+                </a:r>
+              </a:p>
+            </p:txBody>
+          </p:sp>
+        </mc:Fallback>
+      </mc:AlternateContent>
+      <mc:AlternateContent xmlns:mc="http://schemas.openxmlformats.org/markup-compatibility/2006">
+        <mc:Choice xmlns:a14="http://schemas.microsoft.com/office/drawing/2010/main" Requires="a14">
+          <p:sp>
+            <p:nvSpPr>
+              <p:cNvPr id="23" name="TextBox 22">
+                <a:extLst>
+                  <a:ext uri="{FF2B5EF4-FFF2-40B4-BE49-F238E27FC236}">
+                    <a16:creationId xmlns:a16="http://schemas.microsoft.com/office/drawing/2014/main" id="{59DE576F-9960-44F8-955C-EECF2C566AB5}"/>
+                  </a:ext>
+                </a:extLst>
+              </p:cNvPr>
+              <p:cNvSpPr txBox="1"/>
+              <p:nvPr/>
+            </p:nvSpPr>
+            <p:spPr>
+              <a:xfrm rot="20149400">
+                <a:off x="8750604" y="5182759"/>
+                <a:ext cx="979564" cy="253980"/>
+              </a:xfrm>
+              <a:prstGeom prst="rect">
+                <a:avLst/>
+              </a:prstGeom>
+              <a:noFill/>
+            </p:spPr>
+            <p:txBody>
+              <a:bodyPr wrap="none" rtlCol="0">
+                <a:spAutoFit/>
+              </a:bodyPr>
+              <a:lstStyle/>
+              <a:p>
+                <a:pPr/>
+                <a14:m>
+                  <m:oMathPara xmlns:m="http://schemas.openxmlformats.org/officeDocument/2006/math">
+                    <m:oMathParaPr>
+                      <m:jc m:val="centerGroup"/>
+                    </m:oMathParaPr>
+                    <m:oMath xmlns:m="http://schemas.openxmlformats.org/officeDocument/2006/math">
+                      <m:r>
+                        <a:rPr lang="en-US" sz="1050" i="1" smtClean="0">
+                          <a:latin typeface="Cambria Math" panose="02040503050406030204" pitchFamily="18" charset="0"/>
+                        </a:rPr>
+                        <m:t>0</m:t>
+                      </m:r>
+                      <m:r>
+                        <a:rPr lang="en-US" sz="1050" b="0" i="1" smtClean="0">
+                          <a:latin typeface="Cambria Math" panose="02040503050406030204" pitchFamily="18" charset="0"/>
+                        </a:rPr>
+                        <m:t>.5414</m:t>
+                      </m:r>
+                      <m:r>
+                        <a:rPr lang="en-US" sz="1050" b="0" i="1" smtClean="0">
+                          <a:latin typeface="Cambria Math" panose="02040503050406030204" pitchFamily="18" charset="0"/>
+                        </a:rPr>
+                        <m:t> @ </m:t>
+                      </m:r>
+                      <m:sSub>
+                        <m:sSubPr>
+                          <m:ctrlPr>
+                            <a:rPr lang="en-US" sz="1050" b="0" i="1" smtClean="0">
+                              <a:latin typeface="Cambria Math" panose="02040503050406030204" pitchFamily="18" charset="0"/>
+                            </a:rPr>
+                          </m:ctrlPr>
+                        </m:sSubPr>
+                        <m:e>
+                          <m:r>
+                            <a:rPr lang="en-US" sz="1050" b="0" i="1" smtClean="0">
+                              <a:latin typeface="Cambria Math" panose="02040503050406030204" pitchFamily="18" charset="0"/>
+                            </a:rPr>
+                            <m:t>𝐾</m:t>
+                          </m:r>
+                        </m:e>
+                        <m:sub>
+                          <m:r>
+                            <a:rPr lang="en-US" sz="1050" b="0" i="1" smtClean="0">
+                              <a:latin typeface="Cambria Math" panose="02040503050406030204" pitchFamily="18" charset="0"/>
+                            </a:rPr>
+                            <m:t>2</m:t>
+                          </m:r>
+                        </m:sub>
+                      </m:sSub>
+                    </m:oMath>
+                  </m:oMathPara>
+                </a14:m>
+                <a:br>
+                  <a:rPr lang="en-US" sz="1050" b="0" dirty="0"/>
+                </a:br>
+                <a:endParaRPr lang="en-US" sz="1050" dirty="0"/>
+              </a:p>
+            </p:txBody>
+          </p:sp>
+        </mc:Choice>
+        <mc:Fallback>
+          <p:sp>
+            <p:nvSpPr>
+              <p:cNvPr id="23" name="TextBox 22">
+                <a:extLst>
+                  <a:ext uri="{FF2B5EF4-FFF2-40B4-BE49-F238E27FC236}">
+                    <a16:creationId xmlns:a16="http://schemas.microsoft.com/office/drawing/2014/main" id="{59DE576F-9960-44F8-955C-EECF2C566AB5}"/>
+                  </a:ext>
+                </a:extLst>
+              </p:cNvPr>
+              <p:cNvSpPr txBox="1">
+                <a:spLocks noRot="1" noChangeAspect="1" noMove="1" noResize="1" noEditPoints="1" noAdjustHandles="1" noChangeArrowheads="1" noChangeShapeType="1" noTextEdit="1"/>
+              </p:cNvSpPr>
+              <p:nvPr/>
+            </p:nvSpPr>
+            <p:spPr>
+              <a:xfrm rot="20149400">
+                <a:off x="8750604" y="5182759"/>
+                <a:ext cx="979564" cy="253980"/>
+              </a:xfrm>
+              <a:prstGeom prst="rect">
+                <a:avLst/>
+              </a:prstGeom>
+              <a:blipFill>
+                <a:blip r:embed="rId12"/>
+                <a:stretch>
+                  <a:fillRect/>
+                </a:stretch>
+              </a:blipFill>
+            </p:spPr>
+            <p:txBody>
+              <a:bodyPr/>
+              <a:lstStyle/>
+              <a:p>
+                <a:r>
+                  <a:rPr lang="en-US">
+                    <a:noFill/>
+                  </a:rPr>
+                  <a:t> </a:t>
+                </a:r>
+              </a:p>
+            </p:txBody>
+          </p:sp>
+        </mc:Fallback>
+      </mc:AlternateContent>
+      <mc:AlternateContent xmlns:mc="http://schemas.openxmlformats.org/markup-compatibility/2006">
+        <mc:Choice xmlns:a14="http://schemas.microsoft.com/office/drawing/2010/main" Requires="a14">
+          <p:sp>
+            <p:nvSpPr>
+              <p:cNvPr id="24" name="TextBox 23">
+                <a:extLst>
+                  <a:ext uri="{FF2B5EF4-FFF2-40B4-BE49-F238E27FC236}">
+                    <a16:creationId xmlns:a16="http://schemas.microsoft.com/office/drawing/2014/main" id="{63919D9D-3A33-4BFE-9245-4066EFBA1F7B}"/>
+                  </a:ext>
+                </a:extLst>
+              </p:cNvPr>
+              <p:cNvSpPr txBox="1"/>
+              <p:nvPr/>
+            </p:nvSpPr>
+            <p:spPr>
+              <a:xfrm rot="16200000">
+                <a:off x="6219477" y="4287503"/>
+                <a:ext cx="985334" cy="253980"/>
+              </a:xfrm>
+              <a:prstGeom prst="rect">
+                <a:avLst/>
+              </a:prstGeom>
+              <a:noFill/>
+            </p:spPr>
+            <p:txBody>
+              <a:bodyPr wrap="none" rtlCol="0">
+                <a:spAutoFit/>
+              </a:bodyPr>
+              <a:lstStyle/>
+              <a:p>
+                <a:pPr/>
+                <a14:m>
+                  <m:oMathPara xmlns:m="http://schemas.openxmlformats.org/officeDocument/2006/math">
+                    <m:oMathParaPr>
+                      <m:jc m:val="centerGroup"/>
+                    </m:oMathParaPr>
+                    <m:oMath xmlns:m="http://schemas.openxmlformats.org/officeDocument/2006/math">
+                      <m:r>
+                        <a:rPr lang="en-US" sz="1050" b="0" i="1" smtClean="0">
+                          <a:latin typeface="Cambria Math" panose="02040503050406030204" pitchFamily="18" charset="0"/>
+                        </a:rPr>
+                        <m:t>0.4071</m:t>
+                      </m:r>
+                      <m:r>
+                        <a:rPr lang="en-US" sz="1050" b="0" i="1" smtClean="0">
+                          <a:latin typeface="Cambria Math" panose="02040503050406030204" pitchFamily="18" charset="0"/>
+                        </a:rPr>
+                        <m:t> @ </m:t>
+                      </m:r>
+                      <m:sSub>
+                        <m:sSubPr>
+                          <m:ctrlPr>
+                            <a:rPr lang="en-US" sz="1050" b="0" i="1" smtClean="0">
+                              <a:latin typeface="Cambria Math" panose="02040503050406030204" pitchFamily="18" charset="0"/>
+                            </a:rPr>
+                          </m:ctrlPr>
+                        </m:sSubPr>
+                        <m:e>
+                          <m:r>
+                            <a:rPr lang="en-US" sz="1050" b="0" i="1" smtClean="0">
+                              <a:latin typeface="Cambria Math" panose="02040503050406030204" pitchFamily="18" charset="0"/>
+                            </a:rPr>
+                            <m:t>𝐾</m:t>
+                          </m:r>
+                        </m:e>
+                        <m:sub>
+                          <m:r>
+                            <a:rPr lang="en-US" sz="1050" b="0" i="1" smtClean="0">
+                              <a:latin typeface="Cambria Math" panose="02040503050406030204" pitchFamily="18" charset="0"/>
+                            </a:rPr>
+                            <m:t>2</m:t>
+                          </m:r>
+                        </m:sub>
+                      </m:sSub>
+                    </m:oMath>
+                  </m:oMathPara>
+                </a14:m>
+                <a:br>
+                  <a:rPr lang="en-US" sz="1050" b="0" dirty="0"/>
+                </a:br>
+                <a:endParaRPr lang="en-US" sz="1050" dirty="0"/>
+              </a:p>
+            </p:txBody>
+          </p:sp>
+        </mc:Choice>
+        <mc:Fallback>
+          <p:sp>
+            <p:nvSpPr>
+              <p:cNvPr id="24" name="TextBox 23">
+                <a:extLst>
+                  <a:ext uri="{FF2B5EF4-FFF2-40B4-BE49-F238E27FC236}">
+                    <a16:creationId xmlns:a16="http://schemas.microsoft.com/office/drawing/2014/main" id="{63919D9D-3A33-4BFE-9245-4066EFBA1F7B}"/>
+                  </a:ext>
+                </a:extLst>
+              </p:cNvPr>
+              <p:cNvSpPr txBox="1">
+                <a:spLocks noRot="1" noChangeAspect="1" noMove="1" noResize="1" noEditPoints="1" noAdjustHandles="1" noChangeArrowheads="1" noChangeShapeType="1" noTextEdit="1"/>
+              </p:cNvSpPr>
+              <p:nvPr/>
+            </p:nvSpPr>
+            <p:spPr>
+              <a:xfrm rot="16200000">
+                <a:off x="6219477" y="4287503"/>
+                <a:ext cx="985334" cy="253980"/>
+              </a:xfrm>
+              <a:prstGeom prst="rect">
+                <a:avLst/>
+              </a:prstGeom>
+              <a:blipFill>
+                <a:blip r:embed="rId13"/>
+                <a:stretch>
+                  <a:fillRect/>
+                </a:stretch>
+              </a:blipFill>
+            </p:spPr>
+            <p:txBody>
+              <a:bodyPr/>
+              <a:lstStyle/>
+              <a:p>
+                <a:r>
+                  <a:rPr lang="en-US">
+                    <a:noFill/>
+                  </a:rPr>
+                  <a:t> </a:t>
+                </a:r>
+              </a:p>
+            </p:txBody>
+          </p:sp>
+        </mc:Fallback>
+      </mc:AlternateContent>
+    </p:spTree>
+    <p:extLst>
+      <p:ext uri="{BB962C8B-B14F-4D97-AF65-F5344CB8AC3E}">
+        <p14:creationId xmlns:p14="http://schemas.microsoft.com/office/powerpoint/2010/main" val="2443709042"/>
+      </p:ext>
+    </p:extLst>
+  </p:cSld>
+  <p:clrMapOvr>
+    <a:masterClrMapping/>
+  </p:clrMapOvr>
+</p:sld>
+</file>
+
+<file path=ppt/slides/slide5.xml><?xml version="1.0" encoding="utf-8"?>
+<p:sld xmlns:a="http://schemas.openxmlformats.org/drawingml/2006/main" xmlns:r="http://schemas.openxmlformats.org/officeDocument/2006/relationships" xmlns:p="http://schemas.openxmlformats.org/presentationml/2006/main">
+  <p:cSld>
+    <p:spTree>
+      <p:nvGrpSpPr>
+        <p:cNvPr id="1" name=""/>
+        <p:cNvGrpSpPr/>
+        <p:nvPr/>
+      </p:nvGrpSpPr>
+      <p:grpSpPr>
+        <a:xfrm>
+          <a:off x="0" y="0"/>
+          <a:ext cx="0" cy="0"/>
+          <a:chOff x="0" y="0"/>
+          <a:chExt cx="0" cy="0"/>
+        </a:xfrm>
+      </p:grpSpPr>
+      <p:sp>
+        <p:nvSpPr>
+          <p:cNvPr id="2" name="Title 1">
+            <a:extLst>
+              <a:ext uri="{FF2B5EF4-FFF2-40B4-BE49-F238E27FC236}">
+                <a16:creationId xmlns:a16="http://schemas.microsoft.com/office/drawing/2014/main" id="{F3197238-EE93-44F0-B45C-7C4E27B0155C}"/>
+              </a:ext>
+            </a:extLst>
+          </p:cNvPr>
+          <p:cNvSpPr>
+            <a:spLocks noGrp="1"/>
+          </p:cNvSpPr>
+          <p:nvPr>
+            <p:ph type="title"/>
+          </p:nvPr>
+        </p:nvSpPr>
+        <p:spPr/>
+        <p:txBody>
+          <a:bodyPr/>
+          <a:lstStyle/>
+          <a:p>
+            <a:endParaRPr lang="en-US"/>
+          </a:p>
+        </p:txBody>
+      </p:sp>
+      <p:sp>
+        <p:nvSpPr>
+          <p:cNvPr id="3" name="Content Placeholder 2">
+            <a:extLst>
+              <a:ext uri="{FF2B5EF4-FFF2-40B4-BE49-F238E27FC236}">
+                <a16:creationId xmlns:a16="http://schemas.microsoft.com/office/drawing/2014/main" id="{7F879DD4-D5A9-429C-9FCB-5E222ED2B642}"/>
+              </a:ext>
+            </a:extLst>
+          </p:cNvPr>
+          <p:cNvSpPr>
+            <a:spLocks noGrp="1"/>
+          </p:cNvSpPr>
+          <p:nvPr>
+            <p:ph idx="1"/>
+          </p:nvPr>
+        </p:nvSpPr>
+        <p:spPr/>
+        <p:txBody>
+          <a:bodyPr/>
+          <a:lstStyle/>
+          <a:p>
+            <a:endParaRPr lang="en-US"/>
+          </a:p>
+        </p:txBody>
+      </p:sp>
+    </p:spTree>
+    <p:extLst>
+      <p:ext uri="{BB962C8B-B14F-4D97-AF65-F5344CB8AC3E}">
+        <p14:creationId xmlns:p14="http://schemas.microsoft.com/office/powerpoint/2010/main" val="141642367"/>
       </p:ext>
     </p:extLst>
   </p:cSld>
@@ -7111,4 +12755,299 @@
     </a:ext>
   </a:extLst>
 </a:theme>
+</file>
+
+<file path=ppt/theme/theme2.xml><?xml version="1.0" encoding="utf-8"?>
+<a:theme xmlns:a="http://schemas.openxmlformats.org/drawingml/2006/main" name="Office Theme">
+  <a:themeElements>
+    <a:clrScheme name="Office">
+      <a:dk1>
+        <a:sysClr val="windowText" lastClr="000000"/>
+      </a:dk1>
+      <a:lt1>
+        <a:sysClr val="window" lastClr="FFFFFF"/>
+      </a:lt1>
+      <a:dk2>
+        <a:srgbClr val="44546A"/>
+      </a:dk2>
+      <a:lt2>
+        <a:srgbClr val="E7E6E6"/>
+      </a:lt2>
+      <a:accent1>
+        <a:srgbClr val="4472C4"/>
+      </a:accent1>
+      <a:accent2>
+        <a:srgbClr val="ED7D31"/>
+      </a:accent2>
+      <a:accent3>
+        <a:srgbClr val="A5A5A5"/>
+      </a:accent3>
+      <a:accent4>
+        <a:srgbClr val="FFC000"/>
+      </a:accent4>
+      <a:accent5>
+        <a:srgbClr val="5B9BD5"/>
+      </a:accent5>
+      <a:accent6>
+        <a:srgbClr val="70AD47"/>
+      </a:accent6>
+      <a:hlink>
+        <a:srgbClr val="0563C1"/>
+      </a:hlink>
+      <a:folHlink>
+        <a:srgbClr val="954F72"/>
+      </a:folHlink>
+    </a:clrScheme>
+    <a:fontScheme name="Office">
+      <a:majorFont>
+        <a:latin typeface="Calibri Light" panose="020F0302020204030204"/>
+        <a:ea typeface=""/>
+        <a:cs typeface=""/>
+        <a:font script="Jpan" typeface="游ゴシック Light"/>
+        <a:font script="Hang" typeface="맑은 고딕"/>
+        <a:font script="Hans" typeface="等线 Light"/>
+        <a:font script="Hant" typeface="新細明體"/>
+        <a:font script="Arab" typeface="Times New Roman"/>
+        <a:font script="Hebr" typeface="Times New Roman"/>
+        <a:font script="Thai" typeface="Angsana New"/>
+        <a:font script="Ethi" typeface="Nyala"/>
+        <a:font script="Beng" typeface="Vrinda"/>
+        <a:font script="Gujr" typeface="Shruti"/>
+        <a:font script="Khmr" typeface="MoolBoran"/>
+        <a:font script="Knda" typeface="Tunga"/>
+        <a:font script="Guru" typeface="Raavi"/>
+        <a:font script="Cans" typeface="Euphemia"/>
+        <a:font script="Cher" typeface="Plantagenet Cherokee"/>
+        <a:font script="Yiii" typeface="Microsoft Yi Baiti"/>
+        <a:font script="Tibt" typeface="Microsoft Himalaya"/>
+        <a:font script="Thaa" typeface="MV Boli"/>
+        <a:font script="Deva" typeface="Mangal"/>
+        <a:font script="Telu" typeface="Gautami"/>
+        <a:font script="Taml" typeface="Latha"/>
+        <a:font script="Syrc" typeface="Estrangelo Edessa"/>
+        <a:font script="Orya" typeface="Kalinga"/>
+        <a:font script="Mlym" typeface="Kartika"/>
+        <a:font script="Laoo" typeface="DokChampa"/>
+        <a:font script="Sinh" typeface="Iskoola Pota"/>
+        <a:font script="Mong" typeface="Mongolian Baiti"/>
+        <a:font script="Viet" typeface="Times New Roman"/>
+        <a:font script="Uigh" typeface="Microsoft Uighur"/>
+        <a:font script="Geor" typeface="Sylfaen"/>
+        <a:font script="Armn" typeface="Arial"/>
+        <a:font script="Bugi" typeface="Leelawadee UI"/>
+        <a:font script="Bopo" typeface="Microsoft JhengHei"/>
+        <a:font script="Java" typeface="Javanese Text"/>
+        <a:font script="Lisu" typeface="Segoe UI"/>
+        <a:font script="Mymr" typeface="Myanmar Text"/>
+        <a:font script="Nkoo" typeface="Ebrima"/>
+        <a:font script="Olck" typeface="Nirmala UI"/>
+        <a:font script="Osma" typeface="Ebrima"/>
+        <a:font script="Phag" typeface="Phagspa"/>
+        <a:font script="Syrn" typeface="Estrangelo Edessa"/>
+        <a:font script="Syrj" typeface="Estrangelo Edessa"/>
+        <a:font script="Syre" typeface="Estrangelo Edessa"/>
+        <a:font script="Sora" typeface="Nirmala UI"/>
+        <a:font script="Tale" typeface="Microsoft Tai Le"/>
+        <a:font script="Talu" typeface="Microsoft New Tai Lue"/>
+        <a:font script="Tfng" typeface="Ebrima"/>
+      </a:majorFont>
+      <a:minorFont>
+        <a:latin typeface="Calibri" panose="020F0502020204030204"/>
+        <a:ea typeface=""/>
+        <a:cs typeface=""/>
+        <a:font script="Jpan" typeface="游ゴシック"/>
+        <a:font script="Hang" typeface="맑은 고딕"/>
+        <a:font script="Hans" typeface="等线"/>
+        <a:font script="Hant" typeface="新細明體"/>
+        <a:font script="Arab" typeface="Arial"/>
+        <a:font script="Hebr" typeface="Arial"/>
+        <a:font script="Thai" typeface="Cordia New"/>
+        <a:font script="Ethi" typeface="Nyala"/>
+        <a:font script="Beng" typeface="Vrinda"/>
+        <a:font script="Gujr" typeface="Shruti"/>
+        <a:font script="Khmr" typeface="DaunPenh"/>
+        <a:font script="Knda" typeface="Tunga"/>
+        <a:font script="Guru" typeface="Raavi"/>
+        <a:font script="Cans" typeface="Euphemia"/>
+        <a:font script="Cher" typeface="Plantagenet Cherokee"/>
+        <a:font script="Yiii" typeface="Microsoft Yi Baiti"/>
+        <a:font script="Tibt" typeface="Microsoft Himalaya"/>
+        <a:font script="Thaa" typeface="MV Boli"/>
+        <a:font script="Deva" typeface="Mangal"/>
+        <a:font script="Telu" typeface="Gautami"/>
+        <a:font script="Taml" typeface="Latha"/>
+        <a:font script="Syrc" typeface="Estrangelo Edessa"/>
+        <a:font script="Orya" typeface="Kalinga"/>
+        <a:font script="Mlym" typeface="Kartika"/>
+        <a:font script="Laoo" typeface="DokChampa"/>
+        <a:font script="Sinh" typeface="Iskoola Pota"/>
+        <a:font script="Mong" typeface="Mongolian Baiti"/>
+        <a:font script="Viet" typeface="Arial"/>
+        <a:font script="Uigh" typeface="Microsoft Uighur"/>
+        <a:font script="Geor" typeface="Sylfaen"/>
+        <a:font script="Armn" typeface="Arial"/>
+        <a:font script="Bugi" typeface="Leelawadee UI"/>
+        <a:font script="Bopo" typeface="Microsoft JhengHei"/>
+        <a:font script="Java" typeface="Javanese Text"/>
+        <a:font script="Lisu" typeface="Segoe UI"/>
+        <a:font script="Mymr" typeface="Myanmar Text"/>
+        <a:font script="Nkoo" typeface="Ebrima"/>
+        <a:font script="Olck" typeface="Nirmala UI"/>
+        <a:font script="Osma" typeface="Ebrima"/>
+        <a:font script="Phag" typeface="Phagspa"/>
+        <a:font script="Syrn" typeface="Estrangelo Edessa"/>
+        <a:font script="Syrj" typeface="Estrangelo Edessa"/>
+        <a:font script="Syre" typeface="Estrangelo Edessa"/>
+        <a:font script="Sora" typeface="Nirmala UI"/>
+        <a:font script="Tale" typeface="Microsoft Tai Le"/>
+        <a:font script="Talu" typeface="Microsoft New Tai Lue"/>
+        <a:font script="Tfng" typeface="Ebrima"/>
+      </a:minorFont>
+    </a:fontScheme>
+    <a:fmtScheme name="Office">
+      <a:fillStyleLst>
+        <a:solidFill>
+          <a:schemeClr val="phClr"/>
+        </a:solidFill>
+        <a:gradFill rotWithShape="1">
+          <a:gsLst>
+            <a:gs pos="0">
+              <a:schemeClr val="phClr">
+                <a:lumMod val="110000"/>
+                <a:satMod val="105000"/>
+                <a:tint val="67000"/>
+              </a:schemeClr>
+            </a:gs>
+            <a:gs pos="50000">
+              <a:schemeClr val="phClr">
+                <a:lumMod val="105000"/>
+                <a:satMod val="103000"/>
+                <a:tint val="73000"/>
+              </a:schemeClr>
+            </a:gs>
+            <a:gs pos="100000">
+              <a:schemeClr val="phClr">
+                <a:lumMod val="105000"/>
+                <a:satMod val="109000"/>
+                <a:tint val="81000"/>
+              </a:schemeClr>
+            </a:gs>
+          </a:gsLst>
+          <a:lin ang="5400000" scaled="0"/>
+        </a:gradFill>
+        <a:gradFill rotWithShape="1">
+          <a:gsLst>
+            <a:gs pos="0">
+              <a:schemeClr val="phClr">
+                <a:satMod val="103000"/>
+                <a:lumMod val="102000"/>
+                <a:tint val="94000"/>
+              </a:schemeClr>
+            </a:gs>
+            <a:gs pos="50000">
+              <a:schemeClr val="phClr">
+                <a:satMod val="110000"/>
+                <a:lumMod val="100000"/>
+                <a:shade val="100000"/>
+              </a:schemeClr>
+            </a:gs>
+            <a:gs pos="100000">
+              <a:schemeClr val="phClr">
+                <a:lumMod val="99000"/>
+                <a:satMod val="120000"/>
+                <a:shade val="78000"/>
+              </a:schemeClr>
+            </a:gs>
+          </a:gsLst>
+          <a:lin ang="5400000" scaled="0"/>
+        </a:gradFill>
+      </a:fillStyleLst>
+      <a:lnStyleLst>
+        <a:ln w="6350" cap="flat" cmpd="sng" algn="ctr">
+          <a:solidFill>
+            <a:schemeClr val="phClr"/>
+          </a:solidFill>
+          <a:prstDash val="solid"/>
+          <a:miter lim="800000"/>
+        </a:ln>
+        <a:ln w="12700" cap="flat" cmpd="sng" algn="ctr">
+          <a:solidFill>
+            <a:schemeClr val="phClr"/>
+          </a:solidFill>
+          <a:prstDash val="solid"/>
+          <a:miter lim="800000"/>
+        </a:ln>
+        <a:ln w="19050" cap="flat" cmpd="sng" algn="ctr">
+          <a:solidFill>
+            <a:schemeClr val="phClr"/>
+          </a:solidFill>
+          <a:prstDash val="solid"/>
+          <a:miter lim="800000"/>
+        </a:ln>
+      </a:lnStyleLst>
+      <a:effectStyleLst>
+        <a:effectStyle>
+          <a:effectLst/>
+        </a:effectStyle>
+        <a:effectStyle>
+          <a:effectLst/>
+        </a:effectStyle>
+        <a:effectStyle>
+          <a:effectLst>
+            <a:outerShdw blurRad="57150" dist="19050" dir="5400000" algn="ctr" rotWithShape="0">
+              <a:srgbClr val="000000">
+                <a:alpha val="63000"/>
+              </a:srgbClr>
+            </a:outerShdw>
+          </a:effectLst>
+        </a:effectStyle>
+      </a:effectStyleLst>
+      <a:bgFillStyleLst>
+        <a:solidFill>
+          <a:schemeClr val="phClr"/>
+        </a:solidFill>
+        <a:solidFill>
+          <a:schemeClr val="phClr">
+            <a:tint val="95000"/>
+            <a:satMod val="170000"/>
+          </a:schemeClr>
+        </a:solidFill>
+        <a:gradFill rotWithShape="1">
+          <a:gsLst>
+            <a:gs pos="0">
+              <a:schemeClr val="phClr">
+                <a:tint val="93000"/>
+                <a:satMod val="150000"/>
+                <a:shade val="98000"/>
+                <a:lumMod val="102000"/>
+              </a:schemeClr>
+            </a:gs>
+            <a:gs pos="50000">
+              <a:schemeClr val="phClr">
+                <a:tint val="98000"/>
+                <a:satMod val="130000"/>
+                <a:shade val="90000"/>
+                <a:lumMod val="103000"/>
+              </a:schemeClr>
+            </a:gs>
+            <a:gs pos="100000">
+              <a:schemeClr val="phClr">
+                <a:shade val="63000"/>
+                <a:satMod val="120000"/>
+              </a:schemeClr>
+            </a:gs>
+          </a:gsLst>
+          <a:lin ang="5400000" scaled="0"/>
+        </a:gradFill>
+      </a:bgFillStyleLst>
+    </a:fmtScheme>
+  </a:themeElements>
+  <a:objectDefaults/>
+  <a:extraClrSchemeLst/>
+  <a:extLst>
+    <a:ext uri="{05A4C25C-085E-4340-85A3-A5531E510DB2}">
+      <thm15:themeFamily xmlns:thm15="http://schemas.microsoft.com/office/thememl/2012/main" name="Office Theme" id="{62F939B6-93AF-4DB8-9C6B-D6C7DFDC589F}" vid="{4A3C46E8-61CC-4603-A589-7422A47A8E4A}"/>
+    </a:ext>
+  </a:extLst>
+</a:theme>
 </file>
--- a/doc/Figures.pptx
+++ b/doc/Figures.pptx
@@ -5,7 +5,7 @@
     <p:sldMasterId id="2147483648" r:id="rId1"/>
   </p:sldMasterIdLst>
   <p:notesMasterIdLst>
-    <p:notesMasterId r:id="rId7"/>
+    <p:notesMasterId r:id="rId11"/>
   </p:notesMasterIdLst>
   <p:sldIdLst>
     <p:sldId id="256" r:id="rId2"/>
@@ -13,6 +13,10 @@
     <p:sldId id="258" r:id="rId4"/>
     <p:sldId id="259" r:id="rId5"/>
     <p:sldId id="260" r:id="rId6"/>
+    <p:sldId id="261" r:id="rId7"/>
+    <p:sldId id="262" r:id="rId8"/>
+    <p:sldId id="263" r:id="rId9"/>
+    <p:sldId id="264" r:id="rId10"/>
   </p:sldIdLst>
   <p:sldSz cx="12192000" cy="6858000"/>
   <p:notesSz cx="6858000" cy="9144000"/>
@@ -358,7 +362,7 @@
           <a:p>
             <a:fld id="{1233D10B-F3FE-4E0C-9B7A-9069C71B15EC}" type="datetimeFigureOut">
               <a:rPr lang="en-US" smtClean="0"/>
-              <a:t>2021-04-05</a:t>
+              <a:t>2021-04-29</a:t>
             </a:fld>
             <a:endParaRPr lang="en-US"/>
           </a:p>
@@ -973,6 +977,354 @@
 </p:notes>
 </file>
 
+<file path=ppt/notesSlides/notesSlide5.xml><?xml version="1.0" encoding="utf-8"?>
+<p:notes xmlns:a="http://schemas.openxmlformats.org/drawingml/2006/main" xmlns:r="http://schemas.openxmlformats.org/officeDocument/2006/relationships" xmlns:p="http://schemas.openxmlformats.org/presentationml/2006/main">
+  <p:cSld>
+    <p:spTree>
+      <p:nvGrpSpPr>
+        <p:cNvPr id="1" name=""/>
+        <p:cNvGrpSpPr/>
+        <p:nvPr/>
+      </p:nvGrpSpPr>
+      <p:grpSpPr>
+        <a:xfrm>
+          <a:off x="0" y="0"/>
+          <a:ext cx="0" cy="0"/>
+          <a:chOff x="0" y="0"/>
+          <a:chExt cx="0" cy="0"/>
+        </a:xfrm>
+      </p:grpSpPr>
+      <p:sp>
+        <p:nvSpPr>
+          <p:cNvPr id="2" name="Slide Image Placeholder 1"/>
+          <p:cNvSpPr>
+            <a:spLocks noGrp="1" noRot="1" noChangeAspect="1"/>
+          </p:cNvSpPr>
+          <p:nvPr>
+            <p:ph type="sldImg"/>
+          </p:nvPr>
+        </p:nvSpPr>
+        <p:spPr/>
+      </p:sp>
+      <p:sp>
+        <p:nvSpPr>
+          <p:cNvPr id="3" name="Notes Placeholder 2"/>
+          <p:cNvSpPr>
+            <a:spLocks noGrp="1"/>
+          </p:cNvSpPr>
+          <p:nvPr>
+            <p:ph type="body" idx="1"/>
+          </p:nvPr>
+        </p:nvSpPr>
+        <p:spPr/>
+        <p:txBody>
+          <a:bodyPr/>
+          <a:lstStyle/>
+          <a:p>
+            <a:r>
+              <a:rPr lang="en-US" dirty="0"/>
+              <a:t>DataCase3 Without Loop Elimination</a:t>
+            </a:r>
+          </a:p>
+        </p:txBody>
+      </p:sp>
+      <p:sp>
+        <p:nvSpPr>
+          <p:cNvPr id="4" name="Slide Number Placeholder 3"/>
+          <p:cNvSpPr>
+            <a:spLocks noGrp="1"/>
+          </p:cNvSpPr>
+          <p:nvPr>
+            <p:ph type="sldNum" sz="quarter" idx="5"/>
+          </p:nvPr>
+        </p:nvSpPr>
+        <p:spPr/>
+        <p:txBody>
+          <a:bodyPr/>
+          <a:lstStyle/>
+          <a:p>
+            <a:fld id="{F11E8762-59C3-4912-91B1-B3577CF1EDFD}" type="slidenum">
+              <a:rPr lang="en-US" smtClean="0"/>
+              <a:t>6</a:t>
+            </a:fld>
+            <a:endParaRPr lang="en-US"/>
+          </a:p>
+        </p:txBody>
+      </p:sp>
+    </p:spTree>
+    <p:extLst>
+      <p:ext uri="{BB962C8B-B14F-4D97-AF65-F5344CB8AC3E}">
+        <p14:creationId xmlns:p14="http://schemas.microsoft.com/office/powerpoint/2010/main" val="1778502985"/>
+      </p:ext>
+    </p:extLst>
+  </p:cSld>
+  <p:clrMapOvr>
+    <a:masterClrMapping/>
+  </p:clrMapOvr>
+</p:notes>
+</file>
+
+<file path=ppt/notesSlides/notesSlide6.xml><?xml version="1.0" encoding="utf-8"?>
+<p:notes xmlns:a="http://schemas.openxmlformats.org/drawingml/2006/main" xmlns:r="http://schemas.openxmlformats.org/officeDocument/2006/relationships" xmlns:p="http://schemas.openxmlformats.org/presentationml/2006/main">
+  <p:cSld>
+    <p:spTree>
+      <p:nvGrpSpPr>
+        <p:cNvPr id="1" name=""/>
+        <p:cNvGrpSpPr/>
+        <p:nvPr/>
+      </p:nvGrpSpPr>
+      <p:grpSpPr>
+        <a:xfrm>
+          <a:off x="0" y="0"/>
+          <a:ext cx="0" cy="0"/>
+          <a:chOff x="0" y="0"/>
+          <a:chExt cx="0" cy="0"/>
+        </a:xfrm>
+      </p:grpSpPr>
+      <p:sp>
+        <p:nvSpPr>
+          <p:cNvPr id="2" name="Slide Image Placeholder 1"/>
+          <p:cNvSpPr>
+            <a:spLocks noGrp="1" noRot="1" noChangeAspect="1"/>
+          </p:cNvSpPr>
+          <p:nvPr>
+            <p:ph type="sldImg"/>
+          </p:nvPr>
+        </p:nvSpPr>
+        <p:spPr/>
+      </p:sp>
+      <p:sp>
+        <p:nvSpPr>
+          <p:cNvPr id="3" name="Notes Placeholder 2"/>
+          <p:cNvSpPr>
+            <a:spLocks noGrp="1"/>
+          </p:cNvSpPr>
+          <p:nvPr>
+            <p:ph type="body" idx="1"/>
+          </p:nvPr>
+        </p:nvSpPr>
+        <p:spPr/>
+        <p:txBody>
+          <a:bodyPr/>
+          <a:lstStyle/>
+          <a:p>
+            <a:r>
+              <a:rPr lang="en-US" dirty="0"/>
+              <a:t>DataCase3 Without Loop Elimination</a:t>
+            </a:r>
+          </a:p>
+        </p:txBody>
+      </p:sp>
+      <p:sp>
+        <p:nvSpPr>
+          <p:cNvPr id="4" name="Slide Number Placeholder 3"/>
+          <p:cNvSpPr>
+            <a:spLocks noGrp="1"/>
+          </p:cNvSpPr>
+          <p:nvPr>
+            <p:ph type="sldNum" sz="quarter" idx="5"/>
+          </p:nvPr>
+        </p:nvSpPr>
+        <p:spPr/>
+        <p:txBody>
+          <a:bodyPr/>
+          <a:lstStyle/>
+          <a:p>
+            <a:fld id="{F11E8762-59C3-4912-91B1-B3577CF1EDFD}" type="slidenum">
+              <a:rPr lang="en-US" smtClean="0"/>
+              <a:t>7</a:t>
+            </a:fld>
+            <a:endParaRPr lang="en-US"/>
+          </a:p>
+        </p:txBody>
+      </p:sp>
+    </p:spTree>
+    <p:extLst>
+      <p:ext uri="{BB962C8B-B14F-4D97-AF65-F5344CB8AC3E}">
+        <p14:creationId xmlns:p14="http://schemas.microsoft.com/office/powerpoint/2010/main" val="3474208796"/>
+      </p:ext>
+    </p:extLst>
+  </p:cSld>
+  <p:clrMapOvr>
+    <a:masterClrMapping/>
+  </p:clrMapOvr>
+</p:notes>
+</file>
+
+<file path=ppt/notesSlides/notesSlide7.xml><?xml version="1.0" encoding="utf-8"?>
+<p:notes xmlns:a="http://schemas.openxmlformats.org/drawingml/2006/main" xmlns:r="http://schemas.openxmlformats.org/officeDocument/2006/relationships" xmlns:p="http://schemas.openxmlformats.org/presentationml/2006/main">
+  <p:cSld>
+    <p:spTree>
+      <p:nvGrpSpPr>
+        <p:cNvPr id="1" name=""/>
+        <p:cNvGrpSpPr/>
+        <p:nvPr/>
+      </p:nvGrpSpPr>
+      <p:grpSpPr>
+        <a:xfrm>
+          <a:off x="0" y="0"/>
+          <a:ext cx="0" cy="0"/>
+          <a:chOff x="0" y="0"/>
+          <a:chExt cx="0" cy="0"/>
+        </a:xfrm>
+      </p:grpSpPr>
+      <p:sp>
+        <p:nvSpPr>
+          <p:cNvPr id="2" name="Slide Image Placeholder 1"/>
+          <p:cNvSpPr>
+            <a:spLocks noGrp="1" noRot="1" noChangeAspect="1"/>
+          </p:cNvSpPr>
+          <p:nvPr>
+            <p:ph type="sldImg"/>
+          </p:nvPr>
+        </p:nvSpPr>
+        <p:spPr/>
+      </p:sp>
+      <p:sp>
+        <p:nvSpPr>
+          <p:cNvPr id="3" name="Notes Placeholder 2"/>
+          <p:cNvSpPr>
+            <a:spLocks noGrp="1"/>
+          </p:cNvSpPr>
+          <p:nvPr>
+            <p:ph type="body" idx="1"/>
+          </p:nvPr>
+        </p:nvSpPr>
+        <p:spPr/>
+        <p:txBody>
+          <a:bodyPr/>
+          <a:lstStyle/>
+          <a:p>
+            <a:r>
+              <a:rPr lang="en-US" dirty="0"/>
+              <a:t>DataCase3 Without Loop Elimination</a:t>
+            </a:r>
+          </a:p>
+        </p:txBody>
+      </p:sp>
+      <p:sp>
+        <p:nvSpPr>
+          <p:cNvPr id="4" name="Slide Number Placeholder 3"/>
+          <p:cNvSpPr>
+            <a:spLocks noGrp="1"/>
+          </p:cNvSpPr>
+          <p:nvPr>
+            <p:ph type="sldNum" sz="quarter" idx="5"/>
+          </p:nvPr>
+        </p:nvSpPr>
+        <p:spPr/>
+        <p:txBody>
+          <a:bodyPr/>
+          <a:lstStyle/>
+          <a:p>
+            <a:fld id="{F11E8762-59C3-4912-91B1-B3577CF1EDFD}" type="slidenum">
+              <a:rPr lang="en-US" smtClean="0"/>
+              <a:t>8</a:t>
+            </a:fld>
+            <a:endParaRPr lang="en-US"/>
+          </a:p>
+        </p:txBody>
+      </p:sp>
+    </p:spTree>
+    <p:extLst>
+      <p:ext uri="{BB962C8B-B14F-4D97-AF65-F5344CB8AC3E}">
+        <p14:creationId xmlns:p14="http://schemas.microsoft.com/office/powerpoint/2010/main" val="4120348509"/>
+      </p:ext>
+    </p:extLst>
+  </p:cSld>
+  <p:clrMapOvr>
+    <a:masterClrMapping/>
+  </p:clrMapOvr>
+</p:notes>
+</file>
+
+<file path=ppt/notesSlides/notesSlide8.xml><?xml version="1.0" encoding="utf-8"?>
+<p:notes xmlns:a="http://schemas.openxmlformats.org/drawingml/2006/main" xmlns:r="http://schemas.openxmlformats.org/officeDocument/2006/relationships" xmlns:p="http://schemas.openxmlformats.org/presentationml/2006/main">
+  <p:cSld>
+    <p:spTree>
+      <p:nvGrpSpPr>
+        <p:cNvPr id="1" name=""/>
+        <p:cNvGrpSpPr/>
+        <p:nvPr/>
+      </p:nvGrpSpPr>
+      <p:grpSpPr>
+        <a:xfrm>
+          <a:off x="0" y="0"/>
+          <a:ext cx="0" cy="0"/>
+          <a:chOff x="0" y="0"/>
+          <a:chExt cx="0" cy="0"/>
+        </a:xfrm>
+      </p:grpSpPr>
+      <p:sp>
+        <p:nvSpPr>
+          <p:cNvPr id="2" name="Slide Image Placeholder 1"/>
+          <p:cNvSpPr>
+            <a:spLocks noGrp="1" noRot="1" noChangeAspect="1"/>
+          </p:cNvSpPr>
+          <p:nvPr>
+            <p:ph type="sldImg"/>
+          </p:nvPr>
+        </p:nvSpPr>
+        <p:spPr/>
+      </p:sp>
+      <p:sp>
+        <p:nvSpPr>
+          <p:cNvPr id="3" name="Notes Placeholder 2"/>
+          <p:cNvSpPr>
+            <a:spLocks noGrp="1"/>
+          </p:cNvSpPr>
+          <p:nvPr>
+            <p:ph type="body" idx="1"/>
+          </p:nvPr>
+        </p:nvSpPr>
+        <p:spPr/>
+        <p:txBody>
+          <a:bodyPr/>
+          <a:lstStyle/>
+          <a:p>
+            <a:r>
+              <a:rPr lang="en-US" dirty="0"/>
+              <a:t>DataCase3 Without Loop Elimination</a:t>
+            </a:r>
+          </a:p>
+        </p:txBody>
+      </p:sp>
+      <p:sp>
+        <p:nvSpPr>
+          <p:cNvPr id="4" name="Slide Number Placeholder 3"/>
+          <p:cNvSpPr>
+            <a:spLocks noGrp="1"/>
+          </p:cNvSpPr>
+          <p:nvPr>
+            <p:ph type="sldNum" sz="quarter" idx="5"/>
+          </p:nvPr>
+        </p:nvSpPr>
+        <p:spPr/>
+        <p:txBody>
+          <a:bodyPr/>
+          <a:lstStyle/>
+          <a:p>
+            <a:fld id="{F11E8762-59C3-4912-91B1-B3577CF1EDFD}" type="slidenum">
+              <a:rPr lang="en-US" smtClean="0"/>
+              <a:t>9</a:t>
+            </a:fld>
+            <a:endParaRPr lang="en-US"/>
+          </a:p>
+        </p:txBody>
+      </p:sp>
+    </p:spTree>
+    <p:extLst>
+      <p:ext uri="{BB962C8B-B14F-4D97-AF65-F5344CB8AC3E}">
+        <p14:creationId xmlns:p14="http://schemas.microsoft.com/office/powerpoint/2010/main" val="2229335111"/>
+      </p:ext>
+    </p:extLst>
+  </p:cSld>
+  <p:clrMapOvr>
+    <a:masterClrMapping/>
+  </p:clrMapOvr>
+</p:notes>
+</file>
+
 <file path=ppt/slideLayouts/slideLayout1.xml><?xml version="1.0" encoding="utf-8"?>
 <p:sldLayout xmlns:a="http://schemas.openxmlformats.org/drawingml/2006/main" xmlns:r="http://schemas.openxmlformats.org/officeDocument/2006/relationships" xmlns:p="http://schemas.openxmlformats.org/presentationml/2006/main" type="title" preserve="1">
   <p:cSld name="Title Slide">
@@ -1120,7 +1472,7 @@
           <a:p>
             <a:fld id="{8CCD8CF1-7F43-463B-BBD7-E4019C14AE36}" type="datetimeFigureOut">
               <a:rPr lang="en-US" smtClean="0"/>
-              <a:t>2021-04-05</a:t>
+              <a:t>2021-04-29</a:t>
             </a:fld>
             <a:endParaRPr lang="en-US"/>
           </a:p>
@@ -1318,7 +1670,7 @@
           <a:p>
             <a:fld id="{8CCD8CF1-7F43-463B-BBD7-E4019C14AE36}" type="datetimeFigureOut">
               <a:rPr lang="en-US" smtClean="0"/>
-              <a:t>2021-04-05</a:t>
+              <a:t>2021-04-29</a:t>
             </a:fld>
             <a:endParaRPr lang="en-US"/>
           </a:p>
@@ -1526,7 +1878,7 @@
           <a:p>
             <a:fld id="{8CCD8CF1-7F43-463B-BBD7-E4019C14AE36}" type="datetimeFigureOut">
               <a:rPr lang="en-US" smtClean="0"/>
-              <a:t>2021-04-05</a:t>
+              <a:t>2021-04-29</a:t>
             </a:fld>
             <a:endParaRPr lang="en-US"/>
           </a:p>
@@ -1724,7 +2076,7 @@
           <a:p>
             <a:fld id="{8CCD8CF1-7F43-463B-BBD7-E4019C14AE36}" type="datetimeFigureOut">
               <a:rPr lang="en-US" smtClean="0"/>
-              <a:t>2021-04-05</a:t>
+              <a:t>2021-04-29</a:t>
             </a:fld>
             <a:endParaRPr lang="en-US"/>
           </a:p>
@@ -1999,7 +2351,7 @@
           <a:p>
             <a:fld id="{8CCD8CF1-7F43-463B-BBD7-E4019C14AE36}" type="datetimeFigureOut">
               <a:rPr lang="en-US" smtClean="0"/>
-              <a:t>2021-04-05</a:t>
+              <a:t>2021-04-29</a:t>
             </a:fld>
             <a:endParaRPr lang="en-US"/>
           </a:p>
@@ -2264,7 +2616,7 @@
           <a:p>
             <a:fld id="{8CCD8CF1-7F43-463B-BBD7-E4019C14AE36}" type="datetimeFigureOut">
               <a:rPr lang="en-US" smtClean="0"/>
-              <a:t>2021-04-05</a:t>
+              <a:t>2021-04-29</a:t>
             </a:fld>
             <a:endParaRPr lang="en-US"/>
           </a:p>
@@ -2676,7 +3028,7 @@
           <a:p>
             <a:fld id="{8CCD8CF1-7F43-463B-BBD7-E4019C14AE36}" type="datetimeFigureOut">
               <a:rPr lang="en-US" smtClean="0"/>
-              <a:t>2021-04-05</a:t>
+              <a:t>2021-04-29</a:t>
             </a:fld>
             <a:endParaRPr lang="en-US"/>
           </a:p>
@@ -2817,7 +3169,7 @@
           <a:p>
             <a:fld id="{8CCD8CF1-7F43-463B-BBD7-E4019C14AE36}" type="datetimeFigureOut">
               <a:rPr lang="en-US" smtClean="0"/>
-              <a:t>2021-04-05</a:t>
+              <a:t>2021-04-29</a:t>
             </a:fld>
             <a:endParaRPr lang="en-US"/>
           </a:p>
@@ -2930,7 +3282,7 @@
           <a:p>
             <a:fld id="{8CCD8CF1-7F43-463B-BBD7-E4019C14AE36}" type="datetimeFigureOut">
               <a:rPr lang="en-US" smtClean="0"/>
-              <a:t>2021-04-05</a:t>
+              <a:t>2021-04-29</a:t>
             </a:fld>
             <a:endParaRPr lang="en-US"/>
           </a:p>
@@ -3241,7 +3593,7 @@
           <a:p>
             <a:fld id="{8CCD8CF1-7F43-463B-BBD7-E4019C14AE36}" type="datetimeFigureOut">
               <a:rPr lang="en-US" smtClean="0"/>
-              <a:t>2021-04-05</a:t>
+              <a:t>2021-04-29</a:t>
             </a:fld>
             <a:endParaRPr lang="en-US"/>
           </a:p>
@@ -3529,7 +3881,7 @@
           <a:p>
             <a:fld id="{8CCD8CF1-7F43-463B-BBD7-E4019C14AE36}" type="datetimeFigureOut">
               <a:rPr lang="en-US" smtClean="0"/>
-              <a:t>2021-04-05</a:t>
+              <a:t>2021-04-29</a:t>
             </a:fld>
             <a:endParaRPr lang="en-US"/>
           </a:p>
@@ -3770,7 +4122,7 @@
           <a:p>
             <a:fld id="{8CCD8CF1-7F43-463B-BBD7-E4019C14AE36}" type="datetimeFigureOut">
               <a:rPr lang="en-US" smtClean="0"/>
-              <a:t>2021-04-05</a:t>
+              <a:t>2021-04-29</a:t>
             </a:fld>
             <a:endParaRPr lang="en-US"/>
           </a:p>
@@ -7539,8 +7891,8 @@
           <a:chExt cx="0" cy="0"/>
         </a:xfrm>
       </p:grpSpPr>
-      <mc:AlternateContent xmlns:mc="http://schemas.openxmlformats.org/markup-compatibility/2006">
-        <mc:Choice xmlns:a14="http://schemas.microsoft.com/office/drawing/2010/main" Requires="a14">
+      <mc:AlternateContent xmlns:mc="http://schemas.openxmlformats.org/markup-compatibility/2006" xmlns:a14="http://schemas.microsoft.com/office/drawing/2010/main">
+        <mc:Choice Requires="a14">
           <p:sp>
             <p:nvSpPr>
               <p:cNvPr id="12" name="TextBox 11">
@@ -7609,7 +7961,7 @@
             </p:txBody>
           </p:sp>
         </mc:Choice>
-        <mc:Fallback>
+        <mc:Fallback xmlns="">
           <p:sp>
             <p:nvSpPr>
               <p:cNvPr id="12" name="TextBox 11">
@@ -7654,8 +8006,8 @@
           </p:sp>
         </mc:Fallback>
       </mc:AlternateContent>
-      <mc:AlternateContent xmlns:mc="http://schemas.openxmlformats.org/markup-compatibility/2006">
-        <mc:Choice xmlns:a14="http://schemas.microsoft.com/office/drawing/2010/main" Requires="a14">
+      <mc:AlternateContent xmlns:mc="http://schemas.openxmlformats.org/markup-compatibility/2006" xmlns:a14="http://schemas.microsoft.com/office/drawing/2010/main">
+        <mc:Choice Requires="a14">
           <p:sp>
             <p:nvSpPr>
               <p:cNvPr id="10" name="Rectangle 9">
@@ -7985,7 +8337,7 @@
             </p:txBody>
           </p:sp>
         </mc:Choice>
-        <mc:Fallback>
+        <mc:Fallback xmlns="">
           <p:sp>
             <p:nvSpPr>
               <p:cNvPr id="10" name="Rectangle 9">
@@ -8554,8 +8906,8 @@
           </a:fontRef>
         </p:style>
       </p:cxnSp>
-      <mc:AlternateContent xmlns:mc="http://schemas.openxmlformats.org/markup-compatibility/2006">
-        <mc:Choice xmlns:a14="http://schemas.microsoft.com/office/drawing/2010/main" Requires="a14">
+      <mc:AlternateContent xmlns:mc="http://schemas.openxmlformats.org/markup-compatibility/2006" xmlns:a14="http://schemas.microsoft.com/office/drawing/2010/main">
+        <mc:Choice Requires="a14">
           <p:sp>
             <p:nvSpPr>
               <p:cNvPr id="64" name="TextBox 63">
@@ -8624,7 +8976,7 @@
             </p:txBody>
           </p:sp>
         </mc:Choice>
-        <mc:Fallback>
+        <mc:Fallback xmlns="">
           <p:sp>
             <p:nvSpPr>
               <p:cNvPr id="64" name="TextBox 63">
@@ -8669,8 +9021,8 @@
           </p:sp>
         </mc:Fallback>
       </mc:AlternateContent>
-      <mc:AlternateContent xmlns:mc="http://schemas.openxmlformats.org/markup-compatibility/2006">
-        <mc:Choice xmlns:a14="http://schemas.microsoft.com/office/drawing/2010/main" Requires="a14">
+      <mc:AlternateContent xmlns:mc="http://schemas.openxmlformats.org/markup-compatibility/2006" xmlns:a14="http://schemas.microsoft.com/office/drawing/2010/main">
+        <mc:Choice Requires="a14">
           <p:sp>
             <p:nvSpPr>
               <p:cNvPr id="65" name="Rectangle 64">
@@ -9000,7 +9352,7 @@
             </p:txBody>
           </p:sp>
         </mc:Choice>
-        <mc:Fallback>
+        <mc:Fallback xmlns="">
           <p:sp>
             <p:nvSpPr>
               <p:cNvPr id="65" name="Rectangle 64">
@@ -9050,8 +9402,8 @@
           </p:sp>
         </mc:Fallback>
       </mc:AlternateContent>
-      <mc:AlternateContent xmlns:mc="http://schemas.openxmlformats.org/markup-compatibility/2006">
-        <mc:Choice xmlns:a14="http://schemas.microsoft.com/office/drawing/2010/main" Requires="a14">
+      <mc:AlternateContent xmlns:mc="http://schemas.openxmlformats.org/markup-compatibility/2006" xmlns:a14="http://schemas.microsoft.com/office/drawing/2010/main">
+        <mc:Choice Requires="a14">
           <p:sp>
             <p:nvSpPr>
               <p:cNvPr id="17" name="TextBox 16">
@@ -9126,7 +9478,7 @@
             </p:txBody>
           </p:sp>
         </mc:Choice>
-        <mc:Fallback>
+        <mc:Fallback xmlns="">
           <p:sp>
             <p:nvSpPr>
               <p:cNvPr id="17" name="TextBox 16">
@@ -9171,8 +9523,8 @@
           </p:sp>
         </mc:Fallback>
       </mc:AlternateContent>
-      <mc:AlternateContent xmlns:mc="http://schemas.openxmlformats.org/markup-compatibility/2006">
-        <mc:Choice xmlns:a14="http://schemas.microsoft.com/office/drawing/2010/main" Requires="a14">
+      <mc:AlternateContent xmlns:mc="http://schemas.openxmlformats.org/markup-compatibility/2006" xmlns:a14="http://schemas.microsoft.com/office/drawing/2010/main">
+        <mc:Choice Requires="a14">
           <p:sp>
             <p:nvSpPr>
               <p:cNvPr id="18" name="TextBox 17">
@@ -9250,7 +9602,7 @@
             </p:txBody>
           </p:sp>
         </mc:Choice>
-        <mc:Fallback>
+        <mc:Fallback xmlns="">
           <p:sp>
             <p:nvSpPr>
               <p:cNvPr id="18" name="TextBox 17">
@@ -9295,8 +9647,8 @@
           </p:sp>
         </mc:Fallback>
       </mc:AlternateContent>
-      <mc:AlternateContent xmlns:mc="http://schemas.openxmlformats.org/markup-compatibility/2006">
-        <mc:Choice xmlns:a14="http://schemas.microsoft.com/office/drawing/2010/main" Requires="a14">
+      <mc:AlternateContent xmlns:mc="http://schemas.openxmlformats.org/markup-compatibility/2006" xmlns:a14="http://schemas.microsoft.com/office/drawing/2010/main">
+        <mc:Choice Requires="a14">
           <p:sp>
             <p:nvSpPr>
               <p:cNvPr id="19" name="TextBox 18">
@@ -9342,13 +9694,7 @@
                         <a:rPr lang="en-US" sz="1050" b="0" i="1" smtClean="0">
                           <a:latin typeface="Cambria Math" panose="02040503050406030204" pitchFamily="18" charset="0"/>
                         </a:rPr>
-                        <m:t>.5134</m:t>
-                      </m:r>
-                      <m:r>
-                        <a:rPr lang="en-US" sz="1050" b="0" i="1" smtClean="0">
-                          <a:latin typeface="Cambria Math" panose="02040503050406030204" pitchFamily="18" charset="0"/>
-                        </a:rPr>
-                        <m:t> @ </m:t>
+                        <m:t>.5134 @ </m:t>
                       </m:r>
                       <m:sSub>
                         <m:sSubPr>
@@ -9386,7 +9732,7 @@
             </p:txBody>
           </p:sp>
         </mc:Choice>
-        <mc:Fallback>
+        <mc:Fallback xmlns="">
           <p:sp>
             <p:nvSpPr>
               <p:cNvPr id="19" name="TextBox 18">
@@ -9431,8 +9777,8 @@
           </p:sp>
         </mc:Fallback>
       </mc:AlternateContent>
-      <mc:AlternateContent xmlns:mc="http://schemas.openxmlformats.org/markup-compatibility/2006">
-        <mc:Choice xmlns:a14="http://schemas.microsoft.com/office/drawing/2010/main" Requires="a14">
+      <mc:AlternateContent xmlns:mc="http://schemas.openxmlformats.org/markup-compatibility/2006" xmlns:a14="http://schemas.microsoft.com/office/drawing/2010/main">
+        <mc:Choice Requires="a14">
           <p:sp>
             <p:nvSpPr>
               <p:cNvPr id="21" name="TextBox 20">
@@ -9478,13 +9824,7 @@
                         <a:rPr lang="en-US" sz="1050" b="0" i="1" smtClean="0">
                           <a:latin typeface="Cambria Math" panose="02040503050406030204" pitchFamily="18" charset="0"/>
                         </a:rPr>
-                        <m:t>.0950</m:t>
-                      </m:r>
-                      <m:r>
-                        <a:rPr lang="en-US" sz="1050" b="0" i="1" smtClean="0">
-                          <a:latin typeface="Cambria Math" panose="02040503050406030204" pitchFamily="18" charset="0"/>
-                        </a:rPr>
-                        <m:t> @ </m:t>
+                        <m:t>.0950 @ </m:t>
                       </m:r>
                       <m:sSub>
                         <m:sSubPr>
@@ -9522,7 +9862,7 @@
             </p:txBody>
           </p:sp>
         </mc:Choice>
-        <mc:Fallback>
+        <mc:Fallback xmlns="">
           <p:sp>
             <p:nvSpPr>
               <p:cNvPr id="21" name="TextBox 20">
@@ -9567,8 +9907,8 @@
           </p:sp>
         </mc:Fallback>
       </mc:AlternateContent>
-      <mc:AlternateContent xmlns:mc="http://schemas.openxmlformats.org/markup-compatibility/2006">
-        <mc:Choice xmlns:a14="http://schemas.microsoft.com/office/drawing/2010/main" Requires="a14">
+      <mc:AlternateContent xmlns:mc="http://schemas.openxmlformats.org/markup-compatibility/2006" xmlns:a14="http://schemas.microsoft.com/office/drawing/2010/main">
+        <mc:Choice Requires="a14">
           <p:sp>
             <p:nvSpPr>
               <p:cNvPr id="22" name="TextBox 21">
@@ -9614,13 +9954,7 @@
                         <a:rPr lang="en-US" sz="1050" b="0" i="1" smtClean="0">
                           <a:latin typeface="Cambria Math" panose="02040503050406030204" pitchFamily="18" charset="0"/>
                         </a:rPr>
-                        <m:t>.6497</m:t>
-                      </m:r>
-                      <m:r>
-                        <a:rPr lang="en-US" sz="1050" b="0" i="1" smtClean="0">
-                          <a:latin typeface="Cambria Math" panose="02040503050406030204" pitchFamily="18" charset="0"/>
-                        </a:rPr>
-                        <m:t> @ </m:t>
+                        <m:t>.6497 @ </m:t>
                       </m:r>
                       <m:sSub>
                         <m:sSubPr>
@@ -9658,7 +9992,7 @@
             </p:txBody>
           </p:sp>
         </mc:Choice>
-        <mc:Fallback>
+        <mc:Fallback xmlns="">
           <p:sp>
             <p:nvSpPr>
               <p:cNvPr id="22" name="TextBox 21">
@@ -9703,8 +10037,8 @@
           </p:sp>
         </mc:Fallback>
       </mc:AlternateContent>
-      <mc:AlternateContent xmlns:mc="http://schemas.openxmlformats.org/markup-compatibility/2006">
-        <mc:Choice xmlns:a14="http://schemas.microsoft.com/office/drawing/2010/main" Requires="a14">
+      <mc:AlternateContent xmlns:mc="http://schemas.openxmlformats.org/markup-compatibility/2006" xmlns:a14="http://schemas.microsoft.com/office/drawing/2010/main">
+        <mc:Choice Requires="a14">
           <p:sp>
             <p:nvSpPr>
               <p:cNvPr id="23" name="TextBox 22">
@@ -9750,13 +10084,7 @@
                         <a:rPr lang="en-US" sz="1050" b="0" i="1" smtClean="0">
                           <a:latin typeface="Cambria Math" panose="02040503050406030204" pitchFamily="18" charset="0"/>
                         </a:rPr>
-                        <m:t>.6377</m:t>
-                      </m:r>
-                      <m:r>
-                        <a:rPr lang="en-US" sz="1050" b="0" i="1" smtClean="0">
-                          <a:latin typeface="Cambria Math" panose="02040503050406030204" pitchFamily="18" charset="0"/>
-                        </a:rPr>
-                        <m:t> @ </m:t>
+                        <m:t>.6377 @ </m:t>
                       </m:r>
                       <m:sSub>
                         <m:sSubPr>
@@ -9794,7 +10122,7 @@
             </p:txBody>
           </p:sp>
         </mc:Choice>
-        <mc:Fallback>
+        <mc:Fallback xmlns="">
           <p:sp>
             <p:nvSpPr>
               <p:cNvPr id="23" name="TextBox 22">
@@ -9869,8 +10197,8 @@
           <a:chExt cx="0" cy="0"/>
         </a:xfrm>
       </p:grpSpPr>
-      <mc:AlternateContent xmlns:mc="http://schemas.openxmlformats.org/markup-compatibility/2006">
-        <mc:Choice xmlns:a14="http://schemas.microsoft.com/office/drawing/2010/main" Requires="a14">
+      <mc:AlternateContent xmlns:mc="http://schemas.openxmlformats.org/markup-compatibility/2006" xmlns:a14="http://schemas.microsoft.com/office/drawing/2010/main">
+        <mc:Choice Requires="a14">
           <p:sp>
             <p:nvSpPr>
               <p:cNvPr id="12" name="TextBox 11">
@@ -9939,7 +10267,7 @@
             </p:txBody>
           </p:sp>
         </mc:Choice>
-        <mc:Fallback>
+        <mc:Fallback xmlns="">
           <p:sp>
             <p:nvSpPr>
               <p:cNvPr id="12" name="TextBox 11">
@@ -9984,8 +10312,8 @@
           </p:sp>
         </mc:Fallback>
       </mc:AlternateContent>
-      <mc:AlternateContent xmlns:mc="http://schemas.openxmlformats.org/markup-compatibility/2006">
-        <mc:Choice xmlns:a14="http://schemas.microsoft.com/office/drawing/2010/main" Requires="a14">
+      <mc:AlternateContent xmlns:mc="http://schemas.openxmlformats.org/markup-compatibility/2006" xmlns:a14="http://schemas.microsoft.com/office/drawing/2010/main">
+        <mc:Choice Requires="a14">
           <p:sp>
             <p:nvSpPr>
               <p:cNvPr id="10" name="Rectangle 9">
@@ -10315,7 +10643,7 @@
             </p:txBody>
           </p:sp>
         </mc:Choice>
-        <mc:Fallback>
+        <mc:Fallback xmlns="">
           <p:sp>
             <p:nvSpPr>
               <p:cNvPr id="10" name="Rectangle 9">
@@ -10927,8 +11255,8 @@
           </a:fontRef>
         </p:style>
       </p:cxnSp>
-      <mc:AlternateContent xmlns:mc="http://schemas.openxmlformats.org/markup-compatibility/2006">
-        <mc:Choice xmlns:a14="http://schemas.microsoft.com/office/drawing/2010/main" Requires="a14">
+      <mc:AlternateContent xmlns:mc="http://schemas.openxmlformats.org/markup-compatibility/2006" xmlns:a14="http://schemas.microsoft.com/office/drawing/2010/main">
+        <mc:Choice Requires="a14">
           <p:sp>
             <p:nvSpPr>
               <p:cNvPr id="64" name="TextBox 63">
@@ -10997,7 +11325,7 @@
             </p:txBody>
           </p:sp>
         </mc:Choice>
-        <mc:Fallback>
+        <mc:Fallback xmlns="">
           <p:sp>
             <p:nvSpPr>
               <p:cNvPr id="64" name="TextBox 63">
@@ -11042,8 +11370,8 @@
           </p:sp>
         </mc:Fallback>
       </mc:AlternateContent>
-      <mc:AlternateContent xmlns:mc="http://schemas.openxmlformats.org/markup-compatibility/2006">
-        <mc:Choice xmlns:a14="http://schemas.microsoft.com/office/drawing/2010/main" Requires="a14">
+      <mc:AlternateContent xmlns:mc="http://schemas.openxmlformats.org/markup-compatibility/2006" xmlns:a14="http://schemas.microsoft.com/office/drawing/2010/main">
+        <mc:Choice Requires="a14">
           <p:sp>
             <p:nvSpPr>
               <p:cNvPr id="65" name="Rectangle 64">
@@ -11373,7 +11701,7 @@
             </p:txBody>
           </p:sp>
         </mc:Choice>
-        <mc:Fallback>
+        <mc:Fallback xmlns="">
           <p:sp>
             <p:nvSpPr>
               <p:cNvPr id="65" name="Rectangle 64">
@@ -11423,8 +11751,8 @@
           </p:sp>
         </mc:Fallback>
       </mc:AlternateContent>
-      <mc:AlternateContent xmlns:mc="http://schemas.openxmlformats.org/markup-compatibility/2006">
-        <mc:Choice xmlns:a14="http://schemas.microsoft.com/office/drawing/2010/main" Requires="a14">
+      <mc:AlternateContent xmlns:mc="http://schemas.openxmlformats.org/markup-compatibility/2006" xmlns:a14="http://schemas.microsoft.com/office/drawing/2010/main">
+        <mc:Choice Requires="a14">
           <p:sp>
             <p:nvSpPr>
               <p:cNvPr id="17" name="TextBox 16">
@@ -11499,7 +11827,7 @@
             </p:txBody>
           </p:sp>
         </mc:Choice>
-        <mc:Fallback>
+        <mc:Fallback xmlns="">
           <p:sp>
             <p:nvSpPr>
               <p:cNvPr id="17" name="TextBox 16">
@@ -11544,8 +11872,8 @@
           </p:sp>
         </mc:Fallback>
       </mc:AlternateContent>
-      <mc:AlternateContent xmlns:mc="http://schemas.openxmlformats.org/markup-compatibility/2006">
-        <mc:Choice xmlns:a14="http://schemas.microsoft.com/office/drawing/2010/main" Requires="a14">
+      <mc:AlternateContent xmlns:mc="http://schemas.openxmlformats.org/markup-compatibility/2006" xmlns:a14="http://schemas.microsoft.com/office/drawing/2010/main">
+        <mc:Choice Requires="a14">
           <p:sp>
             <p:nvSpPr>
               <p:cNvPr id="18" name="TextBox 17">
@@ -11623,7 +11951,7 @@
             </p:txBody>
           </p:sp>
         </mc:Choice>
-        <mc:Fallback>
+        <mc:Fallback xmlns="">
           <p:sp>
             <p:nvSpPr>
               <p:cNvPr id="18" name="TextBox 17">
@@ -11668,8 +11996,8 @@
           </p:sp>
         </mc:Fallback>
       </mc:AlternateContent>
-      <mc:AlternateContent xmlns:mc="http://schemas.openxmlformats.org/markup-compatibility/2006">
-        <mc:Choice xmlns:a14="http://schemas.microsoft.com/office/drawing/2010/main" Requires="a14">
+      <mc:AlternateContent xmlns:mc="http://schemas.openxmlformats.org/markup-compatibility/2006" xmlns:a14="http://schemas.microsoft.com/office/drawing/2010/main">
+        <mc:Choice Requires="a14">
           <p:sp>
             <p:nvSpPr>
               <p:cNvPr id="19" name="TextBox 18">
@@ -11715,13 +12043,7 @@
                         <a:rPr lang="en-US" sz="1050" b="0" i="1" smtClean="0">
                           <a:latin typeface="Cambria Math" panose="02040503050406030204" pitchFamily="18" charset="0"/>
                         </a:rPr>
-                        <m:t>.5042</m:t>
-                      </m:r>
-                      <m:r>
-                        <a:rPr lang="en-US" sz="1050" b="0" i="1" smtClean="0">
-                          <a:latin typeface="Cambria Math" panose="02040503050406030204" pitchFamily="18" charset="0"/>
-                        </a:rPr>
-                        <m:t> @ </m:t>
+                        <m:t>.5042 @ </m:t>
                       </m:r>
                       <m:sSub>
                         <m:sSubPr>
@@ -11759,7 +12081,7 @@
             </p:txBody>
           </p:sp>
         </mc:Choice>
-        <mc:Fallback>
+        <mc:Fallback xmlns="">
           <p:sp>
             <p:nvSpPr>
               <p:cNvPr id="19" name="TextBox 18">
@@ -11804,8 +12126,8 @@
           </p:sp>
         </mc:Fallback>
       </mc:AlternateContent>
-      <mc:AlternateContent xmlns:mc="http://schemas.openxmlformats.org/markup-compatibility/2006">
-        <mc:Choice xmlns:a14="http://schemas.microsoft.com/office/drawing/2010/main" Requires="a14">
+      <mc:AlternateContent xmlns:mc="http://schemas.openxmlformats.org/markup-compatibility/2006" xmlns:a14="http://schemas.microsoft.com/office/drawing/2010/main">
+        <mc:Choice Requires="a14">
           <p:sp>
             <p:nvSpPr>
               <p:cNvPr id="21" name="TextBox 20">
@@ -11851,13 +12173,7 @@
                         <a:rPr lang="en-US" sz="1050" b="0" i="1" smtClean="0">
                           <a:latin typeface="Cambria Math" panose="02040503050406030204" pitchFamily="18" charset="0"/>
                         </a:rPr>
-                        <m:t>.1360</m:t>
-                      </m:r>
-                      <m:r>
-                        <a:rPr lang="en-US" sz="1050" b="0" i="1" smtClean="0">
-                          <a:latin typeface="Cambria Math" panose="02040503050406030204" pitchFamily="18" charset="0"/>
-                        </a:rPr>
-                        <m:t> @ </m:t>
+                        <m:t>.1360 @ </m:t>
                       </m:r>
                       <m:sSub>
                         <m:sSubPr>
@@ -11928,7 +12244,7 @@
             </p:txBody>
           </p:sp>
         </mc:Choice>
-        <mc:Fallback>
+        <mc:Fallback xmlns="">
           <p:sp>
             <p:nvSpPr>
               <p:cNvPr id="21" name="TextBox 20">
@@ -11973,8 +12289,8 @@
           </p:sp>
         </mc:Fallback>
       </mc:AlternateContent>
-      <mc:AlternateContent xmlns:mc="http://schemas.openxmlformats.org/markup-compatibility/2006">
-        <mc:Choice xmlns:a14="http://schemas.microsoft.com/office/drawing/2010/main" Requires="a14">
+      <mc:AlternateContent xmlns:mc="http://schemas.openxmlformats.org/markup-compatibility/2006" xmlns:a14="http://schemas.microsoft.com/office/drawing/2010/main">
+        <mc:Choice Requires="a14">
           <p:sp>
             <p:nvSpPr>
               <p:cNvPr id="22" name="TextBox 21">
@@ -12014,13 +12330,7 @@
                         <a:rPr lang="en-US" sz="1050" b="0" i="1" smtClean="0">
                           <a:latin typeface="Cambria Math" panose="02040503050406030204" pitchFamily="18" charset="0"/>
                         </a:rPr>
-                        <m:t>0.9263</m:t>
-                      </m:r>
-                      <m:r>
-                        <a:rPr lang="en-US" sz="1050" b="0" i="1" smtClean="0">
-                          <a:latin typeface="Cambria Math" panose="02040503050406030204" pitchFamily="18" charset="0"/>
-                        </a:rPr>
-                        <m:t> @ </m:t>
+                        <m:t>0.9263 @ </m:t>
                       </m:r>
                       <m:sSub>
                         <m:sSubPr>
@@ -12058,7 +12368,7 @@
             </p:txBody>
           </p:sp>
         </mc:Choice>
-        <mc:Fallback>
+        <mc:Fallback xmlns="">
           <p:sp>
             <p:nvSpPr>
               <p:cNvPr id="22" name="TextBox 21">
@@ -12103,8 +12413,8 @@
           </p:sp>
         </mc:Fallback>
       </mc:AlternateContent>
-      <mc:AlternateContent xmlns:mc="http://schemas.openxmlformats.org/markup-compatibility/2006">
-        <mc:Choice xmlns:a14="http://schemas.microsoft.com/office/drawing/2010/main" Requires="a14">
+      <mc:AlternateContent xmlns:mc="http://schemas.openxmlformats.org/markup-compatibility/2006" xmlns:a14="http://schemas.microsoft.com/office/drawing/2010/main">
+        <mc:Choice Requires="a14">
           <p:sp>
             <p:nvSpPr>
               <p:cNvPr id="23" name="TextBox 22">
@@ -12150,13 +12460,7 @@
                         <a:rPr lang="en-US" sz="1050" b="0" i="1" smtClean="0">
                           <a:latin typeface="Cambria Math" panose="02040503050406030204" pitchFamily="18" charset="0"/>
                         </a:rPr>
-                        <m:t>.5414</m:t>
-                      </m:r>
-                      <m:r>
-                        <a:rPr lang="en-US" sz="1050" b="0" i="1" smtClean="0">
-                          <a:latin typeface="Cambria Math" panose="02040503050406030204" pitchFamily="18" charset="0"/>
-                        </a:rPr>
-                        <m:t> @ </m:t>
+                        <m:t>.5414 @ </m:t>
                       </m:r>
                       <m:sSub>
                         <m:sSubPr>
@@ -12194,7 +12498,7 @@
             </p:txBody>
           </p:sp>
         </mc:Choice>
-        <mc:Fallback>
+        <mc:Fallback xmlns="">
           <p:sp>
             <p:nvSpPr>
               <p:cNvPr id="23" name="TextBox 22">
@@ -12239,8 +12543,8 @@
           </p:sp>
         </mc:Fallback>
       </mc:AlternateContent>
-      <mc:AlternateContent xmlns:mc="http://schemas.openxmlformats.org/markup-compatibility/2006">
-        <mc:Choice xmlns:a14="http://schemas.microsoft.com/office/drawing/2010/main" Requires="a14">
+      <mc:AlternateContent xmlns:mc="http://schemas.openxmlformats.org/markup-compatibility/2006" xmlns:a14="http://schemas.microsoft.com/office/drawing/2010/main">
+        <mc:Choice Requires="a14">
           <p:sp>
             <p:nvSpPr>
               <p:cNvPr id="24" name="TextBox 23">
@@ -12280,13 +12584,7 @@
                         <a:rPr lang="en-US" sz="1050" b="0" i="1" smtClean="0">
                           <a:latin typeface="Cambria Math" panose="02040503050406030204" pitchFamily="18" charset="0"/>
                         </a:rPr>
-                        <m:t>0.4071</m:t>
-                      </m:r>
-                      <m:r>
-                        <a:rPr lang="en-US" sz="1050" b="0" i="1" smtClean="0">
-                          <a:latin typeface="Cambria Math" panose="02040503050406030204" pitchFamily="18" charset="0"/>
-                        </a:rPr>
-                        <m:t> @ </m:t>
+                        <m:t>0.4071 @ </m:t>
                       </m:r>
                       <m:sSub>
                         <m:sSubPr>
@@ -12324,7 +12622,7 @@
             </p:txBody>
           </p:sp>
         </mc:Choice>
-        <mc:Fallback>
+        <mc:Fallback xmlns="">
           <p:sp>
             <p:nvSpPr>
               <p:cNvPr id="24" name="TextBox 23">
@@ -12453,6 +12751,8947 @@
     <p:extLst>
       <p:ext uri="{BB962C8B-B14F-4D97-AF65-F5344CB8AC3E}">
         <p14:creationId xmlns:p14="http://schemas.microsoft.com/office/powerpoint/2010/main" val="141642367"/>
+      </p:ext>
+    </p:extLst>
+  </p:cSld>
+  <p:clrMapOvr>
+    <a:masterClrMapping/>
+  </p:clrMapOvr>
+</p:sld>
+</file>
+
+<file path=ppt/slides/slide6.xml><?xml version="1.0" encoding="utf-8"?>
+<p:sld xmlns:a="http://schemas.openxmlformats.org/drawingml/2006/main" xmlns:r="http://schemas.openxmlformats.org/officeDocument/2006/relationships" xmlns:p="http://schemas.openxmlformats.org/presentationml/2006/main">
+  <p:cSld>
+    <p:spTree>
+      <p:nvGrpSpPr>
+        <p:cNvPr id="1" name=""/>
+        <p:cNvGrpSpPr/>
+        <p:nvPr/>
+      </p:nvGrpSpPr>
+      <p:grpSpPr>
+        <a:xfrm>
+          <a:off x="0" y="0"/>
+          <a:ext cx="0" cy="0"/>
+          <a:chOff x="0" y="0"/>
+          <a:chExt cx="0" cy="0"/>
+        </a:xfrm>
+      </p:grpSpPr>
+      <mc:AlternateContent xmlns:mc="http://schemas.openxmlformats.org/markup-compatibility/2006" xmlns:a14="http://schemas.microsoft.com/office/drawing/2010/main">
+        <mc:Choice Requires="a14">
+          <p:sp>
+            <p:nvSpPr>
+              <p:cNvPr id="12" name="TextBox 11">
+                <a:extLst>
+                  <a:ext uri="{FF2B5EF4-FFF2-40B4-BE49-F238E27FC236}">
+                    <a16:creationId xmlns:a16="http://schemas.microsoft.com/office/drawing/2014/main" id="{A7791F1B-B7E1-4232-AAE9-02204F3A79BC}"/>
+                  </a:ext>
+                </a:extLst>
+              </p:cNvPr>
+              <p:cNvSpPr txBox="1"/>
+              <p:nvPr/>
+            </p:nvSpPr>
+            <p:spPr>
+              <a:xfrm>
+                <a:off x="1546743" y="1601122"/>
+                <a:ext cx="483016" cy="369332"/>
+              </a:xfrm>
+              <a:prstGeom prst="rect">
+                <a:avLst/>
+              </a:prstGeom>
+              <a:noFill/>
+            </p:spPr>
+            <p:txBody>
+              <a:bodyPr wrap="none" rtlCol="0">
+                <a:spAutoFit/>
+              </a:bodyPr>
+              <a:lstStyle/>
+              <a:p>
+                <a:pPr/>
+                <a14:m>
+                  <m:oMathPara xmlns:m="http://schemas.openxmlformats.org/officeDocument/2006/math">
+                    <m:oMathParaPr>
+                      <m:jc m:val="centerGroup"/>
+                    </m:oMathParaPr>
+                    <m:oMath xmlns:m="http://schemas.openxmlformats.org/officeDocument/2006/math">
+                      <m:sSub>
+                        <m:sSubPr>
+                          <m:ctrlPr>
+                            <a:rPr lang="en-US" b="0" i="1" smtClean="0">
+                              <a:latin typeface="Cambria Math" panose="02040503050406030204" pitchFamily="18" charset="0"/>
+                            </a:rPr>
+                          </m:ctrlPr>
+                        </m:sSubPr>
+                        <m:e>
+                          <m:r>
+                            <a:rPr lang="en-US" b="0" i="1" smtClean="0">
+                              <a:latin typeface="Cambria Math" panose="02040503050406030204" pitchFamily="18" charset="0"/>
+                            </a:rPr>
+                            <m:t>𝐾</m:t>
+                          </m:r>
+                        </m:e>
+                        <m:sub>
+                          <m:r>
+                            <a:rPr lang="en-US" b="0" i="1" smtClean="0">
+                              <a:latin typeface="Cambria Math" panose="02040503050406030204" pitchFamily="18" charset="0"/>
+                            </a:rPr>
+                            <m:t>1</m:t>
+                          </m:r>
+                        </m:sub>
+                      </m:sSub>
+                    </m:oMath>
+                  </m:oMathPara>
+                </a14:m>
+                <a:endParaRPr lang="en-US" dirty="0"/>
+              </a:p>
+            </p:txBody>
+          </p:sp>
+        </mc:Choice>
+        <mc:Fallback xmlns="">
+          <p:sp>
+            <p:nvSpPr>
+              <p:cNvPr id="12" name="TextBox 11">
+                <a:extLst>
+                  <a:ext uri="{FF2B5EF4-FFF2-40B4-BE49-F238E27FC236}">
+                    <a16:creationId xmlns:a16="http://schemas.microsoft.com/office/drawing/2014/main" id="{A7791F1B-B7E1-4232-AAE9-02204F3A79BC}"/>
+                  </a:ext>
+                </a:extLst>
+              </p:cNvPr>
+              <p:cNvSpPr txBox="1">
+                <a:spLocks noRot="1" noChangeAspect="1" noMove="1" noResize="1" noEditPoints="1" noAdjustHandles="1" noChangeArrowheads="1" noChangeShapeType="1" noTextEdit="1"/>
+              </p:cNvSpPr>
+              <p:nvPr/>
+            </p:nvSpPr>
+            <p:spPr>
+              <a:xfrm>
+                <a:off x="1546743" y="1601122"/>
+                <a:ext cx="483016" cy="369332"/>
+              </a:xfrm>
+              <a:prstGeom prst="rect">
+                <a:avLst/>
+              </a:prstGeom>
+              <a:blipFill>
+                <a:blip r:embed="rId3"/>
+                <a:stretch>
+                  <a:fillRect/>
+                </a:stretch>
+              </a:blipFill>
+            </p:spPr>
+            <p:txBody>
+              <a:bodyPr/>
+              <a:lstStyle/>
+              <a:p>
+                <a:r>
+                  <a:rPr lang="en-US">
+                    <a:noFill/>
+                  </a:rPr>
+                  <a:t> </a:t>
+                </a:r>
+              </a:p>
+            </p:txBody>
+          </p:sp>
+        </mc:Fallback>
+      </mc:AlternateContent>
+      <mc:AlternateContent xmlns:mc="http://schemas.openxmlformats.org/markup-compatibility/2006" xmlns:a14="http://schemas.microsoft.com/office/drawing/2010/main">
+        <mc:Choice Requires="a14">
+          <p:sp>
+            <p:nvSpPr>
+              <p:cNvPr id="10" name="Rectangle 9">
+                <a:extLst>
+                  <a:ext uri="{FF2B5EF4-FFF2-40B4-BE49-F238E27FC236}">
+                    <a16:creationId xmlns:a16="http://schemas.microsoft.com/office/drawing/2014/main" id="{3C00A4A8-1391-4D95-BA94-E282132932A7}"/>
+                  </a:ext>
+                </a:extLst>
+              </p:cNvPr>
+              <p:cNvSpPr/>
+              <p:nvPr/>
+            </p:nvSpPr>
+            <p:spPr>
+              <a:xfrm>
+                <a:off x="429845" y="1970454"/>
+                <a:ext cx="2716813" cy="1090246"/>
+              </a:xfrm>
+              <a:prstGeom prst="rect">
+                <a:avLst/>
+              </a:prstGeom>
+              <a:noFill/>
+              <a:ln>
+                <a:solidFill>
+                  <a:schemeClr val="tx1"/>
+                </a:solidFill>
+              </a:ln>
+            </p:spPr>
+            <p:style>
+              <a:lnRef idx="2">
+                <a:schemeClr val="accent1">
+                  <a:shade val="50000"/>
+                </a:schemeClr>
+              </a:lnRef>
+              <a:fillRef idx="1">
+                <a:schemeClr val="accent1"/>
+              </a:fillRef>
+              <a:effectRef idx="0">
+                <a:schemeClr val="accent1"/>
+              </a:effectRef>
+              <a:fontRef idx="minor">
+                <a:schemeClr val="lt1"/>
+              </a:fontRef>
+            </p:style>
+            <p:txBody>
+              <a:bodyPr rtlCol="0" anchor="ctr"/>
+              <a:lstStyle/>
+              <a:p>
+                <a:pPr/>
+                <a14:m>
+                  <m:oMathPara xmlns:m="http://schemas.openxmlformats.org/officeDocument/2006/math">
+                    <m:oMathParaPr>
+                      <m:jc m:val="centerGroup"/>
+                    </m:oMathParaPr>
+                    <m:oMath xmlns:m="http://schemas.openxmlformats.org/officeDocument/2006/math">
+                      <m:r>
+                        <a:rPr lang="en-US" i="1" dirty="0" smtClean="0">
+                          <a:solidFill>
+                            <a:schemeClr val="tx1"/>
+                          </a:solidFill>
+                          <a:latin typeface="Cambria Math" panose="02040503050406030204" pitchFamily="18" charset="0"/>
+                        </a:rPr>
+                        <m:t>𝑆𝑡𝑜𝑐𝑘</m:t>
+                      </m:r>
+                      <m:d>
+                        <m:dPr>
+                          <m:ctrlPr>
+                            <a:rPr lang="en-US" i="1" dirty="0" smtClean="0">
+                              <a:solidFill>
+                                <a:schemeClr val="tx1"/>
+                              </a:solidFill>
+                              <a:latin typeface="Cambria Math" panose="02040503050406030204" pitchFamily="18" charset="0"/>
+                            </a:rPr>
+                          </m:ctrlPr>
+                        </m:dPr>
+                        <m:e>
+                          <m:r>
+                            <a:rPr lang="en-US" i="1" dirty="0" smtClean="0">
+                              <a:solidFill>
+                                <a:schemeClr val="tx1"/>
+                              </a:solidFill>
+                              <a:latin typeface="Cambria Math" panose="02040503050406030204" pitchFamily="18" charset="0"/>
+                            </a:rPr>
+                            <m:t>𝑜</m:t>
+                          </m:r>
+                        </m:e>
+                      </m:d>
+                      <m:r>
+                        <m:rPr>
+                          <m:aln/>
+                        </m:rPr>
+                        <a:rPr lang="en-US" i="1" dirty="0" smtClean="0">
+                          <a:solidFill>
+                            <a:schemeClr val="tx1"/>
+                          </a:solidFill>
+                          <a:latin typeface="Cambria Math" panose="02040503050406030204" pitchFamily="18" charset="0"/>
+                        </a:rPr>
+                        <m:t>=</m:t>
+                      </m:r>
+                      <m:r>
+                        <a:rPr lang="en-US" i="1" dirty="0">
+                          <a:solidFill>
+                            <a:schemeClr val="tx1"/>
+                          </a:solidFill>
+                          <a:latin typeface="Cambria Math" panose="02040503050406030204" pitchFamily="18" charset="0"/>
+                        </a:rPr>
+                        <m:t>9.1917</m:t>
+                      </m:r>
+                    </m:oMath>
+                    <m:oMath xmlns:m="http://schemas.openxmlformats.org/officeDocument/2006/math">
+                      <m:r>
+                        <a:rPr lang="en-US" i="1" dirty="0" smtClean="0">
+                          <a:solidFill>
+                            <a:schemeClr val="tx1"/>
+                          </a:solidFill>
+                          <a:latin typeface="Cambria Math" panose="02040503050406030204" pitchFamily="18" charset="0"/>
+                        </a:rPr>
+                        <m:t>𝑆𝑡𝑜𝑐𝑘</m:t>
+                      </m:r>
+                      <m:d>
+                        <m:dPr>
+                          <m:ctrlPr>
+                            <a:rPr lang="en-US" i="1" dirty="0" smtClean="0">
+                              <a:solidFill>
+                                <a:schemeClr val="tx1"/>
+                              </a:solidFill>
+                              <a:latin typeface="Cambria Math" panose="02040503050406030204" pitchFamily="18" charset="0"/>
+                            </a:rPr>
+                          </m:ctrlPr>
+                        </m:dPr>
+                        <m:e>
+                          <m:r>
+                            <a:rPr lang="en-US" i="1" dirty="0" smtClean="0">
+                              <a:solidFill>
+                                <a:schemeClr val="tx1"/>
+                              </a:solidFill>
+                              <a:latin typeface="Cambria Math" panose="02040503050406030204" pitchFamily="18" charset="0"/>
+                            </a:rPr>
+                            <m:t>𝑑</m:t>
+                          </m:r>
+                        </m:e>
+                      </m:d>
+                      <m:r>
+                        <m:rPr>
+                          <m:aln/>
+                        </m:rPr>
+                        <a:rPr lang="en-US" i="1" dirty="0" smtClean="0">
+                          <a:solidFill>
+                            <a:schemeClr val="tx1"/>
+                          </a:solidFill>
+                          <a:latin typeface="Cambria Math" panose="02040503050406030204" pitchFamily="18" charset="0"/>
+                        </a:rPr>
+                        <m:t>=</m:t>
+                      </m:r>
+                      <m:r>
+                        <a:rPr lang="en-US" i="1" dirty="0">
+                          <a:solidFill>
+                            <a:schemeClr val="tx1"/>
+                          </a:solidFill>
+                          <a:latin typeface="Cambria Math" panose="02040503050406030204" pitchFamily="18" charset="0"/>
+                        </a:rPr>
+                        <m:t>8.144</m:t>
+                      </m:r>
+                      <m:r>
+                        <a:rPr lang="en-US" b="0" i="1" dirty="0" smtClean="0">
+                          <a:solidFill>
+                            <a:schemeClr val="tx1"/>
+                          </a:solidFill>
+                          <a:latin typeface="Cambria Math" panose="02040503050406030204" pitchFamily="18" charset="0"/>
+                        </a:rPr>
+                        <m:t>1</m:t>
+                      </m:r>
+                    </m:oMath>
+                    <m:oMath xmlns:m="http://schemas.openxmlformats.org/officeDocument/2006/math">
+                      <m:r>
+                        <a:rPr lang="en-US" b="0" i="1" smtClean="0">
+                          <a:solidFill>
+                            <a:schemeClr val="tx1"/>
+                          </a:solidFill>
+                          <a:latin typeface="Cambria Math" panose="02040503050406030204" pitchFamily="18" charset="0"/>
+                        </a:rPr>
+                        <m:t>𝑆𝑡𝑜𝑐𝑘</m:t>
+                      </m:r>
+                      <m:d>
+                        <m:dPr>
+                          <m:ctrlPr>
+                            <a:rPr lang="en-US" b="0" i="1" smtClean="0">
+                              <a:solidFill>
+                                <a:schemeClr val="tx1"/>
+                              </a:solidFill>
+                              <a:latin typeface="Cambria Math" panose="02040503050406030204" pitchFamily="18" charset="0"/>
+                            </a:rPr>
+                          </m:ctrlPr>
+                        </m:dPr>
+                        <m:e>
+                          <m:r>
+                            <a:rPr lang="en-US" b="0" i="1" smtClean="0">
+                              <a:solidFill>
+                                <a:schemeClr val="tx1"/>
+                              </a:solidFill>
+                              <a:latin typeface="Cambria Math" panose="02040503050406030204" pitchFamily="18" charset="0"/>
+                            </a:rPr>
+                            <m:t>𝑚</m:t>
+                          </m:r>
+                          <m:r>
+                            <a:rPr lang="en-US" altLang="zh-CN" i="1">
+                              <a:solidFill>
+                                <a:schemeClr val="tx1"/>
+                              </a:solidFill>
+                              <a:latin typeface="Cambria Math" panose="02040503050406030204" pitchFamily="18" charset="0"/>
+                            </a:rPr>
+                            <m:t>1</m:t>
+                          </m:r>
+                        </m:e>
+                      </m:d>
+                      <m:r>
+                        <m:rPr>
+                          <m:aln/>
+                        </m:rPr>
+                        <a:rPr lang="en-US" b="0" i="1" smtClean="0">
+                          <a:solidFill>
+                            <a:schemeClr val="tx1"/>
+                          </a:solidFill>
+                          <a:latin typeface="Cambria Math" panose="02040503050406030204" pitchFamily="18" charset="0"/>
+                        </a:rPr>
+                        <m:t>=</m:t>
+                      </m:r>
+                      <m:r>
+                        <a:rPr lang="en-US" i="1">
+                          <a:solidFill>
+                            <a:schemeClr val="tx1"/>
+                          </a:solidFill>
+                          <a:latin typeface="Cambria Math" panose="02040503050406030204" pitchFamily="18" charset="0"/>
+                        </a:rPr>
+                        <m:t>9.2230</m:t>
+                      </m:r>
+                    </m:oMath>
+                    <m:oMath xmlns:m="http://schemas.openxmlformats.org/officeDocument/2006/math">
+                      <m:r>
+                        <a:rPr lang="en-US" b="0" i="1" smtClean="0">
+                          <a:solidFill>
+                            <a:schemeClr val="tx1"/>
+                          </a:solidFill>
+                          <a:latin typeface="Cambria Math" panose="02040503050406030204" pitchFamily="18" charset="0"/>
+                        </a:rPr>
+                        <m:t>𝑠𝑡𝑜𝑐𝑘</m:t>
+                      </m:r>
+                      <m:d>
+                        <m:dPr>
+                          <m:ctrlPr>
+                            <a:rPr lang="en-US" b="0" i="1" smtClean="0">
+                              <a:solidFill>
+                                <a:schemeClr val="tx1"/>
+                              </a:solidFill>
+                              <a:latin typeface="Cambria Math" panose="02040503050406030204" pitchFamily="18" charset="0"/>
+                            </a:rPr>
+                          </m:ctrlPr>
+                        </m:dPr>
+                        <m:e>
+                          <m:r>
+                            <a:rPr lang="en-US" b="0" i="1" smtClean="0">
+                              <a:solidFill>
+                                <a:schemeClr val="tx1"/>
+                              </a:solidFill>
+                              <a:latin typeface="Cambria Math" panose="02040503050406030204" pitchFamily="18" charset="0"/>
+                            </a:rPr>
+                            <m:t>𝑚</m:t>
+                          </m:r>
+                          <m:r>
+                            <a:rPr lang="en-US" b="0" i="1" smtClean="0">
+                              <a:solidFill>
+                                <a:schemeClr val="tx1"/>
+                              </a:solidFill>
+                              <a:latin typeface="Cambria Math" panose="02040503050406030204" pitchFamily="18" charset="0"/>
+                            </a:rPr>
+                            <m:t>2</m:t>
+                          </m:r>
+                        </m:e>
+                      </m:d>
+                      <m:r>
+                        <m:rPr>
+                          <m:aln/>
+                        </m:rPr>
+                        <a:rPr lang="en-US" b="0" i="1" smtClean="0">
+                          <a:solidFill>
+                            <a:schemeClr val="tx1"/>
+                          </a:solidFill>
+                          <a:latin typeface="Cambria Math" panose="02040503050406030204" pitchFamily="18" charset="0"/>
+                        </a:rPr>
+                        <m:t>=</m:t>
+                      </m:r>
+                      <m:r>
+                        <a:rPr lang="en-US" i="1">
+                          <a:solidFill>
+                            <a:schemeClr val="tx1"/>
+                          </a:solidFill>
+                          <a:latin typeface="Cambria Math" panose="02040503050406030204" pitchFamily="18" charset="0"/>
+                        </a:rPr>
+                        <m:t>9.05</m:t>
+                      </m:r>
+                      <m:r>
+                        <a:rPr lang="en-US" altLang="zh-CN" i="1" smtClean="0">
+                          <a:solidFill>
+                            <a:schemeClr val="tx1"/>
+                          </a:solidFill>
+                          <a:latin typeface="Cambria Math" panose="02040503050406030204" pitchFamily="18" charset="0"/>
+                        </a:rPr>
+                        <m:t>1</m:t>
+                      </m:r>
+                      <m:r>
+                        <a:rPr lang="en-US" altLang="zh-CN" b="0" i="1" smtClean="0">
+                          <a:solidFill>
+                            <a:schemeClr val="tx1"/>
+                          </a:solidFill>
+                          <a:latin typeface="Cambria Math" panose="02040503050406030204" pitchFamily="18" charset="0"/>
+                        </a:rPr>
+                        <m:t>0</m:t>
+                      </m:r>
+                    </m:oMath>
+                  </m:oMathPara>
+                </a14:m>
+                <a:endParaRPr lang="en-US" b="0" dirty="0">
+                  <a:solidFill>
+                    <a:schemeClr val="tx1"/>
+                  </a:solidFill>
+                </a:endParaRPr>
+              </a:p>
+            </p:txBody>
+          </p:sp>
+        </mc:Choice>
+        <mc:Fallback xmlns="">
+          <p:sp>
+            <p:nvSpPr>
+              <p:cNvPr id="10" name="Rectangle 9">
+                <a:extLst>
+                  <a:ext uri="{FF2B5EF4-FFF2-40B4-BE49-F238E27FC236}">
+                    <a16:creationId xmlns:a16="http://schemas.microsoft.com/office/drawing/2014/main" id="{3C00A4A8-1391-4D95-BA94-E282132932A7}"/>
+                  </a:ext>
+                </a:extLst>
+              </p:cNvPr>
+              <p:cNvSpPr>
+                <a:spLocks noRot="1" noChangeAspect="1" noMove="1" noResize="1" noEditPoints="1" noAdjustHandles="1" noChangeArrowheads="1" noChangeShapeType="1" noTextEdit="1"/>
+              </p:cNvSpPr>
+              <p:nvPr/>
+            </p:nvSpPr>
+            <p:spPr>
+              <a:xfrm>
+                <a:off x="429845" y="1970454"/>
+                <a:ext cx="2716813" cy="1090246"/>
+              </a:xfrm>
+              <a:prstGeom prst="rect">
+                <a:avLst/>
+              </a:prstGeom>
+              <a:blipFill>
+                <a:blip r:embed="rId4"/>
+                <a:stretch>
+                  <a:fillRect b="-2210"/>
+                </a:stretch>
+              </a:blipFill>
+              <a:ln>
+                <a:solidFill>
+                  <a:schemeClr val="tx1"/>
+                </a:solidFill>
+              </a:ln>
+            </p:spPr>
+            <p:txBody>
+              <a:bodyPr/>
+              <a:lstStyle/>
+              <a:p>
+                <a:r>
+                  <a:rPr lang="en-US">
+                    <a:noFill/>
+                  </a:rPr>
+                  <a:t> </a:t>
+                </a:r>
+              </a:p>
+            </p:txBody>
+          </p:sp>
+        </mc:Fallback>
+      </mc:AlternateContent>
+      <p:sp>
+        <p:nvSpPr>
+          <p:cNvPr id="4" name="Oval 3">
+            <a:extLst>
+              <a:ext uri="{FF2B5EF4-FFF2-40B4-BE49-F238E27FC236}">
+                <a16:creationId xmlns:a16="http://schemas.microsoft.com/office/drawing/2014/main" id="{AD079CE0-B866-4600-B406-CF86C420358C}"/>
+              </a:ext>
+            </a:extLst>
+          </p:cNvPr>
+          <p:cNvSpPr/>
+          <p:nvPr/>
+        </p:nvSpPr>
+        <p:spPr>
+          <a:xfrm>
+            <a:off x="3923395" y="3237526"/>
+            <a:ext cx="1062892" cy="1062892"/>
+          </a:xfrm>
+          <a:prstGeom prst="ellipse">
+            <a:avLst/>
+          </a:prstGeom>
+          <a:solidFill>
+            <a:schemeClr val="accent4">
+              <a:lumMod val="40000"/>
+              <a:lumOff val="60000"/>
+            </a:schemeClr>
+          </a:solidFill>
+          <a:ln>
+            <a:solidFill>
+              <a:schemeClr val="accent4">
+                <a:lumMod val="75000"/>
+              </a:schemeClr>
+            </a:solidFill>
+          </a:ln>
+        </p:spPr>
+        <p:style>
+          <a:lnRef idx="2">
+            <a:schemeClr val="accent1">
+              <a:shade val="50000"/>
+            </a:schemeClr>
+          </a:lnRef>
+          <a:fillRef idx="1">
+            <a:schemeClr val="accent1"/>
+          </a:fillRef>
+          <a:effectRef idx="0">
+            <a:schemeClr val="accent1"/>
+          </a:effectRef>
+          <a:fontRef idx="minor">
+            <a:schemeClr val="lt1"/>
+          </a:fontRef>
+        </p:style>
+        <p:txBody>
+          <a:bodyPr rtlCol="0" anchor="ctr"/>
+          <a:lstStyle/>
+          <a:p>
+            <a:pPr algn="ctr"/>
+            <a:r>
+              <a:rPr lang="en-US" sz="2400" dirty="0">
+                <a:solidFill>
+                  <a:schemeClr val="tx1"/>
+                </a:solidFill>
+                <a:latin typeface="Cambria Math" panose="02040503050406030204" pitchFamily="18" charset="0"/>
+                <a:ea typeface="Cambria Math" panose="02040503050406030204" pitchFamily="18" charset="0"/>
+              </a:rPr>
+              <a:t>o</a:t>
+            </a:r>
+          </a:p>
+        </p:txBody>
+      </p:sp>
+      <p:sp>
+        <p:nvSpPr>
+          <p:cNvPr id="5" name="Oval 4">
+            <a:extLst>
+              <a:ext uri="{FF2B5EF4-FFF2-40B4-BE49-F238E27FC236}">
+                <a16:creationId xmlns:a16="http://schemas.microsoft.com/office/drawing/2014/main" id="{BBC99BD8-9DAE-43D2-AFDB-9DBBFB813BF9}"/>
+              </a:ext>
+            </a:extLst>
+          </p:cNvPr>
+          <p:cNvSpPr/>
+          <p:nvPr/>
+        </p:nvSpPr>
+        <p:spPr>
+          <a:xfrm>
+            <a:off x="9510767" y="3237526"/>
+            <a:ext cx="1062892" cy="1062892"/>
+          </a:xfrm>
+          <a:prstGeom prst="ellipse">
+            <a:avLst/>
+          </a:prstGeom>
+          <a:solidFill>
+            <a:srgbClr val="92D050"/>
+          </a:solidFill>
+          <a:ln>
+            <a:solidFill>
+              <a:srgbClr val="00B050"/>
+            </a:solidFill>
+          </a:ln>
+        </p:spPr>
+        <p:style>
+          <a:lnRef idx="2">
+            <a:schemeClr val="accent1">
+              <a:shade val="50000"/>
+            </a:schemeClr>
+          </a:lnRef>
+          <a:fillRef idx="1">
+            <a:schemeClr val="accent1"/>
+          </a:fillRef>
+          <a:effectRef idx="0">
+            <a:schemeClr val="accent1"/>
+          </a:effectRef>
+          <a:fontRef idx="minor">
+            <a:schemeClr val="lt1"/>
+          </a:fontRef>
+        </p:style>
+        <p:txBody>
+          <a:bodyPr rtlCol="0" anchor="ctr"/>
+          <a:lstStyle/>
+          <a:p>
+            <a:pPr algn="ctr"/>
+            <a:r>
+              <a:rPr lang="en-US" sz="2400" dirty="0">
+                <a:solidFill>
+                  <a:schemeClr val="tx1"/>
+                </a:solidFill>
+                <a:latin typeface="Cambria Math" panose="02040503050406030204" pitchFamily="18" charset="0"/>
+                <a:ea typeface="Cambria Math" panose="02040503050406030204" pitchFamily="18" charset="0"/>
+              </a:rPr>
+              <a:t>d</a:t>
+            </a:r>
+          </a:p>
+        </p:txBody>
+      </p:sp>
+      <p:sp>
+        <p:nvSpPr>
+          <p:cNvPr id="25" name="Oval 24">
+            <a:extLst>
+              <a:ext uri="{FF2B5EF4-FFF2-40B4-BE49-F238E27FC236}">
+                <a16:creationId xmlns:a16="http://schemas.microsoft.com/office/drawing/2014/main" id="{C6E76074-B2BA-4ADD-A489-920478A7AC8F}"/>
+              </a:ext>
+            </a:extLst>
+          </p:cNvPr>
+          <p:cNvSpPr/>
+          <p:nvPr/>
+        </p:nvSpPr>
+        <p:spPr>
+          <a:xfrm>
+            <a:off x="6717081" y="1559143"/>
+            <a:ext cx="1062892" cy="1062892"/>
+          </a:xfrm>
+          <a:prstGeom prst="ellipse">
+            <a:avLst/>
+          </a:prstGeom>
+          <a:solidFill>
+            <a:schemeClr val="accent2"/>
+          </a:solidFill>
+          <a:ln>
+            <a:solidFill>
+              <a:schemeClr val="accent2">
+                <a:lumMod val="75000"/>
+              </a:schemeClr>
+            </a:solidFill>
+          </a:ln>
+        </p:spPr>
+        <p:style>
+          <a:lnRef idx="2">
+            <a:schemeClr val="accent1">
+              <a:shade val="50000"/>
+            </a:schemeClr>
+          </a:lnRef>
+          <a:fillRef idx="1">
+            <a:schemeClr val="accent1"/>
+          </a:fillRef>
+          <a:effectRef idx="0">
+            <a:schemeClr val="accent1"/>
+          </a:effectRef>
+          <a:fontRef idx="minor">
+            <a:schemeClr val="lt1"/>
+          </a:fontRef>
+        </p:style>
+        <p:txBody>
+          <a:bodyPr rtlCol="0" anchor="ctr"/>
+          <a:lstStyle/>
+          <a:p>
+            <a:pPr algn="ctr"/>
+            <a:r>
+              <a:rPr lang="en-US" sz="2400" dirty="0">
+                <a:solidFill>
+                  <a:schemeClr val="tx1"/>
+                </a:solidFill>
+                <a:latin typeface="Cambria Math" panose="02040503050406030204" pitchFamily="18" charset="0"/>
+                <a:ea typeface="Cambria Math" panose="02040503050406030204" pitchFamily="18" charset="0"/>
+              </a:rPr>
+              <a:t>m1</a:t>
+            </a:r>
+          </a:p>
+        </p:txBody>
+      </p:sp>
+      <p:sp>
+        <p:nvSpPr>
+          <p:cNvPr id="26" name="Oval 25">
+            <a:extLst>
+              <a:ext uri="{FF2B5EF4-FFF2-40B4-BE49-F238E27FC236}">
+                <a16:creationId xmlns:a16="http://schemas.microsoft.com/office/drawing/2014/main" id="{09D0F33B-4429-4CEA-950D-0EFFFA163EBB}"/>
+              </a:ext>
+            </a:extLst>
+          </p:cNvPr>
+          <p:cNvSpPr/>
+          <p:nvPr/>
+        </p:nvSpPr>
+        <p:spPr>
+          <a:xfrm>
+            <a:off x="6717081" y="4845567"/>
+            <a:ext cx="1062892" cy="1062892"/>
+          </a:xfrm>
+          <a:prstGeom prst="ellipse">
+            <a:avLst/>
+          </a:prstGeom>
+          <a:solidFill>
+            <a:schemeClr val="accent5">
+              <a:lumMod val="75000"/>
+            </a:schemeClr>
+          </a:solidFill>
+          <a:ln>
+            <a:solidFill>
+              <a:schemeClr val="accent5">
+                <a:lumMod val="50000"/>
+              </a:schemeClr>
+            </a:solidFill>
+          </a:ln>
+        </p:spPr>
+        <p:style>
+          <a:lnRef idx="2">
+            <a:schemeClr val="accent1">
+              <a:shade val="50000"/>
+            </a:schemeClr>
+          </a:lnRef>
+          <a:fillRef idx="1">
+            <a:schemeClr val="accent1"/>
+          </a:fillRef>
+          <a:effectRef idx="0">
+            <a:schemeClr val="accent1"/>
+          </a:effectRef>
+          <a:fontRef idx="minor">
+            <a:schemeClr val="lt1"/>
+          </a:fontRef>
+        </p:style>
+        <p:txBody>
+          <a:bodyPr rtlCol="0" anchor="ctr"/>
+          <a:lstStyle/>
+          <a:p>
+            <a:pPr algn="ctr"/>
+            <a:r>
+              <a:rPr lang="en-US" sz="2400" dirty="0">
+                <a:solidFill>
+                  <a:schemeClr val="tx1"/>
+                </a:solidFill>
+                <a:latin typeface="Cambria Math" panose="02040503050406030204" pitchFamily="18" charset="0"/>
+                <a:ea typeface="Cambria Math" panose="02040503050406030204" pitchFamily="18" charset="0"/>
+              </a:rPr>
+              <a:t>m2</a:t>
+            </a:r>
+          </a:p>
+        </p:txBody>
+      </p:sp>
+      <p:cxnSp>
+        <p:nvCxnSpPr>
+          <p:cNvPr id="20" name="Connector: Curved 19">
+            <a:extLst>
+              <a:ext uri="{FF2B5EF4-FFF2-40B4-BE49-F238E27FC236}">
+                <a16:creationId xmlns:a16="http://schemas.microsoft.com/office/drawing/2014/main" id="{2C875E72-4ACE-444A-B9F9-1E288BDD6037}"/>
+              </a:ext>
+            </a:extLst>
+          </p:cNvPr>
+          <p:cNvCxnSpPr>
+            <a:stCxn id="4" idx="0"/>
+            <a:endCxn id="25" idx="2"/>
+          </p:cNvCxnSpPr>
+          <p:nvPr/>
+        </p:nvCxnSpPr>
+        <p:spPr>
+          <a:xfrm rot="5400000" flipH="1" flipV="1">
+            <a:off x="5012493" y="1532938"/>
+            <a:ext cx="1146937" cy="2262240"/>
+          </a:xfrm>
+          <a:prstGeom prst="curvedConnector2">
+            <a:avLst/>
+          </a:prstGeom>
+          <a:ln>
+            <a:tailEnd type="triangle"/>
+          </a:ln>
+        </p:spPr>
+        <p:style>
+          <a:lnRef idx="1">
+            <a:schemeClr val="dk1"/>
+          </a:lnRef>
+          <a:fillRef idx="0">
+            <a:schemeClr val="dk1"/>
+          </a:fillRef>
+          <a:effectRef idx="0">
+            <a:schemeClr val="dk1"/>
+          </a:effectRef>
+          <a:fontRef idx="minor">
+            <a:schemeClr val="tx1"/>
+          </a:fontRef>
+        </p:style>
+      </p:cxnSp>
+      <p:cxnSp>
+        <p:nvCxnSpPr>
+          <p:cNvPr id="30" name="Connector: Curved 29">
+            <a:extLst>
+              <a:ext uri="{FF2B5EF4-FFF2-40B4-BE49-F238E27FC236}">
+                <a16:creationId xmlns:a16="http://schemas.microsoft.com/office/drawing/2014/main" id="{54E7F305-AF26-47E5-92DC-9DAB23295A12}"/>
+              </a:ext>
+            </a:extLst>
+          </p:cNvPr>
+          <p:cNvCxnSpPr>
+            <a:cxnSpLocks/>
+            <a:stCxn id="4" idx="4"/>
+            <a:endCxn id="26" idx="2"/>
+          </p:cNvCxnSpPr>
+          <p:nvPr/>
+        </p:nvCxnSpPr>
+        <p:spPr>
+          <a:xfrm rot="16200000" flipH="1">
+            <a:off x="5047664" y="3707595"/>
+            <a:ext cx="1076595" cy="2262240"/>
+          </a:xfrm>
+          <a:prstGeom prst="curvedConnector2">
+            <a:avLst/>
+          </a:prstGeom>
+          <a:ln>
+            <a:tailEnd type="triangle"/>
+          </a:ln>
+        </p:spPr>
+        <p:style>
+          <a:lnRef idx="1">
+            <a:schemeClr val="dk1"/>
+          </a:lnRef>
+          <a:fillRef idx="0">
+            <a:schemeClr val="dk1"/>
+          </a:fillRef>
+          <a:effectRef idx="0">
+            <a:schemeClr val="dk1"/>
+          </a:effectRef>
+          <a:fontRef idx="minor">
+            <a:schemeClr val="tx1"/>
+          </a:fontRef>
+        </p:style>
+      </p:cxnSp>
+      <p:cxnSp>
+        <p:nvCxnSpPr>
+          <p:cNvPr id="48" name="Straight Arrow Connector 47">
+            <a:extLst>
+              <a:ext uri="{FF2B5EF4-FFF2-40B4-BE49-F238E27FC236}">
+                <a16:creationId xmlns:a16="http://schemas.microsoft.com/office/drawing/2014/main" id="{9F516669-A7B3-4425-A9E8-124BE3AF2D71}"/>
+              </a:ext>
+            </a:extLst>
+          </p:cNvPr>
+          <p:cNvCxnSpPr>
+            <a:stCxn id="25" idx="5"/>
+            <a:endCxn id="26" idx="7"/>
+          </p:cNvCxnSpPr>
+          <p:nvPr/>
+        </p:nvCxnSpPr>
+        <p:spPr>
+          <a:xfrm>
+            <a:off x="7624316" y="2466378"/>
+            <a:ext cx="0" cy="2534846"/>
+          </a:xfrm>
+          <a:prstGeom prst="straightConnector1">
+            <a:avLst/>
+          </a:prstGeom>
+          <a:ln>
+            <a:tailEnd type="triangle"/>
+          </a:ln>
+        </p:spPr>
+        <p:style>
+          <a:lnRef idx="1">
+            <a:schemeClr val="dk1"/>
+          </a:lnRef>
+          <a:fillRef idx="0">
+            <a:schemeClr val="dk1"/>
+          </a:fillRef>
+          <a:effectRef idx="0">
+            <a:schemeClr val="dk1"/>
+          </a:effectRef>
+          <a:fontRef idx="minor">
+            <a:schemeClr val="tx1"/>
+          </a:fontRef>
+        </p:style>
+      </p:cxnSp>
+      <p:cxnSp>
+        <p:nvCxnSpPr>
+          <p:cNvPr id="53" name="Straight Arrow Connector 52">
+            <a:extLst>
+              <a:ext uri="{FF2B5EF4-FFF2-40B4-BE49-F238E27FC236}">
+                <a16:creationId xmlns:a16="http://schemas.microsoft.com/office/drawing/2014/main" id="{8BAADD0B-F09F-4A39-B5EE-D483804FD6D1}"/>
+              </a:ext>
+            </a:extLst>
+          </p:cNvPr>
+          <p:cNvCxnSpPr>
+            <a:cxnSpLocks/>
+            <a:stCxn id="26" idx="1"/>
+            <a:endCxn id="25" idx="3"/>
+          </p:cNvCxnSpPr>
+          <p:nvPr/>
+        </p:nvCxnSpPr>
+        <p:spPr>
+          <a:xfrm flipV="1">
+            <a:off x="6872738" y="2466378"/>
+            <a:ext cx="0" cy="2534846"/>
+          </a:xfrm>
+          <a:prstGeom prst="straightConnector1">
+            <a:avLst/>
+          </a:prstGeom>
+          <a:ln>
+            <a:tailEnd type="triangle"/>
+          </a:ln>
+        </p:spPr>
+        <p:style>
+          <a:lnRef idx="1">
+            <a:schemeClr val="dk1"/>
+          </a:lnRef>
+          <a:fillRef idx="0">
+            <a:schemeClr val="dk1"/>
+          </a:fillRef>
+          <a:effectRef idx="0">
+            <a:schemeClr val="dk1"/>
+          </a:effectRef>
+          <a:fontRef idx="minor">
+            <a:schemeClr val="tx1"/>
+          </a:fontRef>
+        </p:style>
+      </p:cxnSp>
+      <mc:AlternateContent xmlns:mc="http://schemas.openxmlformats.org/markup-compatibility/2006" xmlns:a14="http://schemas.microsoft.com/office/drawing/2010/main">
+        <mc:Choice Requires="a14">
+          <p:sp>
+            <p:nvSpPr>
+              <p:cNvPr id="64" name="TextBox 63">
+                <a:extLst>
+                  <a:ext uri="{FF2B5EF4-FFF2-40B4-BE49-F238E27FC236}">
+                    <a16:creationId xmlns:a16="http://schemas.microsoft.com/office/drawing/2014/main" id="{59E8D610-C3F4-424F-916E-C412F2CAAEBB}"/>
+                  </a:ext>
+                </a:extLst>
+              </p:cNvPr>
+              <p:cNvSpPr txBox="1"/>
+              <p:nvPr/>
+            </p:nvSpPr>
+            <p:spPr>
+              <a:xfrm>
+                <a:off x="1541420" y="4071272"/>
+                <a:ext cx="488339" cy="369332"/>
+              </a:xfrm>
+              <a:prstGeom prst="rect">
+                <a:avLst/>
+              </a:prstGeom>
+              <a:noFill/>
+            </p:spPr>
+            <p:txBody>
+              <a:bodyPr wrap="none" rtlCol="0">
+                <a:spAutoFit/>
+              </a:bodyPr>
+              <a:lstStyle/>
+              <a:p>
+                <a:pPr/>
+                <a14:m>
+                  <m:oMathPara xmlns:m="http://schemas.openxmlformats.org/officeDocument/2006/math">
+                    <m:oMathParaPr>
+                      <m:jc m:val="centerGroup"/>
+                    </m:oMathParaPr>
+                    <m:oMath xmlns:m="http://schemas.openxmlformats.org/officeDocument/2006/math">
+                      <m:sSub>
+                        <m:sSubPr>
+                          <m:ctrlPr>
+                            <a:rPr lang="en-US" b="0" i="1" smtClean="0">
+                              <a:latin typeface="Cambria Math" panose="02040503050406030204" pitchFamily="18" charset="0"/>
+                            </a:rPr>
+                          </m:ctrlPr>
+                        </m:sSubPr>
+                        <m:e>
+                          <m:r>
+                            <a:rPr lang="en-US" b="0" i="1" smtClean="0">
+                              <a:latin typeface="Cambria Math" panose="02040503050406030204" pitchFamily="18" charset="0"/>
+                            </a:rPr>
+                            <m:t>𝐾</m:t>
+                          </m:r>
+                        </m:e>
+                        <m:sub>
+                          <m:r>
+                            <a:rPr lang="en-US" b="0" i="1" smtClean="0">
+                              <a:latin typeface="Cambria Math" panose="02040503050406030204" pitchFamily="18" charset="0"/>
+                            </a:rPr>
+                            <m:t>2</m:t>
+                          </m:r>
+                        </m:sub>
+                      </m:sSub>
+                    </m:oMath>
+                  </m:oMathPara>
+                </a14:m>
+                <a:endParaRPr lang="en-US" dirty="0"/>
+              </a:p>
+            </p:txBody>
+          </p:sp>
+        </mc:Choice>
+        <mc:Fallback xmlns="">
+          <p:sp>
+            <p:nvSpPr>
+              <p:cNvPr id="64" name="TextBox 63">
+                <a:extLst>
+                  <a:ext uri="{FF2B5EF4-FFF2-40B4-BE49-F238E27FC236}">
+                    <a16:creationId xmlns:a16="http://schemas.microsoft.com/office/drawing/2014/main" id="{59E8D610-C3F4-424F-916E-C412F2CAAEBB}"/>
+                  </a:ext>
+                </a:extLst>
+              </p:cNvPr>
+              <p:cNvSpPr txBox="1">
+                <a:spLocks noRot="1" noChangeAspect="1" noMove="1" noResize="1" noEditPoints="1" noAdjustHandles="1" noChangeArrowheads="1" noChangeShapeType="1" noTextEdit="1"/>
+              </p:cNvSpPr>
+              <p:nvPr/>
+            </p:nvSpPr>
+            <p:spPr>
+              <a:xfrm>
+                <a:off x="1541420" y="4071272"/>
+                <a:ext cx="488339" cy="369332"/>
+              </a:xfrm>
+              <a:prstGeom prst="rect">
+                <a:avLst/>
+              </a:prstGeom>
+              <a:blipFill>
+                <a:blip r:embed="rId5"/>
+                <a:stretch>
+                  <a:fillRect/>
+                </a:stretch>
+              </a:blipFill>
+            </p:spPr>
+            <p:txBody>
+              <a:bodyPr/>
+              <a:lstStyle/>
+              <a:p>
+                <a:r>
+                  <a:rPr lang="en-US">
+                    <a:noFill/>
+                  </a:rPr>
+                  <a:t> </a:t>
+                </a:r>
+              </a:p>
+            </p:txBody>
+          </p:sp>
+        </mc:Fallback>
+      </mc:AlternateContent>
+      <mc:AlternateContent xmlns:mc="http://schemas.openxmlformats.org/markup-compatibility/2006" xmlns:a14="http://schemas.microsoft.com/office/drawing/2010/main">
+        <mc:Choice Requires="a14">
+          <p:sp>
+            <p:nvSpPr>
+              <p:cNvPr id="65" name="Rectangle 64">
+                <a:extLst>
+                  <a:ext uri="{FF2B5EF4-FFF2-40B4-BE49-F238E27FC236}">
+                    <a16:creationId xmlns:a16="http://schemas.microsoft.com/office/drawing/2014/main" id="{4F690B5E-D300-4D4C-B988-E56B94568A7E}"/>
+                  </a:ext>
+                </a:extLst>
+              </p:cNvPr>
+              <p:cNvSpPr/>
+              <p:nvPr/>
+            </p:nvSpPr>
+            <p:spPr>
+              <a:xfrm>
+                <a:off x="429846" y="4440604"/>
+                <a:ext cx="2716812" cy="1090246"/>
+              </a:xfrm>
+              <a:prstGeom prst="rect">
+                <a:avLst/>
+              </a:prstGeom>
+              <a:noFill/>
+              <a:ln>
+                <a:solidFill>
+                  <a:schemeClr val="tx1"/>
+                </a:solidFill>
+              </a:ln>
+            </p:spPr>
+            <p:style>
+              <a:lnRef idx="2">
+                <a:schemeClr val="accent1">
+                  <a:shade val="50000"/>
+                </a:schemeClr>
+              </a:lnRef>
+              <a:fillRef idx="1">
+                <a:schemeClr val="accent1"/>
+              </a:fillRef>
+              <a:effectRef idx="0">
+                <a:schemeClr val="accent1"/>
+              </a:effectRef>
+              <a:fontRef idx="minor">
+                <a:schemeClr val="lt1"/>
+              </a:fontRef>
+            </p:style>
+            <p:txBody>
+              <a:bodyPr rtlCol="0" anchor="ctr"/>
+              <a:lstStyle/>
+              <a:p>
+                <a:pPr/>
+                <a14:m>
+                  <m:oMathPara xmlns:m="http://schemas.openxmlformats.org/officeDocument/2006/math">
+                    <m:oMathParaPr>
+                      <m:jc m:val="centerGroup"/>
+                    </m:oMathParaPr>
+                    <m:oMath xmlns:m="http://schemas.openxmlformats.org/officeDocument/2006/math">
+                      <m:r>
+                        <a:rPr lang="en-US" i="1" dirty="0" smtClean="0">
+                          <a:solidFill>
+                            <a:schemeClr val="tx1"/>
+                          </a:solidFill>
+                          <a:latin typeface="Cambria Math" panose="02040503050406030204" pitchFamily="18" charset="0"/>
+                        </a:rPr>
+                        <m:t>𝑆𝑡𝑜𝑐𝑘</m:t>
+                      </m:r>
+                      <m:d>
+                        <m:dPr>
+                          <m:ctrlPr>
+                            <a:rPr lang="en-US" i="1" dirty="0" smtClean="0">
+                              <a:solidFill>
+                                <a:schemeClr val="tx1"/>
+                              </a:solidFill>
+                              <a:latin typeface="Cambria Math" panose="02040503050406030204" pitchFamily="18" charset="0"/>
+                            </a:rPr>
+                          </m:ctrlPr>
+                        </m:dPr>
+                        <m:e>
+                          <m:r>
+                            <a:rPr lang="en-US" i="1" dirty="0" smtClean="0">
+                              <a:solidFill>
+                                <a:schemeClr val="tx1"/>
+                              </a:solidFill>
+                              <a:latin typeface="Cambria Math" panose="02040503050406030204" pitchFamily="18" charset="0"/>
+                            </a:rPr>
+                            <m:t>𝑜</m:t>
+                          </m:r>
+                        </m:e>
+                      </m:d>
+                      <m:r>
+                        <m:rPr>
+                          <m:aln/>
+                        </m:rPr>
+                        <a:rPr lang="en-US" i="1" dirty="0" smtClean="0">
+                          <a:solidFill>
+                            <a:schemeClr val="tx1"/>
+                          </a:solidFill>
+                          <a:latin typeface="Cambria Math" panose="02040503050406030204" pitchFamily="18" charset="0"/>
+                        </a:rPr>
+                        <m:t>=</m:t>
+                      </m:r>
+                      <m:r>
+                        <a:rPr lang="en-US" i="1" dirty="0">
+                          <a:solidFill>
+                            <a:schemeClr val="tx1"/>
+                          </a:solidFill>
+                          <a:latin typeface="Cambria Math" panose="02040503050406030204" pitchFamily="18" charset="0"/>
+                        </a:rPr>
+                        <m:t>4.0140</m:t>
+                      </m:r>
+                    </m:oMath>
+                    <m:oMath xmlns:m="http://schemas.openxmlformats.org/officeDocument/2006/math">
+                      <m:r>
+                        <a:rPr lang="en-US" i="1" dirty="0" smtClean="0">
+                          <a:solidFill>
+                            <a:schemeClr val="tx1"/>
+                          </a:solidFill>
+                          <a:latin typeface="Cambria Math" panose="02040503050406030204" pitchFamily="18" charset="0"/>
+                        </a:rPr>
+                        <m:t>𝑆𝑡𝑜𝑐𝑘</m:t>
+                      </m:r>
+                      <m:d>
+                        <m:dPr>
+                          <m:ctrlPr>
+                            <a:rPr lang="en-US" i="1" dirty="0" smtClean="0">
+                              <a:solidFill>
+                                <a:schemeClr val="tx1"/>
+                              </a:solidFill>
+                              <a:latin typeface="Cambria Math" panose="02040503050406030204" pitchFamily="18" charset="0"/>
+                            </a:rPr>
+                          </m:ctrlPr>
+                        </m:dPr>
+                        <m:e>
+                          <m:r>
+                            <a:rPr lang="en-US" i="1" dirty="0" smtClean="0">
+                              <a:solidFill>
+                                <a:schemeClr val="tx1"/>
+                              </a:solidFill>
+                              <a:latin typeface="Cambria Math" panose="02040503050406030204" pitchFamily="18" charset="0"/>
+                            </a:rPr>
+                            <m:t>𝑑</m:t>
+                          </m:r>
+                        </m:e>
+                      </m:d>
+                      <m:r>
+                        <m:rPr>
+                          <m:aln/>
+                        </m:rPr>
+                        <a:rPr lang="en-US" i="1" dirty="0" smtClean="0">
+                          <a:solidFill>
+                            <a:schemeClr val="tx1"/>
+                          </a:solidFill>
+                          <a:latin typeface="Cambria Math" panose="02040503050406030204" pitchFamily="18" charset="0"/>
+                        </a:rPr>
+                        <m:t>=</m:t>
+                      </m:r>
+                      <m:r>
+                        <a:rPr lang="en-US" i="1" dirty="0">
+                          <a:solidFill>
+                            <a:schemeClr val="tx1"/>
+                          </a:solidFill>
+                          <a:latin typeface="Cambria Math" panose="02040503050406030204" pitchFamily="18" charset="0"/>
+                        </a:rPr>
+                        <m:t>6.901</m:t>
+                      </m:r>
+                      <m:r>
+                        <a:rPr lang="en-US" b="0" i="1" dirty="0" smtClean="0">
+                          <a:solidFill>
+                            <a:schemeClr val="tx1"/>
+                          </a:solidFill>
+                          <a:latin typeface="Cambria Math" panose="02040503050406030204" pitchFamily="18" charset="0"/>
+                        </a:rPr>
+                        <m:t>7</m:t>
+                      </m:r>
+                    </m:oMath>
+                    <m:oMath xmlns:m="http://schemas.openxmlformats.org/officeDocument/2006/math">
+                      <m:r>
+                        <a:rPr lang="en-US" b="0" i="1" smtClean="0">
+                          <a:solidFill>
+                            <a:schemeClr val="tx1"/>
+                          </a:solidFill>
+                          <a:latin typeface="Cambria Math" panose="02040503050406030204" pitchFamily="18" charset="0"/>
+                        </a:rPr>
+                        <m:t>𝑆𝑡𝑜𝑐𝑘</m:t>
+                      </m:r>
+                      <m:d>
+                        <m:dPr>
+                          <m:ctrlPr>
+                            <a:rPr lang="en-US" b="0" i="1" smtClean="0">
+                              <a:solidFill>
+                                <a:schemeClr val="tx1"/>
+                              </a:solidFill>
+                              <a:latin typeface="Cambria Math" panose="02040503050406030204" pitchFamily="18" charset="0"/>
+                            </a:rPr>
+                          </m:ctrlPr>
+                        </m:dPr>
+                        <m:e>
+                          <m:r>
+                            <a:rPr lang="en-US" b="0" i="1" smtClean="0">
+                              <a:solidFill>
+                                <a:schemeClr val="tx1"/>
+                              </a:solidFill>
+                              <a:latin typeface="Cambria Math" panose="02040503050406030204" pitchFamily="18" charset="0"/>
+                            </a:rPr>
+                            <m:t>𝑚</m:t>
+                          </m:r>
+                          <m:r>
+                            <a:rPr lang="en-US" altLang="zh-CN" i="1">
+                              <a:solidFill>
+                                <a:schemeClr val="tx1"/>
+                              </a:solidFill>
+                              <a:latin typeface="Cambria Math" panose="02040503050406030204" pitchFamily="18" charset="0"/>
+                            </a:rPr>
+                            <m:t>1</m:t>
+                          </m:r>
+                        </m:e>
+                      </m:d>
+                      <m:r>
+                        <m:rPr>
+                          <m:aln/>
+                        </m:rPr>
+                        <a:rPr lang="en-US" b="0" i="1" smtClean="0">
+                          <a:solidFill>
+                            <a:schemeClr val="tx1"/>
+                          </a:solidFill>
+                          <a:latin typeface="Cambria Math" panose="02040503050406030204" pitchFamily="18" charset="0"/>
+                        </a:rPr>
+                        <m:t>=</m:t>
+                      </m:r>
+                      <m:r>
+                        <a:rPr lang="en-US" i="1">
+                          <a:solidFill>
+                            <a:schemeClr val="tx1"/>
+                          </a:solidFill>
+                          <a:latin typeface="Cambria Math" panose="02040503050406030204" pitchFamily="18" charset="0"/>
+                        </a:rPr>
+                        <m:t>7.684</m:t>
+                      </m:r>
+                      <m:r>
+                        <a:rPr lang="en-US" b="0" i="1" smtClean="0">
+                          <a:solidFill>
+                            <a:schemeClr val="tx1"/>
+                          </a:solidFill>
+                          <a:latin typeface="Cambria Math" panose="02040503050406030204" pitchFamily="18" charset="0"/>
+                        </a:rPr>
+                        <m:t>9</m:t>
+                      </m:r>
+                    </m:oMath>
+                    <m:oMath xmlns:m="http://schemas.openxmlformats.org/officeDocument/2006/math">
+                      <m:r>
+                        <a:rPr lang="en-US" b="0" i="1" smtClean="0">
+                          <a:solidFill>
+                            <a:schemeClr val="tx1"/>
+                          </a:solidFill>
+                          <a:latin typeface="Cambria Math" panose="02040503050406030204" pitchFamily="18" charset="0"/>
+                        </a:rPr>
+                        <m:t>𝑠𝑡𝑜𝑐𝑘</m:t>
+                      </m:r>
+                      <m:d>
+                        <m:dPr>
+                          <m:ctrlPr>
+                            <a:rPr lang="en-US" b="0" i="1" smtClean="0">
+                              <a:solidFill>
+                                <a:schemeClr val="tx1"/>
+                              </a:solidFill>
+                              <a:latin typeface="Cambria Math" panose="02040503050406030204" pitchFamily="18" charset="0"/>
+                            </a:rPr>
+                          </m:ctrlPr>
+                        </m:dPr>
+                        <m:e>
+                          <m:r>
+                            <a:rPr lang="en-US" b="0" i="1" smtClean="0">
+                              <a:solidFill>
+                                <a:schemeClr val="tx1"/>
+                              </a:solidFill>
+                              <a:latin typeface="Cambria Math" panose="02040503050406030204" pitchFamily="18" charset="0"/>
+                            </a:rPr>
+                            <m:t>𝑚</m:t>
+                          </m:r>
+                          <m:r>
+                            <a:rPr lang="en-US" b="0" i="1" smtClean="0">
+                              <a:solidFill>
+                                <a:schemeClr val="tx1"/>
+                              </a:solidFill>
+                              <a:latin typeface="Cambria Math" panose="02040503050406030204" pitchFamily="18" charset="0"/>
+                            </a:rPr>
+                            <m:t>2</m:t>
+                          </m:r>
+                        </m:e>
+                      </m:d>
+                      <m:r>
+                        <m:rPr>
+                          <m:aln/>
+                        </m:rPr>
+                        <a:rPr lang="en-US" b="0" i="1" smtClean="0">
+                          <a:solidFill>
+                            <a:schemeClr val="tx1"/>
+                          </a:solidFill>
+                          <a:latin typeface="Cambria Math" panose="02040503050406030204" pitchFamily="18" charset="0"/>
+                        </a:rPr>
+                        <m:t>=</m:t>
+                      </m:r>
+                      <m:r>
+                        <a:rPr lang="en-US" i="1">
+                          <a:solidFill>
+                            <a:schemeClr val="tx1"/>
+                          </a:solidFill>
+                          <a:latin typeface="Cambria Math" panose="02040503050406030204" pitchFamily="18" charset="0"/>
+                        </a:rPr>
+                        <m:t>5.393</m:t>
+                      </m:r>
+                      <m:r>
+                        <a:rPr lang="en-US" b="0" i="1" smtClean="0">
+                          <a:solidFill>
+                            <a:schemeClr val="tx1"/>
+                          </a:solidFill>
+                          <a:latin typeface="Cambria Math" panose="02040503050406030204" pitchFamily="18" charset="0"/>
+                        </a:rPr>
+                        <m:t>5</m:t>
+                      </m:r>
+                    </m:oMath>
+                  </m:oMathPara>
+                </a14:m>
+                <a:endParaRPr lang="en-US" b="0" dirty="0">
+                  <a:solidFill>
+                    <a:schemeClr val="tx1"/>
+                  </a:solidFill>
+                </a:endParaRPr>
+              </a:p>
+            </p:txBody>
+          </p:sp>
+        </mc:Choice>
+        <mc:Fallback xmlns="">
+          <p:sp>
+            <p:nvSpPr>
+              <p:cNvPr id="65" name="Rectangle 64">
+                <a:extLst>
+                  <a:ext uri="{FF2B5EF4-FFF2-40B4-BE49-F238E27FC236}">
+                    <a16:creationId xmlns:a16="http://schemas.microsoft.com/office/drawing/2014/main" id="{4F690B5E-D300-4D4C-B988-E56B94568A7E}"/>
+                  </a:ext>
+                </a:extLst>
+              </p:cNvPr>
+              <p:cNvSpPr>
+                <a:spLocks noRot="1" noChangeAspect="1" noMove="1" noResize="1" noEditPoints="1" noAdjustHandles="1" noChangeArrowheads="1" noChangeShapeType="1" noTextEdit="1"/>
+              </p:cNvSpPr>
+              <p:nvPr/>
+            </p:nvSpPr>
+            <p:spPr>
+              <a:xfrm>
+                <a:off x="429846" y="4440604"/>
+                <a:ext cx="2716812" cy="1090246"/>
+              </a:xfrm>
+              <a:prstGeom prst="rect">
+                <a:avLst/>
+              </a:prstGeom>
+              <a:blipFill>
+                <a:blip r:embed="rId6"/>
+                <a:stretch>
+                  <a:fillRect b="-2210"/>
+                </a:stretch>
+              </a:blipFill>
+              <a:ln>
+                <a:solidFill>
+                  <a:schemeClr val="tx1"/>
+                </a:solidFill>
+              </a:ln>
+            </p:spPr>
+            <p:txBody>
+              <a:bodyPr/>
+              <a:lstStyle/>
+              <a:p>
+                <a:r>
+                  <a:rPr lang="en-US">
+                    <a:noFill/>
+                  </a:rPr>
+                  <a:t> </a:t>
+                </a:r>
+              </a:p>
+            </p:txBody>
+          </p:sp>
+        </mc:Fallback>
+      </mc:AlternateContent>
+      <mc:AlternateContent xmlns:mc="http://schemas.openxmlformats.org/markup-compatibility/2006" xmlns:a14="http://schemas.microsoft.com/office/drawing/2010/main">
+        <mc:Choice Requires="a14">
+          <p:sp>
+            <p:nvSpPr>
+              <p:cNvPr id="17" name="TextBox 16">
+                <a:extLst>
+                  <a:ext uri="{FF2B5EF4-FFF2-40B4-BE49-F238E27FC236}">
+                    <a16:creationId xmlns:a16="http://schemas.microsoft.com/office/drawing/2014/main" id="{400BD366-F3C8-4FD0-8C0E-D934C71C6BD0}"/>
+                  </a:ext>
+                </a:extLst>
+              </p:cNvPr>
+              <p:cNvSpPr txBox="1"/>
+              <p:nvPr/>
+            </p:nvSpPr>
+            <p:spPr>
+              <a:xfrm rot="20144516">
+                <a:off x="4813486" y="1998796"/>
+                <a:ext cx="958596" cy="415498"/>
+              </a:xfrm>
+              <a:prstGeom prst="rect">
+                <a:avLst/>
+              </a:prstGeom>
+              <a:noFill/>
+            </p:spPr>
+            <p:txBody>
+              <a:bodyPr wrap="none" rtlCol="0">
+                <a:spAutoFit/>
+              </a:bodyPr>
+              <a:lstStyle/>
+              <a:p>
+                <a:pPr/>
+                <a14:m>
+                  <m:oMathPara xmlns:m="http://schemas.openxmlformats.org/officeDocument/2006/math">
+                    <m:oMathParaPr>
+                      <m:jc m:val="centerGroup"/>
+                    </m:oMathParaPr>
+                    <m:oMath xmlns:m="http://schemas.openxmlformats.org/officeDocument/2006/math">
+                      <m:r>
+                        <a:rPr lang="en-US" sz="1050" b="0" i="1" smtClean="0">
+                          <a:latin typeface="Cambria Math" panose="02040503050406030204" pitchFamily="18" charset="0"/>
+                        </a:rPr>
+                        <m:t>0. 9594 @ </m:t>
+                      </m:r>
+                      <m:sSub>
+                        <m:sSubPr>
+                          <m:ctrlPr>
+                            <a:rPr lang="en-US" sz="1050" b="0" i="1" smtClean="0">
+                              <a:latin typeface="Cambria Math" panose="02040503050406030204" pitchFamily="18" charset="0"/>
+                            </a:rPr>
+                          </m:ctrlPr>
+                        </m:sSubPr>
+                        <m:e>
+                          <m:r>
+                            <a:rPr lang="en-US" sz="1050" b="0" i="1" smtClean="0">
+                              <a:latin typeface="Cambria Math" panose="02040503050406030204" pitchFamily="18" charset="0"/>
+                            </a:rPr>
+                            <m:t>𝐾</m:t>
+                          </m:r>
+                        </m:e>
+                        <m:sub>
+                          <m:r>
+                            <a:rPr lang="en-US" sz="1050" b="0" i="1" smtClean="0">
+                              <a:latin typeface="Cambria Math" panose="02040503050406030204" pitchFamily="18" charset="0"/>
+                            </a:rPr>
+                            <m:t>1</m:t>
+                          </m:r>
+                        </m:sub>
+                      </m:sSub>
+                    </m:oMath>
+                  </m:oMathPara>
+                </a14:m>
+                <a:endParaRPr lang="en-US" sz="1050" b="0" i="1" dirty="0">
+                  <a:latin typeface="Cambria Math" panose="02040503050406030204" pitchFamily="18" charset="0"/>
+                </a:endParaRPr>
+              </a:p>
+              <a:p>
+                <a:pPr/>
+                <a14:m>
+                  <m:oMathPara xmlns:m="http://schemas.openxmlformats.org/officeDocument/2006/math">
+                    <m:oMathParaPr>
+                      <m:jc m:val="centerGroup"/>
+                    </m:oMathParaPr>
+                    <m:oMath xmlns:m="http://schemas.openxmlformats.org/officeDocument/2006/math">
+                      <m:r>
+                        <a:rPr lang="en-US" sz="1050" b="0" i="1" smtClean="0">
+                          <a:latin typeface="Cambria Math" panose="02040503050406030204" pitchFamily="18" charset="0"/>
+                        </a:rPr>
+                        <m:t>0.0129 @ </m:t>
+                      </m:r>
+                      <m:sSub>
+                        <m:sSubPr>
+                          <m:ctrlPr>
+                            <a:rPr lang="en-US" sz="1050" b="0" i="1" smtClean="0">
+                              <a:latin typeface="Cambria Math" panose="02040503050406030204" pitchFamily="18" charset="0"/>
+                            </a:rPr>
+                          </m:ctrlPr>
+                        </m:sSubPr>
+                        <m:e>
+                          <m:r>
+                            <a:rPr lang="en-US" sz="1050" b="0" i="1" smtClean="0">
+                              <a:latin typeface="Cambria Math" panose="02040503050406030204" pitchFamily="18" charset="0"/>
+                            </a:rPr>
+                            <m:t>𝐾</m:t>
+                          </m:r>
+                        </m:e>
+                        <m:sub>
+                          <m:r>
+                            <a:rPr lang="en-US" sz="1050" b="0" i="1" smtClean="0">
+                              <a:latin typeface="Cambria Math" panose="02040503050406030204" pitchFamily="18" charset="0"/>
+                            </a:rPr>
+                            <m:t>2</m:t>
+                          </m:r>
+                        </m:sub>
+                      </m:sSub>
+                    </m:oMath>
+                  </m:oMathPara>
+                </a14:m>
+                <a:endParaRPr lang="en-US" sz="1050" dirty="0"/>
+              </a:p>
+            </p:txBody>
+          </p:sp>
+        </mc:Choice>
+        <mc:Fallback xmlns="">
+          <p:sp>
+            <p:nvSpPr>
+              <p:cNvPr id="17" name="TextBox 16">
+                <a:extLst>
+                  <a:ext uri="{FF2B5EF4-FFF2-40B4-BE49-F238E27FC236}">
+                    <a16:creationId xmlns:a16="http://schemas.microsoft.com/office/drawing/2014/main" id="{400BD366-F3C8-4FD0-8C0E-D934C71C6BD0}"/>
+                  </a:ext>
+                </a:extLst>
+              </p:cNvPr>
+              <p:cNvSpPr txBox="1">
+                <a:spLocks noRot="1" noChangeAspect="1" noMove="1" noResize="1" noEditPoints="1" noAdjustHandles="1" noChangeArrowheads="1" noChangeShapeType="1" noTextEdit="1"/>
+              </p:cNvSpPr>
+              <p:nvPr/>
+            </p:nvSpPr>
+            <p:spPr>
+              <a:xfrm rot="20144516">
+                <a:off x="4813486" y="1998796"/>
+                <a:ext cx="958596" cy="415498"/>
+              </a:xfrm>
+              <a:prstGeom prst="rect">
+                <a:avLst/>
+              </a:prstGeom>
+              <a:blipFill>
+                <a:blip r:embed="rId7"/>
+                <a:stretch>
+                  <a:fillRect/>
+                </a:stretch>
+              </a:blipFill>
+            </p:spPr>
+            <p:txBody>
+              <a:bodyPr/>
+              <a:lstStyle/>
+              <a:p>
+                <a:r>
+                  <a:rPr lang="en-US">
+                    <a:noFill/>
+                  </a:rPr>
+                  <a:t> </a:t>
+                </a:r>
+              </a:p>
+            </p:txBody>
+          </p:sp>
+        </mc:Fallback>
+      </mc:AlternateContent>
+      <mc:AlternateContent xmlns:mc="http://schemas.openxmlformats.org/markup-compatibility/2006" xmlns:a14="http://schemas.microsoft.com/office/drawing/2010/main">
+        <mc:Choice Requires="a14">
+          <p:sp>
+            <p:nvSpPr>
+              <p:cNvPr id="18" name="TextBox 17">
+                <a:extLst>
+                  <a:ext uri="{FF2B5EF4-FFF2-40B4-BE49-F238E27FC236}">
+                    <a16:creationId xmlns:a16="http://schemas.microsoft.com/office/drawing/2014/main" id="{311FD4AB-6D0A-4478-AA36-3F090BD204D4}"/>
+                  </a:ext>
+                </a:extLst>
+              </p:cNvPr>
+              <p:cNvSpPr txBox="1"/>
+              <p:nvPr/>
+            </p:nvSpPr>
+            <p:spPr>
+              <a:xfrm rot="1360292">
+                <a:off x="4902214" y="5120852"/>
+                <a:ext cx="965008" cy="415498"/>
+              </a:xfrm>
+              <a:prstGeom prst="rect">
+                <a:avLst/>
+              </a:prstGeom>
+              <a:noFill/>
+            </p:spPr>
+            <p:txBody>
+              <a:bodyPr wrap="none" rtlCol="0">
+                <a:spAutoFit/>
+              </a:bodyPr>
+              <a:lstStyle/>
+              <a:p>
+                <a:pPr/>
+                <a14:m>
+                  <m:oMathPara xmlns:m="http://schemas.openxmlformats.org/officeDocument/2006/math">
+                    <m:oMathParaPr>
+                      <m:jc m:val="centerGroup"/>
+                    </m:oMathParaPr>
+                    <m:oMath xmlns:m="http://schemas.openxmlformats.org/officeDocument/2006/math">
+                      <m:r>
+                        <a:rPr lang="en-US" sz="1050" i="1" smtClean="0">
+                          <a:latin typeface="Cambria Math" panose="02040503050406030204" pitchFamily="18" charset="0"/>
+                        </a:rPr>
+                        <m:t>0.0148 </m:t>
+                      </m:r>
+                      <m:r>
+                        <a:rPr lang="en-US" altLang="zh-CN" sz="1050" i="1">
+                          <a:latin typeface="Cambria Math" panose="02040503050406030204" pitchFamily="18" charset="0"/>
+                        </a:rPr>
+                        <m:t>@ </m:t>
+                      </m:r>
+                      <m:sSub>
+                        <m:sSubPr>
+                          <m:ctrlPr>
+                            <a:rPr lang="en-US" altLang="zh-CN" sz="1050" i="1">
+                              <a:latin typeface="Cambria Math" panose="02040503050406030204" pitchFamily="18" charset="0"/>
+                            </a:rPr>
+                          </m:ctrlPr>
+                        </m:sSubPr>
+                        <m:e>
+                          <m:r>
+                            <a:rPr lang="en-US" altLang="zh-CN" sz="1050" i="1">
+                              <a:latin typeface="Cambria Math" panose="02040503050406030204" pitchFamily="18" charset="0"/>
+                            </a:rPr>
+                            <m:t>𝐾</m:t>
+                          </m:r>
+                        </m:e>
+                        <m:sub>
+                          <m:r>
+                            <a:rPr lang="en-US" altLang="zh-CN" sz="1050" i="1">
+                              <a:latin typeface="Cambria Math" panose="02040503050406030204" pitchFamily="18" charset="0"/>
+                            </a:rPr>
+                            <m:t>1</m:t>
+                          </m:r>
+                        </m:sub>
+                      </m:sSub>
+                      <m:r>
+                        <a:rPr lang="en-US" altLang="zh-CN" sz="1050" i="1">
+                          <a:latin typeface="Cambria Math" panose="02040503050406030204" pitchFamily="18" charset="0"/>
+                        </a:rPr>
+                        <m:t> </m:t>
+                      </m:r>
+                    </m:oMath>
+                  </m:oMathPara>
+                </a14:m>
+                <a:endParaRPr lang="en-US" altLang="zh-CN" sz="1050" i="1" dirty="0">
+                  <a:latin typeface="Cambria Math" panose="02040503050406030204" pitchFamily="18" charset="0"/>
+                </a:endParaRPr>
+              </a:p>
+              <a:p>
+                <a:pPr/>
+                <a14:m>
+                  <m:oMathPara xmlns:m="http://schemas.openxmlformats.org/officeDocument/2006/math">
+                    <m:oMathParaPr>
+                      <m:jc m:val="centerGroup"/>
+                    </m:oMathParaPr>
+                    <m:oMath xmlns:m="http://schemas.openxmlformats.org/officeDocument/2006/math">
+                      <m:r>
+                        <a:rPr lang="en-US" sz="1050" i="1" smtClean="0">
+                          <a:latin typeface="Cambria Math" panose="02040503050406030204" pitchFamily="18" charset="0"/>
+                        </a:rPr>
+                        <m:t>0.0129</m:t>
+                      </m:r>
+                      <m:r>
+                        <a:rPr lang="en-US" sz="1050" b="0" i="1" smtClean="0">
+                          <a:latin typeface="Cambria Math" panose="02040503050406030204" pitchFamily="18" charset="0"/>
+                        </a:rPr>
+                        <m:t> </m:t>
+                      </m:r>
+                      <m:r>
+                        <a:rPr lang="en-US" sz="1050" i="1">
+                          <a:latin typeface="Cambria Math" panose="02040503050406030204" pitchFamily="18" charset="0"/>
+                        </a:rPr>
+                        <m:t>@ </m:t>
+                      </m:r>
+                      <m:sSub>
+                        <m:sSubPr>
+                          <m:ctrlPr>
+                            <a:rPr lang="en-US" sz="1050" b="0" i="1" smtClean="0">
+                              <a:latin typeface="Cambria Math" panose="02040503050406030204" pitchFamily="18" charset="0"/>
+                            </a:rPr>
+                          </m:ctrlPr>
+                        </m:sSubPr>
+                        <m:e>
+                          <m:r>
+                            <a:rPr lang="en-US" sz="1050" b="0" i="1" smtClean="0">
+                              <a:latin typeface="Cambria Math" panose="02040503050406030204" pitchFamily="18" charset="0"/>
+                            </a:rPr>
+                            <m:t>𝐾</m:t>
+                          </m:r>
+                        </m:e>
+                        <m:sub>
+                          <m:r>
+                            <a:rPr lang="en-US" sz="1050" b="0" i="1" smtClean="0">
+                              <a:latin typeface="Cambria Math" panose="02040503050406030204" pitchFamily="18" charset="0"/>
+                            </a:rPr>
+                            <m:t>2</m:t>
+                          </m:r>
+                        </m:sub>
+                      </m:sSub>
+                    </m:oMath>
+                  </m:oMathPara>
+                </a14:m>
+                <a:endParaRPr lang="en-US" sz="1050" b="0" i="1" dirty="0"/>
+              </a:p>
+            </p:txBody>
+          </p:sp>
+        </mc:Choice>
+        <mc:Fallback xmlns="">
+          <p:sp>
+            <p:nvSpPr>
+              <p:cNvPr id="18" name="TextBox 17">
+                <a:extLst>
+                  <a:ext uri="{FF2B5EF4-FFF2-40B4-BE49-F238E27FC236}">
+                    <a16:creationId xmlns:a16="http://schemas.microsoft.com/office/drawing/2014/main" id="{311FD4AB-6D0A-4478-AA36-3F090BD204D4}"/>
+                  </a:ext>
+                </a:extLst>
+              </p:cNvPr>
+              <p:cNvSpPr txBox="1">
+                <a:spLocks noRot="1" noChangeAspect="1" noMove="1" noResize="1" noEditPoints="1" noAdjustHandles="1" noChangeArrowheads="1" noChangeShapeType="1" noTextEdit="1"/>
+              </p:cNvSpPr>
+              <p:nvPr/>
+            </p:nvSpPr>
+            <p:spPr>
+              <a:xfrm rot="1360292">
+                <a:off x="4902214" y="5120852"/>
+                <a:ext cx="965008" cy="415498"/>
+              </a:xfrm>
+              <a:prstGeom prst="rect">
+                <a:avLst/>
+              </a:prstGeom>
+              <a:blipFill>
+                <a:blip r:embed="rId8"/>
+                <a:stretch>
+                  <a:fillRect/>
+                </a:stretch>
+              </a:blipFill>
+            </p:spPr>
+            <p:txBody>
+              <a:bodyPr/>
+              <a:lstStyle/>
+              <a:p>
+                <a:r>
+                  <a:rPr lang="en-US">
+                    <a:noFill/>
+                  </a:rPr>
+                  <a:t> </a:t>
+                </a:r>
+              </a:p>
+            </p:txBody>
+          </p:sp>
+        </mc:Fallback>
+      </mc:AlternateContent>
+      <mc:AlternateContent xmlns:mc="http://schemas.openxmlformats.org/markup-compatibility/2006" xmlns:a14="http://schemas.microsoft.com/office/drawing/2010/main">
+        <mc:Choice Requires="a14">
+          <p:sp>
+            <p:nvSpPr>
+              <p:cNvPr id="22" name="TextBox 21">
+                <a:extLst>
+                  <a:ext uri="{FF2B5EF4-FFF2-40B4-BE49-F238E27FC236}">
+                    <a16:creationId xmlns:a16="http://schemas.microsoft.com/office/drawing/2014/main" id="{7E176ABD-F134-4F53-B192-1A78A1133107}"/>
+                  </a:ext>
+                </a:extLst>
+              </p:cNvPr>
+              <p:cNvSpPr txBox="1"/>
+              <p:nvPr/>
+            </p:nvSpPr>
+            <p:spPr>
+              <a:xfrm rot="5400000">
+                <a:off x="7338615" y="2863057"/>
+                <a:ext cx="1020472" cy="415563"/>
+              </a:xfrm>
+              <a:prstGeom prst="rect">
+                <a:avLst/>
+              </a:prstGeom>
+              <a:noFill/>
+            </p:spPr>
+            <p:txBody>
+              <a:bodyPr wrap="none" rtlCol="0">
+                <a:spAutoFit/>
+              </a:bodyPr>
+              <a:lstStyle/>
+              <a:p>
+                <a:pPr/>
+                <a14:m>
+                  <m:oMathPara xmlns:m="http://schemas.openxmlformats.org/officeDocument/2006/math">
+                    <m:oMathParaPr>
+                      <m:jc m:val="centerGroup"/>
+                    </m:oMathParaPr>
+                    <m:oMath xmlns:m="http://schemas.openxmlformats.org/officeDocument/2006/math">
+                      <m:r>
+                        <a:rPr lang="en-US" sz="1050" b="0" i="1" smtClean="0">
+                          <a:latin typeface="Cambria Math" panose="02040503050406030204" pitchFamily="18" charset="0"/>
+                        </a:rPr>
+                        <m:t>0.0033 @ </m:t>
+                      </m:r>
+                      <m:sSub>
+                        <m:sSubPr>
+                          <m:ctrlPr>
+                            <a:rPr lang="en-US" sz="1050" b="0" i="1" smtClean="0">
+                              <a:latin typeface="Cambria Math" panose="02040503050406030204" pitchFamily="18" charset="0"/>
+                            </a:rPr>
+                          </m:ctrlPr>
+                        </m:sSubPr>
+                        <m:e>
+                          <m:r>
+                            <a:rPr lang="en-US" sz="1050" b="0" i="1" smtClean="0">
+                              <a:latin typeface="Cambria Math" panose="02040503050406030204" pitchFamily="18" charset="0"/>
+                            </a:rPr>
+                            <m:t>𝐾</m:t>
+                          </m:r>
+                        </m:e>
+                        <m:sub>
+                          <m:r>
+                            <a:rPr lang="en-US" sz="1050" b="0" i="1" smtClean="0">
+                              <a:latin typeface="Cambria Math" panose="02040503050406030204" pitchFamily="18" charset="0"/>
+                            </a:rPr>
+                            <m:t>1</m:t>
+                          </m:r>
+                        </m:sub>
+                      </m:sSub>
+                    </m:oMath>
+                  </m:oMathPara>
+                </a14:m>
+                <a:endParaRPr lang="en-US" sz="1050" b="0" i="1" dirty="0">
+                  <a:latin typeface="Cambria Math" panose="02040503050406030204" pitchFamily="18" charset="0"/>
+                </a:endParaRPr>
+              </a:p>
+              <a:p>
+                <a:pPr/>
+                <a14:m>
+                  <m:oMathPara xmlns:m="http://schemas.openxmlformats.org/officeDocument/2006/math">
+                    <m:oMathParaPr>
+                      <m:jc m:val="centerGroup"/>
+                    </m:oMathParaPr>
+                    <m:oMath xmlns:m="http://schemas.openxmlformats.org/officeDocument/2006/math">
+                      <m:r>
+                        <a:rPr lang="en-US" sz="1050" i="1" smtClean="0">
+                          <a:latin typeface="Cambria Math" panose="02040503050406030204" pitchFamily="18" charset="0"/>
+                        </a:rPr>
+                        <m:t>1</m:t>
+                      </m:r>
+                      <m:r>
+                        <a:rPr lang="en-US" sz="1050" b="0" i="1" smtClean="0">
+                          <a:latin typeface="Cambria Math" panose="02040503050406030204" pitchFamily="18" charset="0"/>
+                        </a:rPr>
+                        <m:t>.9401</m:t>
+                      </m:r>
+                      <m:r>
+                        <a:rPr lang="en-US" sz="1050" i="1">
+                          <a:latin typeface="Cambria Math" panose="02040503050406030204" pitchFamily="18" charset="0"/>
+                        </a:rPr>
+                        <m:t> @ </m:t>
+                      </m:r>
+                      <m:sSub>
+                        <m:sSubPr>
+                          <m:ctrlPr>
+                            <a:rPr lang="en-US" sz="1050" i="1">
+                              <a:latin typeface="Cambria Math" panose="02040503050406030204" pitchFamily="18" charset="0"/>
+                            </a:rPr>
+                          </m:ctrlPr>
+                        </m:sSubPr>
+                        <m:e>
+                          <m:r>
+                            <a:rPr lang="en-US" sz="1050" i="1">
+                              <a:latin typeface="Cambria Math" panose="02040503050406030204" pitchFamily="18" charset="0"/>
+                            </a:rPr>
+                            <m:t>𝐾</m:t>
+                          </m:r>
+                        </m:e>
+                        <m:sub>
+                          <m:r>
+                            <a:rPr lang="en-US" sz="1050" b="0" i="1" smtClean="0">
+                              <a:latin typeface="Cambria Math" panose="02040503050406030204" pitchFamily="18" charset="0"/>
+                            </a:rPr>
+                            <m:t>2</m:t>
+                          </m:r>
+                        </m:sub>
+                      </m:sSub>
+                    </m:oMath>
+                  </m:oMathPara>
+                </a14:m>
+                <a:br>
+                  <a:rPr lang="en-US" sz="1050" dirty="0"/>
+                </a:br>
+                <a:endParaRPr lang="en-US" sz="1050" dirty="0"/>
+              </a:p>
+            </p:txBody>
+          </p:sp>
+        </mc:Choice>
+        <mc:Fallback xmlns="">
+          <p:sp>
+            <p:nvSpPr>
+              <p:cNvPr id="22" name="TextBox 21">
+                <a:extLst>
+                  <a:ext uri="{FF2B5EF4-FFF2-40B4-BE49-F238E27FC236}">
+                    <a16:creationId xmlns:a16="http://schemas.microsoft.com/office/drawing/2014/main" id="{7E176ABD-F134-4F53-B192-1A78A1133107}"/>
+                  </a:ext>
+                </a:extLst>
+              </p:cNvPr>
+              <p:cNvSpPr txBox="1">
+                <a:spLocks noRot="1" noChangeAspect="1" noMove="1" noResize="1" noEditPoints="1" noAdjustHandles="1" noChangeArrowheads="1" noChangeShapeType="1" noTextEdit="1"/>
+              </p:cNvSpPr>
+              <p:nvPr/>
+            </p:nvSpPr>
+            <p:spPr>
+              <a:xfrm rot="5400000">
+                <a:off x="7338615" y="2863057"/>
+                <a:ext cx="1020472" cy="415563"/>
+              </a:xfrm>
+              <a:prstGeom prst="rect">
+                <a:avLst/>
+              </a:prstGeom>
+              <a:blipFill>
+                <a:blip r:embed="rId9"/>
+                <a:stretch>
+                  <a:fillRect/>
+                </a:stretch>
+              </a:blipFill>
+            </p:spPr>
+            <p:txBody>
+              <a:bodyPr/>
+              <a:lstStyle/>
+              <a:p>
+                <a:r>
+                  <a:rPr lang="en-US">
+                    <a:noFill/>
+                  </a:rPr>
+                  <a:t> </a:t>
+                </a:r>
+              </a:p>
+            </p:txBody>
+          </p:sp>
+        </mc:Fallback>
+      </mc:AlternateContent>
+      <mc:AlternateContent xmlns:mc="http://schemas.openxmlformats.org/markup-compatibility/2006" xmlns:a14="http://schemas.microsoft.com/office/drawing/2010/main">
+        <mc:Choice Requires="a14">
+          <p:sp>
+            <p:nvSpPr>
+              <p:cNvPr id="24" name="TextBox 23">
+                <a:extLst>
+                  <a:ext uri="{FF2B5EF4-FFF2-40B4-BE49-F238E27FC236}">
+                    <a16:creationId xmlns:a16="http://schemas.microsoft.com/office/drawing/2014/main" id="{63919D9D-3A33-4BFE-9245-4066EFBA1F7B}"/>
+                  </a:ext>
+                </a:extLst>
+              </p:cNvPr>
+              <p:cNvSpPr txBox="1"/>
+              <p:nvPr/>
+            </p:nvSpPr>
+            <p:spPr>
+              <a:xfrm rot="16200000">
+                <a:off x="6166069" y="4206712"/>
+                <a:ext cx="997774" cy="415563"/>
+              </a:xfrm>
+              <a:prstGeom prst="rect">
+                <a:avLst/>
+              </a:prstGeom>
+              <a:noFill/>
+            </p:spPr>
+            <p:txBody>
+              <a:bodyPr wrap="none" rtlCol="0">
+                <a:spAutoFit/>
+              </a:bodyPr>
+              <a:lstStyle/>
+              <a:p>
+                <a:pPr/>
+                <a14:m>
+                  <m:oMathPara xmlns:m="http://schemas.openxmlformats.org/officeDocument/2006/math">
+                    <m:oMathParaPr>
+                      <m:jc m:val="centerGroup"/>
+                    </m:oMathParaPr>
+                    <m:oMath xmlns:m="http://schemas.openxmlformats.org/officeDocument/2006/math">
+                      <m:r>
+                        <a:rPr lang="en-US" sz="1050" b="0" i="1" smtClean="0">
+                          <a:latin typeface="Cambria Math" panose="02040503050406030204" pitchFamily="18" charset="0"/>
+                        </a:rPr>
+                        <m:t>1.0730</m:t>
+                      </m:r>
+                      <m:r>
+                        <a:rPr lang="en-US" sz="1050" i="1">
+                          <a:latin typeface="Cambria Math" panose="02040503050406030204" pitchFamily="18" charset="0"/>
+                        </a:rPr>
+                        <m:t> @ </m:t>
+                      </m:r>
+                      <m:sSub>
+                        <m:sSubPr>
+                          <m:ctrlPr>
+                            <a:rPr lang="en-US" sz="1050" i="1">
+                              <a:latin typeface="Cambria Math" panose="02040503050406030204" pitchFamily="18" charset="0"/>
+                            </a:rPr>
+                          </m:ctrlPr>
+                        </m:sSubPr>
+                        <m:e>
+                          <m:r>
+                            <a:rPr lang="en-US" sz="1050" i="1">
+                              <a:latin typeface="Cambria Math" panose="02040503050406030204" pitchFamily="18" charset="0"/>
+                            </a:rPr>
+                            <m:t>𝐾</m:t>
+                          </m:r>
+                        </m:e>
+                        <m:sub>
+                          <m:r>
+                            <a:rPr lang="en-US" sz="1050" b="0" i="1" smtClean="0">
+                              <a:latin typeface="Cambria Math" panose="02040503050406030204" pitchFamily="18" charset="0"/>
+                            </a:rPr>
+                            <m:t>1</m:t>
+                          </m:r>
+                        </m:sub>
+                      </m:sSub>
+                    </m:oMath>
+                  </m:oMathPara>
+                </a14:m>
+                <a:br>
+                  <a:rPr lang="en-US" sz="1050" dirty="0"/>
+                </a:br>
+                <a:endParaRPr lang="en-US" sz="1050" dirty="0"/>
+              </a:p>
+              <a:p>
+                <a:pPr/>
+                <a14:m>
+                  <m:oMathPara xmlns:m="http://schemas.openxmlformats.org/officeDocument/2006/math">
+                    <m:oMathParaPr>
+                      <m:jc m:val="centerGroup"/>
+                    </m:oMathParaPr>
+                    <m:oMath xmlns:m="http://schemas.openxmlformats.org/officeDocument/2006/math">
+                      <m:r>
+                        <a:rPr lang="en-US" sz="1050" i="1" smtClean="0">
+                          <a:latin typeface="Cambria Math" panose="02040503050406030204" pitchFamily="18" charset="0"/>
+                        </a:rPr>
+                        <m:t>0</m:t>
+                      </m:r>
+                      <m:r>
+                        <a:rPr lang="en-US" sz="1050" b="0" i="1" smtClean="0">
+                          <a:latin typeface="Cambria Math" panose="02040503050406030204" pitchFamily="18" charset="0"/>
+                        </a:rPr>
+                        <m:t>.0492 @ </m:t>
+                      </m:r>
+                      <m:sSub>
+                        <m:sSubPr>
+                          <m:ctrlPr>
+                            <a:rPr lang="en-US" sz="1050" b="0" i="1" smtClean="0">
+                              <a:latin typeface="Cambria Math" panose="02040503050406030204" pitchFamily="18" charset="0"/>
+                            </a:rPr>
+                          </m:ctrlPr>
+                        </m:sSubPr>
+                        <m:e>
+                          <m:r>
+                            <a:rPr lang="en-US" sz="1050" b="0" i="1" smtClean="0">
+                              <a:latin typeface="Cambria Math" panose="02040503050406030204" pitchFamily="18" charset="0"/>
+                            </a:rPr>
+                            <m:t>𝐾</m:t>
+                          </m:r>
+                        </m:e>
+                        <m:sub>
+                          <m:r>
+                            <a:rPr lang="en-US" sz="1050" b="0" i="1" smtClean="0">
+                              <a:latin typeface="Cambria Math" panose="02040503050406030204" pitchFamily="18" charset="0"/>
+                            </a:rPr>
+                            <m:t>2</m:t>
+                          </m:r>
+                        </m:sub>
+                      </m:sSub>
+                    </m:oMath>
+                  </m:oMathPara>
+                </a14:m>
+                <a:br>
+                  <a:rPr lang="en-US" sz="1050" b="0" dirty="0"/>
+                </a:br>
+                <a:endParaRPr lang="en-US" sz="1050" dirty="0"/>
+              </a:p>
+            </p:txBody>
+          </p:sp>
+        </mc:Choice>
+        <mc:Fallback xmlns="">
+          <p:sp>
+            <p:nvSpPr>
+              <p:cNvPr id="24" name="TextBox 23">
+                <a:extLst>
+                  <a:ext uri="{FF2B5EF4-FFF2-40B4-BE49-F238E27FC236}">
+                    <a16:creationId xmlns:a16="http://schemas.microsoft.com/office/drawing/2014/main" id="{63919D9D-3A33-4BFE-9245-4066EFBA1F7B}"/>
+                  </a:ext>
+                </a:extLst>
+              </p:cNvPr>
+              <p:cNvSpPr txBox="1">
+                <a:spLocks noRot="1" noChangeAspect="1" noMove="1" noResize="1" noEditPoints="1" noAdjustHandles="1" noChangeArrowheads="1" noChangeShapeType="1" noTextEdit="1"/>
+              </p:cNvSpPr>
+              <p:nvPr/>
+            </p:nvSpPr>
+            <p:spPr>
+              <a:xfrm rot="16200000">
+                <a:off x="6166069" y="4206712"/>
+                <a:ext cx="997774" cy="415563"/>
+              </a:xfrm>
+              <a:prstGeom prst="rect">
+                <a:avLst/>
+              </a:prstGeom>
+              <a:blipFill>
+                <a:blip r:embed="rId10"/>
+                <a:stretch>
+                  <a:fillRect/>
+                </a:stretch>
+              </a:blipFill>
+            </p:spPr>
+            <p:txBody>
+              <a:bodyPr/>
+              <a:lstStyle/>
+              <a:p>
+                <a:r>
+                  <a:rPr lang="en-US">
+                    <a:noFill/>
+                  </a:rPr>
+                  <a:t> </a:t>
+                </a:r>
+              </a:p>
+            </p:txBody>
+          </p:sp>
+        </mc:Fallback>
+      </mc:AlternateContent>
+    </p:spTree>
+    <p:extLst>
+      <p:ext uri="{BB962C8B-B14F-4D97-AF65-F5344CB8AC3E}">
+        <p14:creationId xmlns:p14="http://schemas.microsoft.com/office/powerpoint/2010/main" val="2490506798"/>
+      </p:ext>
+    </p:extLst>
+  </p:cSld>
+  <p:clrMapOvr>
+    <a:masterClrMapping/>
+  </p:clrMapOvr>
+</p:sld>
+</file>
+
+<file path=ppt/slides/slide7.xml><?xml version="1.0" encoding="utf-8"?>
+<p:sld xmlns:a="http://schemas.openxmlformats.org/drawingml/2006/main" xmlns:r="http://schemas.openxmlformats.org/officeDocument/2006/relationships" xmlns:p="http://schemas.openxmlformats.org/presentationml/2006/main">
+  <p:cSld>
+    <p:spTree>
+      <p:nvGrpSpPr>
+        <p:cNvPr id="1" name=""/>
+        <p:cNvGrpSpPr/>
+        <p:nvPr/>
+      </p:nvGrpSpPr>
+      <p:grpSpPr>
+        <a:xfrm>
+          <a:off x="0" y="0"/>
+          <a:ext cx="0" cy="0"/>
+          <a:chOff x="0" y="0"/>
+          <a:chExt cx="0" cy="0"/>
+        </a:xfrm>
+      </p:grpSpPr>
+      <mc:AlternateContent xmlns:mc="http://schemas.openxmlformats.org/markup-compatibility/2006" xmlns:a14="http://schemas.microsoft.com/office/drawing/2010/main">
+        <mc:Choice Requires="a14">
+          <p:sp>
+            <p:nvSpPr>
+              <p:cNvPr id="12" name="TextBox 11">
+                <a:extLst>
+                  <a:ext uri="{FF2B5EF4-FFF2-40B4-BE49-F238E27FC236}">
+                    <a16:creationId xmlns:a16="http://schemas.microsoft.com/office/drawing/2014/main" id="{A7791F1B-B7E1-4232-AAE9-02204F3A79BC}"/>
+                  </a:ext>
+                </a:extLst>
+              </p:cNvPr>
+              <p:cNvSpPr txBox="1"/>
+              <p:nvPr/>
+            </p:nvSpPr>
+            <p:spPr>
+              <a:xfrm>
+                <a:off x="1546743" y="1601122"/>
+                <a:ext cx="483016" cy="369332"/>
+              </a:xfrm>
+              <a:prstGeom prst="rect">
+                <a:avLst/>
+              </a:prstGeom>
+              <a:noFill/>
+            </p:spPr>
+            <p:txBody>
+              <a:bodyPr wrap="none" rtlCol="0">
+                <a:spAutoFit/>
+              </a:bodyPr>
+              <a:lstStyle/>
+              <a:p>
+                <a:pPr/>
+                <a14:m>
+                  <m:oMathPara xmlns:m="http://schemas.openxmlformats.org/officeDocument/2006/math">
+                    <m:oMathParaPr>
+                      <m:jc m:val="centerGroup"/>
+                    </m:oMathParaPr>
+                    <m:oMath xmlns:m="http://schemas.openxmlformats.org/officeDocument/2006/math">
+                      <m:sSub>
+                        <m:sSubPr>
+                          <m:ctrlPr>
+                            <a:rPr lang="en-US" b="0" i="1" smtClean="0">
+                              <a:latin typeface="Cambria Math" panose="02040503050406030204" pitchFamily="18" charset="0"/>
+                            </a:rPr>
+                          </m:ctrlPr>
+                        </m:sSubPr>
+                        <m:e>
+                          <m:r>
+                            <a:rPr lang="en-US" b="0" i="1" smtClean="0">
+                              <a:latin typeface="Cambria Math" panose="02040503050406030204" pitchFamily="18" charset="0"/>
+                            </a:rPr>
+                            <m:t>𝐾</m:t>
+                          </m:r>
+                        </m:e>
+                        <m:sub>
+                          <m:r>
+                            <a:rPr lang="en-US" b="0" i="1" smtClean="0">
+                              <a:latin typeface="Cambria Math" panose="02040503050406030204" pitchFamily="18" charset="0"/>
+                            </a:rPr>
+                            <m:t>1</m:t>
+                          </m:r>
+                        </m:sub>
+                      </m:sSub>
+                    </m:oMath>
+                  </m:oMathPara>
+                </a14:m>
+                <a:endParaRPr lang="en-US" dirty="0"/>
+              </a:p>
+            </p:txBody>
+          </p:sp>
+        </mc:Choice>
+        <mc:Fallback xmlns="">
+          <p:sp>
+            <p:nvSpPr>
+              <p:cNvPr id="12" name="TextBox 11">
+                <a:extLst>
+                  <a:ext uri="{FF2B5EF4-FFF2-40B4-BE49-F238E27FC236}">
+                    <a16:creationId xmlns:a16="http://schemas.microsoft.com/office/drawing/2014/main" id="{A7791F1B-B7E1-4232-AAE9-02204F3A79BC}"/>
+                  </a:ext>
+                </a:extLst>
+              </p:cNvPr>
+              <p:cNvSpPr txBox="1">
+                <a:spLocks noRot="1" noChangeAspect="1" noMove="1" noResize="1" noEditPoints="1" noAdjustHandles="1" noChangeArrowheads="1" noChangeShapeType="1" noTextEdit="1"/>
+              </p:cNvSpPr>
+              <p:nvPr/>
+            </p:nvSpPr>
+            <p:spPr>
+              <a:xfrm>
+                <a:off x="1546743" y="1601122"/>
+                <a:ext cx="483016" cy="369332"/>
+              </a:xfrm>
+              <a:prstGeom prst="rect">
+                <a:avLst/>
+              </a:prstGeom>
+              <a:blipFill>
+                <a:blip r:embed="rId3"/>
+                <a:stretch>
+                  <a:fillRect/>
+                </a:stretch>
+              </a:blipFill>
+            </p:spPr>
+            <p:txBody>
+              <a:bodyPr/>
+              <a:lstStyle/>
+              <a:p>
+                <a:r>
+                  <a:rPr lang="en-US">
+                    <a:noFill/>
+                  </a:rPr>
+                  <a:t> </a:t>
+                </a:r>
+              </a:p>
+            </p:txBody>
+          </p:sp>
+        </mc:Fallback>
+      </mc:AlternateContent>
+      <mc:AlternateContent xmlns:mc="http://schemas.openxmlformats.org/markup-compatibility/2006" xmlns:a14="http://schemas.microsoft.com/office/drawing/2010/main">
+        <mc:Choice Requires="a14">
+          <p:sp>
+            <p:nvSpPr>
+              <p:cNvPr id="10" name="Rectangle 9">
+                <a:extLst>
+                  <a:ext uri="{FF2B5EF4-FFF2-40B4-BE49-F238E27FC236}">
+                    <a16:creationId xmlns:a16="http://schemas.microsoft.com/office/drawing/2014/main" id="{3C00A4A8-1391-4D95-BA94-E282132932A7}"/>
+                  </a:ext>
+                </a:extLst>
+              </p:cNvPr>
+              <p:cNvSpPr/>
+              <p:nvPr/>
+            </p:nvSpPr>
+            <p:spPr>
+              <a:xfrm>
+                <a:off x="429845" y="1970454"/>
+                <a:ext cx="2716813" cy="1090246"/>
+              </a:xfrm>
+              <a:prstGeom prst="rect">
+                <a:avLst/>
+              </a:prstGeom>
+              <a:noFill/>
+              <a:ln>
+                <a:solidFill>
+                  <a:schemeClr val="tx1"/>
+                </a:solidFill>
+              </a:ln>
+            </p:spPr>
+            <p:style>
+              <a:lnRef idx="2">
+                <a:schemeClr val="accent1">
+                  <a:shade val="50000"/>
+                </a:schemeClr>
+              </a:lnRef>
+              <a:fillRef idx="1">
+                <a:schemeClr val="accent1"/>
+              </a:fillRef>
+              <a:effectRef idx="0">
+                <a:schemeClr val="accent1"/>
+              </a:effectRef>
+              <a:fontRef idx="minor">
+                <a:schemeClr val="lt1"/>
+              </a:fontRef>
+            </p:style>
+            <p:txBody>
+              <a:bodyPr rtlCol="0" anchor="ctr"/>
+              <a:lstStyle/>
+              <a:p>
+                <a:pPr/>
+                <a14:m>
+                  <m:oMathPara xmlns:m="http://schemas.openxmlformats.org/officeDocument/2006/math">
+                    <m:oMathParaPr>
+                      <m:jc m:val="centerGroup"/>
+                    </m:oMathParaPr>
+                    <m:oMath xmlns:m="http://schemas.openxmlformats.org/officeDocument/2006/math">
+                      <m:r>
+                        <a:rPr lang="en-US" i="1" dirty="0" smtClean="0">
+                          <a:solidFill>
+                            <a:schemeClr val="tx1"/>
+                          </a:solidFill>
+                          <a:latin typeface="Cambria Math" panose="02040503050406030204" pitchFamily="18" charset="0"/>
+                        </a:rPr>
+                        <m:t>𝑆𝑡𝑜𝑐𝑘</m:t>
+                      </m:r>
+                      <m:d>
+                        <m:dPr>
+                          <m:ctrlPr>
+                            <a:rPr lang="en-US" i="1" dirty="0" smtClean="0">
+                              <a:solidFill>
+                                <a:schemeClr val="tx1"/>
+                              </a:solidFill>
+                              <a:latin typeface="Cambria Math" panose="02040503050406030204" pitchFamily="18" charset="0"/>
+                            </a:rPr>
+                          </m:ctrlPr>
+                        </m:dPr>
+                        <m:e>
+                          <m:r>
+                            <a:rPr lang="en-US" i="1" dirty="0" smtClean="0">
+                              <a:solidFill>
+                                <a:schemeClr val="tx1"/>
+                              </a:solidFill>
+                              <a:latin typeface="Cambria Math" panose="02040503050406030204" pitchFamily="18" charset="0"/>
+                            </a:rPr>
+                            <m:t>𝑜</m:t>
+                          </m:r>
+                        </m:e>
+                      </m:d>
+                      <m:r>
+                        <m:rPr>
+                          <m:aln/>
+                        </m:rPr>
+                        <a:rPr lang="en-US" i="1" dirty="0" smtClean="0">
+                          <a:solidFill>
+                            <a:schemeClr val="tx1"/>
+                          </a:solidFill>
+                          <a:latin typeface="Cambria Math" panose="02040503050406030204" pitchFamily="18" charset="0"/>
+                        </a:rPr>
+                        <m:t>=</m:t>
+                      </m:r>
+                      <m:r>
+                        <a:rPr lang="en-US" i="1" dirty="0">
+                          <a:solidFill>
+                            <a:schemeClr val="tx1"/>
+                          </a:solidFill>
+                          <a:latin typeface="Cambria Math" panose="02040503050406030204" pitchFamily="18" charset="0"/>
+                        </a:rPr>
+                        <m:t>9.1917</m:t>
+                      </m:r>
+                    </m:oMath>
+                    <m:oMath xmlns:m="http://schemas.openxmlformats.org/officeDocument/2006/math">
+                      <m:r>
+                        <a:rPr lang="en-US" i="1" dirty="0" smtClean="0">
+                          <a:solidFill>
+                            <a:schemeClr val="tx1"/>
+                          </a:solidFill>
+                          <a:latin typeface="Cambria Math" panose="02040503050406030204" pitchFamily="18" charset="0"/>
+                        </a:rPr>
+                        <m:t>𝑆𝑡𝑜𝑐𝑘</m:t>
+                      </m:r>
+                      <m:d>
+                        <m:dPr>
+                          <m:ctrlPr>
+                            <a:rPr lang="en-US" i="1" dirty="0" smtClean="0">
+                              <a:solidFill>
+                                <a:schemeClr val="tx1"/>
+                              </a:solidFill>
+                              <a:latin typeface="Cambria Math" panose="02040503050406030204" pitchFamily="18" charset="0"/>
+                            </a:rPr>
+                          </m:ctrlPr>
+                        </m:dPr>
+                        <m:e>
+                          <m:r>
+                            <a:rPr lang="en-US" i="1" dirty="0" smtClean="0">
+                              <a:solidFill>
+                                <a:schemeClr val="tx1"/>
+                              </a:solidFill>
+                              <a:latin typeface="Cambria Math" panose="02040503050406030204" pitchFamily="18" charset="0"/>
+                            </a:rPr>
+                            <m:t>𝑑</m:t>
+                          </m:r>
+                        </m:e>
+                      </m:d>
+                      <m:r>
+                        <m:rPr>
+                          <m:aln/>
+                        </m:rPr>
+                        <a:rPr lang="en-US" i="1" dirty="0" smtClean="0">
+                          <a:solidFill>
+                            <a:schemeClr val="tx1"/>
+                          </a:solidFill>
+                          <a:latin typeface="Cambria Math" panose="02040503050406030204" pitchFamily="18" charset="0"/>
+                        </a:rPr>
+                        <m:t>=</m:t>
+                      </m:r>
+                      <m:r>
+                        <a:rPr lang="en-US" i="1" dirty="0">
+                          <a:solidFill>
+                            <a:schemeClr val="tx1"/>
+                          </a:solidFill>
+                          <a:latin typeface="Cambria Math" panose="02040503050406030204" pitchFamily="18" charset="0"/>
+                        </a:rPr>
+                        <m:t>8.144</m:t>
+                      </m:r>
+                      <m:r>
+                        <a:rPr lang="en-US" b="0" i="1" dirty="0" smtClean="0">
+                          <a:solidFill>
+                            <a:schemeClr val="tx1"/>
+                          </a:solidFill>
+                          <a:latin typeface="Cambria Math" panose="02040503050406030204" pitchFamily="18" charset="0"/>
+                        </a:rPr>
+                        <m:t>1</m:t>
+                      </m:r>
+                    </m:oMath>
+                    <m:oMath xmlns:m="http://schemas.openxmlformats.org/officeDocument/2006/math">
+                      <m:r>
+                        <a:rPr lang="en-US" b="0" i="1" smtClean="0">
+                          <a:solidFill>
+                            <a:schemeClr val="tx1"/>
+                          </a:solidFill>
+                          <a:latin typeface="Cambria Math" panose="02040503050406030204" pitchFamily="18" charset="0"/>
+                        </a:rPr>
+                        <m:t>𝑆𝑡𝑜𝑐𝑘</m:t>
+                      </m:r>
+                      <m:d>
+                        <m:dPr>
+                          <m:ctrlPr>
+                            <a:rPr lang="en-US" b="0" i="1" smtClean="0">
+                              <a:solidFill>
+                                <a:schemeClr val="tx1"/>
+                              </a:solidFill>
+                              <a:latin typeface="Cambria Math" panose="02040503050406030204" pitchFamily="18" charset="0"/>
+                            </a:rPr>
+                          </m:ctrlPr>
+                        </m:dPr>
+                        <m:e>
+                          <m:r>
+                            <a:rPr lang="en-US" b="0" i="1" smtClean="0">
+                              <a:solidFill>
+                                <a:schemeClr val="tx1"/>
+                              </a:solidFill>
+                              <a:latin typeface="Cambria Math" panose="02040503050406030204" pitchFamily="18" charset="0"/>
+                            </a:rPr>
+                            <m:t>𝑚</m:t>
+                          </m:r>
+                          <m:r>
+                            <a:rPr lang="en-US" altLang="zh-CN" i="1">
+                              <a:solidFill>
+                                <a:schemeClr val="tx1"/>
+                              </a:solidFill>
+                              <a:latin typeface="Cambria Math" panose="02040503050406030204" pitchFamily="18" charset="0"/>
+                            </a:rPr>
+                            <m:t>1</m:t>
+                          </m:r>
+                        </m:e>
+                      </m:d>
+                      <m:r>
+                        <m:rPr>
+                          <m:aln/>
+                        </m:rPr>
+                        <a:rPr lang="en-US" b="0" i="1" smtClean="0">
+                          <a:solidFill>
+                            <a:schemeClr val="tx1"/>
+                          </a:solidFill>
+                          <a:latin typeface="Cambria Math" panose="02040503050406030204" pitchFamily="18" charset="0"/>
+                        </a:rPr>
+                        <m:t>=</m:t>
+                      </m:r>
+                      <m:r>
+                        <a:rPr lang="en-US" i="1">
+                          <a:solidFill>
+                            <a:schemeClr val="tx1"/>
+                          </a:solidFill>
+                          <a:latin typeface="Cambria Math" panose="02040503050406030204" pitchFamily="18" charset="0"/>
+                        </a:rPr>
+                        <m:t>9.2230</m:t>
+                      </m:r>
+                    </m:oMath>
+                    <m:oMath xmlns:m="http://schemas.openxmlformats.org/officeDocument/2006/math">
+                      <m:r>
+                        <a:rPr lang="en-US" b="0" i="1" smtClean="0">
+                          <a:solidFill>
+                            <a:schemeClr val="tx1"/>
+                          </a:solidFill>
+                          <a:latin typeface="Cambria Math" panose="02040503050406030204" pitchFamily="18" charset="0"/>
+                        </a:rPr>
+                        <m:t>𝑠𝑡𝑜𝑐𝑘</m:t>
+                      </m:r>
+                      <m:d>
+                        <m:dPr>
+                          <m:ctrlPr>
+                            <a:rPr lang="en-US" b="0" i="1" smtClean="0">
+                              <a:solidFill>
+                                <a:schemeClr val="tx1"/>
+                              </a:solidFill>
+                              <a:latin typeface="Cambria Math" panose="02040503050406030204" pitchFamily="18" charset="0"/>
+                            </a:rPr>
+                          </m:ctrlPr>
+                        </m:dPr>
+                        <m:e>
+                          <m:r>
+                            <a:rPr lang="en-US" b="0" i="1" smtClean="0">
+                              <a:solidFill>
+                                <a:schemeClr val="tx1"/>
+                              </a:solidFill>
+                              <a:latin typeface="Cambria Math" panose="02040503050406030204" pitchFamily="18" charset="0"/>
+                            </a:rPr>
+                            <m:t>𝑚</m:t>
+                          </m:r>
+                          <m:r>
+                            <a:rPr lang="en-US" b="0" i="1" smtClean="0">
+                              <a:solidFill>
+                                <a:schemeClr val="tx1"/>
+                              </a:solidFill>
+                              <a:latin typeface="Cambria Math" panose="02040503050406030204" pitchFamily="18" charset="0"/>
+                            </a:rPr>
+                            <m:t>2</m:t>
+                          </m:r>
+                        </m:e>
+                      </m:d>
+                      <m:r>
+                        <m:rPr>
+                          <m:aln/>
+                        </m:rPr>
+                        <a:rPr lang="en-US" b="0" i="1" smtClean="0">
+                          <a:solidFill>
+                            <a:schemeClr val="tx1"/>
+                          </a:solidFill>
+                          <a:latin typeface="Cambria Math" panose="02040503050406030204" pitchFamily="18" charset="0"/>
+                        </a:rPr>
+                        <m:t>=</m:t>
+                      </m:r>
+                      <m:r>
+                        <a:rPr lang="en-US" i="1">
+                          <a:solidFill>
+                            <a:schemeClr val="tx1"/>
+                          </a:solidFill>
+                          <a:latin typeface="Cambria Math" panose="02040503050406030204" pitchFamily="18" charset="0"/>
+                        </a:rPr>
+                        <m:t>9.05</m:t>
+                      </m:r>
+                      <m:r>
+                        <a:rPr lang="en-US" altLang="zh-CN" i="1" smtClean="0">
+                          <a:solidFill>
+                            <a:schemeClr val="tx1"/>
+                          </a:solidFill>
+                          <a:latin typeface="Cambria Math" panose="02040503050406030204" pitchFamily="18" charset="0"/>
+                        </a:rPr>
+                        <m:t>1</m:t>
+                      </m:r>
+                      <m:r>
+                        <a:rPr lang="en-US" altLang="zh-CN" b="0" i="1" smtClean="0">
+                          <a:solidFill>
+                            <a:schemeClr val="tx1"/>
+                          </a:solidFill>
+                          <a:latin typeface="Cambria Math" panose="02040503050406030204" pitchFamily="18" charset="0"/>
+                        </a:rPr>
+                        <m:t>0</m:t>
+                      </m:r>
+                    </m:oMath>
+                  </m:oMathPara>
+                </a14:m>
+                <a:endParaRPr lang="en-US" b="0" dirty="0">
+                  <a:solidFill>
+                    <a:schemeClr val="tx1"/>
+                  </a:solidFill>
+                </a:endParaRPr>
+              </a:p>
+            </p:txBody>
+          </p:sp>
+        </mc:Choice>
+        <mc:Fallback xmlns="">
+          <p:sp>
+            <p:nvSpPr>
+              <p:cNvPr id="10" name="Rectangle 9">
+                <a:extLst>
+                  <a:ext uri="{FF2B5EF4-FFF2-40B4-BE49-F238E27FC236}">
+                    <a16:creationId xmlns:a16="http://schemas.microsoft.com/office/drawing/2014/main" id="{3C00A4A8-1391-4D95-BA94-E282132932A7}"/>
+                  </a:ext>
+                </a:extLst>
+              </p:cNvPr>
+              <p:cNvSpPr>
+                <a:spLocks noRot="1" noChangeAspect="1" noMove="1" noResize="1" noEditPoints="1" noAdjustHandles="1" noChangeArrowheads="1" noChangeShapeType="1" noTextEdit="1"/>
+              </p:cNvSpPr>
+              <p:nvPr/>
+            </p:nvSpPr>
+            <p:spPr>
+              <a:xfrm>
+                <a:off x="429845" y="1970454"/>
+                <a:ext cx="2716813" cy="1090246"/>
+              </a:xfrm>
+              <a:prstGeom prst="rect">
+                <a:avLst/>
+              </a:prstGeom>
+              <a:blipFill>
+                <a:blip r:embed="rId4"/>
+                <a:stretch>
+                  <a:fillRect b="-2210"/>
+                </a:stretch>
+              </a:blipFill>
+              <a:ln>
+                <a:solidFill>
+                  <a:schemeClr val="tx1"/>
+                </a:solidFill>
+              </a:ln>
+            </p:spPr>
+            <p:txBody>
+              <a:bodyPr/>
+              <a:lstStyle/>
+              <a:p>
+                <a:r>
+                  <a:rPr lang="en-US">
+                    <a:noFill/>
+                  </a:rPr>
+                  <a:t> </a:t>
+                </a:r>
+              </a:p>
+            </p:txBody>
+          </p:sp>
+        </mc:Fallback>
+      </mc:AlternateContent>
+      <p:sp>
+        <p:nvSpPr>
+          <p:cNvPr id="4" name="Oval 3">
+            <a:extLst>
+              <a:ext uri="{FF2B5EF4-FFF2-40B4-BE49-F238E27FC236}">
+                <a16:creationId xmlns:a16="http://schemas.microsoft.com/office/drawing/2014/main" id="{AD079CE0-B866-4600-B406-CF86C420358C}"/>
+              </a:ext>
+            </a:extLst>
+          </p:cNvPr>
+          <p:cNvSpPr/>
+          <p:nvPr/>
+        </p:nvSpPr>
+        <p:spPr>
+          <a:xfrm>
+            <a:off x="3923395" y="3237526"/>
+            <a:ext cx="1062892" cy="1062892"/>
+          </a:xfrm>
+          <a:prstGeom prst="ellipse">
+            <a:avLst/>
+          </a:prstGeom>
+          <a:solidFill>
+            <a:schemeClr val="accent4">
+              <a:lumMod val="40000"/>
+              <a:lumOff val="60000"/>
+            </a:schemeClr>
+          </a:solidFill>
+          <a:ln>
+            <a:solidFill>
+              <a:schemeClr val="accent4">
+                <a:lumMod val="75000"/>
+              </a:schemeClr>
+            </a:solidFill>
+          </a:ln>
+        </p:spPr>
+        <p:style>
+          <a:lnRef idx="2">
+            <a:schemeClr val="accent1">
+              <a:shade val="50000"/>
+            </a:schemeClr>
+          </a:lnRef>
+          <a:fillRef idx="1">
+            <a:schemeClr val="accent1"/>
+          </a:fillRef>
+          <a:effectRef idx="0">
+            <a:schemeClr val="accent1"/>
+          </a:effectRef>
+          <a:fontRef idx="minor">
+            <a:schemeClr val="lt1"/>
+          </a:fontRef>
+        </p:style>
+        <p:txBody>
+          <a:bodyPr rtlCol="0" anchor="ctr"/>
+          <a:lstStyle/>
+          <a:p>
+            <a:pPr algn="ctr"/>
+            <a:r>
+              <a:rPr lang="en-US" sz="2400" dirty="0">
+                <a:solidFill>
+                  <a:schemeClr val="tx1"/>
+                </a:solidFill>
+                <a:latin typeface="Cambria Math" panose="02040503050406030204" pitchFamily="18" charset="0"/>
+                <a:ea typeface="Cambria Math" panose="02040503050406030204" pitchFamily="18" charset="0"/>
+              </a:rPr>
+              <a:t>o</a:t>
+            </a:r>
+          </a:p>
+        </p:txBody>
+      </p:sp>
+      <p:sp>
+        <p:nvSpPr>
+          <p:cNvPr id="5" name="Oval 4">
+            <a:extLst>
+              <a:ext uri="{FF2B5EF4-FFF2-40B4-BE49-F238E27FC236}">
+                <a16:creationId xmlns:a16="http://schemas.microsoft.com/office/drawing/2014/main" id="{BBC99BD8-9DAE-43D2-AFDB-9DBBFB813BF9}"/>
+              </a:ext>
+            </a:extLst>
+          </p:cNvPr>
+          <p:cNvSpPr/>
+          <p:nvPr/>
+        </p:nvSpPr>
+        <p:spPr>
+          <a:xfrm>
+            <a:off x="9510767" y="3237526"/>
+            <a:ext cx="1062892" cy="1062892"/>
+          </a:xfrm>
+          <a:prstGeom prst="ellipse">
+            <a:avLst/>
+          </a:prstGeom>
+          <a:solidFill>
+            <a:srgbClr val="92D050"/>
+          </a:solidFill>
+          <a:ln>
+            <a:solidFill>
+              <a:srgbClr val="00B050"/>
+            </a:solidFill>
+          </a:ln>
+        </p:spPr>
+        <p:style>
+          <a:lnRef idx="2">
+            <a:schemeClr val="accent1">
+              <a:shade val="50000"/>
+            </a:schemeClr>
+          </a:lnRef>
+          <a:fillRef idx="1">
+            <a:schemeClr val="accent1"/>
+          </a:fillRef>
+          <a:effectRef idx="0">
+            <a:schemeClr val="accent1"/>
+          </a:effectRef>
+          <a:fontRef idx="minor">
+            <a:schemeClr val="lt1"/>
+          </a:fontRef>
+        </p:style>
+        <p:txBody>
+          <a:bodyPr rtlCol="0" anchor="ctr"/>
+          <a:lstStyle/>
+          <a:p>
+            <a:pPr algn="ctr"/>
+            <a:r>
+              <a:rPr lang="en-US" sz="2400" dirty="0">
+                <a:solidFill>
+                  <a:schemeClr val="tx1"/>
+                </a:solidFill>
+                <a:latin typeface="Cambria Math" panose="02040503050406030204" pitchFamily="18" charset="0"/>
+                <a:ea typeface="Cambria Math" panose="02040503050406030204" pitchFamily="18" charset="0"/>
+              </a:rPr>
+              <a:t>d</a:t>
+            </a:r>
+          </a:p>
+        </p:txBody>
+      </p:sp>
+      <p:sp>
+        <p:nvSpPr>
+          <p:cNvPr id="25" name="Oval 24">
+            <a:extLst>
+              <a:ext uri="{FF2B5EF4-FFF2-40B4-BE49-F238E27FC236}">
+                <a16:creationId xmlns:a16="http://schemas.microsoft.com/office/drawing/2014/main" id="{C6E76074-B2BA-4ADD-A489-920478A7AC8F}"/>
+              </a:ext>
+            </a:extLst>
+          </p:cNvPr>
+          <p:cNvSpPr/>
+          <p:nvPr/>
+        </p:nvSpPr>
+        <p:spPr>
+          <a:xfrm>
+            <a:off x="6717081" y="1559143"/>
+            <a:ext cx="1062892" cy="1062892"/>
+          </a:xfrm>
+          <a:prstGeom prst="ellipse">
+            <a:avLst/>
+          </a:prstGeom>
+          <a:solidFill>
+            <a:schemeClr val="accent2"/>
+          </a:solidFill>
+          <a:ln>
+            <a:solidFill>
+              <a:schemeClr val="accent2">
+                <a:lumMod val="75000"/>
+              </a:schemeClr>
+            </a:solidFill>
+          </a:ln>
+        </p:spPr>
+        <p:style>
+          <a:lnRef idx="2">
+            <a:schemeClr val="accent1">
+              <a:shade val="50000"/>
+            </a:schemeClr>
+          </a:lnRef>
+          <a:fillRef idx="1">
+            <a:schemeClr val="accent1"/>
+          </a:fillRef>
+          <a:effectRef idx="0">
+            <a:schemeClr val="accent1"/>
+          </a:effectRef>
+          <a:fontRef idx="minor">
+            <a:schemeClr val="lt1"/>
+          </a:fontRef>
+        </p:style>
+        <p:txBody>
+          <a:bodyPr rtlCol="0" anchor="ctr"/>
+          <a:lstStyle/>
+          <a:p>
+            <a:pPr algn="ctr"/>
+            <a:r>
+              <a:rPr lang="en-US" sz="2400" dirty="0">
+                <a:solidFill>
+                  <a:schemeClr val="tx1"/>
+                </a:solidFill>
+                <a:latin typeface="Cambria Math" panose="02040503050406030204" pitchFamily="18" charset="0"/>
+                <a:ea typeface="Cambria Math" panose="02040503050406030204" pitchFamily="18" charset="0"/>
+              </a:rPr>
+              <a:t>m1</a:t>
+            </a:r>
+          </a:p>
+        </p:txBody>
+      </p:sp>
+      <p:sp>
+        <p:nvSpPr>
+          <p:cNvPr id="26" name="Oval 25">
+            <a:extLst>
+              <a:ext uri="{FF2B5EF4-FFF2-40B4-BE49-F238E27FC236}">
+                <a16:creationId xmlns:a16="http://schemas.microsoft.com/office/drawing/2014/main" id="{09D0F33B-4429-4CEA-950D-0EFFFA163EBB}"/>
+              </a:ext>
+            </a:extLst>
+          </p:cNvPr>
+          <p:cNvSpPr/>
+          <p:nvPr/>
+        </p:nvSpPr>
+        <p:spPr>
+          <a:xfrm>
+            <a:off x="6717081" y="4845567"/>
+            <a:ext cx="1062892" cy="1062892"/>
+          </a:xfrm>
+          <a:prstGeom prst="ellipse">
+            <a:avLst/>
+          </a:prstGeom>
+          <a:solidFill>
+            <a:schemeClr val="accent5">
+              <a:lumMod val="75000"/>
+            </a:schemeClr>
+          </a:solidFill>
+          <a:ln>
+            <a:solidFill>
+              <a:schemeClr val="accent5">
+                <a:lumMod val="50000"/>
+              </a:schemeClr>
+            </a:solidFill>
+          </a:ln>
+        </p:spPr>
+        <p:style>
+          <a:lnRef idx="2">
+            <a:schemeClr val="accent1">
+              <a:shade val="50000"/>
+            </a:schemeClr>
+          </a:lnRef>
+          <a:fillRef idx="1">
+            <a:schemeClr val="accent1"/>
+          </a:fillRef>
+          <a:effectRef idx="0">
+            <a:schemeClr val="accent1"/>
+          </a:effectRef>
+          <a:fontRef idx="minor">
+            <a:schemeClr val="lt1"/>
+          </a:fontRef>
+        </p:style>
+        <p:txBody>
+          <a:bodyPr rtlCol="0" anchor="ctr"/>
+          <a:lstStyle/>
+          <a:p>
+            <a:pPr algn="ctr"/>
+            <a:r>
+              <a:rPr lang="en-US" sz="2400" dirty="0">
+                <a:solidFill>
+                  <a:schemeClr val="tx1"/>
+                </a:solidFill>
+                <a:latin typeface="Cambria Math" panose="02040503050406030204" pitchFamily="18" charset="0"/>
+                <a:ea typeface="Cambria Math" panose="02040503050406030204" pitchFamily="18" charset="0"/>
+              </a:rPr>
+              <a:t>m2</a:t>
+            </a:r>
+          </a:p>
+        </p:txBody>
+      </p:sp>
+      <p:cxnSp>
+        <p:nvCxnSpPr>
+          <p:cNvPr id="20" name="Connector: Curved 19">
+            <a:extLst>
+              <a:ext uri="{FF2B5EF4-FFF2-40B4-BE49-F238E27FC236}">
+                <a16:creationId xmlns:a16="http://schemas.microsoft.com/office/drawing/2014/main" id="{2C875E72-4ACE-444A-B9F9-1E288BDD6037}"/>
+              </a:ext>
+            </a:extLst>
+          </p:cNvPr>
+          <p:cNvCxnSpPr>
+            <a:stCxn id="4" idx="0"/>
+            <a:endCxn id="25" idx="2"/>
+          </p:cNvCxnSpPr>
+          <p:nvPr/>
+        </p:nvCxnSpPr>
+        <p:spPr>
+          <a:xfrm rot="5400000" flipH="1" flipV="1">
+            <a:off x="5012493" y="1532938"/>
+            <a:ext cx="1146937" cy="2262240"/>
+          </a:xfrm>
+          <a:prstGeom prst="curvedConnector2">
+            <a:avLst/>
+          </a:prstGeom>
+          <a:ln>
+            <a:tailEnd type="triangle"/>
+          </a:ln>
+        </p:spPr>
+        <p:style>
+          <a:lnRef idx="1">
+            <a:schemeClr val="dk1"/>
+          </a:lnRef>
+          <a:fillRef idx="0">
+            <a:schemeClr val="dk1"/>
+          </a:fillRef>
+          <a:effectRef idx="0">
+            <a:schemeClr val="dk1"/>
+          </a:effectRef>
+          <a:fontRef idx="minor">
+            <a:schemeClr val="tx1"/>
+          </a:fontRef>
+        </p:style>
+      </p:cxnSp>
+      <p:cxnSp>
+        <p:nvCxnSpPr>
+          <p:cNvPr id="30" name="Connector: Curved 29">
+            <a:extLst>
+              <a:ext uri="{FF2B5EF4-FFF2-40B4-BE49-F238E27FC236}">
+                <a16:creationId xmlns:a16="http://schemas.microsoft.com/office/drawing/2014/main" id="{54E7F305-AF26-47E5-92DC-9DAB23295A12}"/>
+              </a:ext>
+            </a:extLst>
+          </p:cNvPr>
+          <p:cNvCxnSpPr>
+            <a:cxnSpLocks/>
+            <a:stCxn id="4" idx="4"/>
+            <a:endCxn id="26" idx="2"/>
+          </p:cNvCxnSpPr>
+          <p:nvPr/>
+        </p:nvCxnSpPr>
+        <p:spPr>
+          <a:xfrm rot="16200000" flipH="1">
+            <a:off x="5047664" y="3707595"/>
+            <a:ext cx="1076595" cy="2262240"/>
+          </a:xfrm>
+          <a:prstGeom prst="curvedConnector2">
+            <a:avLst/>
+          </a:prstGeom>
+          <a:ln>
+            <a:tailEnd type="triangle"/>
+          </a:ln>
+        </p:spPr>
+        <p:style>
+          <a:lnRef idx="1">
+            <a:schemeClr val="dk1"/>
+          </a:lnRef>
+          <a:fillRef idx="0">
+            <a:schemeClr val="dk1"/>
+          </a:fillRef>
+          <a:effectRef idx="0">
+            <a:schemeClr val="dk1"/>
+          </a:effectRef>
+          <a:fontRef idx="minor">
+            <a:schemeClr val="tx1"/>
+          </a:fontRef>
+        </p:style>
+      </p:cxnSp>
+      <p:cxnSp>
+        <p:nvCxnSpPr>
+          <p:cNvPr id="48" name="Straight Arrow Connector 47">
+            <a:extLst>
+              <a:ext uri="{FF2B5EF4-FFF2-40B4-BE49-F238E27FC236}">
+                <a16:creationId xmlns:a16="http://schemas.microsoft.com/office/drawing/2014/main" id="{9F516669-A7B3-4425-A9E8-124BE3AF2D71}"/>
+              </a:ext>
+            </a:extLst>
+          </p:cNvPr>
+          <p:cNvCxnSpPr>
+            <a:stCxn id="25" idx="5"/>
+            <a:endCxn id="26" idx="7"/>
+          </p:cNvCxnSpPr>
+          <p:nvPr/>
+        </p:nvCxnSpPr>
+        <p:spPr>
+          <a:xfrm>
+            <a:off x="7624316" y="2466378"/>
+            <a:ext cx="0" cy="2534846"/>
+          </a:xfrm>
+          <a:prstGeom prst="straightConnector1">
+            <a:avLst/>
+          </a:prstGeom>
+          <a:ln>
+            <a:tailEnd type="triangle"/>
+          </a:ln>
+        </p:spPr>
+        <p:style>
+          <a:lnRef idx="1">
+            <a:schemeClr val="dk1"/>
+          </a:lnRef>
+          <a:fillRef idx="0">
+            <a:schemeClr val="dk1"/>
+          </a:fillRef>
+          <a:effectRef idx="0">
+            <a:schemeClr val="dk1"/>
+          </a:effectRef>
+          <a:fontRef idx="minor">
+            <a:schemeClr val="tx1"/>
+          </a:fontRef>
+        </p:style>
+      </p:cxnSp>
+      <p:cxnSp>
+        <p:nvCxnSpPr>
+          <p:cNvPr id="53" name="Straight Arrow Connector 52">
+            <a:extLst>
+              <a:ext uri="{FF2B5EF4-FFF2-40B4-BE49-F238E27FC236}">
+                <a16:creationId xmlns:a16="http://schemas.microsoft.com/office/drawing/2014/main" id="{8BAADD0B-F09F-4A39-B5EE-D483804FD6D1}"/>
+              </a:ext>
+            </a:extLst>
+          </p:cNvPr>
+          <p:cNvCxnSpPr>
+            <a:cxnSpLocks/>
+            <a:stCxn id="26" idx="1"/>
+            <a:endCxn id="25" idx="3"/>
+          </p:cNvCxnSpPr>
+          <p:nvPr/>
+        </p:nvCxnSpPr>
+        <p:spPr>
+          <a:xfrm flipV="1">
+            <a:off x="6872738" y="2466378"/>
+            <a:ext cx="0" cy="2534846"/>
+          </a:xfrm>
+          <a:prstGeom prst="straightConnector1">
+            <a:avLst/>
+          </a:prstGeom>
+          <a:ln>
+            <a:tailEnd type="triangle"/>
+          </a:ln>
+        </p:spPr>
+        <p:style>
+          <a:lnRef idx="1">
+            <a:schemeClr val="dk1"/>
+          </a:lnRef>
+          <a:fillRef idx="0">
+            <a:schemeClr val="dk1"/>
+          </a:fillRef>
+          <a:effectRef idx="0">
+            <a:schemeClr val="dk1"/>
+          </a:effectRef>
+          <a:fontRef idx="minor">
+            <a:schemeClr val="tx1"/>
+          </a:fontRef>
+        </p:style>
+      </p:cxnSp>
+      <mc:AlternateContent xmlns:mc="http://schemas.openxmlformats.org/markup-compatibility/2006" xmlns:a14="http://schemas.microsoft.com/office/drawing/2010/main">
+        <mc:Choice Requires="a14">
+          <p:sp>
+            <p:nvSpPr>
+              <p:cNvPr id="64" name="TextBox 63">
+                <a:extLst>
+                  <a:ext uri="{FF2B5EF4-FFF2-40B4-BE49-F238E27FC236}">
+                    <a16:creationId xmlns:a16="http://schemas.microsoft.com/office/drawing/2014/main" id="{59E8D610-C3F4-424F-916E-C412F2CAAEBB}"/>
+                  </a:ext>
+                </a:extLst>
+              </p:cNvPr>
+              <p:cNvSpPr txBox="1"/>
+              <p:nvPr/>
+            </p:nvSpPr>
+            <p:spPr>
+              <a:xfrm>
+                <a:off x="1541420" y="4071272"/>
+                <a:ext cx="488339" cy="369332"/>
+              </a:xfrm>
+              <a:prstGeom prst="rect">
+                <a:avLst/>
+              </a:prstGeom>
+              <a:noFill/>
+            </p:spPr>
+            <p:txBody>
+              <a:bodyPr wrap="none" rtlCol="0">
+                <a:spAutoFit/>
+              </a:bodyPr>
+              <a:lstStyle/>
+              <a:p>
+                <a:pPr/>
+                <a14:m>
+                  <m:oMathPara xmlns:m="http://schemas.openxmlformats.org/officeDocument/2006/math">
+                    <m:oMathParaPr>
+                      <m:jc m:val="centerGroup"/>
+                    </m:oMathParaPr>
+                    <m:oMath xmlns:m="http://schemas.openxmlformats.org/officeDocument/2006/math">
+                      <m:sSub>
+                        <m:sSubPr>
+                          <m:ctrlPr>
+                            <a:rPr lang="en-US" b="0" i="1" smtClean="0">
+                              <a:latin typeface="Cambria Math" panose="02040503050406030204" pitchFamily="18" charset="0"/>
+                            </a:rPr>
+                          </m:ctrlPr>
+                        </m:sSubPr>
+                        <m:e>
+                          <m:r>
+                            <a:rPr lang="en-US" b="0" i="1" smtClean="0">
+                              <a:latin typeface="Cambria Math" panose="02040503050406030204" pitchFamily="18" charset="0"/>
+                            </a:rPr>
+                            <m:t>𝐾</m:t>
+                          </m:r>
+                        </m:e>
+                        <m:sub>
+                          <m:r>
+                            <a:rPr lang="en-US" b="0" i="1" smtClean="0">
+                              <a:latin typeface="Cambria Math" panose="02040503050406030204" pitchFamily="18" charset="0"/>
+                            </a:rPr>
+                            <m:t>2</m:t>
+                          </m:r>
+                        </m:sub>
+                      </m:sSub>
+                    </m:oMath>
+                  </m:oMathPara>
+                </a14:m>
+                <a:endParaRPr lang="en-US" dirty="0"/>
+              </a:p>
+            </p:txBody>
+          </p:sp>
+        </mc:Choice>
+        <mc:Fallback xmlns="">
+          <p:sp>
+            <p:nvSpPr>
+              <p:cNvPr id="64" name="TextBox 63">
+                <a:extLst>
+                  <a:ext uri="{FF2B5EF4-FFF2-40B4-BE49-F238E27FC236}">
+                    <a16:creationId xmlns:a16="http://schemas.microsoft.com/office/drawing/2014/main" id="{59E8D610-C3F4-424F-916E-C412F2CAAEBB}"/>
+                  </a:ext>
+                </a:extLst>
+              </p:cNvPr>
+              <p:cNvSpPr txBox="1">
+                <a:spLocks noRot="1" noChangeAspect="1" noMove="1" noResize="1" noEditPoints="1" noAdjustHandles="1" noChangeArrowheads="1" noChangeShapeType="1" noTextEdit="1"/>
+              </p:cNvSpPr>
+              <p:nvPr/>
+            </p:nvSpPr>
+            <p:spPr>
+              <a:xfrm>
+                <a:off x="1541420" y="4071272"/>
+                <a:ext cx="488339" cy="369332"/>
+              </a:xfrm>
+              <a:prstGeom prst="rect">
+                <a:avLst/>
+              </a:prstGeom>
+              <a:blipFill>
+                <a:blip r:embed="rId5"/>
+                <a:stretch>
+                  <a:fillRect/>
+                </a:stretch>
+              </a:blipFill>
+            </p:spPr>
+            <p:txBody>
+              <a:bodyPr/>
+              <a:lstStyle/>
+              <a:p>
+                <a:r>
+                  <a:rPr lang="en-US">
+                    <a:noFill/>
+                  </a:rPr>
+                  <a:t> </a:t>
+                </a:r>
+              </a:p>
+            </p:txBody>
+          </p:sp>
+        </mc:Fallback>
+      </mc:AlternateContent>
+      <mc:AlternateContent xmlns:mc="http://schemas.openxmlformats.org/markup-compatibility/2006" xmlns:a14="http://schemas.microsoft.com/office/drawing/2010/main">
+        <mc:Choice Requires="a14">
+          <p:sp>
+            <p:nvSpPr>
+              <p:cNvPr id="65" name="Rectangle 64">
+                <a:extLst>
+                  <a:ext uri="{FF2B5EF4-FFF2-40B4-BE49-F238E27FC236}">
+                    <a16:creationId xmlns:a16="http://schemas.microsoft.com/office/drawing/2014/main" id="{4F690B5E-D300-4D4C-B988-E56B94568A7E}"/>
+                  </a:ext>
+                </a:extLst>
+              </p:cNvPr>
+              <p:cNvSpPr/>
+              <p:nvPr/>
+            </p:nvSpPr>
+            <p:spPr>
+              <a:xfrm>
+                <a:off x="429846" y="4440604"/>
+                <a:ext cx="2716812" cy="1090246"/>
+              </a:xfrm>
+              <a:prstGeom prst="rect">
+                <a:avLst/>
+              </a:prstGeom>
+              <a:noFill/>
+              <a:ln>
+                <a:solidFill>
+                  <a:schemeClr val="tx1"/>
+                </a:solidFill>
+              </a:ln>
+            </p:spPr>
+            <p:style>
+              <a:lnRef idx="2">
+                <a:schemeClr val="accent1">
+                  <a:shade val="50000"/>
+                </a:schemeClr>
+              </a:lnRef>
+              <a:fillRef idx="1">
+                <a:schemeClr val="accent1"/>
+              </a:fillRef>
+              <a:effectRef idx="0">
+                <a:schemeClr val="accent1"/>
+              </a:effectRef>
+              <a:fontRef idx="minor">
+                <a:schemeClr val="lt1"/>
+              </a:fontRef>
+            </p:style>
+            <p:txBody>
+              <a:bodyPr rtlCol="0" anchor="ctr"/>
+              <a:lstStyle/>
+              <a:p>
+                <a:pPr/>
+                <a14:m>
+                  <m:oMathPara xmlns:m="http://schemas.openxmlformats.org/officeDocument/2006/math">
+                    <m:oMathParaPr>
+                      <m:jc m:val="centerGroup"/>
+                    </m:oMathParaPr>
+                    <m:oMath xmlns:m="http://schemas.openxmlformats.org/officeDocument/2006/math">
+                      <m:r>
+                        <a:rPr lang="en-US" i="1" dirty="0" smtClean="0">
+                          <a:solidFill>
+                            <a:schemeClr val="tx1"/>
+                          </a:solidFill>
+                          <a:latin typeface="Cambria Math" panose="02040503050406030204" pitchFamily="18" charset="0"/>
+                        </a:rPr>
+                        <m:t>𝑆𝑡𝑜𝑐𝑘</m:t>
+                      </m:r>
+                      <m:d>
+                        <m:dPr>
+                          <m:ctrlPr>
+                            <a:rPr lang="en-US" i="1" dirty="0" smtClean="0">
+                              <a:solidFill>
+                                <a:schemeClr val="tx1"/>
+                              </a:solidFill>
+                              <a:latin typeface="Cambria Math" panose="02040503050406030204" pitchFamily="18" charset="0"/>
+                            </a:rPr>
+                          </m:ctrlPr>
+                        </m:dPr>
+                        <m:e>
+                          <m:r>
+                            <a:rPr lang="en-US" i="1" dirty="0" smtClean="0">
+                              <a:solidFill>
+                                <a:schemeClr val="tx1"/>
+                              </a:solidFill>
+                              <a:latin typeface="Cambria Math" panose="02040503050406030204" pitchFamily="18" charset="0"/>
+                            </a:rPr>
+                            <m:t>𝑜</m:t>
+                          </m:r>
+                        </m:e>
+                      </m:d>
+                      <m:r>
+                        <m:rPr>
+                          <m:aln/>
+                        </m:rPr>
+                        <a:rPr lang="en-US" i="1" dirty="0" smtClean="0">
+                          <a:solidFill>
+                            <a:schemeClr val="tx1"/>
+                          </a:solidFill>
+                          <a:latin typeface="Cambria Math" panose="02040503050406030204" pitchFamily="18" charset="0"/>
+                        </a:rPr>
+                        <m:t>=</m:t>
+                      </m:r>
+                      <m:r>
+                        <a:rPr lang="en-US" i="1" dirty="0">
+                          <a:solidFill>
+                            <a:schemeClr val="tx1"/>
+                          </a:solidFill>
+                          <a:latin typeface="Cambria Math" panose="02040503050406030204" pitchFamily="18" charset="0"/>
+                        </a:rPr>
+                        <m:t>4.0140</m:t>
+                      </m:r>
+                    </m:oMath>
+                    <m:oMath xmlns:m="http://schemas.openxmlformats.org/officeDocument/2006/math">
+                      <m:r>
+                        <a:rPr lang="en-US" i="1" dirty="0" smtClean="0">
+                          <a:solidFill>
+                            <a:schemeClr val="tx1"/>
+                          </a:solidFill>
+                          <a:latin typeface="Cambria Math" panose="02040503050406030204" pitchFamily="18" charset="0"/>
+                        </a:rPr>
+                        <m:t>𝑆𝑡𝑜𝑐𝑘</m:t>
+                      </m:r>
+                      <m:d>
+                        <m:dPr>
+                          <m:ctrlPr>
+                            <a:rPr lang="en-US" i="1" dirty="0" smtClean="0">
+                              <a:solidFill>
+                                <a:schemeClr val="tx1"/>
+                              </a:solidFill>
+                              <a:latin typeface="Cambria Math" panose="02040503050406030204" pitchFamily="18" charset="0"/>
+                            </a:rPr>
+                          </m:ctrlPr>
+                        </m:dPr>
+                        <m:e>
+                          <m:r>
+                            <a:rPr lang="en-US" i="1" dirty="0" smtClean="0">
+                              <a:solidFill>
+                                <a:schemeClr val="tx1"/>
+                              </a:solidFill>
+                              <a:latin typeface="Cambria Math" panose="02040503050406030204" pitchFamily="18" charset="0"/>
+                            </a:rPr>
+                            <m:t>𝑑</m:t>
+                          </m:r>
+                        </m:e>
+                      </m:d>
+                      <m:r>
+                        <m:rPr>
+                          <m:aln/>
+                        </m:rPr>
+                        <a:rPr lang="en-US" i="1" dirty="0" smtClean="0">
+                          <a:solidFill>
+                            <a:schemeClr val="tx1"/>
+                          </a:solidFill>
+                          <a:latin typeface="Cambria Math" panose="02040503050406030204" pitchFamily="18" charset="0"/>
+                        </a:rPr>
+                        <m:t>=</m:t>
+                      </m:r>
+                      <m:r>
+                        <a:rPr lang="en-US" i="1" dirty="0">
+                          <a:solidFill>
+                            <a:schemeClr val="tx1"/>
+                          </a:solidFill>
+                          <a:latin typeface="Cambria Math" panose="02040503050406030204" pitchFamily="18" charset="0"/>
+                        </a:rPr>
+                        <m:t>6.901</m:t>
+                      </m:r>
+                      <m:r>
+                        <a:rPr lang="en-US" b="0" i="1" dirty="0" smtClean="0">
+                          <a:solidFill>
+                            <a:schemeClr val="tx1"/>
+                          </a:solidFill>
+                          <a:latin typeface="Cambria Math" panose="02040503050406030204" pitchFamily="18" charset="0"/>
+                        </a:rPr>
+                        <m:t>7</m:t>
+                      </m:r>
+                    </m:oMath>
+                    <m:oMath xmlns:m="http://schemas.openxmlformats.org/officeDocument/2006/math">
+                      <m:r>
+                        <a:rPr lang="en-US" b="0" i="1" smtClean="0">
+                          <a:solidFill>
+                            <a:schemeClr val="tx1"/>
+                          </a:solidFill>
+                          <a:latin typeface="Cambria Math" panose="02040503050406030204" pitchFamily="18" charset="0"/>
+                        </a:rPr>
+                        <m:t>𝑆𝑡𝑜𝑐𝑘</m:t>
+                      </m:r>
+                      <m:d>
+                        <m:dPr>
+                          <m:ctrlPr>
+                            <a:rPr lang="en-US" b="0" i="1" smtClean="0">
+                              <a:solidFill>
+                                <a:schemeClr val="tx1"/>
+                              </a:solidFill>
+                              <a:latin typeface="Cambria Math" panose="02040503050406030204" pitchFamily="18" charset="0"/>
+                            </a:rPr>
+                          </m:ctrlPr>
+                        </m:dPr>
+                        <m:e>
+                          <m:r>
+                            <a:rPr lang="en-US" b="0" i="1" smtClean="0">
+                              <a:solidFill>
+                                <a:schemeClr val="tx1"/>
+                              </a:solidFill>
+                              <a:latin typeface="Cambria Math" panose="02040503050406030204" pitchFamily="18" charset="0"/>
+                            </a:rPr>
+                            <m:t>𝑚</m:t>
+                          </m:r>
+                          <m:r>
+                            <a:rPr lang="en-US" altLang="zh-CN" i="1">
+                              <a:solidFill>
+                                <a:schemeClr val="tx1"/>
+                              </a:solidFill>
+                              <a:latin typeface="Cambria Math" panose="02040503050406030204" pitchFamily="18" charset="0"/>
+                            </a:rPr>
+                            <m:t>1</m:t>
+                          </m:r>
+                        </m:e>
+                      </m:d>
+                      <m:r>
+                        <m:rPr>
+                          <m:aln/>
+                        </m:rPr>
+                        <a:rPr lang="en-US" b="0" i="1" smtClean="0">
+                          <a:solidFill>
+                            <a:schemeClr val="tx1"/>
+                          </a:solidFill>
+                          <a:latin typeface="Cambria Math" panose="02040503050406030204" pitchFamily="18" charset="0"/>
+                        </a:rPr>
+                        <m:t>=</m:t>
+                      </m:r>
+                      <m:r>
+                        <a:rPr lang="en-US" i="1">
+                          <a:solidFill>
+                            <a:schemeClr val="tx1"/>
+                          </a:solidFill>
+                          <a:latin typeface="Cambria Math" panose="02040503050406030204" pitchFamily="18" charset="0"/>
+                        </a:rPr>
+                        <m:t>7.684</m:t>
+                      </m:r>
+                      <m:r>
+                        <a:rPr lang="en-US" b="0" i="1" smtClean="0">
+                          <a:solidFill>
+                            <a:schemeClr val="tx1"/>
+                          </a:solidFill>
+                          <a:latin typeface="Cambria Math" panose="02040503050406030204" pitchFamily="18" charset="0"/>
+                        </a:rPr>
+                        <m:t>9</m:t>
+                      </m:r>
+                    </m:oMath>
+                    <m:oMath xmlns:m="http://schemas.openxmlformats.org/officeDocument/2006/math">
+                      <m:r>
+                        <a:rPr lang="en-US" b="0" i="1" smtClean="0">
+                          <a:solidFill>
+                            <a:schemeClr val="tx1"/>
+                          </a:solidFill>
+                          <a:latin typeface="Cambria Math" panose="02040503050406030204" pitchFamily="18" charset="0"/>
+                        </a:rPr>
+                        <m:t>𝑠𝑡𝑜𝑐𝑘</m:t>
+                      </m:r>
+                      <m:d>
+                        <m:dPr>
+                          <m:ctrlPr>
+                            <a:rPr lang="en-US" b="0" i="1" smtClean="0">
+                              <a:solidFill>
+                                <a:schemeClr val="tx1"/>
+                              </a:solidFill>
+                              <a:latin typeface="Cambria Math" panose="02040503050406030204" pitchFamily="18" charset="0"/>
+                            </a:rPr>
+                          </m:ctrlPr>
+                        </m:dPr>
+                        <m:e>
+                          <m:r>
+                            <a:rPr lang="en-US" b="0" i="1" smtClean="0">
+                              <a:solidFill>
+                                <a:schemeClr val="tx1"/>
+                              </a:solidFill>
+                              <a:latin typeface="Cambria Math" panose="02040503050406030204" pitchFamily="18" charset="0"/>
+                            </a:rPr>
+                            <m:t>𝑚</m:t>
+                          </m:r>
+                          <m:r>
+                            <a:rPr lang="en-US" b="0" i="1" smtClean="0">
+                              <a:solidFill>
+                                <a:schemeClr val="tx1"/>
+                              </a:solidFill>
+                              <a:latin typeface="Cambria Math" panose="02040503050406030204" pitchFamily="18" charset="0"/>
+                            </a:rPr>
+                            <m:t>2</m:t>
+                          </m:r>
+                        </m:e>
+                      </m:d>
+                      <m:r>
+                        <m:rPr>
+                          <m:aln/>
+                        </m:rPr>
+                        <a:rPr lang="en-US" b="0" i="1" smtClean="0">
+                          <a:solidFill>
+                            <a:schemeClr val="tx1"/>
+                          </a:solidFill>
+                          <a:latin typeface="Cambria Math" panose="02040503050406030204" pitchFamily="18" charset="0"/>
+                        </a:rPr>
+                        <m:t>=</m:t>
+                      </m:r>
+                      <m:r>
+                        <a:rPr lang="en-US" i="1">
+                          <a:solidFill>
+                            <a:schemeClr val="tx1"/>
+                          </a:solidFill>
+                          <a:latin typeface="Cambria Math" panose="02040503050406030204" pitchFamily="18" charset="0"/>
+                        </a:rPr>
+                        <m:t>5.393</m:t>
+                      </m:r>
+                      <m:r>
+                        <a:rPr lang="en-US" b="0" i="1" smtClean="0">
+                          <a:solidFill>
+                            <a:schemeClr val="tx1"/>
+                          </a:solidFill>
+                          <a:latin typeface="Cambria Math" panose="02040503050406030204" pitchFamily="18" charset="0"/>
+                        </a:rPr>
+                        <m:t>5</m:t>
+                      </m:r>
+                    </m:oMath>
+                  </m:oMathPara>
+                </a14:m>
+                <a:endParaRPr lang="en-US" b="0" dirty="0">
+                  <a:solidFill>
+                    <a:schemeClr val="tx1"/>
+                  </a:solidFill>
+                </a:endParaRPr>
+              </a:p>
+            </p:txBody>
+          </p:sp>
+        </mc:Choice>
+        <mc:Fallback xmlns="">
+          <p:sp>
+            <p:nvSpPr>
+              <p:cNvPr id="65" name="Rectangle 64">
+                <a:extLst>
+                  <a:ext uri="{FF2B5EF4-FFF2-40B4-BE49-F238E27FC236}">
+                    <a16:creationId xmlns:a16="http://schemas.microsoft.com/office/drawing/2014/main" id="{4F690B5E-D300-4D4C-B988-E56B94568A7E}"/>
+                  </a:ext>
+                </a:extLst>
+              </p:cNvPr>
+              <p:cNvSpPr>
+                <a:spLocks noRot="1" noChangeAspect="1" noMove="1" noResize="1" noEditPoints="1" noAdjustHandles="1" noChangeArrowheads="1" noChangeShapeType="1" noTextEdit="1"/>
+              </p:cNvSpPr>
+              <p:nvPr/>
+            </p:nvSpPr>
+            <p:spPr>
+              <a:xfrm>
+                <a:off x="429846" y="4440604"/>
+                <a:ext cx="2716812" cy="1090246"/>
+              </a:xfrm>
+              <a:prstGeom prst="rect">
+                <a:avLst/>
+              </a:prstGeom>
+              <a:blipFill>
+                <a:blip r:embed="rId6"/>
+                <a:stretch>
+                  <a:fillRect b="-2210"/>
+                </a:stretch>
+              </a:blipFill>
+              <a:ln>
+                <a:solidFill>
+                  <a:schemeClr val="tx1"/>
+                </a:solidFill>
+              </a:ln>
+            </p:spPr>
+            <p:txBody>
+              <a:bodyPr/>
+              <a:lstStyle/>
+              <a:p>
+                <a:r>
+                  <a:rPr lang="en-US">
+                    <a:noFill/>
+                  </a:rPr>
+                  <a:t> </a:t>
+                </a:r>
+              </a:p>
+            </p:txBody>
+          </p:sp>
+        </mc:Fallback>
+      </mc:AlternateContent>
+      <mc:AlternateContent xmlns:mc="http://schemas.openxmlformats.org/markup-compatibility/2006" xmlns:a14="http://schemas.microsoft.com/office/drawing/2010/main">
+        <mc:Choice Requires="a14">
+          <p:sp>
+            <p:nvSpPr>
+              <p:cNvPr id="17" name="TextBox 16">
+                <a:extLst>
+                  <a:ext uri="{FF2B5EF4-FFF2-40B4-BE49-F238E27FC236}">
+                    <a16:creationId xmlns:a16="http://schemas.microsoft.com/office/drawing/2014/main" id="{400BD366-F3C8-4FD0-8C0E-D934C71C6BD0}"/>
+                  </a:ext>
+                </a:extLst>
+              </p:cNvPr>
+              <p:cNvSpPr txBox="1"/>
+              <p:nvPr/>
+            </p:nvSpPr>
+            <p:spPr>
+              <a:xfrm rot="20144516">
+                <a:off x="4822335" y="1998796"/>
+                <a:ext cx="940899" cy="415498"/>
+              </a:xfrm>
+              <a:prstGeom prst="rect">
+                <a:avLst/>
+              </a:prstGeom>
+              <a:noFill/>
+            </p:spPr>
+            <p:txBody>
+              <a:bodyPr wrap="none" rtlCol="0">
+                <a:spAutoFit/>
+              </a:bodyPr>
+              <a:lstStyle/>
+              <a:p>
+                <a:pPr/>
+                <a14:m>
+                  <m:oMathPara xmlns:m="http://schemas.openxmlformats.org/officeDocument/2006/math">
+                    <m:oMathParaPr>
+                      <m:jc m:val="centerGroup"/>
+                    </m:oMathParaPr>
+                    <m:oMath xmlns:m="http://schemas.openxmlformats.org/officeDocument/2006/math">
+                      <m:r>
+                        <a:rPr lang="en-US" sz="1050" b="0" i="1" smtClean="0">
+                          <a:latin typeface="Cambria Math" panose="02040503050406030204" pitchFamily="18" charset="0"/>
+                        </a:rPr>
+                        <m:t>0.8966 @ </m:t>
+                      </m:r>
+                      <m:sSub>
+                        <m:sSubPr>
+                          <m:ctrlPr>
+                            <a:rPr lang="en-US" sz="1050" b="0" i="1" smtClean="0">
+                              <a:latin typeface="Cambria Math" panose="02040503050406030204" pitchFamily="18" charset="0"/>
+                            </a:rPr>
+                          </m:ctrlPr>
+                        </m:sSubPr>
+                        <m:e>
+                          <m:r>
+                            <a:rPr lang="en-US" sz="1050" b="0" i="1" smtClean="0">
+                              <a:latin typeface="Cambria Math" panose="02040503050406030204" pitchFamily="18" charset="0"/>
+                            </a:rPr>
+                            <m:t>𝐾</m:t>
+                          </m:r>
+                        </m:e>
+                        <m:sub>
+                          <m:r>
+                            <a:rPr lang="en-US" sz="1050" b="0" i="1" smtClean="0">
+                              <a:latin typeface="Cambria Math" panose="02040503050406030204" pitchFamily="18" charset="0"/>
+                            </a:rPr>
+                            <m:t>1</m:t>
+                          </m:r>
+                        </m:sub>
+                      </m:sSub>
+                    </m:oMath>
+                  </m:oMathPara>
+                </a14:m>
+                <a:endParaRPr lang="en-US" sz="1050" b="0" i="1" dirty="0">
+                  <a:latin typeface="Cambria Math" panose="02040503050406030204" pitchFamily="18" charset="0"/>
+                </a:endParaRPr>
+              </a:p>
+              <a:p>
+                <a:pPr/>
+                <a14:m>
+                  <m:oMathPara xmlns:m="http://schemas.openxmlformats.org/officeDocument/2006/math">
+                    <m:oMathParaPr>
+                      <m:jc m:val="centerGroup"/>
+                    </m:oMathParaPr>
+                    <m:oMath xmlns:m="http://schemas.openxmlformats.org/officeDocument/2006/math">
+                      <m:r>
+                        <a:rPr lang="en-US" sz="1050" b="0" i="1" smtClean="0">
+                          <a:latin typeface="Cambria Math" panose="02040503050406030204" pitchFamily="18" charset="0"/>
+                        </a:rPr>
+                        <m:t>0.0072 @ </m:t>
+                      </m:r>
+                      <m:sSub>
+                        <m:sSubPr>
+                          <m:ctrlPr>
+                            <a:rPr lang="en-US" sz="1050" b="0" i="1" smtClean="0">
+                              <a:latin typeface="Cambria Math" panose="02040503050406030204" pitchFamily="18" charset="0"/>
+                            </a:rPr>
+                          </m:ctrlPr>
+                        </m:sSubPr>
+                        <m:e>
+                          <m:r>
+                            <a:rPr lang="en-US" sz="1050" b="0" i="1" smtClean="0">
+                              <a:latin typeface="Cambria Math" panose="02040503050406030204" pitchFamily="18" charset="0"/>
+                            </a:rPr>
+                            <m:t>𝐾</m:t>
+                          </m:r>
+                        </m:e>
+                        <m:sub>
+                          <m:r>
+                            <a:rPr lang="en-US" sz="1050" b="0" i="1" smtClean="0">
+                              <a:latin typeface="Cambria Math" panose="02040503050406030204" pitchFamily="18" charset="0"/>
+                            </a:rPr>
+                            <m:t>2</m:t>
+                          </m:r>
+                        </m:sub>
+                      </m:sSub>
+                    </m:oMath>
+                  </m:oMathPara>
+                </a14:m>
+                <a:endParaRPr lang="en-US" sz="1050" dirty="0"/>
+              </a:p>
+            </p:txBody>
+          </p:sp>
+        </mc:Choice>
+        <mc:Fallback xmlns="">
+          <p:sp>
+            <p:nvSpPr>
+              <p:cNvPr id="17" name="TextBox 16">
+                <a:extLst>
+                  <a:ext uri="{FF2B5EF4-FFF2-40B4-BE49-F238E27FC236}">
+                    <a16:creationId xmlns:a16="http://schemas.microsoft.com/office/drawing/2014/main" id="{400BD366-F3C8-4FD0-8C0E-D934C71C6BD0}"/>
+                  </a:ext>
+                </a:extLst>
+              </p:cNvPr>
+              <p:cNvSpPr txBox="1">
+                <a:spLocks noRot="1" noChangeAspect="1" noMove="1" noResize="1" noEditPoints="1" noAdjustHandles="1" noChangeArrowheads="1" noChangeShapeType="1" noTextEdit="1"/>
+              </p:cNvSpPr>
+              <p:nvPr/>
+            </p:nvSpPr>
+            <p:spPr>
+              <a:xfrm rot="20144516">
+                <a:off x="4822335" y="1998796"/>
+                <a:ext cx="940899" cy="415498"/>
+              </a:xfrm>
+              <a:prstGeom prst="rect">
+                <a:avLst/>
+              </a:prstGeom>
+              <a:blipFill>
+                <a:blip r:embed="rId7"/>
+                <a:stretch>
+                  <a:fillRect/>
+                </a:stretch>
+              </a:blipFill>
+            </p:spPr>
+            <p:txBody>
+              <a:bodyPr/>
+              <a:lstStyle/>
+              <a:p>
+                <a:r>
+                  <a:rPr lang="en-US">
+                    <a:noFill/>
+                  </a:rPr>
+                  <a:t> </a:t>
+                </a:r>
+              </a:p>
+            </p:txBody>
+          </p:sp>
+        </mc:Fallback>
+      </mc:AlternateContent>
+      <mc:AlternateContent xmlns:mc="http://schemas.openxmlformats.org/markup-compatibility/2006" xmlns:a14="http://schemas.microsoft.com/office/drawing/2010/main">
+        <mc:Choice Requires="a14">
+          <p:sp>
+            <p:nvSpPr>
+              <p:cNvPr id="18" name="TextBox 17">
+                <a:extLst>
+                  <a:ext uri="{FF2B5EF4-FFF2-40B4-BE49-F238E27FC236}">
+                    <a16:creationId xmlns:a16="http://schemas.microsoft.com/office/drawing/2014/main" id="{311FD4AB-6D0A-4478-AA36-3F090BD204D4}"/>
+                  </a:ext>
+                </a:extLst>
+              </p:cNvPr>
+              <p:cNvSpPr txBox="1"/>
+              <p:nvPr/>
+            </p:nvSpPr>
+            <p:spPr>
+              <a:xfrm rot="1360292">
+                <a:off x="4902214" y="5120852"/>
+                <a:ext cx="965008" cy="415498"/>
+              </a:xfrm>
+              <a:prstGeom prst="rect">
+                <a:avLst/>
+              </a:prstGeom>
+              <a:noFill/>
+            </p:spPr>
+            <p:txBody>
+              <a:bodyPr wrap="none" rtlCol="0">
+                <a:spAutoFit/>
+              </a:bodyPr>
+              <a:lstStyle/>
+              <a:p>
+                <a:pPr/>
+                <a14:m>
+                  <m:oMathPara xmlns:m="http://schemas.openxmlformats.org/officeDocument/2006/math">
+                    <m:oMathParaPr>
+                      <m:jc m:val="centerGroup"/>
+                    </m:oMathParaPr>
+                    <m:oMath xmlns:m="http://schemas.openxmlformats.org/officeDocument/2006/math">
+                      <m:r>
+                        <a:rPr lang="en-US" sz="1050" i="1" smtClean="0">
+                          <a:latin typeface="Cambria Math" panose="02040503050406030204" pitchFamily="18" charset="0"/>
+                        </a:rPr>
+                        <m:t>0.</m:t>
+                      </m:r>
+                      <m:r>
+                        <a:rPr lang="en-US" sz="1050" b="0" i="1" smtClean="0">
+                          <a:latin typeface="Cambria Math" panose="02040503050406030204" pitchFamily="18" charset="0"/>
+                        </a:rPr>
+                        <m:t>0896</m:t>
+                      </m:r>
+                      <m:r>
+                        <a:rPr lang="en-US" sz="1050" i="1" smtClean="0">
+                          <a:latin typeface="Cambria Math" panose="02040503050406030204" pitchFamily="18" charset="0"/>
+                        </a:rPr>
+                        <m:t> </m:t>
+                      </m:r>
+                      <m:r>
+                        <a:rPr lang="en-US" altLang="zh-CN" sz="1050" i="1">
+                          <a:latin typeface="Cambria Math" panose="02040503050406030204" pitchFamily="18" charset="0"/>
+                        </a:rPr>
+                        <m:t>@ </m:t>
+                      </m:r>
+                      <m:sSub>
+                        <m:sSubPr>
+                          <m:ctrlPr>
+                            <a:rPr lang="en-US" altLang="zh-CN" sz="1050" i="1">
+                              <a:latin typeface="Cambria Math" panose="02040503050406030204" pitchFamily="18" charset="0"/>
+                            </a:rPr>
+                          </m:ctrlPr>
+                        </m:sSubPr>
+                        <m:e>
+                          <m:r>
+                            <a:rPr lang="en-US" altLang="zh-CN" sz="1050" i="1">
+                              <a:latin typeface="Cambria Math" panose="02040503050406030204" pitchFamily="18" charset="0"/>
+                            </a:rPr>
+                            <m:t>𝐾</m:t>
+                          </m:r>
+                        </m:e>
+                        <m:sub>
+                          <m:r>
+                            <a:rPr lang="en-US" altLang="zh-CN" sz="1050" i="1">
+                              <a:latin typeface="Cambria Math" panose="02040503050406030204" pitchFamily="18" charset="0"/>
+                            </a:rPr>
+                            <m:t>1</m:t>
+                          </m:r>
+                        </m:sub>
+                      </m:sSub>
+                      <m:r>
+                        <a:rPr lang="en-US" altLang="zh-CN" sz="1050" i="1">
+                          <a:latin typeface="Cambria Math" panose="02040503050406030204" pitchFamily="18" charset="0"/>
+                        </a:rPr>
+                        <m:t> </m:t>
+                      </m:r>
+                    </m:oMath>
+                  </m:oMathPara>
+                </a14:m>
+                <a:endParaRPr lang="en-US" altLang="zh-CN" sz="1050" i="1" dirty="0">
+                  <a:latin typeface="Cambria Math" panose="02040503050406030204" pitchFamily="18" charset="0"/>
+                </a:endParaRPr>
+              </a:p>
+              <a:p>
+                <a:pPr/>
+                <a14:m>
+                  <m:oMathPara xmlns:m="http://schemas.openxmlformats.org/officeDocument/2006/math">
+                    <m:oMathParaPr>
+                      <m:jc m:val="centerGroup"/>
+                    </m:oMathParaPr>
+                    <m:oMath xmlns:m="http://schemas.openxmlformats.org/officeDocument/2006/math">
+                      <m:r>
+                        <a:rPr lang="en-US" sz="1050" i="1" smtClean="0">
+                          <a:latin typeface="Cambria Math" panose="02040503050406030204" pitchFamily="18" charset="0"/>
+                        </a:rPr>
+                        <m:t>0.0</m:t>
+                      </m:r>
+                      <m:r>
+                        <a:rPr lang="en-US" sz="1050" b="0" i="1" smtClean="0">
+                          <a:latin typeface="Cambria Math" panose="02040503050406030204" pitchFamily="18" charset="0"/>
+                        </a:rPr>
+                        <m:t>066 </m:t>
+                      </m:r>
+                      <m:r>
+                        <a:rPr lang="en-US" sz="1050" i="1">
+                          <a:latin typeface="Cambria Math" panose="02040503050406030204" pitchFamily="18" charset="0"/>
+                        </a:rPr>
+                        <m:t>@ </m:t>
+                      </m:r>
+                      <m:sSub>
+                        <m:sSubPr>
+                          <m:ctrlPr>
+                            <a:rPr lang="en-US" sz="1050" b="0" i="1" smtClean="0">
+                              <a:latin typeface="Cambria Math" panose="02040503050406030204" pitchFamily="18" charset="0"/>
+                            </a:rPr>
+                          </m:ctrlPr>
+                        </m:sSubPr>
+                        <m:e>
+                          <m:r>
+                            <a:rPr lang="en-US" sz="1050" b="0" i="1" smtClean="0">
+                              <a:latin typeface="Cambria Math" panose="02040503050406030204" pitchFamily="18" charset="0"/>
+                            </a:rPr>
+                            <m:t>𝐾</m:t>
+                          </m:r>
+                        </m:e>
+                        <m:sub>
+                          <m:r>
+                            <a:rPr lang="en-US" sz="1050" b="0" i="1" smtClean="0">
+                              <a:latin typeface="Cambria Math" panose="02040503050406030204" pitchFamily="18" charset="0"/>
+                            </a:rPr>
+                            <m:t>2</m:t>
+                          </m:r>
+                        </m:sub>
+                      </m:sSub>
+                    </m:oMath>
+                  </m:oMathPara>
+                </a14:m>
+                <a:endParaRPr lang="en-US" sz="1050" b="0" i="1" dirty="0"/>
+              </a:p>
+            </p:txBody>
+          </p:sp>
+        </mc:Choice>
+        <mc:Fallback xmlns="">
+          <p:sp>
+            <p:nvSpPr>
+              <p:cNvPr id="18" name="TextBox 17">
+                <a:extLst>
+                  <a:ext uri="{FF2B5EF4-FFF2-40B4-BE49-F238E27FC236}">
+                    <a16:creationId xmlns:a16="http://schemas.microsoft.com/office/drawing/2014/main" id="{311FD4AB-6D0A-4478-AA36-3F090BD204D4}"/>
+                  </a:ext>
+                </a:extLst>
+              </p:cNvPr>
+              <p:cNvSpPr txBox="1">
+                <a:spLocks noRot="1" noChangeAspect="1" noMove="1" noResize="1" noEditPoints="1" noAdjustHandles="1" noChangeArrowheads="1" noChangeShapeType="1" noTextEdit="1"/>
+              </p:cNvSpPr>
+              <p:nvPr/>
+            </p:nvSpPr>
+            <p:spPr>
+              <a:xfrm rot="1360292">
+                <a:off x="4902214" y="5120852"/>
+                <a:ext cx="965008" cy="415498"/>
+              </a:xfrm>
+              <a:prstGeom prst="rect">
+                <a:avLst/>
+              </a:prstGeom>
+              <a:blipFill>
+                <a:blip r:embed="rId8"/>
+                <a:stretch>
+                  <a:fillRect/>
+                </a:stretch>
+              </a:blipFill>
+            </p:spPr>
+            <p:txBody>
+              <a:bodyPr/>
+              <a:lstStyle/>
+              <a:p>
+                <a:r>
+                  <a:rPr lang="en-US">
+                    <a:noFill/>
+                  </a:rPr>
+                  <a:t> </a:t>
+                </a:r>
+              </a:p>
+            </p:txBody>
+          </p:sp>
+        </mc:Fallback>
+      </mc:AlternateContent>
+      <mc:AlternateContent xmlns:mc="http://schemas.openxmlformats.org/markup-compatibility/2006" xmlns:a14="http://schemas.microsoft.com/office/drawing/2010/main">
+        <mc:Choice Requires="a14">
+          <p:sp>
+            <p:nvSpPr>
+              <p:cNvPr id="22" name="TextBox 21">
+                <a:extLst>
+                  <a:ext uri="{FF2B5EF4-FFF2-40B4-BE49-F238E27FC236}">
+                    <a16:creationId xmlns:a16="http://schemas.microsoft.com/office/drawing/2014/main" id="{7E176ABD-F134-4F53-B192-1A78A1133107}"/>
+                  </a:ext>
+                </a:extLst>
+              </p:cNvPr>
+              <p:cNvSpPr txBox="1"/>
+              <p:nvPr/>
+            </p:nvSpPr>
+            <p:spPr>
+              <a:xfrm rot="5400000">
+                <a:off x="7338615" y="2863057"/>
+                <a:ext cx="1020472" cy="415563"/>
+              </a:xfrm>
+              <a:prstGeom prst="rect">
+                <a:avLst/>
+              </a:prstGeom>
+              <a:noFill/>
+            </p:spPr>
+            <p:txBody>
+              <a:bodyPr wrap="none" rtlCol="0">
+                <a:spAutoFit/>
+              </a:bodyPr>
+              <a:lstStyle/>
+              <a:p>
+                <a:pPr/>
+                <a14:m>
+                  <m:oMathPara xmlns:m="http://schemas.openxmlformats.org/officeDocument/2006/math">
+                    <m:oMathParaPr>
+                      <m:jc m:val="centerGroup"/>
+                    </m:oMathParaPr>
+                    <m:oMath xmlns:m="http://schemas.openxmlformats.org/officeDocument/2006/math">
+                      <m:r>
+                        <a:rPr lang="en-US" sz="1050" b="0" i="1" smtClean="0">
+                          <a:latin typeface="Cambria Math" panose="02040503050406030204" pitchFamily="18" charset="0"/>
+                        </a:rPr>
+                        <m:t>0.0464 @ </m:t>
+                      </m:r>
+                      <m:sSub>
+                        <m:sSubPr>
+                          <m:ctrlPr>
+                            <a:rPr lang="en-US" sz="1050" b="0" i="1" smtClean="0">
+                              <a:latin typeface="Cambria Math" panose="02040503050406030204" pitchFamily="18" charset="0"/>
+                            </a:rPr>
+                          </m:ctrlPr>
+                        </m:sSubPr>
+                        <m:e>
+                          <m:r>
+                            <a:rPr lang="en-US" sz="1050" b="0" i="1" smtClean="0">
+                              <a:latin typeface="Cambria Math" panose="02040503050406030204" pitchFamily="18" charset="0"/>
+                            </a:rPr>
+                            <m:t>𝐾</m:t>
+                          </m:r>
+                        </m:e>
+                        <m:sub>
+                          <m:r>
+                            <a:rPr lang="en-US" sz="1050" b="0" i="1" smtClean="0">
+                              <a:latin typeface="Cambria Math" panose="02040503050406030204" pitchFamily="18" charset="0"/>
+                            </a:rPr>
+                            <m:t>1</m:t>
+                          </m:r>
+                        </m:sub>
+                      </m:sSub>
+                    </m:oMath>
+                  </m:oMathPara>
+                </a14:m>
+                <a:endParaRPr lang="en-US" sz="1050" b="0" i="1" dirty="0">
+                  <a:latin typeface="Cambria Math" panose="02040503050406030204" pitchFamily="18" charset="0"/>
+                </a:endParaRPr>
+              </a:p>
+              <a:p>
+                <a:pPr/>
+                <a14:m>
+                  <m:oMathPara xmlns:m="http://schemas.openxmlformats.org/officeDocument/2006/math">
+                    <m:oMathParaPr>
+                      <m:jc m:val="centerGroup"/>
+                    </m:oMathParaPr>
+                    <m:oMath xmlns:m="http://schemas.openxmlformats.org/officeDocument/2006/math">
+                      <m:r>
+                        <a:rPr lang="en-US" sz="1050" i="1" smtClean="0">
+                          <a:latin typeface="Cambria Math" panose="02040503050406030204" pitchFamily="18" charset="0"/>
+                        </a:rPr>
+                        <m:t>1</m:t>
+                      </m:r>
+                      <m:r>
+                        <a:rPr lang="en-US" sz="1050" b="0" i="1" smtClean="0">
+                          <a:latin typeface="Cambria Math" panose="02040503050406030204" pitchFamily="18" charset="0"/>
+                        </a:rPr>
+                        <m:t>.8709</m:t>
+                      </m:r>
+                      <m:r>
+                        <a:rPr lang="en-US" sz="1050" i="1">
+                          <a:latin typeface="Cambria Math" panose="02040503050406030204" pitchFamily="18" charset="0"/>
+                        </a:rPr>
+                        <m:t> @ </m:t>
+                      </m:r>
+                      <m:sSub>
+                        <m:sSubPr>
+                          <m:ctrlPr>
+                            <a:rPr lang="en-US" sz="1050" i="1">
+                              <a:latin typeface="Cambria Math" panose="02040503050406030204" pitchFamily="18" charset="0"/>
+                            </a:rPr>
+                          </m:ctrlPr>
+                        </m:sSubPr>
+                        <m:e>
+                          <m:r>
+                            <a:rPr lang="en-US" sz="1050" i="1">
+                              <a:latin typeface="Cambria Math" panose="02040503050406030204" pitchFamily="18" charset="0"/>
+                            </a:rPr>
+                            <m:t>𝐾</m:t>
+                          </m:r>
+                        </m:e>
+                        <m:sub>
+                          <m:r>
+                            <a:rPr lang="en-US" sz="1050" b="0" i="1" smtClean="0">
+                              <a:latin typeface="Cambria Math" panose="02040503050406030204" pitchFamily="18" charset="0"/>
+                            </a:rPr>
+                            <m:t>2</m:t>
+                          </m:r>
+                        </m:sub>
+                      </m:sSub>
+                    </m:oMath>
+                  </m:oMathPara>
+                </a14:m>
+                <a:br>
+                  <a:rPr lang="en-US" sz="1050" dirty="0"/>
+                </a:br>
+                <a:endParaRPr lang="en-US" sz="1050" dirty="0"/>
+              </a:p>
+            </p:txBody>
+          </p:sp>
+        </mc:Choice>
+        <mc:Fallback xmlns="">
+          <p:sp>
+            <p:nvSpPr>
+              <p:cNvPr id="22" name="TextBox 21">
+                <a:extLst>
+                  <a:ext uri="{FF2B5EF4-FFF2-40B4-BE49-F238E27FC236}">
+                    <a16:creationId xmlns:a16="http://schemas.microsoft.com/office/drawing/2014/main" id="{7E176ABD-F134-4F53-B192-1A78A1133107}"/>
+                  </a:ext>
+                </a:extLst>
+              </p:cNvPr>
+              <p:cNvSpPr txBox="1">
+                <a:spLocks noRot="1" noChangeAspect="1" noMove="1" noResize="1" noEditPoints="1" noAdjustHandles="1" noChangeArrowheads="1" noChangeShapeType="1" noTextEdit="1"/>
+              </p:cNvSpPr>
+              <p:nvPr/>
+            </p:nvSpPr>
+            <p:spPr>
+              <a:xfrm rot="5400000">
+                <a:off x="7338615" y="2863057"/>
+                <a:ext cx="1020472" cy="415563"/>
+              </a:xfrm>
+              <a:prstGeom prst="rect">
+                <a:avLst/>
+              </a:prstGeom>
+              <a:blipFill>
+                <a:blip r:embed="rId9"/>
+                <a:stretch>
+                  <a:fillRect/>
+                </a:stretch>
+              </a:blipFill>
+            </p:spPr>
+            <p:txBody>
+              <a:bodyPr/>
+              <a:lstStyle/>
+              <a:p>
+                <a:r>
+                  <a:rPr lang="en-US">
+                    <a:noFill/>
+                  </a:rPr>
+                  <a:t> </a:t>
+                </a:r>
+              </a:p>
+            </p:txBody>
+          </p:sp>
+        </mc:Fallback>
+      </mc:AlternateContent>
+      <mc:AlternateContent xmlns:mc="http://schemas.openxmlformats.org/markup-compatibility/2006" xmlns:a14="http://schemas.microsoft.com/office/drawing/2010/main">
+        <mc:Choice Requires="a14">
+          <p:sp>
+            <p:nvSpPr>
+              <p:cNvPr id="24" name="TextBox 23">
+                <a:extLst>
+                  <a:ext uri="{FF2B5EF4-FFF2-40B4-BE49-F238E27FC236}">
+                    <a16:creationId xmlns:a16="http://schemas.microsoft.com/office/drawing/2014/main" id="{63919D9D-3A33-4BFE-9245-4066EFBA1F7B}"/>
+                  </a:ext>
+                </a:extLst>
+              </p:cNvPr>
+              <p:cNvSpPr txBox="1"/>
+              <p:nvPr/>
+            </p:nvSpPr>
+            <p:spPr>
+              <a:xfrm rot="16200000">
+                <a:off x="6166069" y="4206712"/>
+                <a:ext cx="997774" cy="415563"/>
+              </a:xfrm>
+              <a:prstGeom prst="rect">
+                <a:avLst/>
+              </a:prstGeom>
+              <a:noFill/>
+            </p:spPr>
+            <p:txBody>
+              <a:bodyPr wrap="none" rtlCol="0">
+                <a:spAutoFit/>
+              </a:bodyPr>
+              <a:lstStyle/>
+              <a:p>
+                <a:pPr/>
+                <a14:m>
+                  <m:oMathPara xmlns:m="http://schemas.openxmlformats.org/officeDocument/2006/math">
+                    <m:oMathParaPr>
+                      <m:jc m:val="centerGroup"/>
+                    </m:oMathParaPr>
+                    <m:oMath xmlns:m="http://schemas.openxmlformats.org/officeDocument/2006/math">
+                      <m:r>
+                        <a:rPr lang="en-US" sz="1050" b="0" i="1" smtClean="0">
+                          <a:latin typeface="Cambria Math" panose="02040503050406030204" pitchFamily="18" charset="0"/>
+                        </a:rPr>
+                        <m:t>1.1876</m:t>
+                      </m:r>
+                      <m:r>
+                        <a:rPr lang="en-US" sz="1050" i="1">
+                          <a:latin typeface="Cambria Math" panose="02040503050406030204" pitchFamily="18" charset="0"/>
+                        </a:rPr>
+                        <m:t> @ </m:t>
+                      </m:r>
+                      <m:sSub>
+                        <m:sSubPr>
+                          <m:ctrlPr>
+                            <a:rPr lang="en-US" sz="1050" i="1">
+                              <a:latin typeface="Cambria Math" panose="02040503050406030204" pitchFamily="18" charset="0"/>
+                            </a:rPr>
+                          </m:ctrlPr>
+                        </m:sSubPr>
+                        <m:e>
+                          <m:r>
+                            <a:rPr lang="en-US" sz="1050" i="1">
+                              <a:latin typeface="Cambria Math" panose="02040503050406030204" pitchFamily="18" charset="0"/>
+                            </a:rPr>
+                            <m:t>𝐾</m:t>
+                          </m:r>
+                        </m:e>
+                        <m:sub>
+                          <m:r>
+                            <a:rPr lang="en-US" sz="1050" b="0" i="1" smtClean="0">
+                              <a:latin typeface="Cambria Math" panose="02040503050406030204" pitchFamily="18" charset="0"/>
+                            </a:rPr>
+                            <m:t>1</m:t>
+                          </m:r>
+                        </m:sub>
+                      </m:sSub>
+                    </m:oMath>
+                  </m:oMathPara>
+                </a14:m>
+                <a:br>
+                  <a:rPr lang="en-US" sz="1050" dirty="0"/>
+                </a:br>
+                <a:endParaRPr lang="en-US" sz="1050" dirty="0"/>
+              </a:p>
+              <a:p>
+                <a:pPr/>
+                <a14:m>
+                  <m:oMathPara xmlns:m="http://schemas.openxmlformats.org/officeDocument/2006/math">
+                    <m:oMathParaPr>
+                      <m:jc m:val="centerGroup"/>
+                    </m:oMathParaPr>
+                    <m:oMath xmlns:m="http://schemas.openxmlformats.org/officeDocument/2006/math">
+                      <m:r>
+                        <a:rPr lang="en-US" sz="1050" i="1">
+                          <a:latin typeface="Cambria Math" panose="02040503050406030204" pitchFamily="18" charset="0"/>
+                        </a:rPr>
+                        <m:t>0</m:t>
+                      </m:r>
+                      <m:r>
+                        <a:rPr lang="en-US" sz="1050" b="0" i="1" smtClean="0">
+                          <a:latin typeface="Cambria Math" panose="02040503050406030204" pitchFamily="18" charset="0"/>
+                        </a:rPr>
+                        <m:t>.0099 @ </m:t>
+                      </m:r>
+                      <m:sSub>
+                        <m:sSubPr>
+                          <m:ctrlPr>
+                            <a:rPr lang="en-US" sz="1050" b="0" i="1" smtClean="0">
+                              <a:latin typeface="Cambria Math" panose="02040503050406030204" pitchFamily="18" charset="0"/>
+                            </a:rPr>
+                          </m:ctrlPr>
+                        </m:sSubPr>
+                        <m:e>
+                          <m:r>
+                            <a:rPr lang="en-US" sz="1050" b="0" i="1" smtClean="0">
+                              <a:latin typeface="Cambria Math" panose="02040503050406030204" pitchFamily="18" charset="0"/>
+                            </a:rPr>
+                            <m:t>𝐾</m:t>
+                          </m:r>
+                        </m:e>
+                        <m:sub>
+                          <m:r>
+                            <a:rPr lang="en-US" sz="1050" b="0" i="1" smtClean="0">
+                              <a:latin typeface="Cambria Math" panose="02040503050406030204" pitchFamily="18" charset="0"/>
+                            </a:rPr>
+                            <m:t>2</m:t>
+                          </m:r>
+                        </m:sub>
+                      </m:sSub>
+                    </m:oMath>
+                  </m:oMathPara>
+                </a14:m>
+                <a:br>
+                  <a:rPr lang="en-US" sz="1050" b="0" dirty="0"/>
+                </a:br>
+                <a:endParaRPr lang="en-US" sz="1050" dirty="0"/>
+              </a:p>
+            </p:txBody>
+          </p:sp>
+        </mc:Choice>
+        <mc:Fallback xmlns="">
+          <p:sp>
+            <p:nvSpPr>
+              <p:cNvPr id="24" name="TextBox 23">
+                <a:extLst>
+                  <a:ext uri="{FF2B5EF4-FFF2-40B4-BE49-F238E27FC236}">
+                    <a16:creationId xmlns:a16="http://schemas.microsoft.com/office/drawing/2014/main" id="{63919D9D-3A33-4BFE-9245-4066EFBA1F7B}"/>
+                  </a:ext>
+                </a:extLst>
+              </p:cNvPr>
+              <p:cNvSpPr txBox="1">
+                <a:spLocks noRot="1" noChangeAspect="1" noMove="1" noResize="1" noEditPoints="1" noAdjustHandles="1" noChangeArrowheads="1" noChangeShapeType="1" noTextEdit="1"/>
+              </p:cNvSpPr>
+              <p:nvPr/>
+            </p:nvSpPr>
+            <p:spPr>
+              <a:xfrm rot="16200000">
+                <a:off x="6166069" y="4206712"/>
+                <a:ext cx="997774" cy="415563"/>
+              </a:xfrm>
+              <a:prstGeom prst="rect">
+                <a:avLst/>
+              </a:prstGeom>
+              <a:blipFill>
+                <a:blip r:embed="rId10"/>
+                <a:stretch>
+                  <a:fillRect/>
+                </a:stretch>
+              </a:blipFill>
+            </p:spPr>
+            <p:txBody>
+              <a:bodyPr/>
+              <a:lstStyle/>
+              <a:p>
+                <a:r>
+                  <a:rPr lang="en-US">
+                    <a:noFill/>
+                  </a:rPr>
+                  <a:t> </a:t>
+                </a:r>
+              </a:p>
+            </p:txBody>
+          </p:sp>
+        </mc:Fallback>
+      </mc:AlternateContent>
+    </p:spTree>
+    <p:extLst>
+      <p:ext uri="{BB962C8B-B14F-4D97-AF65-F5344CB8AC3E}">
+        <p14:creationId xmlns:p14="http://schemas.microsoft.com/office/powerpoint/2010/main" val="1946557822"/>
+      </p:ext>
+    </p:extLst>
+  </p:cSld>
+  <p:clrMapOvr>
+    <a:masterClrMapping/>
+  </p:clrMapOvr>
+</p:sld>
+</file>
+
+<file path=ppt/slides/slide8.xml><?xml version="1.0" encoding="utf-8"?>
+<p:sld xmlns:a="http://schemas.openxmlformats.org/drawingml/2006/main" xmlns:r="http://schemas.openxmlformats.org/officeDocument/2006/relationships" xmlns:p="http://schemas.openxmlformats.org/presentationml/2006/main">
+  <p:cSld>
+    <p:spTree>
+      <p:nvGrpSpPr>
+        <p:cNvPr id="1" name=""/>
+        <p:cNvGrpSpPr/>
+        <p:nvPr/>
+      </p:nvGrpSpPr>
+      <p:grpSpPr>
+        <a:xfrm>
+          <a:off x="0" y="0"/>
+          <a:ext cx="0" cy="0"/>
+          <a:chOff x="0" y="0"/>
+          <a:chExt cx="0" cy="0"/>
+        </a:xfrm>
+      </p:grpSpPr>
+      <mc:AlternateContent xmlns:mc="http://schemas.openxmlformats.org/markup-compatibility/2006" xmlns:a14="http://schemas.microsoft.com/office/drawing/2010/main">
+        <mc:Choice Requires="a14">
+          <p:sp>
+            <p:nvSpPr>
+              <p:cNvPr id="12" name="TextBox 11">
+                <a:extLst>
+                  <a:ext uri="{FF2B5EF4-FFF2-40B4-BE49-F238E27FC236}">
+                    <a16:creationId xmlns:a16="http://schemas.microsoft.com/office/drawing/2014/main" id="{A7791F1B-B7E1-4232-AAE9-02204F3A79BC}"/>
+                  </a:ext>
+                </a:extLst>
+              </p:cNvPr>
+              <p:cNvSpPr txBox="1"/>
+              <p:nvPr/>
+            </p:nvSpPr>
+            <p:spPr>
+              <a:xfrm>
+                <a:off x="1546743" y="1601122"/>
+                <a:ext cx="483016" cy="369332"/>
+              </a:xfrm>
+              <a:prstGeom prst="rect">
+                <a:avLst/>
+              </a:prstGeom>
+              <a:noFill/>
+            </p:spPr>
+            <p:txBody>
+              <a:bodyPr wrap="none" rtlCol="0">
+                <a:spAutoFit/>
+              </a:bodyPr>
+              <a:lstStyle/>
+              <a:p>
+                <a:pPr/>
+                <a14:m>
+                  <m:oMathPara xmlns:m="http://schemas.openxmlformats.org/officeDocument/2006/math">
+                    <m:oMathParaPr>
+                      <m:jc m:val="centerGroup"/>
+                    </m:oMathParaPr>
+                    <m:oMath xmlns:m="http://schemas.openxmlformats.org/officeDocument/2006/math">
+                      <m:sSub>
+                        <m:sSubPr>
+                          <m:ctrlPr>
+                            <a:rPr lang="en-US" b="0" i="1" smtClean="0">
+                              <a:latin typeface="Cambria Math" panose="02040503050406030204" pitchFamily="18" charset="0"/>
+                            </a:rPr>
+                          </m:ctrlPr>
+                        </m:sSubPr>
+                        <m:e>
+                          <m:r>
+                            <a:rPr lang="en-US" b="0" i="1" smtClean="0">
+                              <a:latin typeface="Cambria Math" panose="02040503050406030204" pitchFamily="18" charset="0"/>
+                            </a:rPr>
+                            <m:t>𝐾</m:t>
+                          </m:r>
+                        </m:e>
+                        <m:sub>
+                          <m:r>
+                            <a:rPr lang="en-US" b="0" i="1" smtClean="0">
+                              <a:latin typeface="Cambria Math" panose="02040503050406030204" pitchFamily="18" charset="0"/>
+                            </a:rPr>
+                            <m:t>1</m:t>
+                          </m:r>
+                        </m:sub>
+                      </m:sSub>
+                    </m:oMath>
+                  </m:oMathPara>
+                </a14:m>
+                <a:endParaRPr lang="en-US" dirty="0"/>
+              </a:p>
+            </p:txBody>
+          </p:sp>
+        </mc:Choice>
+        <mc:Fallback xmlns="">
+          <p:sp>
+            <p:nvSpPr>
+              <p:cNvPr id="12" name="TextBox 11">
+                <a:extLst>
+                  <a:ext uri="{FF2B5EF4-FFF2-40B4-BE49-F238E27FC236}">
+                    <a16:creationId xmlns:a16="http://schemas.microsoft.com/office/drawing/2014/main" id="{A7791F1B-B7E1-4232-AAE9-02204F3A79BC}"/>
+                  </a:ext>
+                </a:extLst>
+              </p:cNvPr>
+              <p:cNvSpPr txBox="1">
+                <a:spLocks noRot="1" noChangeAspect="1" noMove="1" noResize="1" noEditPoints="1" noAdjustHandles="1" noChangeArrowheads="1" noChangeShapeType="1" noTextEdit="1"/>
+              </p:cNvSpPr>
+              <p:nvPr/>
+            </p:nvSpPr>
+            <p:spPr>
+              <a:xfrm>
+                <a:off x="1546743" y="1601122"/>
+                <a:ext cx="483016" cy="369332"/>
+              </a:xfrm>
+              <a:prstGeom prst="rect">
+                <a:avLst/>
+              </a:prstGeom>
+              <a:blipFill>
+                <a:blip r:embed="rId3"/>
+                <a:stretch>
+                  <a:fillRect/>
+                </a:stretch>
+              </a:blipFill>
+            </p:spPr>
+            <p:txBody>
+              <a:bodyPr/>
+              <a:lstStyle/>
+              <a:p>
+                <a:r>
+                  <a:rPr lang="en-US">
+                    <a:noFill/>
+                  </a:rPr>
+                  <a:t> </a:t>
+                </a:r>
+              </a:p>
+            </p:txBody>
+          </p:sp>
+        </mc:Fallback>
+      </mc:AlternateContent>
+      <mc:AlternateContent xmlns:mc="http://schemas.openxmlformats.org/markup-compatibility/2006" xmlns:a14="http://schemas.microsoft.com/office/drawing/2010/main">
+        <mc:Choice Requires="a14">
+          <p:sp>
+            <p:nvSpPr>
+              <p:cNvPr id="10" name="Rectangle 9">
+                <a:extLst>
+                  <a:ext uri="{FF2B5EF4-FFF2-40B4-BE49-F238E27FC236}">
+                    <a16:creationId xmlns:a16="http://schemas.microsoft.com/office/drawing/2014/main" id="{3C00A4A8-1391-4D95-BA94-E282132932A7}"/>
+                  </a:ext>
+                </a:extLst>
+              </p:cNvPr>
+              <p:cNvSpPr/>
+              <p:nvPr/>
+            </p:nvSpPr>
+            <p:spPr>
+              <a:xfrm>
+                <a:off x="429845" y="1970454"/>
+                <a:ext cx="2716813" cy="1090246"/>
+              </a:xfrm>
+              <a:prstGeom prst="rect">
+                <a:avLst/>
+              </a:prstGeom>
+              <a:noFill/>
+              <a:ln>
+                <a:solidFill>
+                  <a:schemeClr val="tx1"/>
+                </a:solidFill>
+              </a:ln>
+            </p:spPr>
+            <p:style>
+              <a:lnRef idx="2">
+                <a:schemeClr val="accent1">
+                  <a:shade val="50000"/>
+                </a:schemeClr>
+              </a:lnRef>
+              <a:fillRef idx="1">
+                <a:schemeClr val="accent1"/>
+              </a:fillRef>
+              <a:effectRef idx="0">
+                <a:schemeClr val="accent1"/>
+              </a:effectRef>
+              <a:fontRef idx="minor">
+                <a:schemeClr val="lt1"/>
+              </a:fontRef>
+            </p:style>
+            <p:txBody>
+              <a:bodyPr rtlCol="0" anchor="ctr"/>
+              <a:lstStyle/>
+              <a:p>
+                <a:pPr/>
+                <a14:m>
+                  <m:oMathPara xmlns:m="http://schemas.openxmlformats.org/officeDocument/2006/math">
+                    <m:oMathParaPr>
+                      <m:jc m:val="centerGroup"/>
+                    </m:oMathParaPr>
+                    <m:oMath xmlns:m="http://schemas.openxmlformats.org/officeDocument/2006/math">
+                      <m:r>
+                        <a:rPr lang="en-US" i="1" dirty="0" smtClean="0">
+                          <a:solidFill>
+                            <a:schemeClr val="tx1"/>
+                          </a:solidFill>
+                          <a:latin typeface="Cambria Math" panose="02040503050406030204" pitchFamily="18" charset="0"/>
+                        </a:rPr>
+                        <m:t>𝑆𝑡𝑜𝑐𝑘</m:t>
+                      </m:r>
+                      <m:d>
+                        <m:dPr>
+                          <m:ctrlPr>
+                            <a:rPr lang="en-US" i="1" dirty="0" smtClean="0">
+                              <a:solidFill>
+                                <a:schemeClr val="tx1"/>
+                              </a:solidFill>
+                              <a:latin typeface="Cambria Math" panose="02040503050406030204" pitchFamily="18" charset="0"/>
+                            </a:rPr>
+                          </m:ctrlPr>
+                        </m:dPr>
+                        <m:e>
+                          <m:r>
+                            <a:rPr lang="en-US" i="1" dirty="0" smtClean="0">
+                              <a:solidFill>
+                                <a:schemeClr val="tx1"/>
+                              </a:solidFill>
+                              <a:latin typeface="Cambria Math" panose="02040503050406030204" pitchFamily="18" charset="0"/>
+                            </a:rPr>
+                            <m:t>𝑜</m:t>
+                          </m:r>
+                        </m:e>
+                      </m:d>
+                      <m:r>
+                        <m:rPr>
+                          <m:aln/>
+                        </m:rPr>
+                        <a:rPr lang="en-US" i="1" dirty="0" smtClean="0">
+                          <a:solidFill>
+                            <a:schemeClr val="tx1"/>
+                          </a:solidFill>
+                          <a:latin typeface="Cambria Math" panose="02040503050406030204" pitchFamily="18" charset="0"/>
+                        </a:rPr>
+                        <m:t>=</m:t>
+                      </m:r>
+                      <m:r>
+                        <a:rPr lang="en-US" i="1" dirty="0">
+                          <a:solidFill>
+                            <a:schemeClr val="tx1"/>
+                          </a:solidFill>
+                          <a:latin typeface="Cambria Math" panose="02040503050406030204" pitchFamily="18" charset="0"/>
+                        </a:rPr>
+                        <m:t>9.1917</m:t>
+                      </m:r>
+                    </m:oMath>
+                    <m:oMath xmlns:m="http://schemas.openxmlformats.org/officeDocument/2006/math">
+                      <m:r>
+                        <a:rPr lang="en-US" i="1" dirty="0" smtClean="0">
+                          <a:solidFill>
+                            <a:schemeClr val="tx1"/>
+                          </a:solidFill>
+                          <a:latin typeface="Cambria Math" panose="02040503050406030204" pitchFamily="18" charset="0"/>
+                        </a:rPr>
+                        <m:t>𝑆𝑡𝑜𝑐𝑘</m:t>
+                      </m:r>
+                      <m:d>
+                        <m:dPr>
+                          <m:ctrlPr>
+                            <a:rPr lang="en-US" i="1" dirty="0" smtClean="0">
+                              <a:solidFill>
+                                <a:schemeClr val="tx1"/>
+                              </a:solidFill>
+                              <a:latin typeface="Cambria Math" panose="02040503050406030204" pitchFamily="18" charset="0"/>
+                            </a:rPr>
+                          </m:ctrlPr>
+                        </m:dPr>
+                        <m:e>
+                          <m:r>
+                            <a:rPr lang="en-US" i="1" dirty="0" smtClean="0">
+                              <a:solidFill>
+                                <a:schemeClr val="tx1"/>
+                              </a:solidFill>
+                              <a:latin typeface="Cambria Math" panose="02040503050406030204" pitchFamily="18" charset="0"/>
+                            </a:rPr>
+                            <m:t>𝑑</m:t>
+                          </m:r>
+                        </m:e>
+                      </m:d>
+                      <m:r>
+                        <m:rPr>
+                          <m:aln/>
+                        </m:rPr>
+                        <a:rPr lang="en-US" i="1" dirty="0" smtClean="0">
+                          <a:solidFill>
+                            <a:schemeClr val="tx1"/>
+                          </a:solidFill>
+                          <a:latin typeface="Cambria Math" panose="02040503050406030204" pitchFamily="18" charset="0"/>
+                        </a:rPr>
+                        <m:t>=</m:t>
+                      </m:r>
+                      <m:r>
+                        <a:rPr lang="en-US" i="1" dirty="0">
+                          <a:solidFill>
+                            <a:schemeClr val="tx1"/>
+                          </a:solidFill>
+                          <a:latin typeface="Cambria Math" panose="02040503050406030204" pitchFamily="18" charset="0"/>
+                        </a:rPr>
+                        <m:t>8.144</m:t>
+                      </m:r>
+                      <m:r>
+                        <a:rPr lang="en-US" b="0" i="1" dirty="0" smtClean="0">
+                          <a:solidFill>
+                            <a:schemeClr val="tx1"/>
+                          </a:solidFill>
+                          <a:latin typeface="Cambria Math" panose="02040503050406030204" pitchFamily="18" charset="0"/>
+                        </a:rPr>
+                        <m:t>1</m:t>
+                      </m:r>
+                    </m:oMath>
+                    <m:oMath xmlns:m="http://schemas.openxmlformats.org/officeDocument/2006/math">
+                      <m:r>
+                        <a:rPr lang="en-US" b="0" i="1" smtClean="0">
+                          <a:solidFill>
+                            <a:schemeClr val="tx1"/>
+                          </a:solidFill>
+                          <a:latin typeface="Cambria Math" panose="02040503050406030204" pitchFamily="18" charset="0"/>
+                        </a:rPr>
+                        <m:t>𝑆𝑡𝑜𝑐𝑘</m:t>
+                      </m:r>
+                      <m:d>
+                        <m:dPr>
+                          <m:ctrlPr>
+                            <a:rPr lang="en-US" b="0" i="1" smtClean="0">
+                              <a:solidFill>
+                                <a:schemeClr val="tx1"/>
+                              </a:solidFill>
+                              <a:latin typeface="Cambria Math" panose="02040503050406030204" pitchFamily="18" charset="0"/>
+                            </a:rPr>
+                          </m:ctrlPr>
+                        </m:dPr>
+                        <m:e>
+                          <m:r>
+                            <a:rPr lang="en-US" b="0" i="1" smtClean="0">
+                              <a:solidFill>
+                                <a:schemeClr val="tx1"/>
+                              </a:solidFill>
+                              <a:latin typeface="Cambria Math" panose="02040503050406030204" pitchFamily="18" charset="0"/>
+                            </a:rPr>
+                            <m:t>𝑚</m:t>
+                          </m:r>
+                          <m:r>
+                            <a:rPr lang="en-US" altLang="zh-CN" i="1">
+                              <a:solidFill>
+                                <a:schemeClr val="tx1"/>
+                              </a:solidFill>
+                              <a:latin typeface="Cambria Math" panose="02040503050406030204" pitchFamily="18" charset="0"/>
+                            </a:rPr>
+                            <m:t>1</m:t>
+                          </m:r>
+                        </m:e>
+                      </m:d>
+                      <m:r>
+                        <m:rPr>
+                          <m:aln/>
+                        </m:rPr>
+                        <a:rPr lang="en-US" b="0" i="1" smtClean="0">
+                          <a:solidFill>
+                            <a:schemeClr val="tx1"/>
+                          </a:solidFill>
+                          <a:latin typeface="Cambria Math" panose="02040503050406030204" pitchFamily="18" charset="0"/>
+                        </a:rPr>
+                        <m:t>=</m:t>
+                      </m:r>
+                      <m:r>
+                        <a:rPr lang="en-US" i="1">
+                          <a:solidFill>
+                            <a:schemeClr val="tx1"/>
+                          </a:solidFill>
+                          <a:latin typeface="Cambria Math" panose="02040503050406030204" pitchFamily="18" charset="0"/>
+                        </a:rPr>
+                        <m:t>9.2230</m:t>
+                      </m:r>
+                    </m:oMath>
+                    <m:oMath xmlns:m="http://schemas.openxmlformats.org/officeDocument/2006/math">
+                      <m:r>
+                        <a:rPr lang="en-US" b="0" i="1" smtClean="0">
+                          <a:solidFill>
+                            <a:schemeClr val="tx1"/>
+                          </a:solidFill>
+                          <a:latin typeface="Cambria Math" panose="02040503050406030204" pitchFamily="18" charset="0"/>
+                        </a:rPr>
+                        <m:t>𝑠𝑡𝑜𝑐𝑘</m:t>
+                      </m:r>
+                      <m:d>
+                        <m:dPr>
+                          <m:ctrlPr>
+                            <a:rPr lang="en-US" b="0" i="1" smtClean="0">
+                              <a:solidFill>
+                                <a:schemeClr val="tx1"/>
+                              </a:solidFill>
+                              <a:latin typeface="Cambria Math" panose="02040503050406030204" pitchFamily="18" charset="0"/>
+                            </a:rPr>
+                          </m:ctrlPr>
+                        </m:dPr>
+                        <m:e>
+                          <m:r>
+                            <a:rPr lang="en-US" b="0" i="1" smtClean="0">
+                              <a:solidFill>
+                                <a:schemeClr val="tx1"/>
+                              </a:solidFill>
+                              <a:latin typeface="Cambria Math" panose="02040503050406030204" pitchFamily="18" charset="0"/>
+                            </a:rPr>
+                            <m:t>𝑚</m:t>
+                          </m:r>
+                          <m:r>
+                            <a:rPr lang="en-US" b="0" i="1" smtClean="0">
+                              <a:solidFill>
+                                <a:schemeClr val="tx1"/>
+                              </a:solidFill>
+                              <a:latin typeface="Cambria Math" panose="02040503050406030204" pitchFamily="18" charset="0"/>
+                            </a:rPr>
+                            <m:t>2</m:t>
+                          </m:r>
+                        </m:e>
+                      </m:d>
+                      <m:r>
+                        <m:rPr>
+                          <m:aln/>
+                        </m:rPr>
+                        <a:rPr lang="en-US" b="0" i="1" smtClean="0">
+                          <a:solidFill>
+                            <a:schemeClr val="tx1"/>
+                          </a:solidFill>
+                          <a:latin typeface="Cambria Math" panose="02040503050406030204" pitchFamily="18" charset="0"/>
+                        </a:rPr>
+                        <m:t>=</m:t>
+                      </m:r>
+                      <m:r>
+                        <a:rPr lang="en-US" i="1">
+                          <a:solidFill>
+                            <a:schemeClr val="tx1"/>
+                          </a:solidFill>
+                          <a:latin typeface="Cambria Math" panose="02040503050406030204" pitchFamily="18" charset="0"/>
+                        </a:rPr>
+                        <m:t>9.05</m:t>
+                      </m:r>
+                      <m:r>
+                        <a:rPr lang="en-US" altLang="zh-CN" i="1" smtClean="0">
+                          <a:solidFill>
+                            <a:schemeClr val="tx1"/>
+                          </a:solidFill>
+                          <a:latin typeface="Cambria Math" panose="02040503050406030204" pitchFamily="18" charset="0"/>
+                        </a:rPr>
+                        <m:t>1</m:t>
+                      </m:r>
+                      <m:r>
+                        <a:rPr lang="en-US" altLang="zh-CN" b="0" i="1" smtClean="0">
+                          <a:solidFill>
+                            <a:schemeClr val="tx1"/>
+                          </a:solidFill>
+                          <a:latin typeface="Cambria Math" panose="02040503050406030204" pitchFamily="18" charset="0"/>
+                        </a:rPr>
+                        <m:t>0</m:t>
+                      </m:r>
+                    </m:oMath>
+                  </m:oMathPara>
+                </a14:m>
+                <a:endParaRPr lang="en-US" b="0" dirty="0">
+                  <a:solidFill>
+                    <a:schemeClr val="tx1"/>
+                  </a:solidFill>
+                </a:endParaRPr>
+              </a:p>
+            </p:txBody>
+          </p:sp>
+        </mc:Choice>
+        <mc:Fallback xmlns="">
+          <p:sp>
+            <p:nvSpPr>
+              <p:cNvPr id="10" name="Rectangle 9">
+                <a:extLst>
+                  <a:ext uri="{FF2B5EF4-FFF2-40B4-BE49-F238E27FC236}">
+                    <a16:creationId xmlns:a16="http://schemas.microsoft.com/office/drawing/2014/main" id="{3C00A4A8-1391-4D95-BA94-E282132932A7}"/>
+                  </a:ext>
+                </a:extLst>
+              </p:cNvPr>
+              <p:cNvSpPr>
+                <a:spLocks noRot="1" noChangeAspect="1" noMove="1" noResize="1" noEditPoints="1" noAdjustHandles="1" noChangeArrowheads="1" noChangeShapeType="1" noTextEdit="1"/>
+              </p:cNvSpPr>
+              <p:nvPr/>
+            </p:nvSpPr>
+            <p:spPr>
+              <a:xfrm>
+                <a:off x="429845" y="1970454"/>
+                <a:ext cx="2716813" cy="1090246"/>
+              </a:xfrm>
+              <a:prstGeom prst="rect">
+                <a:avLst/>
+              </a:prstGeom>
+              <a:blipFill>
+                <a:blip r:embed="rId4"/>
+                <a:stretch>
+                  <a:fillRect b="-2210"/>
+                </a:stretch>
+              </a:blipFill>
+              <a:ln>
+                <a:solidFill>
+                  <a:schemeClr val="tx1"/>
+                </a:solidFill>
+              </a:ln>
+            </p:spPr>
+            <p:txBody>
+              <a:bodyPr/>
+              <a:lstStyle/>
+              <a:p>
+                <a:r>
+                  <a:rPr lang="en-US">
+                    <a:noFill/>
+                  </a:rPr>
+                  <a:t> </a:t>
+                </a:r>
+              </a:p>
+            </p:txBody>
+          </p:sp>
+        </mc:Fallback>
+      </mc:AlternateContent>
+      <p:sp>
+        <p:nvSpPr>
+          <p:cNvPr id="4" name="Oval 3">
+            <a:extLst>
+              <a:ext uri="{FF2B5EF4-FFF2-40B4-BE49-F238E27FC236}">
+                <a16:creationId xmlns:a16="http://schemas.microsoft.com/office/drawing/2014/main" id="{AD079CE0-B866-4600-B406-CF86C420358C}"/>
+              </a:ext>
+            </a:extLst>
+          </p:cNvPr>
+          <p:cNvSpPr/>
+          <p:nvPr/>
+        </p:nvSpPr>
+        <p:spPr>
+          <a:xfrm>
+            <a:off x="3923395" y="3237526"/>
+            <a:ext cx="1062892" cy="1062892"/>
+          </a:xfrm>
+          <a:prstGeom prst="ellipse">
+            <a:avLst/>
+          </a:prstGeom>
+          <a:solidFill>
+            <a:schemeClr val="accent4">
+              <a:lumMod val="40000"/>
+              <a:lumOff val="60000"/>
+            </a:schemeClr>
+          </a:solidFill>
+          <a:ln>
+            <a:solidFill>
+              <a:schemeClr val="accent4">
+                <a:lumMod val="75000"/>
+              </a:schemeClr>
+            </a:solidFill>
+          </a:ln>
+        </p:spPr>
+        <p:style>
+          <a:lnRef idx="2">
+            <a:schemeClr val="accent1">
+              <a:shade val="50000"/>
+            </a:schemeClr>
+          </a:lnRef>
+          <a:fillRef idx="1">
+            <a:schemeClr val="accent1"/>
+          </a:fillRef>
+          <a:effectRef idx="0">
+            <a:schemeClr val="accent1"/>
+          </a:effectRef>
+          <a:fontRef idx="minor">
+            <a:schemeClr val="lt1"/>
+          </a:fontRef>
+        </p:style>
+        <p:txBody>
+          <a:bodyPr rtlCol="0" anchor="ctr"/>
+          <a:lstStyle/>
+          <a:p>
+            <a:pPr algn="ctr"/>
+            <a:r>
+              <a:rPr lang="en-US" sz="2400" dirty="0">
+                <a:solidFill>
+                  <a:schemeClr val="tx1"/>
+                </a:solidFill>
+                <a:latin typeface="Cambria Math" panose="02040503050406030204" pitchFamily="18" charset="0"/>
+                <a:ea typeface="Cambria Math" panose="02040503050406030204" pitchFamily="18" charset="0"/>
+              </a:rPr>
+              <a:t>o</a:t>
+            </a:r>
+          </a:p>
+        </p:txBody>
+      </p:sp>
+      <p:sp>
+        <p:nvSpPr>
+          <p:cNvPr id="5" name="Oval 4">
+            <a:extLst>
+              <a:ext uri="{FF2B5EF4-FFF2-40B4-BE49-F238E27FC236}">
+                <a16:creationId xmlns:a16="http://schemas.microsoft.com/office/drawing/2014/main" id="{BBC99BD8-9DAE-43D2-AFDB-9DBBFB813BF9}"/>
+              </a:ext>
+            </a:extLst>
+          </p:cNvPr>
+          <p:cNvSpPr/>
+          <p:nvPr/>
+        </p:nvSpPr>
+        <p:spPr>
+          <a:xfrm>
+            <a:off x="9510767" y="3237526"/>
+            <a:ext cx="1062892" cy="1062892"/>
+          </a:xfrm>
+          <a:prstGeom prst="ellipse">
+            <a:avLst/>
+          </a:prstGeom>
+          <a:solidFill>
+            <a:srgbClr val="92D050"/>
+          </a:solidFill>
+          <a:ln>
+            <a:solidFill>
+              <a:srgbClr val="00B050"/>
+            </a:solidFill>
+          </a:ln>
+        </p:spPr>
+        <p:style>
+          <a:lnRef idx="2">
+            <a:schemeClr val="accent1">
+              <a:shade val="50000"/>
+            </a:schemeClr>
+          </a:lnRef>
+          <a:fillRef idx="1">
+            <a:schemeClr val="accent1"/>
+          </a:fillRef>
+          <a:effectRef idx="0">
+            <a:schemeClr val="accent1"/>
+          </a:effectRef>
+          <a:fontRef idx="minor">
+            <a:schemeClr val="lt1"/>
+          </a:fontRef>
+        </p:style>
+        <p:txBody>
+          <a:bodyPr rtlCol="0" anchor="ctr"/>
+          <a:lstStyle/>
+          <a:p>
+            <a:pPr algn="ctr"/>
+            <a:r>
+              <a:rPr lang="en-US" sz="2400" dirty="0">
+                <a:solidFill>
+                  <a:schemeClr val="tx1"/>
+                </a:solidFill>
+                <a:latin typeface="Cambria Math" panose="02040503050406030204" pitchFamily="18" charset="0"/>
+                <a:ea typeface="Cambria Math" panose="02040503050406030204" pitchFamily="18" charset="0"/>
+              </a:rPr>
+              <a:t>d</a:t>
+            </a:r>
+          </a:p>
+        </p:txBody>
+      </p:sp>
+      <p:sp>
+        <p:nvSpPr>
+          <p:cNvPr id="25" name="Oval 24">
+            <a:extLst>
+              <a:ext uri="{FF2B5EF4-FFF2-40B4-BE49-F238E27FC236}">
+                <a16:creationId xmlns:a16="http://schemas.microsoft.com/office/drawing/2014/main" id="{C6E76074-B2BA-4ADD-A489-920478A7AC8F}"/>
+              </a:ext>
+            </a:extLst>
+          </p:cNvPr>
+          <p:cNvSpPr/>
+          <p:nvPr/>
+        </p:nvSpPr>
+        <p:spPr>
+          <a:xfrm>
+            <a:off x="6717081" y="1559143"/>
+            <a:ext cx="1062892" cy="1062892"/>
+          </a:xfrm>
+          <a:prstGeom prst="ellipse">
+            <a:avLst/>
+          </a:prstGeom>
+          <a:solidFill>
+            <a:schemeClr val="accent2"/>
+          </a:solidFill>
+          <a:ln>
+            <a:solidFill>
+              <a:schemeClr val="accent2">
+                <a:lumMod val="75000"/>
+              </a:schemeClr>
+            </a:solidFill>
+          </a:ln>
+        </p:spPr>
+        <p:style>
+          <a:lnRef idx="2">
+            <a:schemeClr val="accent1">
+              <a:shade val="50000"/>
+            </a:schemeClr>
+          </a:lnRef>
+          <a:fillRef idx="1">
+            <a:schemeClr val="accent1"/>
+          </a:fillRef>
+          <a:effectRef idx="0">
+            <a:schemeClr val="accent1"/>
+          </a:effectRef>
+          <a:fontRef idx="minor">
+            <a:schemeClr val="lt1"/>
+          </a:fontRef>
+        </p:style>
+        <p:txBody>
+          <a:bodyPr rtlCol="0" anchor="ctr"/>
+          <a:lstStyle/>
+          <a:p>
+            <a:pPr algn="ctr"/>
+            <a:r>
+              <a:rPr lang="en-US" sz="2400" dirty="0">
+                <a:solidFill>
+                  <a:schemeClr val="tx1"/>
+                </a:solidFill>
+                <a:latin typeface="Cambria Math" panose="02040503050406030204" pitchFamily="18" charset="0"/>
+                <a:ea typeface="Cambria Math" panose="02040503050406030204" pitchFamily="18" charset="0"/>
+              </a:rPr>
+              <a:t>m1</a:t>
+            </a:r>
+          </a:p>
+        </p:txBody>
+      </p:sp>
+      <p:sp>
+        <p:nvSpPr>
+          <p:cNvPr id="26" name="Oval 25">
+            <a:extLst>
+              <a:ext uri="{FF2B5EF4-FFF2-40B4-BE49-F238E27FC236}">
+                <a16:creationId xmlns:a16="http://schemas.microsoft.com/office/drawing/2014/main" id="{09D0F33B-4429-4CEA-950D-0EFFFA163EBB}"/>
+              </a:ext>
+            </a:extLst>
+          </p:cNvPr>
+          <p:cNvSpPr/>
+          <p:nvPr/>
+        </p:nvSpPr>
+        <p:spPr>
+          <a:xfrm>
+            <a:off x="6717081" y="4845567"/>
+            <a:ext cx="1062892" cy="1062892"/>
+          </a:xfrm>
+          <a:prstGeom prst="ellipse">
+            <a:avLst/>
+          </a:prstGeom>
+          <a:solidFill>
+            <a:schemeClr val="accent5">
+              <a:lumMod val="75000"/>
+            </a:schemeClr>
+          </a:solidFill>
+          <a:ln>
+            <a:solidFill>
+              <a:schemeClr val="accent5">
+                <a:lumMod val="50000"/>
+              </a:schemeClr>
+            </a:solidFill>
+          </a:ln>
+        </p:spPr>
+        <p:style>
+          <a:lnRef idx="2">
+            <a:schemeClr val="accent1">
+              <a:shade val="50000"/>
+            </a:schemeClr>
+          </a:lnRef>
+          <a:fillRef idx="1">
+            <a:schemeClr val="accent1"/>
+          </a:fillRef>
+          <a:effectRef idx="0">
+            <a:schemeClr val="accent1"/>
+          </a:effectRef>
+          <a:fontRef idx="minor">
+            <a:schemeClr val="lt1"/>
+          </a:fontRef>
+        </p:style>
+        <p:txBody>
+          <a:bodyPr rtlCol="0" anchor="ctr"/>
+          <a:lstStyle/>
+          <a:p>
+            <a:pPr algn="ctr"/>
+            <a:r>
+              <a:rPr lang="en-US" sz="2400" dirty="0">
+                <a:solidFill>
+                  <a:schemeClr val="tx1"/>
+                </a:solidFill>
+                <a:latin typeface="Cambria Math" panose="02040503050406030204" pitchFamily="18" charset="0"/>
+                <a:ea typeface="Cambria Math" panose="02040503050406030204" pitchFamily="18" charset="0"/>
+              </a:rPr>
+              <a:t>m2</a:t>
+            </a:r>
+          </a:p>
+        </p:txBody>
+      </p:sp>
+      <p:cxnSp>
+        <p:nvCxnSpPr>
+          <p:cNvPr id="20" name="Connector: Curved 19">
+            <a:extLst>
+              <a:ext uri="{FF2B5EF4-FFF2-40B4-BE49-F238E27FC236}">
+                <a16:creationId xmlns:a16="http://schemas.microsoft.com/office/drawing/2014/main" id="{2C875E72-4ACE-444A-B9F9-1E288BDD6037}"/>
+              </a:ext>
+            </a:extLst>
+          </p:cNvPr>
+          <p:cNvCxnSpPr>
+            <a:stCxn id="4" idx="0"/>
+            <a:endCxn id="25" idx="2"/>
+          </p:cNvCxnSpPr>
+          <p:nvPr/>
+        </p:nvCxnSpPr>
+        <p:spPr>
+          <a:xfrm rot="5400000" flipH="1" flipV="1">
+            <a:off x="5012493" y="1532938"/>
+            <a:ext cx="1146937" cy="2262240"/>
+          </a:xfrm>
+          <a:prstGeom prst="curvedConnector2">
+            <a:avLst/>
+          </a:prstGeom>
+          <a:ln>
+            <a:tailEnd type="triangle"/>
+          </a:ln>
+        </p:spPr>
+        <p:style>
+          <a:lnRef idx="1">
+            <a:schemeClr val="dk1"/>
+          </a:lnRef>
+          <a:fillRef idx="0">
+            <a:schemeClr val="dk1"/>
+          </a:fillRef>
+          <a:effectRef idx="0">
+            <a:schemeClr val="dk1"/>
+          </a:effectRef>
+          <a:fontRef idx="minor">
+            <a:schemeClr val="tx1"/>
+          </a:fontRef>
+        </p:style>
+      </p:cxnSp>
+      <p:cxnSp>
+        <p:nvCxnSpPr>
+          <p:cNvPr id="30" name="Connector: Curved 29">
+            <a:extLst>
+              <a:ext uri="{FF2B5EF4-FFF2-40B4-BE49-F238E27FC236}">
+                <a16:creationId xmlns:a16="http://schemas.microsoft.com/office/drawing/2014/main" id="{54E7F305-AF26-47E5-92DC-9DAB23295A12}"/>
+              </a:ext>
+            </a:extLst>
+          </p:cNvPr>
+          <p:cNvCxnSpPr>
+            <a:cxnSpLocks/>
+            <a:stCxn id="4" idx="4"/>
+            <a:endCxn id="26" idx="2"/>
+          </p:cNvCxnSpPr>
+          <p:nvPr/>
+        </p:nvCxnSpPr>
+        <p:spPr>
+          <a:xfrm rot="16200000" flipH="1">
+            <a:off x="5047664" y="3707595"/>
+            <a:ext cx="1076595" cy="2262240"/>
+          </a:xfrm>
+          <a:prstGeom prst="curvedConnector2">
+            <a:avLst/>
+          </a:prstGeom>
+          <a:ln>
+            <a:tailEnd type="triangle"/>
+          </a:ln>
+        </p:spPr>
+        <p:style>
+          <a:lnRef idx="1">
+            <a:schemeClr val="dk1"/>
+          </a:lnRef>
+          <a:fillRef idx="0">
+            <a:schemeClr val="dk1"/>
+          </a:fillRef>
+          <a:effectRef idx="0">
+            <a:schemeClr val="dk1"/>
+          </a:effectRef>
+          <a:fontRef idx="minor">
+            <a:schemeClr val="tx1"/>
+          </a:fontRef>
+        </p:style>
+      </p:cxnSp>
+      <p:cxnSp>
+        <p:nvCxnSpPr>
+          <p:cNvPr id="48" name="Straight Arrow Connector 47">
+            <a:extLst>
+              <a:ext uri="{FF2B5EF4-FFF2-40B4-BE49-F238E27FC236}">
+                <a16:creationId xmlns:a16="http://schemas.microsoft.com/office/drawing/2014/main" id="{9F516669-A7B3-4425-A9E8-124BE3AF2D71}"/>
+              </a:ext>
+            </a:extLst>
+          </p:cNvPr>
+          <p:cNvCxnSpPr>
+            <a:cxnSpLocks/>
+            <a:stCxn id="25" idx="5"/>
+            <a:endCxn id="26" idx="7"/>
+          </p:cNvCxnSpPr>
+          <p:nvPr/>
+        </p:nvCxnSpPr>
+        <p:spPr>
+          <a:xfrm>
+            <a:off x="7624316" y="2466378"/>
+            <a:ext cx="0" cy="2534846"/>
+          </a:xfrm>
+          <a:prstGeom prst="straightConnector1">
+            <a:avLst/>
+          </a:prstGeom>
+          <a:ln>
+            <a:tailEnd type="triangle"/>
+          </a:ln>
+        </p:spPr>
+        <p:style>
+          <a:lnRef idx="1">
+            <a:schemeClr val="dk1"/>
+          </a:lnRef>
+          <a:fillRef idx="0">
+            <a:schemeClr val="dk1"/>
+          </a:fillRef>
+          <a:effectRef idx="0">
+            <a:schemeClr val="dk1"/>
+          </a:effectRef>
+          <a:fontRef idx="minor">
+            <a:schemeClr val="tx1"/>
+          </a:fontRef>
+        </p:style>
+      </p:cxnSp>
+      <mc:AlternateContent xmlns:mc="http://schemas.openxmlformats.org/markup-compatibility/2006" xmlns:a14="http://schemas.microsoft.com/office/drawing/2010/main">
+        <mc:Choice Requires="a14">
+          <p:sp>
+            <p:nvSpPr>
+              <p:cNvPr id="64" name="TextBox 63">
+                <a:extLst>
+                  <a:ext uri="{FF2B5EF4-FFF2-40B4-BE49-F238E27FC236}">
+                    <a16:creationId xmlns:a16="http://schemas.microsoft.com/office/drawing/2014/main" id="{59E8D610-C3F4-424F-916E-C412F2CAAEBB}"/>
+                  </a:ext>
+                </a:extLst>
+              </p:cNvPr>
+              <p:cNvSpPr txBox="1"/>
+              <p:nvPr/>
+            </p:nvSpPr>
+            <p:spPr>
+              <a:xfrm>
+                <a:off x="1541420" y="4071272"/>
+                <a:ext cx="488339" cy="369332"/>
+              </a:xfrm>
+              <a:prstGeom prst="rect">
+                <a:avLst/>
+              </a:prstGeom>
+              <a:noFill/>
+            </p:spPr>
+            <p:txBody>
+              <a:bodyPr wrap="none" rtlCol="0">
+                <a:spAutoFit/>
+              </a:bodyPr>
+              <a:lstStyle/>
+              <a:p>
+                <a:pPr/>
+                <a14:m>
+                  <m:oMathPara xmlns:m="http://schemas.openxmlformats.org/officeDocument/2006/math">
+                    <m:oMathParaPr>
+                      <m:jc m:val="centerGroup"/>
+                    </m:oMathParaPr>
+                    <m:oMath xmlns:m="http://schemas.openxmlformats.org/officeDocument/2006/math">
+                      <m:sSub>
+                        <m:sSubPr>
+                          <m:ctrlPr>
+                            <a:rPr lang="en-US" b="0" i="1" smtClean="0">
+                              <a:latin typeface="Cambria Math" panose="02040503050406030204" pitchFamily="18" charset="0"/>
+                            </a:rPr>
+                          </m:ctrlPr>
+                        </m:sSubPr>
+                        <m:e>
+                          <m:r>
+                            <a:rPr lang="en-US" b="0" i="1" smtClean="0">
+                              <a:latin typeface="Cambria Math" panose="02040503050406030204" pitchFamily="18" charset="0"/>
+                            </a:rPr>
+                            <m:t>𝐾</m:t>
+                          </m:r>
+                        </m:e>
+                        <m:sub>
+                          <m:r>
+                            <a:rPr lang="en-US" b="0" i="1" smtClean="0">
+                              <a:latin typeface="Cambria Math" panose="02040503050406030204" pitchFamily="18" charset="0"/>
+                            </a:rPr>
+                            <m:t>2</m:t>
+                          </m:r>
+                        </m:sub>
+                      </m:sSub>
+                    </m:oMath>
+                  </m:oMathPara>
+                </a14:m>
+                <a:endParaRPr lang="en-US" dirty="0"/>
+              </a:p>
+            </p:txBody>
+          </p:sp>
+        </mc:Choice>
+        <mc:Fallback xmlns="">
+          <p:sp>
+            <p:nvSpPr>
+              <p:cNvPr id="64" name="TextBox 63">
+                <a:extLst>
+                  <a:ext uri="{FF2B5EF4-FFF2-40B4-BE49-F238E27FC236}">
+                    <a16:creationId xmlns:a16="http://schemas.microsoft.com/office/drawing/2014/main" id="{59E8D610-C3F4-424F-916E-C412F2CAAEBB}"/>
+                  </a:ext>
+                </a:extLst>
+              </p:cNvPr>
+              <p:cNvSpPr txBox="1">
+                <a:spLocks noRot="1" noChangeAspect="1" noMove="1" noResize="1" noEditPoints="1" noAdjustHandles="1" noChangeArrowheads="1" noChangeShapeType="1" noTextEdit="1"/>
+              </p:cNvSpPr>
+              <p:nvPr/>
+            </p:nvSpPr>
+            <p:spPr>
+              <a:xfrm>
+                <a:off x="1541420" y="4071272"/>
+                <a:ext cx="488339" cy="369332"/>
+              </a:xfrm>
+              <a:prstGeom prst="rect">
+                <a:avLst/>
+              </a:prstGeom>
+              <a:blipFill>
+                <a:blip r:embed="rId5"/>
+                <a:stretch>
+                  <a:fillRect/>
+                </a:stretch>
+              </a:blipFill>
+            </p:spPr>
+            <p:txBody>
+              <a:bodyPr/>
+              <a:lstStyle/>
+              <a:p>
+                <a:r>
+                  <a:rPr lang="en-US">
+                    <a:noFill/>
+                  </a:rPr>
+                  <a:t> </a:t>
+                </a:r>
+              </a:p>
+            </p:txBody>
+          </p:sp>
+        </mc:Fallback>
+      </mc:AlternateContent>
+      <mc:AlternateContent xmlns:mc="http://schemas.openxmlformats.org/markup-compatibility/2006" xmlns:a14="http://schemas.microsoft.com/office/drawing/2010/main">
+        <mc:Choice Requires="a14">
+          <p:sp>
+            <p:nvSpPr>
+              <p:cNvPr id="65" name="Rectangle 64">
+                <a:extLst>
+                  <a:ext uri="{FF2B5EF4-FFF2-40B4-BE49-F238E27FC236}">
+                    <a16:creationId xmlns:a16="http://schemas.microsoft.com/office/drawing/2014/main" id="{4F690B5E-D300-4D4C-B988-E56B94568A7E}"/>
+                  </a:ext>
+                </a:extLst>
+              </p:cNvPr>
+              <p:cNvSpPr/>
+              <p:nvPr/>
+            </p:nvSpPr>
+            <p:spPr>
+              <a:xfrm>
+                <a:off x="429846" y="4440604"/>
+                <a:ext cx="2716812" cy="1090246"/>
+              </a:xfrm>
+              <a:prstGeom prst="rect">
+                <a:avLst/>
+              </a:prstGeom>
+              <a:noFill/>
+              <a:ln>
+                <a:solidFill>
+                  <a:schemeClr val="tx1"/>
+                </a:solidFill>
+              </a:ln>
+            </p:spPr>
+            <p:style>
+              <a:lnRef idx="2">
+                <a:schemeClr val="accent1">
+                  <a:shade val="50000"/>
+                </a:schemeClr>
+              </a:lnRef>
+              <a:fillRef idx="1">
+                <a:schemeClr val="accent1"/>
+              </a:fillRef>
+              <a:effectRef idx="0">
+                <a:schemeClr val="accent1"/>
+              </a:effectRef>
+              <a:fontRef idx="minor">
+                <a:schemeClr val="lt1"/>
+              </a:fontRef>
+            </p:style>
+            <p:txBody>
+              <a:bodyPr rtlCol="0" anchor="ctr"/>
+              <a:lstStyle/>
+              <a:p>
+                <a:pPr/>
+                <a14:m>
+                  <m:oMathPara xmlns:m="http://schemas.openxmlformats.org/officeDocument/2006/math">
+                    <m:oMathParaPr>
+                      <m:jc m:val="centerGroup"/>
+                    </m:oMathParaPr>
+                    <m:oMath xmlns:m="http://schemas.openxmlformats.org/officeDocument/2006/math">
+                      <m:r>
+                        <a:rPr lang="en-US" i="1" dirty="0" smtClean="0">
+                          <a:solidFill>
+                            <a:schemeClr val="tx1"/>
+                          </a:solidFill>
+                          <a:latin typeface="Cambria Math" panose="02040503050406030204" pitchFamily="18" charset="0"/>
+                        </a:rPr>
+                        <m:t>𝑆𝑡𝑜𝑐𝑘</m:t>
+                      </m:r>
+                      <m:d>
+                        <m:dPr>
+                          <m:ctrlPr>
+                            <a:rPr lang="en-US" i="1" dirty="0" smtClean="0">
+                              <a:solidFill>
+                                <a:schemeClr val="tx1"/>
+                              </a:solidFill>
+                              <a:latin typeface="Cambria Math" panose="02040503050406030204" pitchFamily="18" charset="0"/>
+                            </a:rPr>
+                          </m:ctrlPr>
+                        </m:dPr>
+                        <m:e>
+                          <m:r>
+                            <a:rPr lang="en-US" i="1" dirty="0" smtClean="0">
+                              <a:solidFill>
+                                <a:schemeClr val="tx1"/>
+                              </a:solidFill>
+                              <a:latin typeface="Cambria Math" panose="02040503050406030204" pitchFamily="18" charset="0"/>
+                            </a:rPr>
+                            <m:t>𝑜</m:t>
+                          </m:r>
+                        </m:e>
+                      </m:d>
+                      <m:r>
+                        <m:rPr>
+                          <m:aln/>
+                        </m:rPr>
+                        <a:rPr lang="en-US" i="1" dirty="0" smtClean="0">
+                          <a:solidFill>
+                            <a:schemeClr val="tx1"/>
+                          </a:solidFill>
+                          <a:latin typeface="Cambria Math" panose="02040503050406030204" pitchFamily="18" charset="0"/>
+                        </a:rPr>
+                        <m:t>=</m:t>
+                      </m:r>
+                      <m:r>
+                        <a:rPr lang="en-US" i="1" dirty="0">
+                          <a:solidFill>
+                            <a:schemeClr val="tx1"/>
+                          </a:solidFill>
+                          <a:latin typeface="Cambria Math" panose="02040503050406030204" pitchFamily="18" charset="0"/>
+                        </a:rPr>
+                        <m:t>4.0140</m:t>
+                      </m:r>
+                    </m:oMath>
+                    <m:oMath xmlns:m="http://schemas.openxmlformats.org/officeDocument/2006/math">
+                      <m:r>
+                        <a:rPr lang="en-US" i="1" dirty="0" smtClean="0">
+                          <a:solidFill>
+                            <a:schemeClr val="tx1"/>
+                          </a:solidFill>
+                          <a:latin typeface="Cambria Math" panose="02040503050406030204" pitchFamily="18" charset="0"/>
+                        </a:rPr>
+                        <m:t>𝑆𝑡𝑜𝑐𝑘</m:t>
+                      </m:r>
+                      <m:d>
+                        <m:dPr>
+                          <m:ctrlPr>
+                            <a:rPr lang="en-US" i="1" dirty="0" smtClean="0">
+                              <a:solidFill>
+                                <a:schemeClr val="tx1"/>
+                              </a:solidFill>
+                              <a:latin typeface="Cambria Math" panose="02040503050406030204" pitchFamily="18" charset="0"/>
+                            </a:rPr>
+                          </m:ctrlPr>
+                        </m:dPr>
+                        <m:e>
+                          <m:r>
+                            <a:rPr lang="en-US" i="1" dirty="0" smtClean="0">
+                              <a:solidFill>
+                                <a:schemeClr val="tx1"/>
+                              </a:solidFill>
+                              <a:latin typeface="Cambria Math" panose="02040503050406030204" pitchFamily="18" charset="0"/>
+                            </a:rPr>
+                            <m:t>𝑑</m:t>
+                          </m:r>
+                        </m:e>
+                      </m:d>
+                      <m:r>
+                        <m:rPr>
+                          <m:aln/>
+                        </m:rPr>
+                        <a:rPr lang="en-US" i="1" dirty="0" smtClean="0">
+                          <a:solidFill>
+                            <a:schemeClr val="tx1"/>
+                          </a:solidFill>
+                          <a:latin typeface="Cambria Math" panose="02040503050406030204" pitchFamily="18" charset="0"/>
+                        </a:rPr>
+                        <m:t>=</m:t>
+                      </m:r>
+                      <m:r>
+                        <a:rPr lang="en-US" i="1" dirty="0">
+                          <a:solidFill>
+                            <a:schemeClr val="tx1"/>
+                          </a:solidFill>
+                          <a:latin typeface="Cambria Math" panose="02040503050406030204" pitchFamily="18" charset="0"/>
+                        </a:rPr>
+                        <m:t>6.901</m:t>
+                      </m:r>
+                      <m:r>
+                        <a:rPr lang="en-US" b="0" i="1" dirty="0" smtClean="0">
+                          <a:solidFill>
+                            <a:schemeClr val="tx1"/>
+                          </a:solidFill>
+                          <a:latin typeface="Cambria Math" panose="02040503050406030204" pitchFamily="18" charset="0"/>
+                        </a:rPr>
+                        <m:t>7</m:t>
+                      </m:r>
+                    </m:oMath>
+                    <m:oMath xmlns:m="http://schemas.openxmlformats.org/officeDocument/2006/math">
+                      <m:r>
+                        <a:rPr lang="en-US" b="0" i="1" smtClean="0">
+                          <a:solidFill>
+                            <a:schemeClr val="tx1"/>
+                          </a:solidFill>
+                          <a:latin typeface="Cambria Math" panose="02040503050406030204" pitchFamily="18" charset="0"/>
+                        </a:rPr>
+                        <m:t>𝑆𝑡𝑜𝑐𝑘</m:t>
+                      </m:r>
+                      <m:d>
+                        <m:dPr>
+                          <m:ctrlPr>
+                            <a:rPr lang="en-US" b="0" i="1" smtClean="0">
+                              <a:solidFill>
+                                <a:schemeClr val="tx1"/>
+                              </a:solidFill>
+                              <a:latin typeface="Cambria Math" panose="02040503050406030204" pitchFamily="18" charset="0"/>
+                            </a:rPr>
+                          </m:ctrlPr>
+                        </m:dPr>
+                        <m:e>
+                          <m:r>
+                            <a:rPr lang="en-US" b="0" i="1" smtClean="0">
+                              <a:solidFill>
+                                <a:schemeClr val="tx1"/>
+                              </a:solidFill>
+                              <a:latin typeface="Cambria Math" panose="02040503050406030204" pitchFamily="18" charset="0"/>
+                            </a:rPr>
+                            <m:t>𝑚</m:t>
+                          </m:r>
+                          <m:r>
+                            <a:rPr lang="en-US" altLang="zh-CN" i="1">
+                              <a:solidFill>
+                                <a:schemeClr val="tx1"/>
+                              </a:solidFill>
+                              <a:latin typeface="Cambria Math" panose="02040503050406030204" pitchFamily="18" charset="0"/>
+                            </a:rPr>
+                            <m:t>1</m:t>
+                          </m:r>
+                        </m:e>
+                      </m:d>
+                      <m:r>
+                        <m:rPr>
+                          <m:aln/>
+                        </m:rPr>
+                        <a:rPr lang="en-US" b="0" i="1" smtClean="0">
+                          <a:solidFill>
+                            <a:schemeClr val="tx1"/>
+                          </a:solidFill>
+                          <a:latin typeface="Cambria Math" panose="02040503050406030204" pitchFamily="18" charset="0"/>
+                        </a:rPr>
+                        <m:t>=</m:t>
+                      </m:r>
+                      <m:r>
+                        <a:rPr lang="en-US" i="1">
+                          <a:solidFill>
+                            <a:schemeClr val="tx1"/>
+                          </a:solidFill>
+                          <a:latin typeface="Cambria Math" panose="02040503050406030204" pitchFamily="18" charset="0"/>
+                        </a:rPr>
+                        <m:t>7.684</m:t>
+                      </m:r>
+                      <m:r>
+                        <a:rPr lang="en-US" b="0" i="1" smtClean="0">
+                          <a:solidFill>
+                            <a:schemeClr val="tx1"/>
+                          </a:solidFill>
+                          <a:latin typeface="Cambria Math" panose="02040503050406030204" pitchFamily="18" charset="0"/>
+                        </a:rPr>
+                        <m:t>9</m:t>
+                      </m:r>
+                    </m:oMath>
+                    <m:oMath xmlns:m="http://schemas.openxmlformats.org/officeDocument/2006/math">
+                      <m:r>
+                        <a:rPr lang="en-US" b="0" i="1" smtClean="0">
+                          <a:solidFill>
+                            <a:schemeClr val="tx1"/>
+                          </a:solidFill>
+                          <a:latin typeface="Cambria Math" panose="02040503050406030204" pitchFamily="18" charset="0"/>
+                        </a:rPr>
+                        <m:t>𝑠𝑡𝑜𝑐𝑘</m:t>
+                      </m:r>
+                      <m:d>
+                        <m:dPr>
+                          <m:ctrlPr>
+                            <a:rPr lang="en-US" b="0" i="1" smtClean="0">
+                              <a:solidFill>
+                                <a:schemeClr val="tx1"/>
+                              </a:solidFill>
+                              <a:latin typeface="Cambria Math" panose="02040503050406030204" pitchFamily="18" charset="0"/>
+                            </a:rPr>
+                          </m:ctrlPr>
+                        </m:dPr>
+                        <m:e>
+                          <m:r>
+                            <a:rPr lang="en-US" b="0" i="1" smtClean="0">
+                              <a:solidFill>
+                                <a:schemeClr val="tx1"/>
+                              </a:solidFill>
+                              <a:latin typeface="Cambria Math" panose="02040503050406030204" pitchFamily="18" charset="0"/>
+                            </a:rPr>
+                            <m:t>𝑚</m:t>
+                          </m:r>
+                          <m:r>
+                            <a:rPr lang="en-US" b="0" i="1" smtClean="0">
+                              <a:solidFill>
+                                <a:schemeClr val="tx1"/>
+                              </a:solidFill>
+                              <a:latin typeface="Cambria Math" panose="02040503050406030204" pitchFamily="18" charset="0"/>
+                            </a:rPr>
+                            <m:t>2</m:t>
+                          </m:r>
+                        </m:e>
+                      </m:d>
+                      <m:r>
+                        <m:rPr>
+                          <m:aln/>
+                        </m:rPr>
+                        <a:rPr lang="en-US" b="0" i="1" smtClean="0">
+                          <a:solidFill>
+                            <a:schemeClr val="tx1"/>
+                          </a:solidFill>
+                          <a:latin typeface="Cambria Math" panose="02040503050406030204" pitchFamily="18" charset="0"/>
+                        </a:rPr>
+                        <m:t>=</m:t>
+                      </m:r>
+                      <m:r>
+                        <a:rPr lang="en-US" i="1">
+                          <a:solidFill>
+                            <a:schemeClr val="tx1"/>
+                          </a:solidFill>
+                          <a:latin typeface="Cambria Math" panose="02040503050406030204" pitchFamily="18" charset="0"/>
+                        </a:rPr>
+                        <m:t>5.393</m:t>
+                      </m:r>
+                      <m:r>
+                        <a:rPr lang="en-US" b="0" i="1" smtClean="0">
+                          <a:solidFill>
+                            <a:schemeClr val="tx1"/>
+                          </a:solidFill>
+                          <a:latin typeface="Cambria Math" panose="02040503050406030204" pitchFamily="18" charset="0"/>
+                        </a:rPr>
+                        <m:t>5</m:t>
+                      </m:r>
+                    </m:oMath>
+                  </m:oMathPara>
+                </a14:m>
+                <a:endParaRPr lang="en-US" b="0" dirty="0">
+                  <a:solidFill>
+                    <a:schemeClr val="tx1"/>
+                  </a:solidFill>
+                </a:endParaRPr>
+              </a:p>
+            </p:txBody>
+          </p:sp>
+        </mc:Choice>
+        <mc:Fallback xmlns="">
+          <p:sp>
+            <p:nvSpPr>
+              <p:cNvPr id="65" name="Rectangle 64">
+                <a:extLst>
+                  <a:ext uri="{FF2B5EF4-FFF2-40B4-BE49-F238E27FC236}">
+                    <a16:creationId xmlns:a16="http://schemas.microsoft.com/office/drawing/2014/main" id="{4F690B5E-D300-4D4C-B988-E56B94568A7E}"/>
+                  </a:ext>
+                </a:extLst>
+              </p:cNvPr>
+              <p:cNvSpPr>
+                <a:spLocks noRot="1" noChangeAspect="1" noMove="1" noResize="1" noEditPoints="1" noAdjustHandles="1" noChangeArrowheads="1" noChangeShapeType="1" noTextEdit="1"/>
+              </p:cNvSpPr>
+              <p:nvPr/>
+            </p:nvSpPr>
+            <p:spPr>
+              <a:xfrm>
+                <a:off x="429846" y="4440604"/>
+                <a:ext cx="2716812" cy="1090246"/>
+              </a:xfrm>
+              <a:prstGeom prst="rect">
+                <a:avLst/>
+              </a:prstGeom>
+              <a:blipFill>
+                <a:blip r:embed="rId6"/>
+                <a:stretch>
+                  <a:fillRect b="-2210"/>
+                </a:stretch>
+              </a:blipFill>
+              <a:ln>
+                <a:solidFill>
+                  <a:schemeClr val="tx1"/>
+                </a:solidFill>
+              </a:ln>
+            </p:spPr>
+            <p:txBody>
+              <a:bodyPr/>
+              <a:lstStyle/>
+              <a:p>
+                <a:r>
+                  <a:rPr lang="en-US">
+                    <a:noFill/>
+                  </a:rPr>
+                  <a:t> </a:t>
+                </a:r>
+              </a:p>
+            </p:txBody>
+          </p:sp>
+        </mc:Fallback>
+      </mc:AlternateContent>
+      <mc:AlternateContent xmlns:mc="http://schemas.openxmlformats.org/markup-compatibility/2006" xmlns:a14="http://schemas.microsoft.com/office/drawing/2010/main">
+        <mc:Choice Requires="a14">
+          <p:sp>
+            <p:nvSpPr>
+              <p:cNvPr id="17" name="TextBox 16">
+                <a:extLst>
+                  <a:ext uri="{FF2B5EF4-FFF2-40B4-BE49-F238E27FC236}">
+                    <a16:creationId xmlns:a16="http://schemas.microsoft.com/office/drawing/2014/main" id="{400BD366-F3C8-4FD0-8C0E-D934C71C6BD0}"/>
+                  </a:ext>
+                </a:extLst>
+              </p:cNvPr>
+              <p:cNvSpPr txBox="1"/>
+              <p:nvPr/>
+            </p:nvSpPr>
+            <p:spPr>
+              <a:xfrm rot="20144516">
+                <a:off x="4822335" y="1998796"/>
+                <a:ext cx="940899" cy="415498"/>
+              </a:xfrm>
+              <a:prstGeom prst="rect">
+                <a:avLst/>
+              </a:prstGeom>
+              <a:noFill/>
+            </p:spPr>
+            <p:txBody>
+              <a:bodyPr wrap="none" rtlCol="0">
+                <a:spAutoFit/>
+              </a:bodyPr>
+              <a:lstStyle/>
+              <a:p>
+                <a:pPr/>
+                <a14:m>
+                  <m:oMathPara xmlns:m="http://schemas.openxmlformats.org/officeDocument/2006/math">
+                    <m:oMathParaPr>
+                      <m:jc m:val="centerGroup"/>
+                    </m:oMathParaPr>
+                    <m:oMath xmlns:m="http://schemas.openxmlformats.org/officeDocument/2006/math">
+                      <m:r>
+                        <a:rPr lang="en-US" sz="1050" b="0" i="1" smtClean="0">
+                          <a:latin typeface="Cambria Math" panose="02040503050406030204" pitchFamily="18" charset="0"/>
+                        </a:rPr>
+                        <m:t>0.8966 @ </m:t>
+                      </m:r>
+                      <m:sSub>
+                        <m:sSubPr>
+                          <m:ctrlPr>
+                            <a:rPr lang="en-US" sz="1050" b="0" i="1" smtClean="0">
+                              <a:latin typeface="Cambria Math" panose="02040503050406030204" pitchFamily="18" charset="0"/>
+                            </a:rPr>
+                          </m:ctrlPr>
+                        </m:sSubPr>
+                        <m:e>
+                          <m:r>
+                            <a:rPr lang="en-US" sz="1050" b="0" i="1" smtClean="0">
+                              <a:latin typeface="Cambria Math" panose="02040503050406030204" pitchFamily="18" charset="0"/>
+                            </a:rPr>
+                            <m:t>𝐾</m:t>
+                          </m:r>
+                        </m:e>
+                        <m:sub>
+                          <m:r>
+                            <a:rPr lang="en-US" sz="1050" b="0" i="1" smtClean="0">
+                              <a:latin typeface="Cambria Math" panose="02040503050406030204" pitchFamily="18" charset="0"/>
+                            </a:rPr>
+                            <m:t>1</m:t>
+                          </m:r>
+                        </m:sub>
+                      </m:sSub>
+                    </m:oMath>
+                  </m:oMathPara>
+                </a14:m>
+                <a:endParaRPr lang="en-US" sz="1050" b="0" i="1" dirty="0">
+                  <a:latin typeface="Cambria Math" panose="02040503050406030204" pitchFamily="18" charset="0"/>
+                </a:endParaRPr>
+              </a:p>
+              <a:p>
+                <a:pPr/>
+                <a14:m>
+                  <m:oMathPara xmlns:m="http://schemas.openxmlformats.org/officeDocument/2006/math">
+                    <m:oMathParaPr>
+                      <m:jc m:val="centerGroup"/>
+                    </m:oMathParaPr>
+                    <m:oMath xmlns:m="http://schemas.openxmlformats.org/officeDocument/2006/math">
+                      <m:r>
+                        <a:rPr lang="en-US" sz="1050" b="0" i="1" smtClean="0">
+                          <a:latin typeface="Cambria Math" panose="02040503050406030204" pitchFamily="18" charset="0"/>
+                        </a:rPr>
+                        <m:t>0.0072 @ </m:t>
+                      </m:r>
+                      <m:sSub>
+                        <m:sSubPr>
+                          <m:ctrlPr>
+                            <a:rPr lang="en-US" sz="1050" b="0" i="1" smtClean="0">
+                              <a:latin typeface="Cambria Math" panose="02040503050406030204" pitchFamily="18" charset="0"/>
+                            </a:rPr>
+                          </m:ctrlPr>
+                        </m:sSubPr>
+                        <m:e>
+                          <m:r>
+                            <a:rPr lang="en-US" sz="1050" b="0" i="1" smtClean="0">
+                              <a:latin typeface="Cambria Math" panose="02040503050406030204" pitchFamily="18" charset="0"/>
+                            </a:rPr>
+                            <m:t>𝐾</m:t>
+                          </m:r>
+                        </m:e>
+                        <m:sub>
+                          <m:r>
+                            <a:rPr lang="en-US" sz="1050" b="0" i="1" smtClean="0">
+                              <a:latin typeface="Cambria Math" panose="02040503050406030204" pitchFamily="18" charset="0"/>
+                            </a:rPr>
+                            <m:t>2</m:t>
+                          </m:r>
+                        </m:sub>
+                      </m:sSub>
+                    </m:oMath>
+                  </m:oMathPara>
+                </a14:m>
+                <a:endParaRPr lang="en-US" sz="1050" dirty="0"/>
+              </a:p>
+            </p:txBody>
+          </p:sp>
+        </mc:Choice>
+        <mc:Fallback xmlns="">
+          <p:sp>
+            <p:nvSpPr>
+              <p:cNvPr id="17" name="TextBox 16">
+                <a:extLst>
+                  <a:ext uri="{FF2B5EF4-FFF2-40B4-BE49-F238E27FC236}">
+                    <a16:creationId xmlns:a16="http://schemas.microsoft.com/office/drawing/2014/main" id="{400BD366-F3C8-4FD0-8C0E-D934C71C6BD0}"/>
+                  </a:ext>
+                </a:extLst>
+              </p:cNvPr>
+              <p:cNvSpPr txBox="1">
+                <a:spLocks noRot="1" noChangeAspect="1" noMove="1" noResize="1" noEditPoints="1" noAdjustHandles="1" noChangeArrowheads="1" noChangeShapeType="1" noTextEdit="1"/>
+              </p:cNvSpPr>
+              <p:nvPr/>
+            </p:nvSpPr>
+            <p:spPr>
+              <a:xfrm rot="20144516">
+                <a:off x="4822335" y="1998796"/>
+                <a:ext cx="940899" cy="415498"/>
+              </a:xfrm>
+              <a:prstGeom prst="rect">
+                <a:avLst/>
+              </a:prstGeom>
+              <a:blipFill>
+                <a:blip r:embed="rId7"/>
+                <a:stretch>
+                  <a:fillRect/>
+                </a:stretch>
+              </a:blipFill>
+            </p:spPr>
+            <p:txBody>
+              <a:bodyPr/>
+              <a:lstStyle/>
+              <a:p>
+                <a:r>
+                  <a:rPr lang="en-US">
+                    <a:noFill/>
+                  </a:rPr>
+                  <a:t> </a:t>
+                </a:r>
+              </a:p>
+            </p:txBody>
+          </p:sp>
+        </mc:Fallback>
+      </mc:AlternateContent>
+      <mc:AlternateContent xmlns:mc="http://schemas.openxmlformats.org/markup-compatibility/2006" xmlns:a14="http://schemas.microsoft.com/office/drawing/2010/main">
+        <mc:Choice Requires="a14">
+          <p:sp>
+            <p:nvSpPr>
+              <p:cNvPr id="18" name="TextBox 17">
+                <a:extLst>
+                  <a:ext uri="{FF2B5EF4-FFF2-40B4-BE49-F238E27FC236}">
+                    <a16:creationId xmlns:a16="http://schemas.microsoft.com/office/drawing/2014/main" id="{311FD4AB-6D0A-4478-AA36-3F090BD204D4}"/>
+                  </a:ext>
+                </a:extLst>
+              </p:cNvPr>
+              <p:cNvSpPr txBox="1"/>
+              <p:nvPr/>
+            </p:nvSpPr>
+            <p:spPr>
+              <a:xfrm rot="1360292">
+                <a:off x="4902214" y="5120852"/>
+                <a:ext cx="965008" cy="415498"/>
+              </a:xfrm>
+              <a:prstGeom prst="rect">
+                <a:avLst/>
+              </a:prstGeom>
+              <a:noFill/>
+            </p:spPr>
+            <p:txBody>
+              <a:bodyPr wrap="none" rtlCol="0">
+                <a:spAutoFit/>
+              </a:bodyPr>
+              <a:lstStyle/>
+              <a:p>
+                <a:pPr/>
+                <a14:m>
+                  <m:oMathPara xmlns:m="http://schemas.openxmlformats.org/officeDocument/2006/math">
+                    <m:oMathParaPr>
+                      <m:jc m:val="centerGroup"/>
+                    </m:oMathParaPr>
+                    <m:oMath xmlns:m="http://schemas.openxmlformats.org/officeDocument/2006/math">
+                      <m:r>
+                        <a:rPr lang="en-US" sz="1050" i="1" smtClean="0">
+                          <a:latin typeface="Cambria Math" panose="02040503050406030204" pitchFamily="18" charset="0"/>
+                        </a:rPr>
+                        <m:t>0.</m:t>
+                      </m:r>
+                      <m:r>
+                        <a:rPr lang="en-US" sz="1050" b="0" i="1" smtClean="0">
+                          <a:latin typeface="Cambria Math" panose="02040503050406030204" pitchFamily="18" charset="0"/>
+                        </a:rPr>
+                        <m:t>0896</m:t>
+                      </m:r>
+                      <m:r>
+                        <a:rPr lang="en-US" sz="1050" i="1" smtClean="0">
+                          <a:latin typeface="Cambria Math" panose="02040503050406030204" pitchFamily="18" charset="0"/>
+                        </a:rPr>
+                        <m:t> </m:t>
+                      </m:r>
+                      <m:r>
+                        <a:rPr lang="en-US" altLang="zh-CN" sz="1050" i="1">
+                          <a:latin typeface="Cambria Math" panose="02040503050406030204" pitchFamily="18" charset="0"/>
+                        </a:rPr>
+                        <m:t>@ </m:t>
+                      </m:r>
+                      <m:sSub>
+                        <m:sSubPr>
+                          <m:ctrlPr>
+                            <a:rPr lang="en-US" altLang="zh-CN" sz="1050" i="1">
+                              <a:latin typeface="Cambria Math" panose="02040503050406030204" pitchFamily="18" charset="0"/>
+                            </a:rPr>
+                          </m:ctrlPr>
+                        </m:sSubPr>
+                        <m:e>
+                          <m:r>
+                            <a:rPr lang="en-US" altLang="zh-CN" sz="1050" i="1">
+                              <a:latin typeface="Cambria Math" panose="02040503050406030204" pitchFamily="18" charset="0"/>
+                            </a:rPr>
+                            <m:t>𝐾</m:t>
+                          </m:r>
+                        </m:e>
+                        <m:sub>
+                          <m:r>
+                            <a:rPr lang="en-US" altLang="zh-CN" sz="1050" i="1">
+                              <a:latin typeface="Cambria Math" panose="02040503050406030204" pitchFamily="18" charset="0"/>
+                            </a:rPr>
+                            <m:t>1</m:t>
+                          </m:r>
+                        </m:sub>
+                      </m:sSub>
+                      <m:r>
+                        <a:rPr lang="en-US" altLang="zh-CN" sz="1050" i="1">
+                          <a:latin typeface="Cambria Math" panose="02040503050406030204" pitchFamily="18" charset="0"/>
+                        </a:rPr>
+                        <m:t> </m:t>
+                      </m:r>
+                    </m:oMath>
+                  </m:oMathPara>
+                </a14:m>
+                <a:endParaRPr lang="en-US" altLang="zh-CN" sz="1050" i="1" dirty="0">
+                  <a:latin typeface="Cambria Math" panose="02040503050406030204" pitchFamily="18" charset="0"/>
+                </a:endParaRPr>
+              </a:p>
+              <a:p>
+                <a:pPr/>
+                <a14:m>
+                  <m:oMathPara xmlns:m="http://schemas.openxmlformats.org/officeDocument/2006/math">
+                    <m:oMathParaPr>
+                      <m:jc m:val="centerGroup"/>
+                    </m:oMathParaPr>
+                    <m:oMath xmlns:m="http://schemas.openxmlformats.org/officeDocument/2006/math">
+                      <m:r>
+                        <a:rPr lang="en-US" sz="1050" i="1" smtClean="0">
+                          <a:latin typeface="Cambria Math" panose="02040503050406030204" pitchFamily="18" charset="0"/>
+                        </a:rPr>
+                        <m:t>0.0</m:t>
+                      </m:r>
+                      <m:r>
+                        <a:rPr lang="en-US" sz="1050" b="0" i="1" smtClean="0">
+                          <a:latin typeface="Cambria Math" panose="02040503050406030204" pitchFamily="18" charset="0"/>
+                        </a:rPr>
+                        <m:t>066 </m:t>
+                      </m:r>
+                      <m:r>
+                        <a:rPr lang="en-US" sz="1050" i="1">
+                          <a:latin typeface="Cambria Math" panose="02040503050406030204" pitchFamily="18" charset="0"/>
+                        </a:rPr>
+                        <m:t>@ </m:t>
+                      </m:r>
+                      <m:sSub>
+                        <m:sSubPr>
+                          <m:ctrlPr>
+                            <a:rPr lang="en-US" sz="1050" b="0" i="1" smtClean="0">
+                              <a:latin typeface="Cambria Math" panose="02040503050406030204" pitchFamily="18" charset="0"/>
+                            </a:rPr>
+                          </m:ctrlPr>
+                        </m:sSubPr>
+                        <m:e>
+                          <m:r>
+                            <a:rPr lang="en-US" sz="1050" b="0" i="1" smtClean="0">
+                              <a:latin typeface="Cambria Math" panose="02040503050406030204" pitchFamily="18" charset="0"/>
+                            </a:rPr>
+                            <m:t>𝐾</m:t>
+                          </m:r>
+                        </m:e>
+                        <m:sub>
+                          <m:r>
+                            <a:rPr lang="en-US" sz="1050" b="0" i="1" smtClean="0">
+                              <a:latin typeface="Cambria Math" panose="02040503050406030204" pitchFamily="18" charset="0"/>
+                            </a:rPr>
+                            <m:t>2</m:t>
+                          </m:r>
+                        </m:sub>
+                      </m:sSub>
+                    </m:oMath>
+                  </m:oMathPara>
+                </a14:m>
+                <a:endParaRPr lang="en-US" sz="1050" b="0" i="1" dirty="0"/>
+              </a:p>
+            </p:txBody>
+          </p:sp>
+        </mc:Choice>
+        <mc:Fallback xmlns="">
+          <p:sp>
+            <p:nvSpPr>
+              <p:cNvPr id="18" name="TextBox 17">
+                <a:extLst>
+                  <a:ext uri="{FF2B5EF4-FFF2-40B4-BE49-F238E27FC236}">
+                    <a16:creationId xmlns:a16="http://schemas.microsoft.com/office/drawing/2014/main" id="{311FD4AB-6D0A-4478-AA36-3F090BD204D4}"/>
+                  </a:ext>
+                </a:extLst>
+              </p:cNvPr>
+              <p:cNvSpPr txBox="1">
+                <a:spLocks noRot="1" noChangeAspect="1" noMove="1" noResize="1" noEditPoints="1" noAdjustHandles="1" noChangeArrowheads="1" noChangeShapeType="1" noTextEdit="1"/>
+              </p:cNvSpPr>
+              <p:nvPr/>
+            </p:nvSpPr>
+            <p:spPr>
+              <a:xfrm rot="1360292">
+                <a:off x="4902214" y="5120852"/>
+                <a:ext cx="965008" cy="415498"/>
+              </a:xfrm>
+              <a:prstGeom prst="rect">
+                <a:avLst/>
+              </a:prstGeom>
+              <a:blipFill>
+                <a:blip r:embed="rId8"/>
+                <a:stretch>
+                  <a:fillRect/>
+                </a:stretch>
+              </a:blipFill>
+            </p:spPr>
+            <p:txBody>
+              <a:bodyPr/>
+              <a:lstStyle/>
+              <a:p>
+                <a:r>
+                  <a:rPr lang="en-US">
+                    <a:noFill/>
+                  </a:rPr>
+                  <a:t> </a:t>
+                </a:r>
+              </a:p>
+            </p:txBody>
+          </p:sp>
+        </mc:Fallback>
+      </mc:AlternateContent>
+      <mc:AlternateContent xmlns:mc="http://schemas.openxmlformats.org/markup-compatibility/2006" xmlns:a14="http://schemas.microsoft.com/office/drawing/2010/main">
+        <mc:Choice Requires="a14">
+          <p:sp>
+            <p:nvSpPr>
+              <p:cNvPr id="22" name="TextBox 21">
+                <a:extLst>
+                  <a:ext uri="{FF2B5EF4-FFF2-40B4-BE49-F238E27FC236}">
+                    <a16:creationId xmlns:a16="http://schemas.microsoft.com/office/drawing/2014/main" id="{7E176ABD-F134-4F53-B192-1A78A1133107}"/>
+                  </a:ext>
+                </a:extLst>
+              </p:cNvPr>
+              <p:cNvSpPr txBox="1"/>
+              <p:nvPr/>
+            </p:nvSpPr>
+            <p:spPr>
+              <a:xfrm rot="5400000">
+                <a:off x="7338615" y="2863057"/>
+                <a:ext cx="1020472" cy="415563"/>
+              </a:xfrm>
+              <a:prstGeom prst="rect">
+                <a:avLst/>
+              </a:prstGeom>
+              <a:noFill/>
+            </p:spPr>
+            <p:txBody>
+              <a:bodyPr wrap="none" rtlCol="0">
+                <a:spAutoFit/>
+              </a:bodyPr>
+              <a:lstStyle/>
+              <a:p>
+                <a:pPr/>
+                <a14:m>
+                  <m:oMathPara xmlns:m="http://schemas.openxmlformats.org/officeDocument/2006/math">
+                    <m:oMathParaPr>
+                      <m:jc m:val="centerGroup"/>
+                    </m:oMathParaPr>
+                    <m:oMath xmlns:m="http://schemas.openxmlformats.org/officeDocument/2006/math">
+                      <m:r>
+                        <a:rPr lang="en-US" sz="1050" b="0" i="1" smtClean="0">
+                          <a:latin typeface="Cambria Math" panose="02040503050406030204" pitchFamily="18" charset="0"/>
+                        </a:rPr>
+                        <m:t>0.0202 @ </m:t>
+                      </m:r>
+                      <m:sSub>
+                        <m:sSubPr>
+                          <m:ctrlPr>
+                            <a:rPr lang="en-US" sz="1050" b="0" i="1" smtClean="0">
+                              <a:latin typeface="Cambria Math" panose="02040503050406030204" pitchFamily="18" charset="0"/>
+                            </a:rPr>
+                          </m:ctrlPr>
+                        </m:sSubPr>
+                        <m:e>
+                          <m:r>
+                            <a:rPr lang="en-US" sz="1050" b="0" i="1" smtClean="0">
+                              <a:latin typeface="Cambria Math" panose="02040503050406030204" pitchFamily="18" charset="0"/>
+                            </a:rPr>
+                            <m:t>𝐾</m:t>
+                          </m:r>
+                        </m:e>
+                        <m:sub>
+                          <m:r>
+                            <a:rPr lang="en-US" sz="1050" b="0" i="1" smtClean="0">
+                              <a:latin typeface="Cambria Math" panose="02040503050406030204" pitchFamily="18" charset="0"/>
+                            </a:rPr>
+                            <m:t>1</m:t>
+                          </m:r>
+                        </m:sub>
+                      </m:sSub>
+                    </m:oMath>
+                  </m:oMathPara>
+                </a14:m>
+                <a:endParaRPr lang="en-US" sz="1050" b="0" i="1" dirty="0">
+                  <a:latin typeface="Cambria Math" panose="02040503050406030204" pitchFamily="18" charset="0"/>
+                </a:endParaRPr>
+              </a:p>
+              <a:p>
+                <a:pPr/>
+                <a14:m>
+                  <m:oMathPara xmlns:m="http://schemas.openxmlformats.org/officeDocument/2006/math">
+                    <m:oMathParaPr>
+                      <m:jc m:val="centerGroup"/>
+                    </m:oMathParaPr>
+                    <m:oMath xmlns:m="http://schemas.openxmlformats.org/officeDocument/2006/math">
+                      <m:r>
+                        <a:rPr lang="en-US" sz="1050" i="1">
+                          <a:latin typeface="Cambria Math" panose="02040503050406030204" pitchFamily="18" charset="0"/>
+                        </a:rPr>
+                        <m:t>0</m:t>
+                      </m:r>
+                      <m:r>
+                        <a:rPr lang="en-US" sz="1050" b="0" i="1" smtClean="0">
+                          <a:latin typeface="Cambria Math" panose="02040503050406030204" pitchFamily="18" charset="0"/>
+                        </a:rPr>
+                        <m:t>.8133</m:t>
+                      </m:r>
+                      <m:r>
+                        <a:rPr lang="en-US" sz="1050" i="1">
+                          <a:latin typeface="Cambria Math" panose="02040503050406030204" pitchFamily="18" charset="0"/>
+                        </a:rPr>
+                        <m:t> @ </m:t>
+                      </m:r>
+                      <m:sSub>
+                        <m:sSubPr>
+                          <m:ctrlPr>
+                            <a:rPr lang="en-US" sz="1050" i="1">
+                              <a:latin typeface="Cambria Math" panose="02040503050406030204" pitchFamily="18" charset="0"/>
+                            </a:rPr>
+                          </m:ctrlPr>
+                        </m:sSubPr>
+                        <m:e>
+                          <m:r>
+                            <a:rPr lang="en-US" sz="1050" i="1">
+                              <a:latin typeface="Cambria Math" panose="02040503050406030204" pitchFamily="18" charset="0"/>
+                            </a:rPr>
+                            <m:t>𝐾</m:t>
+                          </m:r>
+                        </m:e>
+                        <m:sub>
+                          <m:r>
+                            <a:rPr lang="en-US" sz="1050" b="0" i="1" smtClean="0">
+                              <a:latin typeface="Cambria Math" panose="02040503050406030204" pitchFamily="18" charset="0"/>
+                            </a:rPr>
+                            <m:t>2</m:t>
+                          </m:r>
+                        </m:sub>
+                      </m:sSub>
+                    </m:oMath>
+                  </m:oMathPara>
+                </a14:m>
+                <a:br>
+                  <a:rPr lang="en-US" sz="1050" dirty="0"/>
+                </a:br>
+                <a:endParaRPr lang="en-US" sz="1050" dirty="0"/>
+              </a:p>
+            </p:txBody>
+          </p:sp>
+        </mc:Choice>
+        <mc:Fallback xmlns="">
+          <p:sp>
+            <p:nvSpPr>
+              <p:cNvPr id="22" name="TextBox 21">
+                <a:extLst>
+                  <a:ext uri="{FF2B5EF4-FFF2-40B4-BE49-F238E27FC236}">
+                    <a16:creationId xmlns:a16="http://schemas.microsoft.com/office/drawing/2014/main" id="{7E176ABD-F134-4F53-B192-1A78A1133107}"/>
+                  </a:ext>
+                </a:extLst>
+              </p:cNvPr>
+              <p:cNvSpPr txBox="1">
+                <a:spLocks noRot="1" noChangeAspect="1" noMove="1" noResize="1" noEditPoints="1" noAdjustHandles="1" noChangeArrowheads="1" noChangeShapeType="1" noTextEdit="1"/>
+              </p:cNvSpPr>
+              <p:nvPr/>
+            </p:nvSpPr>
+            <p:spPr>
+              <a:xfrm rot="5400000">
+                <a:off x="7338615" y="2863057"/>
+                <a:ext cx="1020472" cy="415563"/>
+              </a:xfrm>
+              <a:prstGeom prst="rect">
+                <a:avLst/>
+              </a:prstGeom>
+              <a:blipFill>
+                <a:blip r:embed="rId9"/>
+                <a:stretch>
+                  <a:fillRect/>
+                </a:stretch>
+              </a:blipFill>
+            </p:spPr>
+            <p:txBody>
+              <a:bodyPr/>
+              <a:lstStyle/>
+              <a:p>
+                <a:r>
+                  <a:rPr lang="en-US">
+                    <a:noFill/>
+                  </a:rPr>
+                  <a:t> </a:t>
+                </a:r>
+              </a:p>
+            </p:txBody>
+          </p:sp>
+        </mc:Fallback>
+      </mc:AlternateContent>
+      <p:cxnSp>
+        <p:nvCxnSpPr>
+          <p:cNvPr id="27" name="Connector: Curved 26">
+            <a:extLst>
+              <a:ext uri="{FF2B5EF4-FFF2-40B4-BE49-F238E27FC236}">
+                <a16:creationId xmlns:a16="http://schemas.microsoft.com/office/drawing/2014/main" id="{12D900F1-248E-4846-B3C3-3FD3ADB62CF5}"/>
+              </a:ext>
+            </a:extLst>
+          </p:cNvPr>
+          <p:cNvCxnSpPr>
+            <a:cxnSpLocks/>
+          </p:cNvCxnSpPr>
+          <p:nvPr/>
+        </p:nvCxnSpPr>
+        <p:spPr>
+          <a:xfrm flipV="1">
+            <a:off x="7779973" y="4300418"/>
+            <a:ext cx="2262240" cy="1076595"/>
+          </a:xfrm>
+          <a:prstGeom prst="curvedConnector2">
+            <a:avLst/>
+          </a:prstGeom>
+          <a:ln>
+            <a:tailEnd type="triangle"/>
+          </a:ln>
+        </p:spPr>
+        <p:style>
+          <a:lnRef idx="1">
+            <a:schemeClr val="dk1"/>
+          </a:lnRef>
+          <a:fillRef idx="0">
+            <a:schemeClr val="dk1"/>
+          </a:fillRef>
+          <a:effectRef idx="0">
+            <a:schemeClr val="dk1"/>
+          </a:effectRef>
+          <a:fontRef idx="minor">
+            <a:schemeClr val="tx1"/>
+          </a:fontRef>
+        </p:style>
+      </p:cxnSp>
+      <mc:AlternateContent xmlns:mc="http://schemas.openxmlformats.org/markup-compatibility/2006" xmlns:a14="http://schemas.microsoft.com/office/drawing/2010/main">
+        <mc:Choice Requires="a14">
+          <p:sp>
+            <p:nvSpPr>
+              <p:cNvPr id="28" name="TextBox 27">
+                <a:extLst>
+                  <a:ext uri="{FF2B5EF4-FFF2-40B4-BE49-F238E27FC236}">
+                    <a16:creationId xmlns:a16="http://schemas.microsoft.com/office/drawing/2014/main" id="{DC54BC35-BD83-447A-9C86-05EC600C4823}"/>
+                  </a:ext>
+                </a:extLst>
+              </p:cNvPr>
+              <p:cNvSpPr txBox="1"/>
+              <p:nvPr/>
+            </p:nvSpPr>
+            <p:spPr>
+              <a:xfrm rot="20149400">
+                <a:off x="8739512" y="5101968"/>
+                <a:ext cx="1001749" cy="415563"/>
+              </a:xfrm>
+              <a:prstGeom prst="rect">
+                <a:avLst/>
+              </a:prstGeom>
+              <a:noFill/>
+            </p:spPr>
+            <p:txBody>
+              <a:bodyPr wrap="none" rtlCol="0">
+                <a:spAutoFit/>
+              </a:bodyPr>
+              <a:lstStyle/>
+              <a:p>
+                <a:pPr/>
+                <a14:m>
+                  <m:oMathPara xmlns:m="http://schemas.openxmlformats.org/officeDocument/2006/math">
+                    <m:oMathParaPr>
+                      <m:jc m:val="centerGroup"/>
+                    </m:oMathParaPr>
+                    <m:oMath xmlns:m="http://schemas.openxmlformats.org/officeDocument/2006/math">
+                      <m:r>
+                        <a:rPr lang="en-US" sz="1050" i="1" smtClean="0">
+                          <a:latin typeface="Cambria Math" panose="02040503050406030204" pitchFamily="18" charset="0"/>
+                        </a:rPr>
+                        <m:t>0</m:t>
+                      </m:r>
+                      <m:r>
+                        <a:rPr lang="en-US" sz="1050" b="0" i="1" smtClean="0">
+                          <a:latin typeface="Cambria Math" panose="02040503050406030204" pitchFamily="18" charset="0"/>
+                        </a:rPr>
+                        <m:t>.6271</m:t>
+                      </m:r>
+                      <m:r>
+                        <a:rPr lang="en-US" sz="1050" i="1" smtClean="0">
+                          <a:latin typeface="Cambria Math" panose="02040503050406030204" pitchFamily="18" charset="0"/>
+                        </a:rPr>
+                        <m:t> @ </m:t>
+                      </m:r>
+                      <m:sSub>
+                        <m:sSubPr>
+                          <m:ctrlPr>
+                            <a:rPr lang="en-US" sz="1050" i="1">
+                              <a:latin typeface="Cambria Math" panose="02040503050406030204" pitchFamily="18" charset="0"/>
+                            </a:rPr>
+                          </m:ctrlPr>
+                        </m:sSubPr>
+                        <m:e>
+                          <m:r>
+                            <a:rPr lang="en-US" sz="1050" i="1">
+                              <a:latin typeface="Cambria Math" panose="02040503050406030204" pitchFamily="18" charset="0"/>
+                            </a:rPr>
+                            <m:t>𝐾</m:t>
+                          </m:r>
+                        </m:e>
+                        <m:sub>
+                          <m:r>
+                            <a:rPr lang="en-US" sz="1050" b="0" i="1" smtClean="0">
+                              <a:latin typeface="Cambria Math" panose="02040503050406030204" pitchFamily="18" charset="0"/>
+                            </a:rPr>
+                            <m:t>1</m:t>
+                          </m:r>
+                        </m:sub>
+                      </m:sSub>
+                    </m:oMath>
+                    <m:oMath xmlns:m="http://schemas.openxmlformats.org/officeDocument/2006/math">
+                      <m:r>
+                        <a:rPr lang="en-US" sz="1050" i="1">
+                          <a:latin typeface="Cambria Math" panose="02040503050406030204" pitchFamily="18" charset="0"/>
+                        </a:rPr>
+                        <m:t>0.</m:t>
+                      </m:r>
+                      <m:r>
+                        <a:rPr lang="en-US" sz="1050" b="0" i="1" smtClean="0">
+                          <a:latin typeface="Cambria Math" panose="02040503050406030204" pitchFamily="18" charset="0"/>
+                        </a:rPr>
+                        <m:t>0052</m:t>
+                      </m:r>
+                      <m:r>
+                        <a:rPr lang="en-US" sz="1050" i="1">
+                          <a:latin typeface="Cambria Math" panose="02040503050406030204" pitchFamily="18" charset="0"/>
+                        </a:rPr>
+                        <m:t> @ </m:t>
+                      </m:r>
+                      <m:sSub>
+                        <m:sSubPr>
+                          <m:ctrlPr>
+                            <a:rPr lang="en-US" sz="1050" i="1">
+                              <a:latin typeface="Cambria Math" panose="02040503050406030204" pitchFamily="18" charset="0"/>
+                            </a:rPr>
+                          </m:ctrlPr>
+                        </m:sSubPr>
+                        <m:e>
+                          <m:r>
+                            <a:rPr lang="en-US" sz="1050" i="1">
+                              <a:latin typeface="Cambria Math" panose="02040503050406030204" pitchFamily="18" charset="0"/>
+                            </a:rPr>
+                            <m:t>𝐾</m:t>
+                          </m:r>
+                        </m:e>
+                        <m:sub>
+                          <m:r>
+                            <a:rPr lang="en-US" sz="1050" i="1">
+                              <a:latin typeface="Cambria Math" panose="02040503050406030204" pitchFamily="18" charset="0"/>
+                            </a:rPr>
+                            <m:t>2</m:t>
+                          </m:r>
+                        </m:sub>
+                      </m:sSub>
+                    </m:oMath>
+                  </m:oMathPara>
+                </a14:m>
+                <a:br>
+                  <a:rPr lang="en-US" sz="1050" dirty="0"/>
+                </a:br>
+                <a:endParaRPr lang="en-US" sz="1050" dirty="0"/>
+              </a:p>
+            </p:txBody>
+          </p:sp>
+        </mc:Choice>
+        <mc:Fallback xmlns="">
+          <p:sp>
+            <p:nvSpPr>
+              <p:cNvPr id="28" name="TextBox 27">
+                <a:extLst>
+                  <a:ext uri="{FF2B5EF4-FFF2-40B4-BE49-F238E27FC236}">
+                    <a16:creationId xmlns:a16="http://schemas.microsoft.com/office/drawing/2014/main" id="{DC54BC35-BD83-447A-9C86-05EC600C4823}"/>
+                  </a:ext>
+                </a:extLst>
+              </p:cNvPr>
+              <p:cNvSpPr txBox="1">
+                <a:spLocks noRot="1" noChangeAspect="1" noMove="1" noResize="1" noEditPoints="1" noAdjustHandles="1" noChangeArrowheads="1" noChangeShapeType="1" noTextEdit="1"/>
+              </p:cNvSpPr>
+              <p:nvPr/>
+            </p:nvSpPr>
+            <p:spPr>
+              <a:xfrm rot="20149400">
+                <a:off x="8739512" y="5101968"/>
+                <a:ext cx="1001749" cy="415563"/>
+              </a:xfrm>
+              <a:prstGeom prst="rect">
+                <a:avLst/>
+              </a:prstGeom>
+              <a:blipFill>
+                <a:blip r:embed="rId10"/>
+                <a:stretch>
+                  <a:fillRect/>
+                </a:stretch>
+              </a:blipFill>
+            </p:spPr>
+            <p:txBody>
+              <a:bodyPr/>
+              <a:lstStyle/>
+              <a:p>
+                <a:r>
+                  <a:rPr lang="en-US">
+                    <a:noFill/>
+                  </a:rPr>
+                  <a:t> </a:t>
+                </a:r>
+              </a:p>
+            </p:txBody>
+          </p:sp>
+        </mc:Fallback>
+      </mc:AlternateContent>
+    </p:spTree>
+    <p:extLst>
+      <p:ext uri="{BB962C8B-B14F-4D97-AF65-F5344CB8AC3E}">
+        <p14:creationId xmlns:p14="http://schemas.microsoft.com/office/powerpoint/2010/main" val="707774465"/>
+      </p:ext>
+    </p:extLst>
+  </p:cSld>
+  <p:clrMapOvr>
+    <a:masterClrMapping/>
+  </p:clrMapOvr>
+</p:sld>
+</file>
+
+<file path=ppt/slides/slide9.xml><?xml version="1.0" encoding="utf-8"?>
+<p:sld xmlns:a="http://schemas.openxmlformats.org/drawingml/2006/main" xmlns:r="http://schemas.openxmlformats.org/officeDocument/2006/relationships" xmlns:p="http://schemas.openxmlformats.org/presentationml/2006/main">
+  <p:cSld>
+    <p:spTree>
+      <p:nvGrpSpPr>
+        <p:cNvPr id="1" name=""/>
+        <p:cNvGrpSpPr/>
+        <p:nvPr/>
+      </p:nvGrpSpPr>
+      <p:grpSpPr>
+        <a:xfrm>
+          <a:off x="0" y="0"/>
+          <a:ext cx="0" cy="0"/>
+          <a:chOff x="0" y="0"/>
+          <a:chExt cx="0" cy="0"/>
+        </a:xfrm>
+      </p:grpSpPr>
+      <mc:AlternateContent xmlns:mc="http://schemas.openxmlformats.org/markup-compatibility/2006" xmlns:a14="http://schemas.microsoft.com/office/drawing/2010/main">
+        <mc:Choice Requires="a14">
+          <p:sp>
+            <p:nvSpPr>
+              <p:cNvPr id="12" name="TextBox 11">
+                <a:extLst>
+                  <a:ext uri="{FF2B5EF4-FFF2-40B4-BE49-F238E27FC236}">
+                    <a16:creationId xmlns:a16="http://schemas.microsoft.com/office/drawing/2014/main" id="{A7791F1B-B7E1-4232-AAE9-02204F3A79BC}"/>
+                  </a:ext>
+                </a:extLst>
+              </p:cNvPr>
+              <p:cNvSpPr txBox="1"/>
+              <p:nvPr/>
+            </p:nvSpPr>
+            <p:spPr>
+              <a:xfrm>
+                <a:off x="1546743" y="1601122"/>
+                <a:ext cx="483016" cy="369332"/>
+              </a:xfrm>
+              <a:prstGeom prst="rect">
+                <a:avLst/>
+              </a:prstGeom>
+              <a:noFill/>
+            </p:spPr>
+            <p:txBody>
+              <a:bodyPr wrap="none" rtlCol="0">
+                <a:spAutoFit/>
+              </a:bodyPr>
+              <a:lstStyle/>
+              <a:p>
+                <a:pPr/>
+                <a14:m>
+                  <m:oMathPara xmlns:m="http://schemas.openxmlformats.org/officeDocument/2006/math">
+                    <m:oMathParaPr>
+                      <m:jc m:val="centerGroup"/>
+                    </m:oMathParaPr>
+                    <m:oMath xmlns:m="http://schemas.openxmlformats.org/officeDocument/2006/math">
+                      <m:sSub>
+                        <m:sSubPr>
+                          <m:ctrlPr>
+                            <a:rPr lang="en-US" b="0" i="1" smtClean="0">
+                              <a:latin typeface="Cambria Math" panose="02040503050406030204" pitchFamily="18" charset="0"/>
+                            </a:rPr>
+                          </m:ctrlPr>
+                        </m:sSubPr>
+                        <m:e>
+                          <m:r>
+                            <a:rPr lang="en-US" b="0" i="1" smtClean="0">
+                              <a:latin typeface="Cambria Math" panose="02040503050406030204" pitchFamily="18" charset="0"/>
+                            </a:rPr>
+                            <m:t>𝐾</m:t>
+                          </m:r>
+                        </m:e>
+                        <m:sub>
+                          <m:r>
+                            <a:rPr lang="en-US" b="0" i="1" smtClean="0">
+                              <a:latin typeface="Cambria Math" panose="02040503050406030204" pitchFamily="18" charset="0"/>
+                            </a:rPr>
+                            <m:t>1</m:t>
+                          </m:r>
+                        </m:sub>
+                      </m:sSub>
+                    </m:oMath>
+                  </m:oMathPara>
+                </a14:m>
+                <a:endParaRPr lang="en-US" dirty="0"/>
+              </a:p>
+            </p:txBody>
+          </p:sp>
+        </mc:Choice>
+        <mc:Fallback xmlns="">
+          <p:sp>
+            <p:nvSpPr>
+              <p:cNvPr id="12" name="TextBox 11">
+                <a:extLst>
+                  <a:ext uri="{FF2B5EF4-FFF2-40B4-BE49-F238E27FC236}">
+                    <a16:creationId xmlns:a16="http://schemas.microsoft.com/office/drawing/2014/main" id="{A7791F1B-B7E1-4232-AAE9-02204F3A79BC}"/>
+                  </a:ext>
+                </a:extLst>
+              </p:cNvPr>
+              <p:cNvSpPr txBox="1">
+                <a:spLocks noRot="1" noChangeAspect="1" noMove="1" noResize="1" noEditPoints="1" noAdjustHandles="1" noChangeArrowheads="1" noChangeShapeType="1" noTextEdit="1"/>
+              </p:cNvSpPr>
+              <p:nvPr/>
+            </p:nvSpPr>
+            <p:spPr>
+              <a:xfrm>
+                <a:off x="1546743" y="1601122"/>
+                <a:ext cx="483016" cy="369332"/>
+              </a:xfrm>
+              <a:prstGeom prst="rect">
+                <a:avLst/>
+              </a:prstGeom>
+              <a:blipFill>
+                <a:blip r:embed="rId3"/>
+                <a:stretch>
+                  <a:fillRect/>
+                </a:stretch>
+              </a:blipFill>
+            </p:spPr>
+            <p:txBody>
+              <a:bodyPr/>
+              <a:lstStyle/>
+              <a:p>
+                <a:r>
+                  <a:rPr lang="en-US">
+                    <a:noFill/>
+                  </a:rPr>
+                  <a:t> </a:t>
+                </a:r>
+              </a:p>
+            </p:txBody>
+          </p:sp>
+        </mc:Fallback>
+      </mc:AlternateContent>
+      <mc:AlternateContent xmlns:mc="http://schemas.openxmlformats.org/markup-compatibility/2006" xmlns:a14="http://schemas.microsoft.com/office/drawing/2010/main">
+        <mc:Choice Requires="a14">
+          <p:sp>
+            <p:nvSpPr>
+              <p:cNvPr id="10" name="Rectangle 9">
+                <a:extLst>
+                  <a:ext uri="{FF2B5EF4-FFF2-40B4-BE49-F238E27FC236}">
+                    <a16:creationId xmlns:a16="http://schemas.microsoft.com/office/drawing/2014/main" id="{3C00A4A8-1391-4D95-BA94-E282132932A7}"/>
+                  </a:ext>
+                </a:extLst>
+              </p:cNvPr>
+              <p:cNvSpPr/>
+              <p:nvPr/>
+            </p:nvSpPr>
+            <p:spPr>
+              <a:xfrm>
+                <a:off x="429845" y="1970454"/>
+                <a:ext cx="2716813" cy="1090246"/>
+              </a:xfrm>
+              <a:prstGeom prst="rect">
+                <a:avLst/>
+              </a:prstGeom>
+              <a:noFill/>
+              <a:ln>
+                <a:solidFill>
+                  <a:schemeClr val="tx1"/>
+                </a:solidFill>
+              </a:ln>
+            </p:spPr>
+            <p:style>
+              <a:lnRef idx="2">
+                <a:schemeClr val="accent1">
+                  <a:shade val="50000"/>
+                </a:schemeClr>
+              </a:lnRef>
+              <a:fillRef idx="1">
+                <a:schemeClr val="accent1"/>
+              </a:fillRef>
+              <a:effectRef idx="0">
+                <a:schemeClr val="accent1"/>
+              </a:effectRef>
+              <a:fontRef idx="minor">
+                <a:schemeClr val="lt1"/>
+              </a:fontRef>
+            </p:style>
+            <p:txBody>
+              <a:bodyPr rtlCol="0" anchor="ctr"/>
+              <a:lstStyle/>
+              <a:p>
+                <a:pPr/>
+                <a14:m>
+                  <m:oMathPara xmlns:m="http://schemas.openxmlformats.org/officeDocument/2006/math">
+                    <m:oMathParaPr>
+                      <m:jc m:val="centerGroup"/>
+                    </m:oMathParaPr>
+                    <m:oMath xmlns:m="http://schemas.openxmlformats.org/officeDocument/2006/math">
+                      <m:r>
+                        <a:rPr lang="en-US" i="1" dirty="0" smtClean="0">
+                          <a:solidFill>
+                            <a:schemeClr val="tx1"/>
+                          </a:solidFill>
+                          <a:latin typeface="Cambria Math" panose="02040503050406030204" pitchFamily="18" charset="0"/>
+                        </a:rPr>
+                        <m:t>𝑆𝑡𝑜𝑐𝑘</m:t>
+                      </m:r>
+                      <m:d>
+                        <m:dPr>
+                          <m:ctrlPr>
+                            <a:rPr lang="en-US" i="1" dirty="0" smtClean="0">
+                              <a:solidFill>
+                                <a:schemeClr val="tx1"/>
+                              </a:solidFill>
+                              <a:latin typeface="Cambria Math" panose="02040503050406030204" pitchFamily="18" charset="0"/>
+                            </a:rPr>
+                          </m:ctrlPr>
+                        </m:dPr>
+                        <m:e>
+                          <m:r>
+                            <a:rPr lang="en-US" i="1" dirty="0" smtClean="0">
+                              <a:solidFill>
+                                <a:schemeClr val="tx1"/>
+                              </a:solidFill>
+                              <a:latin typeface="Cambria Math" panose="02040503050406030204" pitchFamily="18" charset="0"/>
+                            </a:rPr>
+                            <m:t>𝑜</m:t>
+                          </m:r>
+                        </m:e>
+                      </m:d>
+                      <m:r>
+                        <m:rPr>
+                          <m:aln/>
+                        </m:rPr>
+                        <a:rPr lang="en-US" i="1" dirty="0" smtClean="0">
+                          <a:solidFill>
+                            <a:schemeClr val="tx1"/>
+                          </a:solidFill>
+                          <a:latin typeface="Cambria Math" panose="02040503050406030204" pitchFamily="18" charset="0"/>
+                        </a:rPr>
+                        <m:t>=</m:t>
+                      </m:r>
+                      <m:r>
+                        <a:rPr lang="en-US" i="1" dirty="0">
+                          <a:solidFill>
+                            <a:schemeClr val="tx1"/>
+                          </a:solidFill>
+                          <a:latin typeface="Cambria Math" panose="02040503050406030204" pitchFamily="18" charset="0"/>
+                        </a:rPr>
+                        <m:t>9.1917</m:t>
+                      </m:r>
+                    </m:oMath>
+                    <m:oMath xmlns:m="http://schemas.openxmlformats.org/officeDocument/2006/math">
+                      <m:r>
+                        <a:rPr lang="en-US" i="1" dirty="0" smtClean="0">
+                          <a:solidFill>
+                            <a:schemeClr val="tx1"/>
+                          </a:solidFill>
+                          <a:latin typeface="Cambria Math" panose="02040503050406030204" pitchFamily="18" charset="0"/>
+                        </a:rPr>
+                        <m:t>𝑆𝑡𝑜𝑐𝑘</m:t>
+                      </m:r>
+                      <m:d>
+                        <m:dPr>
+                          <m:ctrlPr>
+                            <a:rPr lang="en-US" i="1" dirty="0" smtClean="0">
+                              <a:solidFill>
+                                <a:schemeClr val="tx1"/>
+                              </a:solidFill>
+                              <a:latin typeface="Cambria Math" panose="02040503050406030204" pitchFamily="18" charset="0"/>
+                            </a:rPr>
+                          </m:ctrlPr>
+                        </m:dPr>
+                        <m:e>
+                          <m:r>
+                            <a:rPr lang="en-US" i="1" dirty="0" smtClean="0">
+                              <a:solidFill>
+                                <a:schemeClr val="tx1"/>
+                              </a:solidFill>
+                              <a:latin typeface="Cambria Math" panose="02040503050406030204" pitchFamily="18" charset="0"/>
+                            </a:rPr>
+                            <m:t>𝑑</m:t>
+                          </m:r>
+                        </m:e>
+                      </m:d>
+                      <m:r>
+                        <m:rPr>
+                          <m:aln/>
+                        </m:rPr>
+                        <a:rPr lang="en-US" i="1" dirty="0" smtClean="0">
+                          <a:solidFill>
+                            <a:schemeClr val="tx1"/>
+                          </a:solidFill>
+                          <a:latin typeface="Cambria Math" panose="02040503050406030204" pitchFamily="18" charset="0"/>
+                        </a:rPr>
+                        <m:t>=</m:t>
+                      </m:r>
+                      <m:r>
+                        <a:rPr lang="en-US" i="1" dirty="0">
+                          <a:solidFill>
+                            <a:schemeClr val="tx1"/>
+                          </a:solidFill>
+                          <a:latin typeface="Cambria Math" panose="02040503050406030204" pitchFamily="18" charset="0"/>
+                        </a:rPr>
+                        <m:t>8.144</m:t>
+                      </m:r>
+                      <m:r>
+                        <a:rPr lang="en-US" b="0" i="1" dirty="0" smtClean="0">
+                          <a:solidFill>
+                            <a:schemeClr val="tx1"/>
+                          </a:solidFill>
+                          <a:latin typeface="Cambria Math" panose="02040503050406030204" pitchFamily="18" charset="0"/>
+                        </a:rPr>
+                        <m:t>1</m:t>
+                      </m:r>
+                    </m:oMath>
+                    <m:oMath xmlns:m="http://schemas.openxmlformats.org/officeDocument/2006/math">
+                      <m:r>
+                        <a:rPr lang="en-US" b="0" i="1" smtClean="0">
+                          <a:solidFill>
+                            <a:schemeClr val="tx1"/>
+                          </a:solidFill>
+                          <a:latin typeface="Cambria Math" panose="02040503050406030204" pitchFamily="18" charset="0"/>
+                        </a:rPr>
+                        <m:t>𝑆𝑡𝑜𝑐𝑘</m:t>
+                      </m:r>
+                      <m:d>
+                        <m:dPr>
+                          <m:ctrlPr>
+                            <a:rPr lang="en-US" b="0" i="1" smtClean="0">
+                              <a:solidFill>
+                                <a:schemeClr val="tx1"/>
+                              </a:solidFill>
+                              <a:latin typeface="Cambria Math" panose="02040503050406030204" pitchFamily="18" charset="0"/>
+                            </a:rPr>
+                          </m:ctrlPr>
+                        </m:dPr>
+                        <m:e>
+                          <m:r>
+                            <a:rPr lang="en-US" b="0" i="1" smtClean="0">
+                              <a:solidFill>
+                                <a:schemeClr val="tx1"/>
+                              </a:solidFill>
+                              <a:latin typeface="Cambria Math" panose="02040503050406030204" pitchFamily="18" charset="0"/>
+                            </a:rPr>
+                            <m:t>𝑚</m:t>
+                          </m:r>
+                          <m:r>
+                            <a:rPr lang="en-US" altLang="zh-CN" i="1">
+                              <a:solidFill>
+                                <a:schemeClr val="tx1"/>
+                              </a:solidFill>
+                              <a:latin typeface="Cambria Math" panose="02040503050406030204" pitchFamily="18" charset="0"/>
+                            </a:rPr>
+                            <m:t>1</m:t>
+                          </m:r>
+                        </m:e>
+                      </m:d>
+                      <m:r>
+                        <m:rPr>
+                          <m:aln/>
+                        </m:rPr>
+                        <a:rPr lang="en-US" b="0" i="1" smtClean="0">
+                          <a:solidFill>
+                            <a:schemeClr val="tx1"/>
+                          </a:solidFill>
+                          <a:latin typeface="Cambria Math" panose="02040503050406030204" pitchFamily="18" charset="0"/>
+                        </a:rPr>
+                        <m:t>=</m:t>
+                      </m:r>
+                      <m:r>
+                        <a:rPr lang="en-US" i="1">
+                          <a:solidFill>
+                            <a:schemeClr val="tx1"/>
+                          </a:solidFill>
+                          <a:latin typeface="Cambria Math" panose="02040503050406030204" pitchFamily="18" charset="0"/>
+                        </a:rPr>
+                        <m:t>9.2230</m:t>
+                      </m:r>
+                    </m:oMath>
+                    <m:oMath xmlns:m="http://schemas.openxmlformats.org/officeDocument/2006/math">
+                      <m:r>
+                        <a:rPr lang="en-US" b="0" i="1" smtClean="0">
+                          <a:solidFill>
+                            <a:schemeClr val="tx1"/>
+                          </a:solidFill>
+                          <a:latin typeface="Cambria Math" panose="02040503050406030204" pitchFamily="18" charset="0"/>
+                        </a:rPr>
+                        <m:t>𝑠𝑡𝑜𝑐𝑘</m:t>
+                      </m:r>
+                      <m:d>
+                        <m:dPr>
+                          <m:ctrlPr>
+                            <a:rPr lang="en-US" b="0" i="1" smtClean="0">
+                              <a:solidFill>
+                                <a:schemeClr val="tx1"/>
+                              </a:solidFill>
+                              <a:latin typeface="Cambria Math" panose="02040503050406030204" pitchFamily="18" charset="0"/>
+                            </a:rPr>
+                          </m:ctrlPr>
+                        </m:dPr>
+                        <m:e>
+                          <m:r>
+                            <a:rPr lang="en-US" b="0" i="1" smtClean="0">
+                              <a:solidFill>
+                                <a:schemeClr val="tx1"/>
+                              </a:solidFill>
+                              <a:latin typeface="Cambria Math" panose="02040503050406030204" pitchFamily="18" charset="0"/>
+                            </a:rPr>
+                            <m:t>𝑚</m:t>
+                          </m:r>
+                          <m:r>
+                            <a:rPr lang="en-US" b="0" i="1" smtClean="0">
+                              <a:solidFill>
+                                <a:schemeClr val="tx1"/>
+                              </a:solidFill>
+                              <a:latin typeface="Cambria Math" panose="02040503050406030204" pitchFamily="18" charset="0"/>
+                            </a:rPr>
+                            <m:t>2</m:t>
+                          </m:r>
+                        </m:e>
+                      </m:d>
+                      <m:r>
+                        <m:rPr>
+                          <m:aln/>
+                        </m:rPr>
+                        <a:rPr lang="en-US" b="0" i="1" smtClean="0">
+                          <a:solidFill>
+                            <a:schemeClr val="tx1"/>
+                          </a:solidFill>
+                          <a:latin typeface="Cambria Math" panose="02040503050406030204" pitchFamily="18" charset="0"/>
+                        </a:rPr>
+                        <m:t>=</m:t>
+                      </m:r>
+                      <m:r>
+                        <a:rPr lang="en-US" i="1">
+                          <a:solidFill>
+                            <a:schemeClr val="tx1"/>
+                          </a:solidFill>
+                          <a:latin typeface="Cambria Math" panose="02040503050406030204" pitchFamily="18" charset="0"/>
+                        </a:rPr>
+                        <m:t>9.05</m:t>
+                      </m:r>
+                      <m:r>
+                        <a:rPr lang="en-US" altLang="zh-CN" i="1" smtClean="0">
+                          <a:solidFill>
+                            <a:schemeClr val="tx1"/>
+                          </a:solidFill>
+                          <a:latin typeface="Cambria Math" panose="02040503050406030204" pitchFamily="18" charset="0"/>
+                        </a:rPr>
+                        <m:t>1</m:t>
+                      </m:r>
+                      <m:r>
+                        <a:rPr lang="en-US" altLang="zh-CN" b="0" i="1" smtClean="0">
+                          <a:solidFill>
+                            <a:schemeClr val="tx1"/>
+                          </a:solidFill>
+                          <a:latin typeface="Cambria Math" panose="02040503050406030204" pitchFamily="18" charset="0"/>
+                        </a:rPr>
+                        <m:t>0</m:t>
+                      </m:r>
+                    </m:oMath>
+                  </m:oMathPara>
+                </a14:m>
+                <a:endParaRPr lang="en-US" b="0" dirty="0">
+                  <a:solidFill>
+                    <a:schemeClr val="tx1"/>
+                  </a:solidFill>
+                </a:endParaRPr>
+              </a:p>
+            </p:txBody>
+          </p:sp>
+        </mc:Choice>
+        <mc:Fallback xmlns="">
+          <p:sp>
+            <p:nvSpPr>
+              <p:cNvPr id="10" name="Rectangle 9">
+                <a:extLst>
+                  <a:ext uri="{FF2B5EF4-FFF2-40B4-BE49-F238E27FC236}">
+                    <a16:creationId xmlns:a16="http://schemas.microsoft.com/office/drawing/2014/main" id="{3C00A4A8-1391-4D95-BA94-E282132932A7}"/>
+                  </a:ext>
+                </a:extLst>
+              </p:cNvPr>
+              <p:cNvSpPr>
+                <a:spLocks noRot="1" noChangeAspect="1" noMove="1" noResize="1" noEditPoints="1" noAdjustHandles="1" noChangeArrowheads="1" noChangeShapeType="1" noTextEdit="1"/>
+              </p:cNvSpPr>
+              <p:nvPr/>
+            </p:nvSpPr>
+            <p:spPr>
+              <a:xfrm>
+                <a:off x="429845" y="1970454"/>
+                <a:ext cx="2716813" cy="1090246"/>
+              </a:xfrm>
+              <a:prstGeom prst="rect">
+                <a:avLst/>
+              </a:prstGeom>
+              <a:blipFill>
+                <a:blip r:embed="rId4"/>
+                <a:stretch>
+                  <a:fillRect b="-2210"/>
+                </a:stretch>
+              </a:blipFill>
+              <a:ln>
+                <a:solidFill>
+                  <a:schemeClr val="tx1"/>
+                </a:solidFill>
+              </a:ln>
+            </p:spPr>
+            <p:txBody>
+              <a:bodyPr/>
+              <a:lstStyle/>
+              <a:p>
+                <a:r>
+                  <a:rPr lang="en-US">
+                    <a:noFill/>
+                  </a:rPr>
+                  <a:t> </a:t>
+                </a:r>
+              </a:p>
+            </p:txBody>
+          </p:sp>
+        </mc:Fallback>
+      </mc:AlternateContent>
+      <p:sp>
+        <p:nvSpPr>
+          <p:cNvPr id="4" name="Oval 3">
+            <a:extLst>
+              <a:ext uri="{FF2B5EF4-FFF2-40B4-BE49-F238E27FC236}">
+                <a16:creationId xmlns:a16="http://schemas.microsoft.com/office/drawing/2014/main" id="{AD079CE0-B866-4600-B406-CF86C420358C}"/>
+              </a:ext>
+            </a:extLst>
+          </p:cNvPr>
+          <p:cNvSpPr/>
+          <p:nvPr/>
+        </p:nvSpPr>
+        <p:spPr>
+          <a:xfrm>
+            <a:off x="3923395" y="3237526"/>
+            <a:ext cx="1062892" cy="1062892"/>
+          </a:xfrm>
+          <a:prstGeom prst="ellipse">
+            <a:avLst/>
+          </a:prstGeom>
+          <a:solidFill>
+            <a:schemeClr val="accent4">
+              <a:lumMod val="40000"/>
+              <a:lumOff val="60000"/>
+            </a:schemeClr>
+          </a:solidFill>
+          <a:ln>
+            <a:solidFill>
+              <a:schemeClr val="accent4">
+                <a:lumMod val="75000"/>
+              </a:schemeClr>
+            </a:solidFill>
+          </a:ln>
+        </p:spPr>
+        <p:style>
+          <a:lnRef idx="2">
+            <a:schemeClr val="accent1">
+              <a:shade val="50000"/>
+            </a:schemeClr>
+          </a:lnRef>
+          <a:fillRef idx="1">
+            <a:schemeClr val="accent1"/>
+          </a:fillRef>
+          <a:effectRef idx="0">
+            <a:schemeClr val="accent1"/>
+          </a:effectRef>
+          <a:fontRef idx="minor">
+            <a:schemeClr val="lt1"/>
+          </a:fontRef>
+        </p:style>
+        <p:txBody>
+          <a:bodyPr rtlCol="0" anchor="ctr"/>
+          <a:lstStyle/>
+          <a:p>
+            <a:pPr algn="ctr"/>
+            <a:r>
+              <a:rPr lang="en-US" sz="2400" dirty="0">
+                <a:solidFill>
+                  <a:schemeClr val="tx1"/>
+                </a:solidFill>
+                <a:latin typeface="Cambria Math" panose="02040503050406030204" pitchFamily="18" charset="0"/>
+                <a:ea typeface="Cambria Math" panose="02040503050406030204" pitchFamily="18" charset="0"/>
+              </a:rPr>
+              <a:t>o</a:t>
+            </a:r>
+          </a:p>
+        </p:txBody>
+      </p:sp>
+      <p:sp>
+        <p:nvSpPr>
+          <p:cNvPr id="5" name="Oval 4">
+            <a:extLst>
+              <a:ext uri="{FF2B5EF4-FFF2-40B4-BE49-F238E27FC236}">
+                <a16:creationId xmlns:a16="http://schemas.microsoft.com/office/drawing/2014/main" id="{BBC99BD8-9DAE-43D2-AFDB-9DBBFB813BF9}"/>
+              </a:ext>
+            </a:extLst>
+          </p:cNvPr>
+          <p:cNvSpPr/>
+          <p:nvPr/>
+        </p:nvSpPr>
+        <p:spPr>
+          <a:xfrm>
+            <a:off x="9510767" y="3237526"/>
+            <a:ext cx="1062892" cy="1062892"/>
+          </a:xfrm>
+          <a:prstGeom prst="ellipse">
+            <a:avLst/>
+          </a:prstGeom>
+          <a:solidFill>
+            <a:srgbClr val="92D050"/>
+          </a:solidFill>
+          <a:ln>
+            <a:solidFill>
+              <a:srgbClr val="00B050"/>
+            </a:solidFill>
+          </a:ln>
+        </p:spPr>
+        <p:style>
+          <a:lnRef idx="2">
+            <a:schemeClr val="accent1">
+              <a:shade val="50000"/>
+            </a:schemeClr>
+          </a:lnRef>
+          <a:fillRef idx="1">
+            <a:schemeClr val="accent1"/>
+          </a:fillRef>
+          <a:effectRef idx="0">
+            <a:schemeClr val="accent1"/>
+          </a:effectRef>
+          <a:fontRef idx="minor">
+            <a:schemeClr val="lt1"/>
+          </a:fontRef>
+        </p:style>
+        <p:txBody>
+          <a:bodyPr rtlCol="0" anchor="ctr"/>
+          <a:lstStyle/>
+          <a:p>
+            <a:pPr algn="ctr"/>
+            <a:r>
+              <a:rPr lang="en-US" sz="2400" dirty="0">
+                <a:solidFill>
+                  <a:schemeClr val="tx1"/>
+                </a:solidFill>
+                <a:latin typeface="Cambria Math" panose="02040503050406030204" pitchFamily="18" charset="0"/>
+                <a:ea typeface="Cambria Math" panose="02040503050406030204" pitchFamily="18" charset="0"/>
+              </a:rPr>
+              <a:t>d</a:t>
+            </a:r>
+          </a:p>
+        </p:txBody>
+      </p:sp>
+      <p:sp>
+        <p:nvSpPr>
+          <p:cNvPr id="25" name="Oval 24">
+            <a:extLst>
+              <a:ext uri="{FF2B5EF4-FFF2-40B4-BE49-F238E27FC236}">
+                <a16:creationId xmlns:a16="http://schemas.microsoft.com/office/drawing/2014/main" id="{C6E76074-B2BA-4ADD-A489-920478A7AC8F}"/>
+              </a:ext>
+            </a:extLst>
+          </p:cNvPr>
+          <p:cNvSpPr/>
+          <p:nvPr/>
+        </p:nvSpPr>
+        <p:spPr>
+          <a:xfrm>
+            <a:off x="6717081" y="1559143"/>
+            <a:ext cx="1062892" cy="1062892"/>
+          </a:xfrm>
+          <a:prstGeom prst="ellipse">
+            <a:avLst/>
+          </a:prstGeom>
+          <a:solidFill>
+            <a:schemeClr val="accent2"/>
+          </a:solidFill>
+          <a:ln>
+            <a:solidFill>
+              <a:schemeClr val="accent2">
+                <a:lumMod val="75000"/>
+              </a:schemeClr>
+            </a:solidFill>
+          </a:ln>
+        </p:spPr>
+        <p:style>
+          <a:lnRef idx="2">
+            <a:schemeClr val="accent1">
+              <a:shade val="50000"/>
+            </a:schemeClr>
+          </a:lnRef>
+          <a:fillRef idx="1">
+            <a:schemeClr val="accent1"/>
+          </a:fillRef>
+          <a:effectRef idx="0">
+            <a:schemeClr val="accent1"/>
+          </a:effectRef>
+          <a:fontRef idx="minor">
+            <a:schemeClr val="lt1"/>
+          </a:fontRef>
+        </p:style>
+        <p:txBody>
+          <a:bodyPr rtlCol="0" anchor="ctr"/>
+          <a:lstStyle/>
+          <a:p>
+            <a:pPr algn="ctr"/>
+            <a:r>
+              <a:rPr lang="en-US" sz="2400" dirty="0">
+                <a:solidFill>
+                  <a:schemeClr val="tx1"/>
+                </a:solidFill>
+                <a:latin typeface="Cambria Math" panose="02040503050406030204" pitchFamily="18" charset="0"/>
+                <a:ea typeface="Cambria Math" panose="02040503050406030204" pitchFamily="18" charset="0"/>
+              </a:rPr>
+              <a:t>m1</a:t>
+            </a:r>
+          </a:p>
+        </p:txBody>
+      </p:sp>
+      <p:sp>
+        <p:nvSpPr>
+          <p:cNvPr id="26" name="Oval 25">
+            <a:extLst>
+              <a:ext uri="{FF2B5EF4-FFF2-40B4-BE49-F238E27FC236}">
+                <a16:creationId xmlns:a16="http://schemas.microsoft.com/office/drawing/2014/main" id="{09D0F33B-4429-4CEA-950D-0EFFFA163EBB}"/>
+              </a:ext>
+            </a:extLst>
+          </p:cNvPr>
+          <p:cNvSpPr/>
+          <p:nvPr/>
+        </p:nvSpPr>
+        <p:spPr>
+          <a:xfrm>
+            <a:off x="6717081" y="4845567"/>
+            <a:ext cx="1062892" cy="1062892"/>
+          </a:xfrm>
+          <a:prstGeom prst="ellipse">
+            <a:avLst/>
+          </a:prstGeom>
+          <a:solidFill>
+            <a:schemeClr val="accent5">
+              <a:lumMod val="75000"/>
+            </a:schemeClr>
+          </a:solidFill>
+          <a:ln>
+            <a:solidFill>
+              <a:schemeClr val="accent5">
+                <a:lumMod val="50000"/>
+              </a:schemeClr>
+            </a:solidFill>
+          </a:ln>
+        </p:spPr>
+        <p:style>
+          <a:lnRef idx="2">
+            <a:schemeClr val="accent1">
+              <a:shade val="50000"/>
+            </a:schemeClr>
+          </a:lnRef>
+          <a:fillRef idx="1">
+            <a:schemeClr val="accent1"/>
+          </a:fillRef>
+          <a:effectRef idx="0">
+            <a:schemeClr val="accent1"/>
+          </a:effectRef>
+          <a:fontRef idx="minor">
+            <a:schemeClr val="lt1"/>
+          </a:fontRef>
+        </p:style>
+        <p:txBody>
+          <a:bodyPr rtlCol="0" anchor="ctr"/>
+          <a:lstStyle/>
+          <a:p>
+            <a:pPr algn="ctr"/>
+            <a:r>
+              <a:rPr lang="en-US" sz="2400" dirty="0">
+                <a:solidFill>
+                  <a:schemeClr val="tx1"/>
+                </a:solidFill>
+                <a:latin typeface="Cambria Math" panose="02040503050406030204" pitchFamily="18" charset="0"/>
+                <a:ea typeface="Cambria Math" panose="02040503050406030204" pitchFamily="18" charset="0"/>
+              </a:rPr>
+              <a:t>m2</a:t>
+            </a:r>
+          </a:p>
+        </p:txBody>
+      </p:sp>
+      <p:cxnSp>
+        <p:nvCxnSpPr>
+          <p:cNvPr id="20" name="Connector: Curved 19">
+            <a:extLst>
+              <a:ext uri="{FF2B5EF4-FFF2-40B4-BE49-F238E27FC236}">
+                <a16:creationId xmlns:a16="http://schemas.microsoft.com/office/drawing/2014/main" id="{2C875E72-4ACE-444A-B9F9-1E288BDD6037}"/>
+              </a:ext>
+            </a:extLst>
+          </p:cNvPr>
+          <p:cNvCxnSpPr>
+            <a:stCxn id="4" idx="0"/>
+            <a:endCxn id="25" idx="2"/>
+          </p:cNvCxnSpPr>
+          <p:nvPr/>
+        </p:nvCxnSpPr>
+        <p:spPr>
+          <a:xfrm rot="5400000" flipH="1" flipV="1">
+            <a:off x="5012493" y="1532938"/>
+            <a:ext cx="1146937" cy="2262240"/>
+          </a:xfrm>
+          <a:prstGeom prst="curvedConnector2">
+            <a:avLst/>
+          </a:prstGeom>
+          <a:ln>
+            <a:tailEnd type="triangle"/>
+          </a:ln>
+        </p:spPr>
+        <p:style>
+          <a:lnRef idx="1">
+            <a:schemeClr val="dk1"/>
+          </a:lnRef>
+          <a:fillRef idx="0">
+            <a:schemeClr val="dk1"/>
+          </a:fillRef>
+          <a:effectRef idx="0">
+            <a:schemeClr val="dk1"/>
+          </a:effectRef>
+          <a:fontRef idx="minor">
+            <a:schemeClr val="tx1"/>
+          </a:fontRef>
+        </p:style>
+      </p:cxnSp>
+      <p:cxnSp>
+        <p:nvCxnSpPr>
+          <p:cNvPr id="30" name="Connector: Curved 29">
+            <a:extLst>
+              <a:ext uri="{FF2B5EF4-FFF2-40B4-BE49-F238E27FC236}">
+                <a16:creationId xmlns:a16="http://schemas.microsoft.com/office/drawing/2014/main" id="{54E7F305-AF26-47E5-92DC-9DAB23295A12}"/>
+              </a:ext>
+            </a:extLst>
+          </p:cNvPr>
+          <p:cNvCxnSpPr>
+            <a:cxnSpLocks/>
+            <a:stCxn id="4" idx="4"/>
+            <a:endCxn id="26" idx="2"/>
+          </p:cNvCxnSpPr>
+          <p:nvPr/>
+        </p:nvCxnSpPr>
+        <p:spPr>
+          <a:xfrm rot="16200000" flipH="1">
+            <a:off x="5047664" y="3707595"/>
+            <a:ext cx="1076595" cy="2262240"/>
+          </a:xfrm>
+          <a:prstGeom prst="curvedConnector2">
+            <a:avLst/>
+          </a:prstGeom>
+          <a:ln>
+            <a:tailEnd type="triangle"/>
+          </a:ln>
+        </p:spPr>
+        <p:style>
+          <a:lnRef idx="1">
+            <a:schemeClr val="dk1"/>
+          </a:lnRef>
+          <a:fillRef idx="0">
+            <a:schemeClr val="dk1"/>
+          </a:fillRef>
+          <a:effectRef idx="0">
+            <a:schemeClr val="dk1"/>
+          </a:effectRef>
+          <a:fontRef idx="minor">
+            <a:schemeClr val="tx1"/>
+          </a:fontRef>
+        </p:style>
+      </p:cxnSp>
+      <p:cxnSp>
+        <p:nvCxnSpPr>
+          <p:cNvPr id="48" name="Straight Arrow Connector 47">
+            <a:extLst>
+              <a:ext uri="{FF2B5EF4-FFF2-40B4-BE49-F238E27FC236}">
+                <a16:creationId xmlns:a16="http://schemas.microsoft.com/office/drawing/2014/main" id="{9F516669-A7B3-4425-A9E8-124BE3AF2D71}"/>
+              </a:ext>
+            </a:extLst>
+          </p:cNvPr>
+          <p:cNvCxnSpPr>
+            <a:stCxn id="25" idx="5"/>
+            <a:endCxn id="26" idx="7"/>
+          </p:cNvCxnSpPr>
+          <p:nvPr/>
+        </p:nvCxnSpPr>
+        <p:spPr>
+          <a:xfrm>
+            <a:off x="7624316" y="2466378"/>
+            <a:ext cx="0" cy="2534846"/>
+          </a:xfrm>
+          <a:prstGeom prst="straightConnector1">
+            <a:avLst/>
+          </a:prstGeom>
+          <a:ln>
+            <a:tailEnd type="triangle"/>
+          </a:ln>
+        </p:spPr>
+        <p:style>
+          <a:lnRef idx="1">
+            <a:schemeClr val="dk1"/>
+          </a:lnRef>
+          <a:fillRef idx="0">
+            <a:schemeClr val="dk1"/>
+          </a:fillRef>
+          <a:effectRef idx="0">
+            <a:schemeClr val="dk1"/>
+          </a:effectRef>
+          <a:fontRef idx="minor">
+            <a:schemeClr val="tx1"/>
+          </a:fontRef>
+        </p:style>
+      </p:cxnSp>
+      <p:cxnSp>
+        <p:nvCxnSpPr>
+          <p:cNvPr id="54" name="Straight Arrow Connector 53">
+            <a:extLst>
+              <a:ext uri="{FF2B5EF4-FFF2-40B4-BE49-F238E27FC236}">
+                <a16:creationId xmlns:a16="http://schemas.microsoft.com/office/drawing/2014/main" id="{FAAF73A9-7716-4686-900D-B7357BE6AB64}"/>
+              </a:ext>
+            </a:extLst>
+          </p:cNvPr>
+          <p:cNvCxnSpPr>
+            <a:cxnSpLocks/>
+            <a:stCxn id="4" idx="6"/>
+            <a:endCxn id="5" idx="2"/>
+          </p:cNvCxnSpPr>
+          <p:nvPr/>
+        </p:nvCxnSpPr>
+        <p:spPr>
+          <a:xfrm>
+            <a:off x="4986287" y="3768972"/>
+            <a:ext cx="4524480" cy="0"/>
+          </a:xfrm>
+          <a:prstGeom prst="straightConnector1">
+            <a:avLst/>
+          </a:prstGeom>
+          <a:ln>
+            <a:tailEnd type="triangle"/>
+          </a:ln>
+        </p:spPr>
+        <p:style>
+          <a:lnRef idx="1">
+            <a:schemeClr val="dk1"/>
+          </a:lnRef>
+          <a:fillRef idx="0">
+            <a:schemeClr val="dk1"/>
+          </a:fillRef>
+          <a:effectRef idx="0">
+            <a:schemeClr val="dk1"/>
+          </a:effectRef>
+          <a:fontRef idx="minor">
+            <a:schemeClr val="tx1"/>
+          </a:fontRef>
+        </p:style>
+      </p:cxnSp>
+      <p:cxnSp>
+        <p:nvCxnSpPr>
+          <p:cNvPr id="58" name="Connector: Curved 57">
+            <a:extLst>
+              <a:ext uri="{FF2B5EF4-FFF2-40B4-BE49-F238E27FC236}">
+                <a16:creationId xmlns:a16="http://schemas.microsoft.com/office/drawing/2014/main" id="{F78254A4-2C0D-4BDD-8577-2AC364E42CED}"/>
+              </a:ext>
+            </a:extLst>
+          </p:cNvPr>
+          <p:cNvCxnSpPr>
+            <a:cxnSpLocks/>
+            <a:stCxn id="25" idx="6"/>
+            <a:endCxn id="5" idx="0"/>
+          </p:cNvCxnSpPr>
+          <p:nvPr/>
+        </p:nvCxnSpPr>
+        <p:spPr>
+          <a:xfrm>
+            <a:off x="7779973" y="2090589"/>
+            <a:ext cx="2262240" cy="1146937"/>
+          </a:xfrm>
+          <a:prstGeom prst="curvedConnector2">
+            <a:avLst/>
+          </a:prstGeom>
+          <a:ln>
+            <a:tailEnd type="triangle"/>
+          </a:ln>
+        </p:spPr>
+        <p:style>
+          <a:lnRef idx="1">
+            <a:schemeClr val="dk1"/>
+          </a:lnRef>
+          <a:fillRef idx="0">
+            <a:schemeClr val="dk1"/>
+          </a:fillRef>
+          <a:effectRef idx="0">
+            <a:schemeClr val="dk1"/>
+          </a:effectRef>
+          <a:fontRef idx="minor">
+            <a:schemeClr val="tx1"/>
+          </a:fontRef>
+        </p:style>
+      </p:cxnSp>
+      <p:cxnSp>
+        <p:nvCxnSpPr>
+          <p:cNvPr id="59" name="Connector: Curved 58">
+            <a:extLst>
+              <a:ext uri="{FF2B5EF4-FFF2-40B4-BE49-F238E27FC236}">
+                <a16:creationId xmlns:a16="http://schemas.microsoft.com/office/drawing/2014/main" id="{074F4F48-8B84-4B6D-8DBC-82E87A215C8A}"/>
+              </a:ext>
+            </a:extLst>
+          </p:cNvPr>
+          <p:cNvCxnSpPr>
+            <a:cxnSpLocks/>
+            <a:stCxn id="26" idx="6"/>
+            <a:endCxn id="5" idx="4"/>
+          </p:cNvCxnSpPr>
+          <p:nvPr/>
+        </p:nvCxnSpPr>
+        <p:spPr>
+          <a:xfrm flipV="1">
+            <a:off x="7779973" y="4300418"/>
+            <a:ext cx="2262240" cy="1076595"/>
+          </a:xfrm>
+          <a:prstGeom prst="curvedConnector2">
+            <a:avLst/>
+          </a:prstGeom>
+          <a:ln>
+            <a:tailEnd type="triangle"/>
+          </a:ln>
+        </p:spPr>
+        <p:style>
+          <a:lnRef idx="1">
+            <a:schemeClr val="dk1"/>
+          </a:lnRef>
+          <a:fillRef idx="0">
+            <a:schemeClr val="dk1"/>
+          </a:fillRef>
+          <a:effectRef idx="0">
+            <a:schemeClr val="dk1"/>
+          </a:effectRef>
+          <a:fontRef idx="minor">
+            <a:schemeClr val="tx1"/>
+          </a:fontRef>
+        </p:style>
+      </p:cxnSp>
+      <mc:AlternateContent xmlns:mc="http://schemas.openxmlformats.org/markup-compatibility/2006" xmlns:a14="http://schemas.microsoft.com/office/drawing/2010/main">
+        <mc:Choice Requires="a14">
+          <p:sp>
+            <p:nvSpPr>
+              <p:cNvPr id="64" name="TextBox 63">
+                <a:extLst>
+                  <a:ext uri="{FF2B5EF4-FFF2-40B4-BE49-F238E27FC236}">
+                    <a16:creationId xmlns:a16="http://schemas.microsoft.com/office/drawing/2014/main" id="{59E8D610-C3F4-424F-916E-C412F2CAAEBB}"/>
+                  </a:ext>
+                </a:extLst>
+              </p:cNvPr>
+              <p:cNvSpPr txBox="1"/>
+              <p:nvPr/>
+            </p:nvSpPr>
+            <p:spPr>
+              <a:xfrm>
+                <a:off x="1541420" y="4071272"/>
+                <a:ext cx="488339" cy="369332"/>
+              </a:xfrm>
+              <a:prstGeom prst="rect">
+                <a:avLst/>
+              </a:prstGeom>
+              <a:noFill/>
+            </p:spPr>
+            <p:txBody>
+              <a:bodyPr wrap="none" rtlCol="0">
+                <a:spAutoFit/>
+              </a:bodyPr>
+              <a:lstStyle/>
+              <a:p>
+                <a:pPr/>
+                <a14:m>
+                  <m:oMathPara xmlns:m="http://schemas.openxmlformats.org/officeDocument/2006/math">
+                    <m:oMathParaPr>
+                      <m:jc m:val="centerGroup"/>
+                    </m:oMathParaPr>
+                    <m:oMath xmlns:m="http://schemas.openxmlformats.org/officeDocument/2006/math">
+                      <m:sSub>
+                        <m:sSubPr>
+                          <m:ctrlPr>
+                            <a:rPr lang="en-US" b="0" i="1" smtClean="0">
+                              <a:latin typeface="Cambria Math" panose="02040503050406030204" pitchFamily="18" charset="0"/>
+                            </a:rPr>
+                          </m:ctrlPr>
+                        </m:sSubPr>
+                        <m:e>
+                          <m:r>
+                            <a:rPr lang="en-US" b="0" i="1" smtClean="0">
+                              <a:latin typeface="Cambria Math" panose="02040503050406030204" pitchFamily="18" charset="0"/>
+                            </a:rPr>
+                            <m:t>𝐾</m:t>
+                          </m:r>
+                        </m:e>
+                        <m:sub>
+                          <m:r>
+                            <a:rPr lang="en-US" b="0" i="1" smtClean="0">
+                              <a:latin typeface="Cambria Math" panose="02040503050406030204" pitchFamily="18" charset="0"/>
+                            </a:rPr>
+                            <m:t>2</m:t>
+                          </m:r>
+                        </m:sub>
+                      </m:sSub>
+                    </m:oMath>
+                  </m:oMathPara>
+                </a14:m>
+                <a:endParaRPr lang="en-US" dirty="0"/>
+              </a:p>
+            </p:txBody>
+          </p:sp>
+        </mc:Choice>
+        <mc:Fallback xmlns="">
+          <p:sp>
+            <p:nvSpPr>
+              <p:cNvPr id="64" name="TextBox 63">
+                <a:extLst>
+                  <a:ext uri="{FF2B5EF4-FFF2-40B4-BE49-F238E27FC236}">
+                    <a16:creationId xmlns:a16="http://schemas.microsoft.com/office/drawing/2014/main" id="{59E8D610-C3F4-424F-916E-C412F2CAAEBB}"/>
+                  </a:ext>
+                </a:extLst>
+              </p:cNvPr>
+              <p:cNvSpPr txBox="1">
+                <a:spLocks noRot="1" noChangeAspect="1" noMove="1" noResize="1" noEditPoints="1" noAdjustHandles="1" noChangeArrowheads="1" noChangeShapeType="1" noTextEdit="1"/>
+              </p:cNvSpPr>
+              <p:nvPr/>
+            </p:nvSpPr>
+            <p:spPr>
+              <a:xfrm>
+                <a:off x="1541420" y="4071272"/>
+                <a:ext cx="488339" cy="369332"/>
+              </a:xfrm>
+              <a:prstGeom prst="rect">
+                <a:avLst/>
+              </a:prstGeom>
+              <a:blipFill>
+                <a:blip r:embed="rId5"/>
+                <a:stretch>
+                  <a:fillRect/>
+                </a:stretch>
+              </a:blipFill>
+            </p:spPr>
+            <p:txBody>
+              <a:bodyPr/>
+              <a:lstStyle/>
+              <a:p>
+                <a:r>
+                  <a:rPr lang="en-US">
+                    <a:noFill/>
+                  </a:rPr>
+                  <a:t> </a:t>
+                </a:r>
+              </a:p>
+            </p:txBody>
+          </p:sp>
+        </mc:Fallback>
+      </mc:AlternateContent>
+      <mc:AlternateContent xmlns:mc="http://schemas.openxmlformats.org/markup-compatibility/2006" xmlns:a14="http://schemas.microsoft.com/office/drawing/2010/main">
+        <mc:Choice Requires="a14">
+          <p:sp>
+            <p:nvSpPr>
+              <p:cNvPr id="65" name="Rectangle 64">
+                <a:extLst>
+                  <a:ext uri="{FF2B5EF4-FFF2-40B4-BE49-F238E27FC236}">
+                    <a16:creationId xmlns:a16="http://schemas.microsoft.com/office/drawing/2014/main" id="{4F690B5E-D300-4D4C-B988-E56B94568A7E}"/>
+                  </a:ext>
+                </a:extLst>
+              </p:cNvPr>
+              <p:cNvSpPr/>
+              <p:nvPr/>
+            </p:nvSpPr>
+            <p:spPr>
+              <a:xfrm>
+                <a:off x="429846" y="4440604"/>
+                <a:ext cx="2716812" cy="1090246"/>
+              </a:xfrm>
+              <a:prstGeom prst="rect">
+                <a:avLst/>
+              </a:prstGeom>
+              <a:noFill/>
+              <a:ln>
+                <a:solidFill>
+                  <a:schemeClr val="tx1"/>
+                </a:solidFill>
+              </a:ln>
+            </p:spPr>
+            <p:style>
+              <a:lnRef idx="2">
+                <a:schemeClr val="accent1">
+                  <a:shade val="50000"/>
+                </a:schemeClr>
+              </a:lnRef>
+              <a:fillRef idx="1">
+                <a:schemeClr val="accent1"/>
+              </a:fillRef>
+              <a:effectRef idx="0">
+                <a:schemeClr val="accent1"/>
+              </a:effectRef>
+              <a:fontRef idx="minor">
+                <a:schemeClr val="lt1"/>
+              </a:fontRef>
+            </p:style>
+            <p:txBody>
+              <a:bodyPr rtlCol="0" anchor="ctr"/>
+              <a:lstStyle/>
+              <a:p>
+                <a:pPr/>
+                <a14:m>
+                  <m:oMathPara xmlns:m="http://schemas.openxmlformats.org/officeDocument/2006/math">
+                    <m:oMathParaPr>
+                      <m:jc m:val="centerGroup"/>
+                    </m:oMathParaPr>
+                    <m:oMath xmlns:m="http://schemas.openxmlformats.org/officeDocument/2006/math">
+                      <m:r>
+                        <a:rPr lang="en-US" i="1" dirty="0" smtClean="0">
+                          <a:solidFill>
+                            <a:schemeClr val="tx1"/>
+                          </a:solidFill>
+                          <a:latin typeface="Cambria Math" panose="02040503050406030204" pitchFamily="18" charset="0"/>
+                        </a:rPr>
+                        <m:t>𝑆𝑡𝑜𝑐𝑘</m:t>
+                      </m:r>
+                      <m:d>
+                        <m:dPr>
+                          <m:ctrlPr>
+                            <a:rPr lang="en-US" i="1" dirty="0" smtClean="0">
+                              <a:solidFill>
+                                <a:schemeClr val="tx1"/>
+                              </a:solidFill>
+                              <a:latin typeface="Cambria Math" panose="02040503050406030204" pitchFamily="18" charset="0"/>
+                            </a:rPr>
+                          </m:ctrlPr>
+                        </m:dPr>
+                        <m:e>
+                          <m:r>
+                            <a:rPr lang="en-US" i="1" dirty="0" smtClean="0">
+                              <a:solidFill>
+                                <a:schemeClr val="tx1"/>
+                              </a:solidFill>
+                              <a:latin typeface="Cambria Math" panose="02040503050406030204" pitchFamily="18" charset="0"/>
+                            </a:rPr>
+                            <m:t>𝑜</m:t>
+                          </m:r>
+                        </m:e>
+                      </m:d>
+                      <m:r>
+                        <m:rPr>
+                          <m:aln/>
+                        </m:rPr>
+                        <a:rPr lang="en-US" i="1" dirty="0" smtClean="0">
+                          <a:solidFill>
+                            <a:schemeClr val="tx1"/>
+                          </a:solidFill>
+                          <a:latin typeface="Cambria Math" panose="02040503050406030204" pitchFamily="18" charset="0"/>
+                        </a:rPr>
+                        <m:t>=</m:t>
+                      </m:r>
+                      <m:r>
+                        <a:rPr lang="en-US" i="1" dirty="0">
+                          <a:solidFill>
+                            <a:schemeClr val="tx1"/>
+                          </a:solidFill>
+                          <a:latin typeface="Cambria Math" panose="02040503050406030204" pitchFamily="18" charset="0"/>
+                        </a:rPr>
+                        <m:t>4.0140</m:t>
+                      </m:r>
+                    </m:oMath>
+                    <m:oMath xmlns:m="http://schemas.openxmlformats.org/officeDocument/2006/math">
+                      <m:r>
+                        <a:rPr lang="en-US" i="1" dirty="0" smtClean="0">
+                          <a:solidFill>
+                            <a:schemeClr val="tx1"/>
+                          </a:solidFill>
+                          <a:latin typeface="Cambria Math" panose="02040503050406030204" pitchFamily="18" charset="0"/>
+                        </a:rPr>
+                        <m:t>𝑆𝑡𝑜𝑐𝑘</m:t>
+                      </m:r>
+                      <m:d>
+                        <m:dPr>
+                          <m:ctrlPr>
+                            <a:rPr lang="en-US" i="1" dirty="0" smtClean="0">
+                              <a:solidFill>
+                                <a:schemeClr val="tx1"/>
+                              </a:solidFill>
+                              <a:latin typeface="Cambria Math" panose="02040503050406030204" pitchFamily="18" charset="0"/>
+                            </a:rPr>
+                          </m:ctrlPr>
+                        </m:dPr>
+                        <m:e>
+                          <m:r>
+                            <a:rPr lang="en-US" i="1" dirty="0" smtClean="0">
+                              <a:solidFill>
+                                <a:schemeClr val="tx1"/>
+                              </a:solidFill>
+                              <a:latin typeface="Cambria Math" panose="02040503050406030204" pitchFamily="18" charset="0"/>
+                            </a:rPr>
+                            <m:t>𝑑</m:t>
+                          </m:r>
+                        </m:e>
+                      </m:d>
+                      <m:r>
+                        <m:rPr>
+                          <m:aln/>
+                        </m:rPr>
+                        <a:rPr lang="en-US" i="1" dirty="0" smtClean="0">
+                          <a:solidFill>
+                            <a:schemeClr val="tx1"/>
+                          </a:solidFill>
+                          <a:latin typeface="Cambria Math" panose="02040503050406030204" pitchFamily="18" charset="0"/>
+                        </a:rPr>
+                        <m:t>=</m:t>
+                      </m:r>
+                      <m:r>
+                        <a:rPr lang="en-US" i="1" dirty="0">
+                          <a:solidFill>
+                            <a:schemeClr val="tx1"/>
+                          </a:solidFill>
+                          <a:latin typeface="Cambria Math" panose="02040503050406030204" pitchFamily="18" charset="0"/>
+                        </a:rPr>
+                        <m:t>6.901</m:t>
+                      </m:r>
+                      <m:r>
+                        <a:rPr lang="en-US" b="0" i="1" dirty="0" smtClean="0">
+                          <a:solidFill>
+                            <a:schemeClr val="tx1"/>
+                          </a:solidFill>
+                          <a:latin typeface="Cambria Math" panose="02040503050406030204" pitchFamily="18" charset="0"/>
+                        </a:rPr>
+                        <m:t>7</m:t>
+                      </m:r>
+                    </m:oMath>
+                    <m:oMath xmlns:m="http://schemas.openxmlformats.org/officeDocument/2006/math">
+                      <m:r>
+                        <a:rPr lang="en-US" b="0" i="1" smtClean="0">
+                          <a:solidFill>
+                            <a:schemeClr val="tx1"/>
+                          </a:solidFill>
+                          <a:latin typeface="Cambria Math" panose="02040503050406030204" pitchFamily="18" charset="0"/>
+                        </a:rPr>
+                        <m:t>𝑆𝑡𝑜𝑐𝑘</m:t>
+                      </m:r>
+                      <m:d>
+                        <m:dPr>
+                          <m:ctrlPr>
+                            <a:rPr lang="en-US" b="0" i="1" smtClean="0">
+                              <a:solidFill>
+                                <a:schemeClr val="tx1"/>
+                              </a:solidFill>
+                              <a:latin typeface="Cambria Math" panose="02040503050406030204" pitchFamily="18" charset="0"/>
+                            </a:rPr>
+                          </m:ctrlPr>
+                        </m:dPr>
+                        <m:e>
+                          <m:r>
+                            <a:rPr lang="en-US" b="0" i="1" smtClean="0">
+                              <a:solidFill>
+                                <a:schemeClr val="tx1"/>
+                              </a:solidFill>
+                              <a:latin typeface="Cambria Math" panose="02040503050406030204" pitchFamily="18" charset="0"/>
+                            </a:rPr>
+                            <m:t>𝑚</m:t>
+                          </m:r>
+                          <m:r>
+                            <a:rPr lang="en-US" altLang="zh-CN" i="1">
+                              <a:solidFill>
+                                <a:schemeClr val="tx1"/>
+                              </a:solidFill>
+                              <a:latin typeface="Cambria Math" panose="02040503050406030204" pitchFamily="18" charset="0"/>
+                            </a:rPr>
+                            <m:t>1</m:t>
+                          </m:r>
+                        </m:e>
+                      </m:d>
+                      <m:r>
+                        <m:rPr>
+                          <m:aln/>
+                        </m:rPr>
+                        <a:rPr lang="en-US" b="0" i="1" smtClean="0">
+                          <a:solidFill>
+                            <a:schemeClr val="tx1"/>
+                          </a:solidFill>
+                          <a:latin typeface="Cambria Math" panose="02040503050406030204" pitchFamily="18" charset="0"/>
+                        </a:rPr>
+                        <m:t>=</m:t>
+                      </m:r>
+                      <m:r>
+                        <a:rPr lang="en-US" i="1">
+                          <a:solidFill>
+                            <a:schemeClr val="tx1"/>
+                          </a:solidFill>
+                          <a:latin typeface="Cambria Math" panose="02040503050406030204" pitchFamily="18" charset="0"/>
+                        </a:rPr>
+                        <m:t>7.684</m:t>
+                      </m:r>
+                      <m:r>
+                        <a:rPr lang="en-US" b="0" i="1" smtClean="0">
+                          <a:solidFill>
+                            <a:schemeClr val="tx1"/>
+                          </a:solidFill>
+                          <a:latin typeface="Cambria Math" panose="02040503050406030204" pitchFamily="18" charset="0"/>
+                        </a:rPr>
+                        <m:t>9</m:t>
+                      </m:r>
+                    </m:oMath>
+                    <m:oMath xmlns:m="http://schemas.openxmlformats.org/officeDocument/2006/math">
+                      <m:r>
+                        <a:rPr lang="en-US" b="0" i="1" smtClean="0">
+                          <a:solidFill>
+                            <a:schemeClr val="tx1"/>
+                          </a:solidFill>
+                          <a:latin typeface="Cambria Math" panose="02040503050406030204" pitchFamily="18" charset="0"/>
+                        </a:rPr>
+                        <m:t>𝑠𝑡𝑜𝑐𝑘</m:t>
+                      </m:r>
+                      <m:d>
+                        <m:dPr>
+                          <m:ctrlPr>
+                            <a:rPr lang="en-US" b="0" i="1" smtClean="0">
+                              <a:solidFill>
+                                <a:schemeClr val="tx1"/>
+                              </a:solidFill>
+                              <a:latin typeface="Cambria Math" panose="02040503050406030204" pitchFamily="18" charset="0"/>
+                            </a:rPr>
+                          </m:ctrlPr>
+                        </m:dPr>
+                        <m:e>
+                          <m:r>
+                            <a:rPr lang="en-US" b="0" i="1" smtClean="0">
+                              <a:solidFill>
+                                <a:schemeClr val="tx1"/>
+                              </a:solidFill>
+                              <a:latin typeface="Cambria Math" panose="02040503050406030204" pitchFamily="18" charset="0"/>
+                            </a:rPr>
+                            <m:t>𝑚</m:t>
+                          </m:r>
+                          <m:r>
+                            <a:rPr lang="en-US" b="0" i="1" smtClean="0">
+                              <a:solidFill>
+                                <a:schemeClr val="tx1"/>
+                              </a:solidFill>
+                              <a:latin typeface="Cambria Math" panose="02040503050406030204" pitchFamily="18" charset="0"/>
+                            </a:rPr>
+                            <m:t>2</m:t>
+                          </m:r>
+                        </m:e>
+                      </m:d>
+                      <m:r>
+                        <m:rPr>
+                          <m:aln/>
+                        </m:rPr>
+                        <a:rPr lang="en-US" b="0" i="1" smtClean="0">
+                          <a:solidFill>
+                            <a:schemeClr val="tx1"/>
+                          </a:solidFill>
+                          <a:latin typeface="Cambria Math" panose="02040503050406030204" pitchFamily="18" charset="0"/>
+                        </a:rPr>
+                        <m:t>=</m:t>
+                      </m:r>
+                      <m:r>
+                        <a:rPr lang="en-US" i="1">
+                          <a:solidFill>
+                            <a:schemeClr val="tx1"/>
+                          </a:solidFill>
+                          <a:latin typeface="Cambria Math" panose="02040503050406030204" pitchFamily="18" charset="0"/>
+                        </a:rPr>
+                        <m:t>5.393</m:t>
+                      </m:r>
+                      <m:r>
+                        <a:rPr lang="en-US" b="0" i="1" smtClean="0">
+                          <a:solidFill>
+                            <a:schemeClr val="tx1"/>
+                          </a:solidFill>
+                          <a:latin typeface="Cambria Math" panose="02040503050406030204" pitchFamily="18" charset="0"/>
+                        </a:rPr>
+                        <m:t>5</m:t>
+                      </m:r>
+                    </m:oMath>
+                  </m:oMathPara>
+                </a14:m>
+                <a:endParaRPr lang="en-US" b="0" dirty="0">
+                  <a:solidFill>
+                    <a:schemeClr val="tx1"/>
+                  </a:solidFill>
+                </a:endParaRPr>
+              </a:p>
+            </p:txBody>
+          </p:sp>
+        </mc:Choice>
+        <mc:Fallback xmlns="">
+          <p:sp>
+            <p:nvSpPr>
+              <p:cNvPr id="65" name="Rectangle 64">
+                <a:extLst>
+                  <a:ext uri="{FF2B5EF4-FFF2-40B4-BE49-F238E27FC236}">
+                    <a16:creationId xmlns:a16="http://schemas.microsoft.com/office/drawing/2014/main" id="{4F690B5E-D300-4D4C-B988-E56B94568A7E}"/>
+                  </a:ext>
+                </a:extLst>
+              </p:cNvPr>
+              <p:cNvSpPr>
+                <a:spLocks noRot="1" noChangeAspect="1" noMove="1" noResize="1" noEditPoints="1" noAdjustHandles="1" noChangeArrowheads="1" noChangeShapeType="1" noTextEdit="1"/>
+              </p:cNvSpPr>
+              <p:nvPr/>
+            </p:nvSpPr>
+            <p:spPr>
+              <a:xfrm>
+                <a:off x="429846" y="4440604"/>
+                <a:ext cx="2716812" cy="1090246"/>
+              </a:xfrm>
+              <a:prstGeom prst="rect">
+                <a:avLst/>
+              </a:prstGeom>
+              <a:blipFill>
+                <a:blip r:embed="rId6"/>
+                <a:stretch>
+                  <a:fillRect b="-2210"/>
+                </a:stretch>
+              </a:blipFill>
+              <a:ln>
+                <a:solidFill>
+                  <a:schemeClr val="tx1"/>
+                </a:solidFill>
+              </a:ln>
+            </p:spPr>
+            <p:txBody>
+              <a:bodyPr/>
+              <a:lstStyle/>
+              <a:p>
+                <a:r>
+                  <a:rPr lang="en-US">
+                    <a:noFill/>
+                  </a:rPr>
+                  <a:t> </a:t>
+                </a:r>
+              </a:p>
+            </p:txBody>
+          </p:sp>
+        </mc:Fallback>
+      </mc:AlternateContent>
+      <mc:AlternateContent xmlns:mc="http://schemas.openxmlformats.org/markup-compatibility/2006">
+        <mc:Choice xmlns:a14="http://schemas.microsoft.com/office/drawing/2010/main" Requires="a14">
+          <p:sp>
+            <p:nvSpPr>
+              <p:cNvPr id="17" name="TextBox 16">
+                <a:extLst>
+                  <a:ext uri="{FF2B5EF4-FFF2-40B4-BE49-F238E27FC236}">
+                    <a16:creationId xmlns:a16="http://schemas.microsoft.com/office/drawing/2014/main" id="{400BD366-F3C8-4FD0-8C0E-D934C71C6BD0}"/>
+                  </a:ext>
+                </a:extLst>
+              </p:cNvPr>
+              <p:cNvSpPr txBox="1"/>
+              <p:nvPr/>
+            </p:nvSpPr>
+            <p:spPr>
+              <a:xfrm rot="20144516">
+                <a:off x="4822334" y="2079587"/>
+                <a:ext cx="940899" cy="253916"/>
+              </a:xfrm>
+              <a:prstGeom prst="rect">
+                <a:avLst/>
+              </a:prstGeom>
+              <a:noFill/>
+            </p:spPr>
+            <p:txBody>
+              <a:bodyPr wrap="none" rtlCol="0">
+                <a:spAutoFit/>
+              </a:bodyPr>
+              <a:lstStyle/>
+              <a:p>
+                <a:pPr/>
+                <a14:m>
+                  <m:oMathPara xmlns:m="http://schemas.openxmlformats.org/officeDocument/2006/math">
+                    <m:oMathParaPr>
+                      <m:jc m:val="centerGroup"/>
+                    </m:oMathParaPr>
+                    <m:oMath xmlns:m="http://schemas.openxmlformats.org/officeDocument/2006/math">
+                      <m:r>
+                        <a:rPr lang="en-US" sz="1050" i="1" smtClean="0">
+                          <a:latin typeface="Cambria Math" panose="02040503050406030204" pitchFamily="18" charset="0"/>
+                        </a:rPr>
+                        <m:t>0.454</m:t>
+                      </m:r>
+                      <m:r>
+                        <a:rPr lang="en-US" sz="1050" b="0" i="1" smtClean="0">
+                          <a:latin typeface="Cambria Math" panose="02040503050406030204" pitchFamily="18" charset="0"/>
+                        </a:rPr>
+                        <m:t>9 </m:t>
+                      </m:r>
+                      <m:r>
+                        <a:rPr lang="en-US" sz="1050" b="0" i="1" smtClean="0">
+                          <a:latin typeface="Cambria Math" panose="02040503050406030204" pitchFamily="18" charset="0"/>
+                        </a:rPr>
+                        <m:t>@ </m:t>
+                      </m:r>
+                      <m:sSub>
+                        <m:sSubPr>
+                          <m:ctrlPr>
+                            <a:rPr lang="en-US" sz="1050" b="0" i="1" smtClean="0">
+                              <a:latin typeface="Cambria Math" panose="02040503050406030204" pitchFamily="18" charset="0"/>
+                            </a:rPr>
+                          </m:ctrlPr>
+                        </m:sSubPr>
+                        <m:e>
+                          <m:r>
+                            <a:rPr lang="en-US" sz="1050" b="0" i="1" smtClean="0">
+                              <a:latin typeface="Cambria Math" panose="02040503050406030204" pitchFamily="18" charset="0"/>
+                            </a:rPr>
+                            <m:t>𝐾</m:t>
+                          </m:r>
+                        </m:e>
+                        <m:sub>
+                          <m:r>
+                            <a:rPr lang="en-US" sz="1050" b="0" i="1" smtClean="0">
+                              <a:latin typeface="Cambria Math" panose="02040503050406030204" pitchFamily="18" charset="0"/>
+                            </a:rPr>
+                            <m:t>2</m:t>
+                          </m:r>
+                        </m:sub>
+                      </m:sSub>
+                    </m:oMath>
+                  </m:oMathPara>
+                </a14:m>
+                <a:endParaRPr lang="en-US" sz="1050" dirty="0"/>
+              </a:p>
+            </p:txBody>
+          </p:sp>
+        </mc:Choice>
+        <mc:Fallback>
+          <p:sp>
+            <p:nvSpPr>
+              <p:cNvPr id="17" name="TextBox 16">
+                <a:extLst>
+                  <a:ext uri="{FF2B5EF4-FFF2-40B4-BE49-F238E27FC236}">
+                    <a16:creationId xmlns:a16="http://schemas.microsoft.com/office/drawing/2014/main" id="{400BD366-F3C8-4FD0-8C0E-D934C71C6BD0}"/>
+                  </a:ext>
+                </a:extLst>
+              </p:cNvPr>
+              <p:cNvSpPr txBox="1">
+                <a:spLocks noRot="1" noChangeAspect="1" noMove="1" noResize="1" noEditPoints="1" noAdjustHandles="1" noChangeArrowheads="1" noChangeShapeType="1" noTextEdit="1"/>
+              </p:cNvSpPr>
+              <p:nvPr/>
+            </p:nvSpPr>
+            <p:spPr>
+              <a:xfrm rot="20144516">
+                <a:off x="4822334" y="2079587"/>
+                <a:ext cx="940899" cy="253916"/>
+              </a:xfrm>
+              <a:prstGeom prst="rect">
+                <a:avLst/>
+              </a:prstGeom>
+              <a:blipFill>
+                <a:blip r:embed="rId7"/>
+                <a:stretch>
+                  <a:fillRect/>
+                </a:stretch>
+              </a:blipFill>
+            </p:spPr>
+            <p:txBody>
+              <a:bodyPr/>
+              <a:lstStyle/>
+              <a:p>
+                <a:r>
+                  <a:rPr lang="en-US">
+                    <a:noFill/>
+                  </a:rPr>
+                  <a:t> </a:t>
+                </a:r>
+              </a:p>
+            </p:txBody>
+          </p:sp>
+        </mc:Fallback>
+      </mc:AlternateContent>
+      <mc:AlternateContent xmlns:mc="http://schemas.openxmlformats.org/markup-compatibility/2006">
+        <mc:Choice xmlns:a14="http://schemas.microsoft.com/office/drawing/2010/main" Requires="a14">
+          <p:sp>
+            <p:nvSpPr>
+              <p:cNvPr id="18" name="TextBox 17">
+                <a:extLst>
+                  <a:ext uri="{FF2B5EF4-FFF2-40B4-BE49-F238E27FC236}">
+                    <a16:creationId xmlns:a16="http://schemas.microsoft.com/office/drawing/2014/main" id="{311FD4AB-6D0A-4478-AA36-3F090BD204D4}"/>
+                  </a:ext>
+                </a:extLst>
+              </p:cNvPr>
+              <p:cNvSpPr txBox="1"/>
+              <p:nvPr/>
+            </p:nvSpPr>
+            <p:spPr>
+              <a:xfrm rot="1360292">
+                <a:off x="4904555" y="5201611"/>
+                <a:ext cx="960328" cy="253980"/>
+              </a:xfrm>
+              <a:prstGeom prst="rect">
+                <a:avLst/>
+              </a:prstGeom>
+              <a:noFill/>
+            </p:spPr>
+            <p:txBody>
+              <a:bodyPr wrap="none" rtlCol="0">
+                <a:spAutoFit/>
+              </a:bodyPr>
+              <a:lstStyle/>
+              <a:p>
+                <a:pPr/>
+                <a14:m>
+                  <m:oMathPara xmlns:m="http://schemas.openxmlformats.org/officeDocument/2006/math">
+                    <m:oMathParaPr>
+                      <m:jc m:val="centerGroup"/>
+                    </m:oMathParaPr>
+                    <m:oMath xmlns:m="http://schemas.openxmlformats.org/officeDocument/2006/math">
+                      <m:r>
+                        <a:rPr lang="en-US" sz="1050" i="1" smtClean="0">
+                          <a:latin typeface="Cambria Math" panose="02040503050406030204" pitchFamily="18" charset="0"/>
+                        </a:rPr>
+                        <m:t>0.0342</m:t>
+                      </m:r>
+                      <m:r>
+                        <a:rPr lang="en-US" sz="1050" b="0" i="1" smtClean="0">
+                          <a:latin typeface="Cambria Math" panose="02040503050406030204" pitchFamily="18" charset="0"/>
+                        </a:rPr>
+                        <m:t> </m:t>
+                      </m:r>
+                      <m:r>
+                        <a:rPr lang="en-US" sz="1050" b="0" i="1" smtClean="0">
+                          <a:latin typeface="Cambria Math" panose="02040503050406030204" pitchFamily="18" charset="0"/>
+                        </a:rPr>
+                        <m:t>@ </m:t>
+                      </m:r>
+                      <m:sSub>
+                        <m:sSubPr>
+                          <m:ctrlPr>
+                            <a:rPr lang="en-US" sz="1050" b="0" i="1" smtClean="0">
+                              <a:latin typeface="Cambria Math" panose="02040503050406030204" pitchFamily="18" charset="0"/>
+                            </a:rPr>
+                          </m:ctrlPr>
+                        </m:sSubPr>
+                        <m:e>
+                          <m:r>
+                            <a:rPr lang="en-US" sz="1050" b="0" i="1" smtClean="0">
+                              <a:latin typeface="Cambria Math" panose="02040503050406030204" pitchFamily="18" charset="0"/>
+                            </a:rPr>
+                            <m:t>𝐾</m:t>
+                          </m:r>
+                        </m:e>
+                        <m:sub>
+                          <m:r>
+                            <a:rPr lang="en-US" sz="1050" b="0" i="1" smtClean="0">
+                              <a:latin typeface="Cambria Math" panose="02040503050406030204" pitchFamily="18" charset="0"/>
+                            </a:rPr>
+                            <m:t>2</m:t>
+                          </m:r>
+                        </m:sub>
+                      </m:sSub>
+                    </m:oMath>
+                  </m:oMathPara>
+                </a14:m>
+                <a:br>
+                  <a:rPr lang="en-US" sz="1050" b="0" dirty="0"/>
+                </a:br>
+                <a:endParaRPr lang="en-US" sz="1050" dirty="0"/>
+              </a:p>
+            </p:txBody>
+          </p:sp>
+        </mc:Choice>
+        <mc:Fallback>
+          <p:sp>
+            <p:nvSpPr>
+              <p:cNvPr id="18" name="TextBox 17">
+                <a:extLst>
+                  <a:ext uri="{FF2B5EF4-FFF2-40B4-BE49-F238E27FC236}">
+                    <a16:creationId xmlns:a16="http://schemas.microsoft.com/office/drawing/2014/main" id="{311FD4AB-6D0A-4478-AA36-3F090BD204D4}"/>
+                  </a:ext>
+                </a:extLst>
+              </p:cNvPr>
+              <p:cNvSpPr txBox="1">
+                <a:spLocks noRot="1" noChangeAspect="1" noMove="1" noResize="1" noEditPoints="1" noAdjustHandles="1" noChangeArrowheads="1" noChangeShapeType="1" noTextEdit="1"/>
+              </p:cNvSpPr>
+              <p:nvPr/>
+            </p:nvSpPr>
+            <p:spPr>
+              <a:xfrm rot="1360292">
+                <a:off x="4904555" y="5201611"/>
+                <a:ext cx="960328" cy="253980"/>
+              </a:xfrm>
+              <a:prstGeom prst="rect">
+                <a:avLst/>
+              </a:prstGeom>
+              <a:blipFill>
+                <a:blip r:embed="rId8"/>
+                <a:stretch>
+                  <a:fillRect/>
+                </a:stretch>
+              </a:blipFill>
+            </p:spPr>
+            <p:txBody>
+              <a:bodyPr/>
+              <a:lstStyle/>
+              <a:p>
+                <a:r>
+                  <a:rPr lang="en-US">
+                    <a:noFill/>
+                  </a:rPr>
+                  <a:t> </a:t>
+                </a:r>
+              </a:p>
+            </p:txBody>
+          </p:sp>
+        </mc:Fallback>
+      </mc:AlternateContent>
+      <mc:AlternateContent xmlns:mc="http://schemas.openxmlformats.org/markup-compatibility/2006">
+        <mc:Choice xmlns:a14="http://schemas.microsoft.com/office/drawing/2010/main" Requires="a14">
+          <p:sp>
+            <p:nvSpPr>
+              <p:cNvPr id="19" name="TextBox 18">
+                <a:extLst>
+                  <a:ext uri="{FF2B5EF4-FFF2-40B4-BE49-F238E27FC236}">
+                    <a16:creationId xmlns:a16="http://schemas.microsoft.com/office/drawing/2014/main" id="{D97814A0-2A2B-41F9-B6F6-4504F92B1D11}"/>
+                  </a:ext>
+                </a:extLst>
+              </p:cNvPr>
+              <p:cNvSpPr txBox="1"/>
+              <p:nvPr/>
+            </p:nvSpPr>
+            <p:spPr>
+              <a:xfrm>
+                <a:off x="5347571" y="3516243"/>
+                <a:ext cx="960328" cy="253980"/>
+              </a:xfrm>
+              <a:prstGeom prst="rect">
+                <a:avLst/>
+              </a:prstGeom>
+              <a:noFill/>
+            </p:spPr>
+            <p:txBody>
+              <a:bodyPr wrap="none" rtlCol="0">
+                <a:spAutoFit/>
+              </a:bodyPr>
+              <a:lstStyle/>
+              <a:p>
+                <a:pPr/>
+                <a14:m>
+                  <m:oMathPara xmlns:m="http://schemas.openxmlformats.org/officeDocument/2006/math">
+                    <m:oMathParaPr>
+                      <m:jc m:val="centerGroup"/>
+                    </m:oMathParaPr>
+                    <m:oMath xmlns:m="http://schemas.openxmlformats.org/officeDocument/2006/math">
+                      <m:r>
+                        <a:rPr lang="en-US" sz="1050" i="1" smtClean="0">
+                          <a:latin typeface="Cambria Math" panose="02040503050406030204" pitchFamily="18" charset="0"/>
+                        </a:rPr>
+                        <m:t>0.5109</m:t>
+                      </m:r>
+                      <m:r>
+                        <a:rPr lang="en-US" sz="1050" b="0" i="1" smtClean="0">
+                          <a:latin typeface="Cambria Math" panose="02040503050406030204" pitchFamily="18" charset="0"/>
+                        </a:rPr>
+                        <m:t> </m:t>
+                      </m:r>
+                      <m:r>
+                        <a:rPr lang="en-US" sz="1050" b="0" i="1" smtClean="0">
+                          <a:latin typeface="Cambria Math" panose="02040503050406030204" pitchFamily="18" charset="0"/>
+                        </a:rPr>
+                        <m:t>@ </m:t>
+                      </m:r>
+                      <m:sSub>
+                        <m:sSubPr>
+                          <m:ctrlPr>
+                            <a:rPr lang="en-US" sz="1050" b="0" i="1" smtClean="0">
+                              <a:latin typeface="Cambria Math" panose="02040503050406030204" pitchFamily="18" charset="0"/>
+                            </a:rPr>
+                          </m:ctrlPr>
+                        </m:sSubPr>
+                        <m:e>
+                          <m:r>
+                            <a:rPr lang="en-US" sz="1050" b="0" i="1" smtClean="0">
+                              <a:latin typeface="Cambria Math" panose="02040503050406030204" pitchFamily="18" charset="0"/>
+                            </a:rPr>
+                            <m:t>𝐾</m:t>
+                          </m:r>
+                        </m:e>
+                        <m:sub>
+                          <m:r>
+                            <a:rPr lang="en-US" sz="1050" b="0" i="1" smtClean="0">
+                              <a:latin typeface="Cambria Math" panose="02040503050406030204" pitchFamily="18" charset="0"/>
+                            </a:rPr>
+                            <m:t>2</m:t>
+                          </m:r>
+                        </m:sub>
+                      </m:sSub>
+                    </m:oMath>
+                  </m:oMathPara>
+                </a14:m>
+                <a:br>
+                  <a:rPr lang="en-US" sz="1050" b="0" dirty="0"/>
+                </a:br>
+                <a:endParaRPr lang="en-US" sz="1050" dirty="0"/>
+              </a:p>
+            </p:txBody>
+          </p:sp>
+        </mc:Choice>
+        <mc:Fallback>
+          <p:sp>
+            <p:nvSpPr>
+              <p:cNvPr id="19" name="TextBox 18">
+                <a:extLst>
+                  <a:ext uri="{FF2B5EF4-FFF2-40B4-BE49-F238E27FC236}">
+                    <a16:creationId xmlns:a16="http://schemas.microsoft.com/office/drawing/2014/main" id="{D97814A0-2A2B-41F9-B6F6-4504F92B1D11}"/>
+                  </a:ext>
+                </a:extLst>
+              </p:cNvPr>
+              <p:cNvSpPr txBox="1">
+                <a:spLocks noRot="1" noChangeAspect="1" noMove="1" noResize="1" noEditPoints="1" noAdjustHandles="1" noChangeArrowheads="1" noChangeShapeType="1" noTextEdit="1"/>
+              </p:cNvSpPr>
+              <p:nvPr/>
+            </p:nvSpPr>
+            <p:spPr>
+              <a:xfrm>
+                <a:off x="5347571" y="3516243"/>
+                <a:ext cx="960328" cy="253980"/>
+              </a:xfrm>
+              <a:prstGeom prst="rect">
+                <a:avLst/>
+              </a:prstGeom>
+              <a:blipFill>
+                <a:blip r:embed="rId9"/>
+                <a:stretch>
+                  <a:fillRect/>
+                </a:stretch>
+              </a:blipFill>
+            </p:spPr>
+            <p:txBody>
+              <a:bodyPr/>
+              <a:lstStyle/>
+              <a:p>
+                <a:r>
+                  <a:rPr lang="en-US">
+                    <a:noFill/>
+                  </a:rPr>
+                  <a:t> </a:t>
+                </a:r>
+              </a:p>
+            </p:txBody>
+          </p:sp>
+        </mc:Fallback>
+      </mc:AlternateContent>
+      <mc:AlternateContent xmlns:mc="http://schemas.openxmlformats.org/markup-compatibility/2006">
+        <mc:Choice xmlns:a14="http://schemas.microsoft.com/office/drawing/2010/main" Requires="a14">
+          <p:sp>
+            <p:nvSpPr>
+              <p:cNvPr id="21" name="TextBox 20">
+                <a:extLst>
+                  <a:ext uri="{FF2B5EF4-FFF2-40B4-BE49-F238E27FC236}">
+                    <a16:creationId xmlns:a16="http://schemas.microsoft.com/office/drawing/2014/main" id="{F72FF903-DFBB-4688-9D76-544F4C7F2DF1}"/>
+                  </a:ext>
+                </a:extLst>
+              </p:cNvPr>
+              <p:cNvSpPr txBox="1"/>
+              <p:nvPr/>
+            </p:nvSpPr>
+            <p:spPr>
+              <a:xfrm rot="1292289">
+                <a:off x="8783145" y="1994671"/>
+                <a:ext cx="1002582" cy="415563"/>
+              </a:xfrm>
+              <a:prstGeom prst="rect">
+                <a:avLst/>
+              </a:prstGeom>
+              <a:noFill/>
+            </p:spPr>
+            <p:txBody>
+              <a:bodyPr wrap="none" rtlCol="0">
+                <a:spAutoFit/>
+              </a:bodyPr>
+              <a:lstStyle/>
+              <a:p>
+                <a14:m>
+                  <m:oMathPara xmlns:m="http://schemas.openxmlformats.org/officeDocument/2006/math">
+                    <m:oMathParaPr>
+                      <m:jc m:val="centerGroup"/>
+                    </m:oMathParaPr>
+                    <m:oMath xmlns:m="http://schemas.openxmlformats.org/officeDocument/2006/math">
+                      <m:r>
+                        <a:rPr lang="en-US" sz="1050" b="0" i="1" smtClean="0">
+                          <a:latin typeface="Cambria Math" panose="02040503050406030204" pitchFamily="18" charset="0"/>
+                        </a:rPr>
+                        <m:t>0.0371</m:t>
+                      </m:r>
+                      <m:r>
+                        <a:rPr lang="en-US" sz="1050" i="1">
+                          <a:latin typeface="Cambria Math" panose="02040503050406030204" pitchFamily="18" charset="0"/>
+                        </a:rPr>
+                        <m:t> @ </m:t>
+                      </m:r>
+                      <m:sSub>
+                        <m:sSubPr>
+                          <m:ctrlPr>
+                            <a:rPr lang="en-US" sz="1050" i="1">
+                              <a:latin typeface="Cambria Math" panose="02040503050406030204" pitchFamily="18" charset="0"/>
+                            </a:rPr>
+                          </m:ctrlPr>
+                        </m:sSubPr>
+                        <m:e>
+                          <m:r>
+                            <a:rPr lang="en-US" sz="1050" i="1">
+                              <a:latin typeface="Cambria Math" panose="02040503050406030204" pitchFamily="18" charset="0"/>
+                            </a:rPr>
+                            <m:t>𝐾</m:t>
+                          </m:r>
+                        </m:e>
+                        <m:sub>
+                          <m:r>
+                            <a:rPr lang="en-US" sz="1050" b="0" i="1" smtClean="0">
+                              <a:latin typeface="Cambria Math" panose="02040503050406030204" pitchFamily="18" charset="0"/>
+                            </a:rPr>
+                            <m:t>1</m:t>
+                          </m:r>
+                        </m:sub>
+                      </m:sSub>
+                    </m:oMath>
+                    <m:oMath xmlns:m="http://schemas.openxmlformats.org/officeDocument/2006/math">
+                      <m:r>
+                        <a:rPr lang="en-US" sz="1050" i="1">
+                          <a:latin typeface="Cambria Math" panose="02040503050406030204" pitchFamily="18" charset="0"/>
+                        </a:rPr>
+                        <m:t>0.0978</m:t>
+                      </m:r>
+                      <m:r>
+                        <a:rPr lang="en-US" sz="1050" i="1">
+                          <a:latin typeface="Cambria Math" panose="02040503050406030204" pitchFamily="18" charset="0"/>
+                        </a:rPr>
+                        <m:t> @ </m:t>
+                      </m:r>
+                      <m:sSub>
+                        <m:sSubPr>
+                          <m:ctrlPr>
+                            <a:rPr lang="en-US" sz="1050" i="1">
+                              <a:latin typeface="Cambria Math" panose="02040503050406030204" pitchFamily="18" charset="0"/>
+                            </a:rPr>
+                          </m:ctrlPr>
+                        </m:sSubPr>
+                        <m:e>
+                          <m:r>
+                            <a:rPr lang="en-US" sz="1050" i="1">
+                              <a:latin typeface="Cambria Math" panose="02040503050406030204" pitchFamily="18" charset="0"/>
+                            </a:rPr>
+                            <m:t>𝐾</m:t>
+                          </m:r>
+                        </m:e>
+                        <m:sub>
+                          <m:r>
+                            <a:rPr lang="en-US" sz="1050" i="1">
+                              <a:latin typeface="Cambria Math" panose="02040503050406030204" pitchFamily="18" charset="0"/>
+                            </a:rPr>
+                            <m:t>2</m:t>
+                          </m:r>
+                        </m:sub>
+                      </m:sSub>
+                    </m:oMath>
+                  </m:oMathPara>
+                </a14:m>
+                <a:br>
+                  <a:rPr lang="en-US" sz="1050" dirty="0"/>
+                </a:br>
+                <a:endParaRPr lang="en-US" sz="1050" dirty="0"/>
+              </a:p>
+            </p:txBody>
+          </p:sp>
+        </mc:Choice>
+        <mc:Fallback>
+          <p:sp>
+            <p:nvSpPr>
+              <p:cNvPr id="21" name="TextBox 20">
+                <a:extLst>
+                  <a:ext uri="{FF2B5EF4-FFF2-40B4-BE49-F238E27FC236}">
+                    <a16:creationId xmlns:a16="http://schemas.microsoft.com/office/drawing/2014/main" id="{F72FF903-DFBB-4688-9D76-544F4C7F2DF1}"/>
+                  </a:ext>
+                </a:extLst>
+              </p:cNvPr>
+              <p:cNvSpPr txBox="1">
+                <a:spLocks noRot="1" noChangeAspect="1" noMove="1" noResize="1" noEditPoints="1" noAdjustHandles="1" noChangeArrowheads="1" noChangeShapeType="1" noTextEdit="1"/>
+              </p:cNvSpPr>
+              <p:nvPr/>
+            </p:nvSpPr>
+            <p:spPr>
+              <a:xfrm rot="1292289">
+                <a:off x="8783145" y="1994671"/>
+                <a:ext cx="1002582" cy="415563"/>
+              </a:xfrm>
+              <a:prstGeom prst="rect">
+                <a:avLst/>
+              </a:prstGeom>
+              <a:blipFill>
+                <a:blip r:embed="rId10"/>
+                <a:stretch>
+                  <a:fillRect/>
+                </a:stretch>
+              </a:blipFill>
+            </p:spPr>
+            <p:txBody>
+              <a:bodyPr/>
+              <a:lstStyle/>
+              <a:p>
+                <a:r>
+                  <a:rPr lang="en-US">
+                    <a:noFill/>
+                  </a:rPr>
+                  <a:t> </a:t>
+                </a:r>
+              </a:p>
+            </p:txBody>
+          </p:sp>
+        </mc:Fallback>
+      </mc:AlternateContent>
+      <mc:AlternateContent xmlns:mc="http://schemas.openxmlformats.org/markup-compatibility/2006">
+        <mc:Choice xmlns:a14="http://schemas.microsoft.com/office/drawing/2010/main" Requires="a14">
+          <p:sp>
+            <p:nvSpPr>
+              <p:cNvPr id="22" name="TextBox 21">
+                <a:extLst>
+                  <a:ext uri="{FF2B5EF4-FFF2-40B4-BE49-F238E27FC236}">
+                    <a16:creationId xmlns:a16="http://schemas.microsoft.com/office/drawing/2014/main" id="{7E176ABD-F134-4F53-B192-1A78A1133107}"/>
+                  </a:ext>
+                </a:extLst>
+              </p:cNvPr>
+              <p:cNvSpPr txBox="1"/>
+              <p:nvPr/>
+            </p:nvSpPr>
+            <p:spPr>
+              <a:xfrm rot="5400000">
+                <a:off x="7281749" y="2863056"/>
+                <a:ext cx="954749" cy="253980"/>
+              </a:xfrm>
+              <a:prstGeom prst="rect">
+                <a:avLst/>
+              </a:prstGeom>
+              <a:noFill/>
+            </p:spPr>
+            <p:txBody>
+              <a:bodyPr wrap="none" rtlCol="0">
+                <a:spAutoFit/>
+              </a:bodyPr>
+              <a:lstStyle/>
+              <a:p>
+                <a:pPr/>
+                <a14:m>
+                  <m:oMathPara xmlns:m="http://schemas.openxmlformats.org/officeDocument/2006/math">
+                    <m:oMathParaPr>
+                      <m:jc m:val="centerGroup"/>
+                    </m:oMathParaPr>
+                    <m:oMath xmlns:m="http://schemas.openxmlformats.org/officeDocument/2006/math">
+                      <m:r>
+                        <a:rPr lang="en-US" sz="1050" i="1" smtClean="0">
+                          <a:latin typeface="Cambria Math" panose="02040503050406030204" pitchFamily="18" charset="0"/>
+                        </a:rPr>
+                        <m:t>0.647</m:t>
+                      </m:r>
+                      <m:r>
+                        <a:rPr lang="en-US" sz="1050" b="0" i="1" smtClean="0">
+                          <a:latin typeface="Cambria Math" panose="02040503050406030204" pitchFamily="18" charset="0"/>
+                        </a:rPr>
+                        <m:t>3 </m:t>
+                      </m:r>
+                      <m:r>
+                        <a:rPr lang="en-US" sz="1050" b="0" i="1" smtClean="0">
+                          <a:latin typeface="Cambria Math" panose="02040503050406030204" pitchFamily="18" charset="0"/>
+                        </a:rPr>
+                        <m:t>@ </m:t>
+                      </m:r>
+                      <m:sSub>
+                        <m:sSubPr>
+                          <m:ctrlPr>
+                            <a:rPr lang="en-US" sz="1050" b="0" i="1" smtClean="0">
+                              <a:latin typeface="Cambria Math" panose="02040503050406030204" pitchFamily="18" charset="0"/>
+                            </a:rPr>
+                          </m:ctrlPr>
+                        </m:sSubPr>
+                        <m:e>
+                          <m:r>
+                            <a:rPr lang="en-US" sz="1050" b="0" i="1" smtClean="0">
+                              <a:latin typeface="Cambria Math" panose="02040503050406030204" pitchFamily="18" charset="0"/>
+                            </a:rPr>
+                            <m:t>𝐾</m:t>
+                          </m:r>
+                        </m:e>
+                        <m:sub>
+                          <m:r>
+                            <a:rPr lang="en-US" sz="1050" b="0" i="1" smtClean="0">
+                              <a:latin typeface="Cambria Math" panose="02040503050406030204" pitchFamily="18" charset="0"/>
+                            </a:rPr>
+                            <m:t>1</m:t>
+                          </m:r>
+                        </m:sub>
+                      </m:sSub>
+                    </m:oMath>
+                  </m:oMathPara>
+                </a14:m>
+                <a:br>
+                  <a:rPr lang="en-US" sz="1050" b="0" dirty="0"/>
+                </a:br>
+                <a:endParaRPr lang="en-US" sz="1050" dirty="0"/>
+              </a:p>
+            </p:txBody>
+          </p:sp>
+        </mc:Choice>
+        <mc:Fallback>
+          <p:sp>
+            <p:nvSpPr>
+              <p:cNvPr id="22" name="TextBox 21">
+                <a:extLst>
+                  <a:ext uri="{FF2B5EF4-FFF2-40B4-BE49-F238E27FC236}">
+                    <a16:creationId xmlns:a16="http://schemas.microsoft.com/office/drawing/2014/main" id="{7E176ABD-F134-4F53-B192-1A78A1133107}"/>
+                  </a:ext>
+                </a:extLst>
+              </p:cNvPr>
+              <p:cNvSpPr txBox="1">
+                <a:spLocks noRot="1" noChangeAspect="1" noMove="1" noResize="1" noEditPoints="1" noAdjustHandles="1" noChangeArrowheads="1" noChangeShapeType="1" noTextEdit="1"/>
+              </p:cNvSpPr>
+              <p:nvPr/>
+            </p:nvSpPr>
+            <p:spPr>
+              <a:xfrm rot="5400000">
+                <a:off x="7281749" y="2863056"/>
+                <a:ext cx="954749" cy="253980"/>
+              </a:xfrm>
+              <a:prstGeom prst="rect">
+                <a:avLst/>
+              </a:prstGeom>
+              <a:blipFill>
+                <a:blip r:embed="rId11"/>
+                <a:stretch>
+                  <a:fillRect/>
+                </a:stretch>
+              </a:blipFill>
+            </p:spPr>
+            <p:txBody>
+              <a:bodyPr/>
+              <a:lstStyle/>
+              <a:p>
+                <a:r>
+                  <a:rPr lang="en-US">
+                    <a:noFill/>
+                  </a:rPr>
+                  <a:t> </a:t>
+                </a:r>
+              </a:p>
+            </p:txBody>
+          </p:sp>
+        </mc:Fallback>
+      </mc:AlternateContent>
+      <mc:AlternateContent xmlns:mc="http://schemas.openxmlformats.org/markup-compatibility/2006">
+        <mc:Choice xmlns:a14="http://schemas.microsoft.com/office/drawing/2010/main" Requires="a14">
+          <p:sp>
+            <p:nvSpPr>
+              <p:cNvPr id="23" name="TextBox 22">
+                <a:extLst>
+                  <a:ext uri="{FF2B5EF4-FFF2-40B4-BE49-F238E27FC236}">
+                    <a16:creationId xmlns:a16="http://schemas.microsoft.com/office/drawing/2014/main" id="{59DE576F-9960-44F8-955C-EECF2C566AB5}"/>
+                  </a:ext>
+                </a:extLst>
+              </p:cNvPr>
+              <p:cNvSpPr txBox="1"/>
+              <p:nvPr/>
+            </p:nvSpPr>
+            <p:spPr>
+              <a:xfrm rot="20149400">
+                <a:off x="8750604" y="5182759"/>
+                <a:ext cx="979564" cy="253980"/>
+              </a:xfrm>
+              <a:prstGeom prst="rect">
+                <a:avLst/>
+              </a:prstGeom>
+              <a:noFill/>
+            </p:spPr>
+            <p:txBody>
+              <a:bodyPr wrap="none" rtlCol="0">
+                <a:spAutoFit/>
+              </a:bodyPr>
+              <a:lstStyle/>
+              <a:p>
+                <a:pPr/>
+                <a14:m>
+                  <m:oMathPara xmlns:m="http://schemas.openxmlformats.org/officeDocument/2006/math">
+                    <m:oMathParaPr>
+                      <m:jc m:val="centerGroup"/>
+                    </m:oMathParaPr>
+                    <m:oMath xmlns:m="http://schemas.openxmlformats.org/officeDocument/2006/math">
+                      <m:r>
+                        <a:rPr lang="en-US" sz="1050" i="1" smtClean="0">
+                          <a:latin typeface="Cambria Math" panose="02040503050406030204" pitchFamily="18" charset="0"/>
+                        </a:rPr>
+                        <m:t>0.6391</m:t>
+                      </m:r>
+                      <m:r>
+                        <a:rPr lang="en-US" sz="1050" b="0" i="1" smtClean="0">
+                          <a:latin typeface="Cambria Math" panose="02040503050406030204" pitchFamily="18" charset="0"/>
+                        </a:rPr>
+                        <m:t> </m:t>
+                      </m:r>
+                      <m:r>
+                        <a:rPr lang="en-US" sz="1050" b="0" i="1" smtClean="0">
+                          <a:latin typeface="Cambria Math" panose="02040503050406030204" pitchFamily="18" charset="0"/>
+                        </a:rPr>
+                        <m:t>@ </m:t>
+                      </m:r>
+                      <m:sSub>
+                        <m:sSubPr>
+                          <m:ctrlPr>
+                            <a:rPr lang="en-US" sz="1050" b="0" i="1" smtClean="0">
+                              <a:latin typeface="Cambria Math" panose="02040503050406030204" pitchFamily="18" charset="0"/>
+                            </a:rPr>
+                          </m:ctrlPr>
+                        </m:sSubPr>
+                        <m:e>
+                          <m:r>
+                            <a:rPr lang="en-US" sz="1050" b="0" i="1" smtClean="0">
+                              <a:latin typeface="Cambria Math" panose="02040503050406030204" pitchFamily="18" charset="0"/>
+                            </a:rPr>
+                            <m:t>𝐾</m:t>
+                          </m:r>
+                        </m:e>
+                        <m:sub>
+                          <m:r>
+                            <a:rPr lang="en-US" sz="1050" b="0" i="1" smtClean="0">
+                              <a:latin typeface="Cambria Math" panose="02040503050406030204" pitchFamily="18" charset="0"/>
+                            </a:rPr>
+                            <m:t>2</m:t>
+                          </m:r>
+                        </m:sub>
+                      </m:sSub>
+                    </m:oMath>
+                  </m:oMathPara>
+                </a14:m>
+                <a:br>
+                  <a:rPr lang="en-US" sz="1050" b="0" dirty="0"/>
+                </a:br>
+                <a:endParaRPr lang="en-US" sz="1050" dirty="0"/>
+              </a:p>
+            </p:txBody>
+          </p:sp>
+        </mc:Choice>
+        <mc:Fallback>
+          <p:sp>
+            <p:nvSpPr>
+              <p:cNvPr id="23" name="TextBox 22">
+                <a:extLst>
+                  <a:ext uri="{FF2B5EF4-FFF2-40B4-BE49-F238E27FC236}">
+                    <a16:creationId xmlns:a16="http://schemas.microsoft.com/office/drawing/2014/main" id="{59DE576F-9960-44F8-955C-EECF2C566AB5}"/>
+                  </a:ext>
+                </a:extLst>
+              </p:cNvPr>
+              <p:cNvSpPr txBox="1">
+                <a:spLocks noRot="1" noChangeAspect="1" noMove="1" noResize="1" noEditPoints="1" noAdjustHandles="1" noChangeArrowheads="1" noChangeShapeType="1" noTextEdit="1"/>
+              </p:cNvSpPr>
+              <p:nvPr/>
+            </p:nvSpPr>
+            <p:spPr>
+              <a:xfrm rot="20149400">
+                <a:off x="8750604" y="5182759"/>
+                <a:ext cx="979564" cy="253980"/>
+              </a:xfrm>
+              <a:prstGeom prst="rect">
+                <a:avLst/>
+              </a:prstGeom>
+              <a:blipFill>
+                <a:blip r:embed="rId12"/>
+                <a:stretch>
+                  <a:fillRect/>
+                </a:stretch>
+              </a:blipFill>
+            </p:spPr>
+            <p:txBody>
+              <a:bodyPr/>
+              <a:lstStyle/>
+              <a:p>
+                <a:r>
+                  <a:rPr lang="en-US">
+                    <a:noFill/>
+                  </a:rPr>
+                  <a:t> </a:t>
+                </a:r>
+              </a:p>
+            </p:txBody>
+          </p:sp>
+        </mc:Fallback>
+      </mc:AlternateContent>
+    </p:spTree>
+    <p:extLst>
+      <p:ext uri="{BB962C8B-B14F-4D97-AF65-F5344CB8AC3E}">
+        <p14:creationId xmlns:p14="http://schemas.microsoft.com/office/powerpoint/2010/main" val="3603901592"/>
       </p:ext>
     </p:extLst>
   </p:cSld>
